--- a/docs2/manipulation221022sat.pptx
+++ b/docs2/manipulation221022sat.pptx
@@ -5,7 +5,7 @@
     <p:sldMasterId id="2147483660" r:id="rId1"/>
   </p:sldMasterIdLst>
   <p:notesMasterIdLst>
-    <p:notesMasterId r:id="rId9"/>
+    <p:notesMasterId r:id="rId15"/>
   </p:notesMasterIdLst>
   <p:sldIdLst>
     <p:sldId id="256" r:id="rId2"/>
@@ -15,6 +15,12 @@
     <p:sldId id="259" r:id="rId6"/>
     <p:sldId id="260" r:id="rId7"/>
     <p:sldId id="262" r:id="rId8"/>
+    <p:sldId id="268" r:id="rId9"/>
+    <p:sldId id="263" r:id="rId10"/>
+    <p:sldId id="264" r:id="rId11"/>
+    <p:sldId id="265" r:id="rId12"/>
+    <p:sldId id="266" r:id="rId13"/>
+    <p:sldId id="267" r:id="rId14"/>
   </p:sldIdLst>
   <p:sldSz cx="9144000" cy="6858000" type="screen4x3"/>
   <p:notesSz cx="6858000" cy="9144000"/>
@@ -3887,6 +3893,1531 @@
 </p:sld>
 </file>
 
+<file path=ppt/slides/slide10.xml><?xml version="1.0" encoding="utf-8"?>
+<p:sld xmlns:a="http://schemas.openxmlformats.org/drawingml/2006/main" xmlns:r="http://schemas.openxmlformats.org/officeDocument/2006/relationships" xmlns:p="http://schemas.openxmlformats.org/presentationml/2006/main">
+  <p:cSld>
+    <p:spTree>
+      <p:nvGrpSpPr>
+        <p:cNvPr id="1" name=""/>
+        <p:cNvGrpSpPr/>
+        <p:nvPr/>
+      </p:nvGrpSpPr>
+      <p:grpSpPr>
+        <a:xfrm>
+          <a:off x="0" y="0"/>
+          <a:ext cx="0" cy="0"/>
+          <a:chOff x="0" y="0"/>
+          <a:chExt cx="0" cy="0"/>
+        </a:xfrm>
+      </p:grpSpPr>
+      <p:sp>
+        <p:nvSpPr>
+          <p:cNvPr id="2" name="タイトル 1">
+            <a:extLst>
+              <a:ext uri="{FF2B5EF4-FFF2-40B4-BE49-F238E27FC236}">
+                <a16:creationId xmlns:a16="http://schemas.microsoft.com/office/drawing/2014/main" id="{83C8211A-1288-C4B1-71AF-E81561DEB19D}"/>
+              </a:ext>
+            </a:extLst>
+          </p:cNvPr>
+          <p:cNvSpPr>
+            <a:spLocks noGrp="1"/>
+          </p:cNvSpPr>
+          <p:nvPr>
+            <p:ph type="title"/>
+          </p:nvPr>
+        </p:nvSpPr>
+        <p:spPr>
+          <a:xfrm>
+            <a:off x="628650" y="277661"/>
+            <a:ext cx="7139774" cy="275697"/>
+          </a:xfrm>
+        </p:spPr>
+        <p:txBody>
+          <a:bodyPr>
+            <a:normAutofit fontScale="90000"/>
+          </a:bodyPr>
+          <a:lstStyle/>
+          <a:p>
+            <a:r>
+              <a:rPr kumimoji="1" lang="en-US" altLang="ja-JP" dirty="0"/>
+              <a:t>Example4.  From a pie chart.</a:t>
+            </a:r>
+            <a:endParaRPr kumimoji="1" lang="ja-JP" altLang="en-US"/>
+          </a:p>
+        </p:txBody>
+      </p:sp>
+      <p:sp>
+        <p:nvSpPr>
+          <p:cNvPr id="3" name="コンテンツ プレースホルダー 2">
+            <a:extLst>
+              <a:ext uri="{FF2B5EF4-FFF2-40B4-BE49-F238E27FC236}">
+                <a16:creationId xmlns:a16="http://schemas.microsoft.com/office/drawing/2014/main" id="{A5B263BB-C5B6-D386-04BE-C11600561360}"/>
+              </a:ext>
+            </a:extLst>
+          </p:cNvPr>
+          <p:cNvSpPr>
+            <a:spLocks noGrp="1"/>
+          </p:cNvSpPr>
+          <p:nvPr>
+            <p:ph idx="1"/>
+          </p:nvPr>
+        </p:nvSpPr>
+        <p:spPr>
+          <a:xfrm>
+            <a:off x="3919992" y="3617842"/>
+            <a:ext cx="4862224" cy="2242269"/>
+          </a:xfrm>
+        </p:spPr>
+        <p:txBody>
+          <a:bodyPr>
+            <a:normAutofit fontScale="92500" lnSpcReduction="10000"/>
+          </a:bodyPr>
+          <a:lstStyle/>
+          <a:p>
+            <a:pPr marL="0" indent="0">
+              <a:buNone/>
+            </a:pPr>
+            <a:r>
+              <a:rPr kumimoji="1" lang="en-US" altLang="ja-JP" dirty="0"/>
+              <a:t>The total number of answerer </a:t>
+            </a:r>
+            <a:r>
+              <a:rPr lang="en-US" altLang="ja-JP" dirty="0"/>
+              <a:t>seems to be 471. </a:t>
+            </a:r>
+            <a:br>
+              <a:rPr lang="en-US" altLang="ja-JP" dirty="0"/>
+            </a:br>
+            <a:r>
+              <a:rPr lang="en-US" altLang="ja-JP" sz="2600" b="0" i="0" dirty="0">
+                <a:solidFill>
+                  <a:srgbClr val="606060"/>
+                </a:solidFill>
+                <a:effectLst/>
+                <a:latin typeface="PT Serif" panose="020A0603040505020204" pitchFamily="18" charset="0"/>
+              </a:rPr>
+              <a:t>”The response was overwhelming, as 750 of you weighed in — including 545 growers — providing valuable insight in an online survey. ”</a:t>
+            </a:r>
+            <a:endParaRPr kumimoji="1" lang="ja-JP" altLang="en-US" sz="2600"/>
+          </a:p>
+        </p:txBody>
+      </p:sp>
+      <p:sp>
+        <p:nvSpPr>
+          <p:cNvPr id="4" name="スライド番号プレースホルダー 3">
+            <a:extLst>
+              <a:ext uri="{FF2B5EF4-FFF2-40B4-BE49-F238E27FC236}">
+                <a16:creationId xmlns:a16="http://schemas.microsoft.com/office/drawing/2014/main" id="{53451A03-5D39-DDCA-A156-074401F542F2}"/>
+              </a:ext>
+            </a:extLst>
+          </p:cNvPr>
+          <p:cNvSpPr>
+            <a:spLocks noGrp="1"/>
+          </p:cNvSpPr>
+          <p:nvPr>
+            <p:ph type="sldNum" sz="quarter" idx="12"/>
+          </p:nvPr>
+        </p:nvSpPr>
+        <p:spPr/>
+        <p:txBody>
+          <a:bodyPr/>
+          <a:lstStyle/>
+          <a:p>
+            <a:fld id="{63C814F0-333B-8D45-B387-98F69425B688}" type="slidenum">
+              <a:rPr kumimoji="1" lang="ja-JP" altLang="en-US" smtClean="0"/>
+              <a:t>10</a:t>
+            </a:fld>
+            <a:endParaRPr kumimoji="1" lang="ja-JP" altLang="en-US"/>
+          </a:p>
+        </p:txBody>
+      </p:sp>
+      <p:pic>
+        <p:nvPicPr>
+          <p:cNvPr id="1026" name="Picture 2" descr="Production-Compare-Pie-Chart">
+            <a:extLst>
+              <a:ext uri="{FF2B5EF4-FFF2-40B4-BE49-F238E27FC236}">
+                <a16:creationId xmlns:a16="http://schemas.microsoft.com/office/drawing/2014/main" id="{C8DAF7D2-3216-3DAD-EEC3-1BAB7F56FEF3}"/>
+              </a:ext>
+            </a:extLst>
+          </p:cNvPr>
+          <p:cNvPicPr>
+            <a:picLocks noChangeAspect="1" noChangeArrowheads="1"/>
+          </p:cNvPicPr>
+          <p:nvPr/>
+        </p:nvPicPr>
+        <p:blipFill>
+          <a:blip r:embed="rId2">
+            <a:extLst>
+              <a:ext uri="{28A0092B-C50C-407E-A947-70E740481C1C}">
+                <a14:useLocalDpi xmlns:a14="http://schemas.microsoft.com/office/drawing/2010/main" val="0"/>
+              </a:ext>
+            </a:extLst>
+          </a:blip>
+          <a:srcRect/>
+          <a:stretch>
+            <a:fillRect/>
+          </a:stretch>
+        </p:blipFill>
+        <p:spPr bwMode="auto">
+          <a:xfrm>
+            <a:off x="399689" y="1496402"/>
+            <a:ext cx="3448741" cy="3875796"/>
+          </a:xfrm>
+          <a:prstGeom prst="rect">
+            <a:avLst/>
+          </a:prstGeom>
+          <a:noFill/>
+          <a:extLst>
+            <a:ext uri="{909E8E84-426E-40DD-AFC4-6F175D3DCCD1}">
+              <a14:hiddenFill xmlns:a14="http://schemas.microsoft.com/office/drawing/2010/main">
+                <a:solidFill>
+                  <a:srgbClr val="FFFFFF"/>
+                </a:solidFill>
+              </a14:hiddenFill>
+            </a:ext>
+          </a:extLst>
+        </p:spPr>
+      </p:pic>
+      <p:sp>
+        <p:nvSpPr>
+          <p:cNvPr id="8" name="テキスト ボックス 7">
+            <a:extLst>
+              <a:ext uri="{FF2B5EF4-FFF2-40B4-BE49-F238E27FC236}">
+                <a16:creationId xmlns:a16="http://schemas.microsoft.com/office/drawing/2014/main" id="{6712D4E9-F35E-748E-62BA-E60928E58890}"/>
+              </a:ext>
+            </a:extLst>
+          </p:cNvPr>
+          <p:cNvSpPr txBox="1"/>
+          <p:nvPr/>
+        </p:nvSpPr>
+        <p:spPr>
+          <a:xfrm>
+            <a:off x="1081376" y="5852160"/>
+            <a:ext cx="7028953" cy="369332"/>
+          </a:xfrm>
+          <a:prstGeom prst="rect">
+            <a:avLst/>
+          </a:prstGeom>
+          <a:noFill/>
+        </p:spPr>
+        <p:txBody>
+          <a:bodyPr wrap="square">
+            <a:spAutoFit/>
+          </a:bodyPr>
+          <a:lstStyle/>
+          <a:p>
+            <a:r>
+              <a:rPr lang="ja-JP" altLang="en-US">
+                <a:solidFill>
+                  <a:srgbClr val="0432FF"/>
+                </a:solidFill>
+              </a:rPr>
+              <a:t>https://www.growingproduce.com/fruits/fruit-growers-expect-sweet-16/</a:t>
+            </a:r>
+          </a:p>
+        </p:txBody>
+      </p:sp>
+      <p:pic>
+        <p:nvPicPr>
+          <p:cNvPr id="9" name="図 8">
+            <a:extLst>
+              <a:ext uri="{FF2B5EF4-FFF2-40B4-BE49-F238E27FC236}">
+                <a16:creationId xmlns:a16="http://schemas.microsoft.com/office/drawing/2014/main" id="{DE46C462-062B-150C-0E76-7FC4D07356C9}"/>
+              </a:ext>
+            </a:extLst>
+          </p:cNvPr>
+          <p:cNvPicPr>
+            <a:picLocks noChangeAspect="1"/>
+          </p:cNvPicPr>
+          <p:nvPr/>
+        </p:nvPicPr>
+        <p:blipFill>
+          <a:blip r:embed="rId3"/>
+          <a:stretch>
+            <a:fillRect/>
+          </a:stretch>
+        </p:blipFill>
+        <p:spPr>
+          <a:xfrm>
+            <a:off x="4009307" y="1065240"/>
+            <a:ext cx="4862224" cy="2174918"/>
+          </a:xfrm>
+          <a:prstGeom prst="rect">
+            <a:avLst/>
+          </a:prstGeom>
+        </p:spPr>
+      </p:pic>
+    </p:spTree>
+    <p:extLst>
+      <p:ext uri="{BB962C8B-B14F-4D97-AF65-F5344CB8AC3E}">
+        <p14:creationId xmlns:p14="http://schemas.microsoft.com/office/powerpoint/2010/main" val="1617631803"/>
+      </p:ext>
+    </p:extLst>
+  </p:cSld>
+  <p:clrMapOvr>
+    <a:masterClrMapping/>
+  </p:clrMapOvr>
+</p:sld>
+</file>
+
+<file path=ppt/slides/slide11.xml><?xml version="1.0" encoding="utf-8"?>
+<p:sld xmlns:a="http://schemas.openxmlformats.org/drawingml/2006/main" xmlns:r="http://schemas.openxmlformats.org/officeDocument/2006/relationships" xmlns:p="http://schemas.openxmlformats.org/presentationml/2006/main">
+  <p:cSld>
+    <p:spTree>
+      <p:nvGrpSpPr>
+        <p:cNvPr id="1" name=""/>
+        <p:cNvGrpSpPr/>
+        <p:nvPr/>
+      </p:nvGrpSpPr>
+      <p:grpSpPr>
+        <a:xfrm>
+          <a:off x="0" y="0"/>
+          <a:ext cx="0" cy="0"/>
+          <a:chOff x="0" y="0"/>
+          <a:chExt cx="0" cy="0"/>
+        </a:xfrm>
+      </p:grpSpPr>
+      <p:sp>
+        <p:nvSpPr>
+          <p:cNvPr id="2" name="タイトル 1">
+            <a:extLst>
+              <a:ext uri="{FF2B5EF4-FFF2-40B4-BE49-F238E27FC236}">
+                <a16:creationId xmlns:a16="http://schemas.microsoft.com/office/drawing/2014/main" id="{13DB1389-1338-4CB4-559B-886C43B95EA2}"/>
+              </a:ext>
+            </a:extLst>
+          </p:cNvPr>
+          <p:cNvSpPr>
+            <a:spLocks noGrp="1"/>
+          </p:cNvSpPr>
+          <p:nvPr>
+            <p:ph type="title"/>
+          </p:nvPr>
+        </p:nvSpPr>
+        <p:spPr>
+          <a:xfrm>
+            <a:off x="628650" y="365127"/>
+            <a:ext cx="7886700" cy="684446"/>
+          </a:xfrm>
+        </p:spPr>
+        <p:txBody>
+          <a:bodyPr>
+            <a:normAutofit fontScale="90000"/>
+          </a:bodyPr>
+          <a:lstStyle/>
+          <a:p>
+            <a:r>
+              <a:rPr kumimoji="1" lang="en-US" altLang="ja-JP" dirty="0"/>
+              <a:t>Various options in rounding </a:t>
+            </a:r>
+            <a:endParaRPr kumimoji="1" lang="ja-JP" altLang="en-US"/>
+          </a:p>
+        </p:txBody>
+      </p:sp>
+      <p:sp>
+        <p:nvSpPr>
+          <p:cNvPr id="3" name="コンテンツ プレースホルダー 2">
+            <a:extLst>
+              <a:ext uri="{FF2B5EF4-FFF2-40B4-BE49-F238E27FC236}">
+                <a16:creationId xmlns:a16="http://schemas.microsoft.com/office/drawing/2014/main" id="{21155940-76B4-8DC5-C6B6-DBF942B6C899}"/>
+              </a:ext>
+            </a:extLst>
+          </p:cNvPr>
+          <p:cNvSpPr>
+            <a:spLocks noGrp="1"/>
+          </p:cNvSpPr>
+          <p:nvPr>
+            <p:ph idx="1"/>
+          </p:nvPr>
+        </p:nvSpPr>
+        <p:spPr>
+          <a:xfrm>
+            <a:off x="628650" y="1280160"/>
+            <a:ext cx="7886700" cy="4896803"/>
+          </a:xfrm>
+        </p:spPr>
+        <p:txBody>
+          <a:bodyPr>
+            <a:normAutofit/>
+          </a:bodyPr>
+          <a:lstStyle/>
+          <a:p>
+            <a:pPr marL="0" indent="0">
+              <a:buNone/>
+            </a:pPr>
+            <a:r>
+              <a:rPr kumimoji="1" lang="en-US" altLang="ja-JP" sz="3200" dirty="0"/>
+              <a:t>Assuming the rounding</a:t>
+            </a:r>
+          </a:p>
+          <a:p>
+            <a:r>
+              <a:rPr kumimoji="1" lang="en-US" altLang="ja-JP" sz="2400" dirty="0"/>
+              <a:t>“round down” </a:t>
+            </a:r>
+            <a:r>
+              <a:rPr kumimoji="1" lang="en-US" altLang="ja-JP" sz="2000" dirty="0"/>
+              <a:t>(floor ; e.g. 0.345 </a:t>
+            </a:r>
+            <a:r>
+              <a:rPr kumimoji="1" lang="ja-JP" altLang="en-US" sz="2000"/>
+              <a:t>→</a:t>
+            </a:r>
+            <a:r>
+              <a:rPr kumimoji="1" lang="en-US" altLang="ja-JP" sz="2000" dirty="0"/>
+              <a:t> 0.34)</a:t>
+            </a:r>
+            <a:r>
+              <a:rPr kumimoji="1" lang="en-US" altLang="ja-JP" sz="2400" dirty="0"/>
+              <a:t> : </a:t>
+            </a:r>
+            <a:r>
+              <a:rPr kumimoji="1" lang="en-US" altLang="ja-JP" sz="2400" b="1" dirty="0">
+                <a:solidFill>
+                  <a:srgbClr val="0432FF"/>
+                </a:solidFill>
+              </a:rPr>
+              <a:t>–f</a:t>
+            </a:r>
+            <a:r>
+              <a:rPr kumimoji="1" lang="en-US" altLang="ja-JP" sz="2400" dirty="0"/>
+              <a:t> </a:t>
+            </a:r>
+          </a:p>
+          <a:p>
+            <a:r>
+              <a:rPr lang="en-US" altLang="ja-JP" sz="2400" dirty="0"/>
+              <a:t>“round up” </a:t>
+            </a:r>
+            <a:r>
+              <a:rPr lang="en-US" altLang="ja-JP" sz="2000" dirty="0"/>
+              <a:t>(ceil</a:t>
+            </a:r>
+            <a:r>
+              <a:rPr kumimoji="1" lang="en-US" altLang="ja-JP" sz="2000" dirty="0"/>
+              <a:t> ; e.g. 0.345 </a:t>
+            </a:r>
+            <a:r>
+              <a:rPr kumimoji="1" lang="ja-JP" altLang="en-US" sz="2000"/>
+              <a:t>→</a:t>
+            </a:r>
+            <a:r>
+              <a:rPr kumimoji="1" lang="en-US" altLang="ja-JP" sz="2000" dirty="0"/>
+              <a:t> 0.35</a:t>
+            </a:r>
+            <a:r>
+              <a:rPr lang="en-US" altLang="ja-JP" sz="2000" dirty="0"/>
+              <a:t>)</a:t>
+            </a:r>
+            <a:r>
+              <a:rPr lang="en-US" altLang="ja-JP" sz="2400" dirty="0"/>
+              <a:t> : </a:t>
+            </a:r>
+            <a:r>
+              <a:rPr lang="en-US" altLang="ja-JP" sz="2400" b="1" dirty="0">
+                <a:solidFill>
+                  <a:srgbClr val="0432FF"/>
+                </a:solidFill>
+              </a:rPr>
+              <a:t>–c</a:t>
+            </a:r>
+            <a:r>
+              <a:rPr lang="en-US" altLang="ja-JP" sz="2400" dirty="0"/>
+              <a:t> </a:t>
+            </a:r>
+          </a:p>
+          <a:p>
+            <a:r>
+              <a:rPr lang="en-US" altLang="ja-JP" sz="2400" dirty="0"/>
+              <a:t>“round half up” is done twice </a:t>
+            </a:r>
+            <a:r>
+              <a:rPr lang="en-US" altLang="ja-JP" sz="2000" dirty="0"/>
+              <a:t>( </a:t>
+            </a:r>
+            <a:r>
+              <a:rPr lang="en-US" altLang="ja-JP" sz="2000" i="1" dirty="0"/>
+              <a:t>e.g.</a:t>
+            </a:r>
+            <a:r>
+              <a:rPr lang="en-US" altLang="ja-JP" sz="2000" dirty="0"/>
+              <a:t> 0.345</a:t>
+            </a:r>
+            <a:r>
+              <a:rPr lang="ja-JP" altLang="en-US" sz="2000"/>
+              <a:t>→</a:t>
+            </a:r>
+            <a:r>
+              <a:rPr lang="en-US" altLang="ja-JP" sz="2000" dirty="0"/>
+              <a:t>0.35</a:t>
+            </a:r>
+            <a:r>
+              <a:rPr lang="ja-JP" altLang="en-US" sz="2000"/>
+              <a:t>→</a:t>
+            </a:r>
+            <a:r>
+              <a:rPr lang="en-US" altLang="ja-JP" sz="2000" dirty="0"/>
+              <a:t>0.4 ) </a:t>
+            </a:r>
+            <a:r>
+              <a:rPr lang="en-US" altLang="ja-JP" sz="2400" dirty="0"/>
+              <a:t>:  </a:t>
+            </a:r>
+            <a:r>
+              <a:rPr kumimoji="1" lang="en-US" altLang="ja-JP" sz="2400" b="1" dirty="0">
+                <a:solidFill>
+                  <a:srgbClr val="0432FF"/>
+                </a:solidFill>
+              </a:rPr>
+              <a:t>-5 2</a:t>
+            </a:r>
+          </a:p>
+          <a:p>
+            <a:r>
+              <a:rPr lang="en-US" altLang="ja-JP" sz="2400" dirty="0"/>
+              <a:t>“round half to even” </a:t>
+            </a:r>
+            <a:r>
+              <a:rPr lang="en-US" altLang="ja-JP" sz="1800" dirty="0"/>
+              <a:t>(</a:t>
+            </a:r>
+            <a:r>
+              <a:rPr kumimoji="1" lang="en-US" altLang="ja-JP" sz="1800" dirty="0"/>
+              <a:t>e.g. 0.335 and 0.345 </a:t>
+            </a:r>
+            <a:r>
+              <a:rPr kumimoji="1" lang="ja-JP" altLang="en-US" sz="1800"/>
+              <a:t>→</a:t>
+            </a:r>
+            <a:r>
+              <a:rPr kumimoji="1" lang="en-US" altLang="ja-JP" sz="1800" dirty="0"/>
+              <a:t> 0.34) </a:t>
+            </a:r>
+            <a:r>
+              <a:rPr lang="en-US" altLang="ja-JP" sz="2400" dirty="0"/>
+              <a:t>:  </a:t>
+            </a:r>
+            <a:r>
+              <a:rPr kumimoji="1" lang="en-US" altLang="ja-JP" sz="2400" b="1" dirty="0">
+                <a:solidFill>
+                  <a:srgbClr val="0432FF"/>
+                </a:solidFill>
+              </a:rPr>
+              <a:t>-5 e</a:t>
+            </a:r>
+            <a:endParaRPr lang="en-US" altLang="ja-JP" sz="2400" dirty="0"/>
+          </a:p>
+          <a:p>
+            <a:r>
+              <a:rPr kumimoji="1" lang="en-US" altLang="ja-JP" sz="2400" dirty="0"/>
+              <a:t>“round ha</a:t>
+            </a:r>
+            <a:r>
+              <a:rPr lang="en-US" altLang="ja-JP" sz="2400" dirty="0"/>
+              <a:t>lf to odd” </a:t>
+            </a:r>
+            <a:r>
+              <a:rPr lang="en-US" altLang="ja-JP" sz="1800" dirty="0"/>
+              <a:t>(</a:t>
+            </a:r>
+            <a:r>
+              <a:rPr kumimoji="1" lang="en-US" altLang="ja-JP" sz="1800" dirty="0"/>
+              <a:t>e.g. 0.345 and 0.355 </a:t>
+            </a:r>
+            <a:r>
+              <a:rPr kumimoji="1" lang="ja-JP" altLang="en-US" sz="1800"/>
+              <a:t>→</a:t>
+            </a:r>
+            <a:r>
+              <a:rPr kumimoji="1" lang="en-US" altLang="ja-JP" sz="1800" dirty="0"/>
+              <a:t> 0.35) </a:t>
+            </a:r>
+            <a:r>
+              <a:rPr lang="en-US" altLang="ja-JP" sz="2400" dirty="0"/>
+              <a:t>:  </a:t>
+            </a:r>
+            <a:r>
+              <a:rPr kumimoji="1" lang="en-US" altLang="ja-JP" sz="2400" b="1" dirty="0">
+                <a:solidFill>
+                  <a:srgbClr val="0432FF"/>
+                </a:solidFill>
+              </a:rPr>
+              <a:t>-5 o</a:t>
+            </a:r>
+          </a:p>
+          <a:p>
+            <a:endParaRPr lang="en-US" altLang="ja-JP" sz="2400" dirty="0">
+              <a:solidFill>
+                <a:srgbClr val="0432FF"/>
+              </a:solidFill>
+            </a:endParaRPr>
+          </a:p>
+          <a:p>
+            <a:r>
+              <a:rPr kumimoji="1" lang="en-US" altLang="ja-JP" sz="2400" dirty="0"/>
+              <a:t>Allowing the error within </a:t>
+            </a:r>
+            <a:r>
+              <a:rPr kumimoji="1" lang="en-US" altLang="ja-JP" sz="2400" i="1" dirty="0"/>
+              <a:t>1%</a:t>
+            </a:r>
+            <a:r>
+              <a:rPr kumimoji="1" lang="en-US" altLang="ja-JP" sz="2400" dirty="0"/>
+              <a:t> : </a:t>
+            </a:r>
+            <a:r>
+              <a:rPr kumimoji="1" lang="en-US" altLang="ja-JP" sz="2400" b="1" dirty="0">
+                <a:solidFill>
+                  <a:srgbClr val="0432FF"/>
+                </a:solidFill>
+              </a:rPr>
+              <a:t>-a 0.01</a:t>
+            </a:r>
+            <a:r>
+              <a:rPr kumimoji="1" lang="en-US" altLang="ja-JP" sz="2400" dirty="0"/>
+              <a:t>  or  </a:t>
+            </a:r>
+            <a:r>
+              <a:rPr kumimoji="1" lang="en-US" altLang="ja-JP" sz="2400" b="1" dirty="0">
+                <a:solidFill>
+                  <a:srgbClr val="0432FF"/>
+                </a:solidFill>
+              </a:rPr>
+              <a:t>-a</a:t>
+            </a:r>
+            <a:r>
+              <a:rPr kumimoji="1" lang="en-US" altLang="ja-JP" sz="2400" dirty="0"/>
+              <a:t> </a:t>
+            </a:r>
+            <a:r>
+              <a:rPr kumimoji="1" lang="en-US" altLang="ja-JP" sz="2400" b="1" dirty="0">
+                <a:solidFill>
+                  <a:srgbClr val="0432FF"/>
+                </a:solidFill>
+              </a:rPr>
+              <a:t>1%</a:t>
+            </a:r>
+          </a:p>
+          <a:p>
+            <a:pPr marL="0" indent="0">
+              <a:buNone/>
+            </a:pPr>
+            <a:endParaRPr kumimoji="1" lang="ja-JP" altLang="en-US" sz="2400" b="1">
+              <a:solidFill>
+                <a:srgbClr val="0432FF"/>
+              </a:solidFill>
+            </a:endParaRPr>
+          </a:p>
+        </p:txBody>
+      </p:sp>
+      <p:sp>
+        <p:nvSpPr>
+          <p:cNvPr id="4" name="スライド番号プレースホルダー 3">
+            <a:extLst>
+              <a:ext uri="{FF2B5EF4-FFF2-40B4-BE49-F238E27FC236}">
+                <a16:creationId xmlns:a16="http://schemas.microsoft.com/office/drawing/2014/main" id="{20A62B19-A55F-E98F-CFA8-1CFB4738A2E9}"/>
+              </a:ext>
+            </a:extLst>
+          </p:cNvPr>
+          <p:cNvSpPr>
+            <a:spLocks noGrp="1"/>
+          </p:cNvSpPr>
+          <p:nvPr>
+            <p:ph type="sldNum" sz="quarter" idx="12"/>
+          </p:nvPr>
+        </p:nvSpPr>
+        <p:spPr/>
+        <p:txBody>
+          <a:bodyPr/>
+          <a:lstStyle/>
+          <a:p>
+            <a:fld id="{63C814F0-333B-8D45-B387-98F69425B688}" type="slidenum">
+              <a:rPr kumimoji="1" lang="ja-JP" altLang="en-US" smtClean="0"/>
+              <a:t>11</a:t>
+            </a:fld>
+            <a:endParaRPr kumimoji="1" lang="ja-JP" altLang="en-US"/>
+          </a:p>
+        </p:txBody>
+      </p:sp>
+    </p:spTree>
+    <p:extLst>
+      <p:ext uri="{BB962C8B-B14F-4D97-AF65-F5344CB8AC3E}">
+        <p14:creationId xmlns:p14="http://schemas.microsoft.com/office/powerpoint/2010/main" val="3859435334"/>
+      </p:ext>
+    </p:extLst>
+  </p:cSld>
+  <p:clrMapOvr>
+    <a:masterClrMapping/>
+  </p:clrMapOvr>
+</p:sld>
+</file>
+
+<file path=ppt/slides/slide12.xml><?xml version="1.0" encoding="utf-8"?>
+<p:sld xmlns:a="http://schemas.openxmlformats.org/drawingml/2006/main" xmlns:r="http://schemas.openxmlformats.org/officeDocument/2006/relationships" xmlns:p="http://schemas.openxmlformats.org/presentationml/2006/main">
+  <p:cSld>
+    <p:spTree>
+      <p:nvGrpSpPr>
+        <p:cNvPr id="1" name=""/>
+        <p:cNvGrpSpPr/>
+        <p:nvPr/>
+      </p:nvGrpSpPr>
+      <p:grpSpPr>
+        <a:xfrm>
+          <a:off x="0" y="0"/>
+          <a:ext cx="0" cy="0"/>
+          <a:chOff x="0" y="0"/>
+          <a:chExt cx="0" cy="0"/>
+        </a:xfrm>
+      </p:grpSpPr>
+      <p:sp>
+        <p:nvSpPr>
+          <p:cNvPr id="2" name="タイトル 1">
+            <a:extLst>
+              <a:ext uri="{FF2B5EF4-FFF2-40B4-BE49-F238E27FC236}">
+                <a16:creationId xmlns:a16="http://schemas.microsoft.com/office/drawing/2014/main" id="{D6C10A47-1CBC-AF40-F2E8-ABF5F56F77D2}"/>
+              </a:ext>
+            </a:extLst>
+          </p:cNvPr>
+          <p:cNvSpPr>
+            <a:spLocks noGrp="1"/>
+          </p:cNvSpPr>
+          <p:nvPr>
+            <p:ph type="title"/>
+          </p:nvPr>
+        </p:nvSpPr>
+        <p:spPr>
+          <a:xfrm>
+            <a:off x="628650" y="365126"/>
+            <a:ext cx="7886700" cy="315911"/>
+          </a:xfrm>
+        </p:spPr>
+        <p:txBody>
+          <a:bodyPr>
+            <a:normAutofit fontScale="90000"/>
+          </a:bodyPr>
+          <a:lstStyle/>
+          <a:p>
+            <a:r>
+              <a:rPr kumimoji="1" lang="en-US" altLang="ja-JP" dirty="0"/>
+              <a:t>Options in the denominator filtering</a:t>
+            </a:r>
+            <a:endParaRPr kumimoji="1" lang="ja-JP" altLang="en-US"/>
+          </a:p>
+        </p:txBody>
+      </p:sp>
+      <p:sp>
+        <p:nvSpPr>
+          <p:cNvPr id="3" name="コンテンツ プレースホルダー 2">
+            <a:extLst>
+              <a:ext uri="{FF2B5EF4-FFF2-40B4-BE49-F238E27FC236}">
+                <a16:creationId xmlns:a16="http://schemas.microsoft.com/office/drawing/2014/main" id="{C81BD508-E147-CF3C-1307-85ED77A84112}"/>
+              </a:ext>
+            </a:extLst>
+          </p:cNvPr>
+          <p:cNvSpPr>
+            <a:spLocks noGrp="1"/>
+          </p:cNvSpPr>
+          <p:nvPr>
+            <p:ph idx="1"/>
+          </p:nvPr>
+        </p:nvSpPr>
+        <p:spPr>
+          <a:xfrm>
+            <a:off x="628650" y="906449"/>
+            <a:ext cx="7886700" cy="5270514"/>
+          </a:xfrm>
+        </p:spPr>
+        <p:txBody>
+          <a:bodyPr>
+            <a:normAutofit/>
+          </a:bodyPr>
+          <a:lstStyle/>
+          <a:p>
+            <a:r>
+              <a:rPr kumimoji="1" lang="en-US" altLang="ja-JP" sz="2000" dirty="0">
+                <a:solidFill>
+                  <a:srgbClr val="0432FF"/>
+                </a:solidFill>
+              </a:rPr>
+              <a:t>-g 100</a:t>
+            </a:r>
+            <a:r>
+              <a:rPr kumimoji="1" lang="en-US" altLang="ja-JP" sz="2000" dirty="0"/>
+              <a:t> : getting 100 candidates in denominators from the smallest (1). </a:t>
+            </a:r>
+          </a:p>
+          <a:p>
+            <a:r>
+              <a:rPr kumimoji="1" lang="en-US" altLang="ja-JP" sz="2000" dirty="0">
+                <a:solidFill>
+                  <a:srgbClr val="0432FF"/>
+                </a:solidFill>
+              </a:rPr>
+              <a:t>-g 123,100</a:t>
+            </a:r>
+            <a:r>
+              <a:rPr kumimoji="1" lang="en-US" altLang="ja-JP" sz="2000" dirty="0"/>
+              <a:t> : getting 100 candidates in denominators from the 123.</a:t>
+            </a:r>
+          </a:p>
+          <a:p>
+            <a:r>
+              <a:rPr kumimoji="1" lang="en-US" altLang="ja-JP" sz="2000" dirty="0">
+                <a:solidFill>
+                  <a:srgbClr val="0432FF"/>
+                </a:solidFill>
+              </a:rPr>
+              <a:t>-g 123,-10</a:t>
+            </a:r>
+            <a:r>
+              <a:rPr kumimoji="1" lang="en-US" altLang="ja-JP" sz="2000" dirty="0"/>
+              <a:t> : getting 10 candidates from the 123 in descending order.</a:t>
+            </a:r>
+          </a:p>
+          <a:p>
+            <a:endParaRPr kumimoji="1" lang="en-US" altLang="ja-JP" sz="2000" dirty="0">
+              <a:solidFill>
+                <a:srgbClr val="0432FF"/>
+              </a:solidFill>
+            </a:endParaRPr>
+          </a:p>
+          <a:p>
+            <a:r>
+              <a:rPr kumimoji="1" lang="en-US" altLang="ja-JP" sz="2000" dirty="0">
+                <a:solidFill>
+                  <a:srgbClr val="0432FF"/>
+                </a:solidFill>
+              </a:rPr>
+              <a:t>-y .. </a:t>
+            </a:r>
+            <a:r>
+              <a:rPr kumimoji="1" lang="en-US" altLang="ja-JP" sz="2000" dirty="0"/>
+              <a:t>: showing </a:t>
+            </a:r>
+            <a:r>
+              <a:rPr kumimoji="1" lang="en-US" altLang="ja-JP" sz="2000" b="1" dirty="0"/>
+              <a:t>every denominator</a:t>
+            </a:r>
+            <a:r>
+              <a:rPr kumimoji="1" lang="en-US" altLang="ja-JP" sz="2000" dirty="0"/>
+              <a:t> as long as specified by </a:t>
+            </a:r>
+            <a:r>
+              <a:rPr kumimoji="1" lang="en-US" altLang="ja-JP" sz="2000" b="1" dirty="0">
+                <a:solidFill>
+                  <a:srgbClr val="0432FF"/>
+                </a:solidFill>
+              </a:rPr>
+              <a:t>–g </a:t>
+            </a:r>
+            <a:r>
+              <a:rPr kumimoji="1" lang="en-US" altLang="ja-JP" sz="2000" dirty="0"/>
+              <a:t>option.</a:t>
+            </a:r>
+          </a:p>
+          <a:p>
+            <a:r>
+              <a:rPr kumimoji="1" lang="en-US" altLang="ja-JP" sz="2000" dirty="0">
+                <a:solidFill>
+                  <a:srgbClr val="0432FF"/>
+                </a:solidFill>
+              </a:rPr>
+              <a:t>-y ,</a:t>
+            </a:r>
+            <a:r>
+              <a:rPr kumimoji="1" lang="en-US" altLang="ja-JP" sz="2000" dirty="0"/>
+              <a:t>  : only showing the denominators when </a:t>
+            </a:r>
+            <a:r>
+              <a:rPr kumimoji="1" lang="en-US" altLang="ja-JP" sz="2000" b="1" dirty="0"/>
+              <a:t>every given proportion</a:t>
+            </a:r>
+            <a:br>
+              <a:rPr kumimoji="1" lang="en-US" altLang="ja-JP" sz="2000" dirty="0"/>
+            </a:br>
+            <a:r>
+              <a:rPr kumimoji="1" lang="en-US" altLang="ja-JP" sz="2000" dirty="0"/>
+              <a:t>           </a:t>
+            </a:r>
+            <a:r>
+              <a:rPr kumimoji="1" lang="en-US" altLang="ja-JP" sz="2000" u="sng" dirty="0"/>
+              <a:t>has at least one corresponding integer numerator</a:t>
+            </a:r>
+            <a:r>
+              <a:rPr kumimoji="1" lang="en-US" altLang="ja-JP" sz="2000" dirty="0"/>
+              <a:t>.</a:t>
+            </a:r>
+          </a:p>
+          <a:p>
+            <a:r>
+              <a:rPr kumimoji="1" lang="en-US" altLang="ja-JP" sz="2000" dirty="0">
+                <a:solidFill>
+                  <a:srgbClr val="0432FF"/>
+                </a:solidFill>
+              </a:rPr>
+              <a:t>-y 1..</a:t>
+            </a:r>
+            <a:r>
+              <a:rPr kumimoji="1" lang="en-US" altLang="ja-JP" sz="2000" dirty="0"/>
+              <a:t>  : showing the denominators when at least one of given proportion</a:t>
+            </a:r>
+            <a:br>
+              <a:rPr kumimoji="1" lang="en-US" altLang="ja-JP" sz="2000" dirty="0"/>
+            </a:br>
+            <a:r>
+              <a:rPr kumimoji="1" lang="en-US" altLang="ja-JP" sz="2000" dirty="0"/>
+              <a:t>                 has the corresponding integer numerator. (</a:t>
+            </a:r>
+            <a:r>
+              <a:rPr kumimoji="1" lang="en-US" altLang="ja-JP" sz="2000" b="1" dirty="0"/>
+              <a:t>Default</a:t>
+            </a:r>
+            <a:r>
+              <a:rPr kumimoji="1" lang="en-US" altLang="ja-JP" sz="2000" dirty="0"/>
+              <a:t>)</a:t>
+            </a:r>
+          </a:p>
+          <a:p>
+            <a:r>
+              <a:rPr kumimoji="1" lang="en-US" altLang="ja-JP" sz="2000" dirty="0">
+                <a:solidFill>
+                  <a:srgbClr val="0432FF"/>
+                </a:solidFill>
+              </a:rPr>
+              <a:t>-y -2..</a:t>
+            </a:r>
+            <a:r>
+              <a:rPr kumimoji="1" lang="en-US" altLang="ja-JP" sz="2000" dirty="0"/>
+              <a:t>  : showing the denominators when every given proportion</a:t>
+            </a:r>
+            <a:br>
+              <a:rPr kumimoji="1" lang="en-US" altLang="ja-JP" sz="2000" dirty="0"/>
+            </a:br>
+            <a:r>
+              <a:rPr kumimoji="1" lang="en-US" altLang="ja-JP" sz="2000" dirty="0"/>
+              <a:t>                 has the corresponding integer numerator </a:t>
+            </a:r>
+            <a:br>
+              <a:rPr kumimoji="1" lang="en-US" altLang="ja-JP" sz="2000" dirty="0"/>
+            </a:br>
+            <a:r>
+              <a:rPr kumimoji="1" lang="en-US" altLang="ja-JP" sz="2000" dirty="0"/>
+              <a:t>                   allowing the </a:t>
+            </a:r>
+            <a:r>
+              <a:rPr kumimoji="1" lang="en-US" altLang="ja-JP" sz="2000" b="1" dirty="0"/>
+              <a:t>exceptions</a:t>
+            </a:r>
+            <a:r>
+              <a:rPr kumimoji="1" lang="en-US" altLang="ja-JP" sz="2000" dirty="0"/>
+              <a:t> within 2 of the proportions.</a:t>
+            </a:r>
+          </a:p>
+          <a:p>
+            <a:pPr marL="0" indent="0">
+              <a:buNone/>
+            </a:pPr>
+            <a:r>
+              <a:rPr lang="en-US" altLang="ja-JP" sz="2000" dirty="0">
+                <a:solidFill>
+                  <a:srgbClr val="0432FF"/>
+                </a:solidFill>
+              </a:rPr>
+              <a:t>N..M</a:t>
+            </a:r>
+            <a:r>
+              <a:rPr lang="en-US" altLang="ja-JP" sz="2000" dirty="0"/>
+              <a:t> means the numerical range. </a:t>
+            </a:r>
+            <a:r>
+              <a:rPr lang="en-US" altLang="ja-JP" sz="2000" dirty="0">
+                <a:solidFill>
+                  <a:srgbClr val="0432FF"/>
+                </a:solidFill>
+              </a:rPr>
+              <a:t>N..</a:t>
+            </a:r>
+            <a:r>
+              <a:rPr lang="en-US" altLang="ja-JP" sz="2000" dirty="0"/>
+              <a:t> means n to the maximum. </a:t>
+            </a:r>
+            <a:r>
+              <a:rPr lang="en-US" altLang="ja-JP" sz="2000" dirty="0">
+                <a:solidFill>
+                  <a:srgbClr val="0432FF"/>
+                </a:solidFill>
+              </a:rPr>
+              <a:t>..M</a:t>
+            </a:r>
+            <a:r>
+              <a:rPr lang="en-US" altLang="ja-JP" sz="2000" dirty="0"/>
+              <a:t> means zero to M. When N or M is negative, it means (the maximum)-abs(N or M). Those types of range or a single number can be combined by comma(,).</a:t>
+            </a:r>
+            <a:endParaRPr kumimoji="1" lang="en-US" altLang="ja-JP" sz="2000" dirty="0"/>
+          </a:p>
+          <a:p>
+            <a:endParaRPr kumimoji="1" lang="ja-JP" altLang="en-US" sz="2000"/>
+          </a:p>
+        </p:txBody>
+      </p:sp>
+      <p:sp>
+        <p:nvSpPr>
+          <p:cNvPr id="4" name="スライド番号プレースホルダー 3">
+            <a:extLst>
+              <a:ext uri="{FF2B5EF4-FFF2-40B4-BE49-F238E27FC236}">
+                <a16:creationId xmlns:a16="http://schemas.microsoft.com/office/drawing/2014/main" id="{649F05BB-B3FB-4529-3B29-6C258BEAC413}"/>
+              </a:ext>
+            </a:extLst>
+          </p:cNvPr>
+          <p:cNvSpPr>
+            <a:spLocks noGrp="1"/>
+          </p:cNvSpPr>
+          <p:nvPr>
+            <p:ph type="sldNum" sz="quarter" idx="12"/>
+          </p:nvPr>
+        </p:nvSpPr>
+        <p:spPr/>
+        <p:txBody>
+          <a:bodyPr/>
+          <a:lstStyle/>
+          <a:p>
+            <a:fld id="{63C814F0-333B-8D45-B387-98F69425B688}" type="slidenum">
+              <a:rPr kumimoji="1" lang="ja-JP" altLang="en-US" smtClean="0"/>
+              <a:t>12</a:t>
+            </a:fld>
+            <a:endParaRPr kumimoji="1" lang="ja-JP" altLang="en-US"/>
+          </a:p>
+        </p:txBody>
+      </p:sp>
+    </p:spTree>
+    <p:extLst>
+      <p:ext uri="{BB962C8B-B14F-4D97-AF65-F5344CB8AC3E}">
+        <p14:creationId xmlns:p14="http://schemas.microsoft.com/office/powerpoint/2010/main" val="2125685854"/>
+      </p:ext>
+    </p:extLst>
+  </p:cSld>
+  <p:clrMapOvr>
+    <a:masterClrMapping/>
+  </p:clrMapOvr>
+</p:sld>
+</file>
+
+<file path=ppt/slides/slide13.xml><?xml version="1.0" encoding="utf-8"?>
+<p:sld xmlns:a="http://schemas.openxmlformats.org/drawingml/2006/main" xmlns:r="http://schemas.openxmlformats.org/officeDocument/2006/relationships" xmlns:p="http://schemas.openxmlformats.org/presentationml/2006/main">
+  <p:cSld>
+    <p:spTree>
+      <p:nvGrpSpPr>
+        <p:cNvPr id="1" name=""/>
+        <p:cNvGrpSpPr/>
+        <p:nvPr/>
+      </p:nvGrpSpPr>
+      <p:grpSpPr>
+        <a:xfrm>
+          <a:off x="0" y="0"/>
+          <a:ext cx="0" cy="0"/>
+          <a:chOff x="0" y="0"/>
+          <a:chExt cx="0" cy="0"/>
+        </a:xfrm>
+      </p:grpSpPr>
+      <p:sp>
+        <p:nvSpPr>
+          <p:cNvPr id="2" name="タイトル 1">
+            <a:extLst>
+              <a:ext uri="{FF2B5EF4-FFF2-40B4-BE49-F238E27FC236}">
+                <a16:creationId xmlns:a16="http://schemas.microsoft.com/office/drawing/2014/main" id="{D6C10A47-1CBC-AF40-F2E8-ABF5F56F77D2}"/>
+              </a:ext>
+            </a:extLst>
+          </p:cNvPr>
+          <p:cNvSpPr>
+            <a:spLocks noGrp="1"/>
+          </p:cNvSpPr>
+          <p:nvPr>
+            <p:ph type="title"/>
+          </p:nvPr>
+        </p:nvSpPr>
+        <p:spPr>
+          <a:xfrm>
+            <a:off x="628650" y="365126"/>
+            <a:ext cx="7886700" cy="315911"/>
+          </a:xfrm>
+        </p:spPr>
+        <p:txBody>
+          <a:bodyPr>
+            <a:normAutofit fontScale="90000"/>
+          </a:bodyPr>
+          <a:lstStyle/>
+          <a:p>
+            <a:r>
+              <a:rPr kumimoji="1" lang="en-US" altLang="ja-JP" dirty="0"/>
+              <a:t>Options in output</a:t>
+            </a:r>
+            <a:endParaRPr kumimoji="1" lang="ja-JP" altLang="en-US"/>
+          </a:p>
+        </p:txBody>
+      </p:sp>
+      <p:sp>
+        <p:nvSpPr>
+          <p:cNvPr id="3" name="コンテンツ プレースホルダー 2">
+            <a:extLst>
+              <a:ext uri="{FF2B5EF4-FFF2-40B4-BE49-F238E27FC236}">
+                <a16:creationId xmlns:a16="http://schemas.microsoft.com/office/drawing/2014/main" id="{C81BD508-E147-CF3C-1307-85ED77A84112}"/>
+              </a:ext>
+            </a:extLst>
+          </p:cNvPr>
+          <p:cNvSpPr>
+            <a:spLocks noGrp="1"/>
+          </p:cNvSpPr>
+          <p:nvPr>
+            <p:ph idx="1"/>
+          </p:nvPr>
+        </p:nvSpPr>
+        <p:spPr>
+          <a:xfrm>
+            <a:off x="628650" y="906449"/>
+            <a:ext cx="7886700" cy="5270514"/>
+          </a:xfrm>
+        </p:spPr>
+        <p:txBody>
+          <a:bodyPr>
+            <a:normAutofit fontScale="92500" lnSpcReduction="10000"/>
+          </a:bodyPr>
+          <a:lstStyle/>
+          <a:p>
+            <a:r>
+              <a:rPr kumimoji="1" lang="en-US" altLang="ja-JP" sz="2000" dirty="0">
+                <a:solidFill>
+                  <a:srgbClr val="0432FF"/>
+                </a:solidFill>
+              </a:rPr>
+              <a:t>-D0 </a:t>
+            </a:r>
+            <a:r>
+              <a:rPr kumimoji="1" lang="en-US" altLang="ja-JP" sz="2000" dirty="0"/>
+              <a:t>: showing the fraction form such as </a:t>
+            </a:r>
+            <a:r>
+              <a:rPr kumimoji="1" lang="en-US" altLang="ja-JP" sz="2000" dirty="0">
+                <a:solidFill>
+                  <a:srgbClr val="0432FF"/>
+                </a:solidFill>
+              </a:rPr>
+              <a:t>10/33</a:t>
+            </a:r>
+            <a:r>
+              <a:rPr kumimoji="1" lang="en-US" altLang="ja-JP" sz="2000" dirty="0"/>
+              <a:t>. (</a:t>
+            </a:r>
+            <a:r>
+              <a:rPr kumimoji="1" lang="en-US" altLang="ja-JP" sz="2000" b="1" dirty="0"/>
+              <a:t>Default</a:t>
+            </a:r>
+            <a:r>
+              <a:rPr kumimoji="1" lang="en-US" altLang="ja-JP" sz="2000" dirty="0"/>
+              <a:t> </a:t>
+            </a:r>
+            <a:r>
+              <a:rPr lang="en-US" altLang="ja-JP" sz="1800" dirty="0"/>
+              <a:t>※</a:t>
+            </a:r>
+            <a:r>
+              <a:rPr kumimoji="1" lang="en-US" altLang="ja-JP" sz="2000" dirty="0"/>
+              <a:t>)</a:t>
+            </a:r>
+          </a:p>
+          <a:p>
+            <a:r>
+              <a:rPr kumimoji="1" lang="en-US" altLang="ja-JP" sz="2000" dirty="0">
+                <a:solidFill>
+                  <a:srgbClr val="0432FF"/>
+                </a:solidFill>
+              </a:rPr>
+              <a:t>-D3</a:t>
+            </a:r>
+            <a:r>
+              <a:rPr kumimoji="1" lang="en-US" altLang="ja-JP" sz="2000" dirty="0"/>
+              <a:t> : showing also with 3 decimal places such as </a:t>
+            </a:r>
+            <a:r>
+              <a:rPr kumimoji="1" lang="en-US" altLang="ja-JP" sz="2000" dirty="0">
+                <a:solidFill>
+                  <a:srgbClr val="0432FF"/>
+                </a:solidFill>
+              </a:rPr>
+              <a:t>10/33=.303</a:t>
+            </a:r>
+          </a:p>
+          <a:p>
+            <a:r>
+              <a:rPr kumimoji="1" lang="en-US" altLang="ja-JP" sz="2000" dirty="0">
+                <a:solidFill>
+                  <a:srgbClr val="0432FF"/>
+                </a:solidFill>
+              </a:rPr>
+              <a:t>-D4%</a:t>
+            </a:r>
+            <a:r>
+              <a:rPr kumimoji="1" lang="en-US" altLang="ja-JP" sz="2000" dirty="0"/>
+              <a:t> : in 4 decimal places in percentage such as </a:t>
+            </a:r>
+            <a:r>
+              <a:rPr kumimoji="1" lang="en-US" altLang="ja-JP" sz="2000" dirty="0">
+                <a:solidFill>
+                  <a:srgbClr val="0432FF"/>
+                </a:solidFill>
+              </a:rPr>
+              <a:t>10/33=30.3030%</a:t>
+            </a:r>
+          </a:p>
+          <a:p>
+            <a:r>
+              <a:rPr kumimoji="1" lang="en-US" altLang="ja-JP" sz="2000" dirty="0">
+                <a:solidFill>
+                  <a:srgbClr val="0432FF"/>
+                </a:solidFill>
+              </a:rPr>
+              <a:t>-D-5</a:t>
+            </a:r>
+            <a:r>
+              <a:rPr kumimoji="1" lang="en-US" altLang="ja-JP" sz="2000" dirty="0"/>
+              <a:t> : showing the difference to realize the given proportion with 5 decimal places </a:t>
+            </a:r>
+            <a:r>
+              <a:rPr kumimoji="1" lang="en-US" altLang="ja-JP" sz="2000" dirty="0">
+                <a:solidFill>
+                  <a:srgbClr val="0432FF"/>
+                </a:solidFill>
+              </a:rPr>
+              <a:t>10/33-.00003</a:t>
+            </a:r>
+            <a:r>
+              <a:rPr kumimoji="1" lang="en-US" altLang="ja-JP" sz="2000" dirty="0"/>
+              <a:t> for a given proportion</a:t>
+            </a:r>
+            <a:r>
+              <a:rPr kumimoji="1" lang="en-US" altLang="ja-JP" sz="2000" dirty="0">
+                <a:solidFill>
+                  <a:srgbClr val="0432FF"/>
+                </a:solidFill>
+              </a:rPr>
+              <a:t> 0.303</a:t>
+            </a:r>
+          </a:p>
+          <a:p>
+            <a:r>
+              <a:rPr kumimoji="1" lang="en-US" altLang="ja-JP" sz="2000" dirty="0">
+                <a:solidFill>
+                  <a:srgbClr val="0432FF"/>
+                </a:solidFill>
+              </a:rPr>
+              <a:t>-D-6%</a:t>
+            </a:r>
+            <a:r>
+              <a:rPr kumimoji="1" lang="en-US" altLang="ja-JP" sz="2000" dirty="0"/>
+              <a:t> : showing the difference to realize the given proportion </a:t>
+            </a:r>
+            <a:br>
+              <a:rPr kumimoji="1" lang="en-US" altLang="ja-JP" sz="2000" dirty="0"/>
+            </a:br>
+            <a:r>
+              <a:rPr kumimoji="1" lang="en-US" altLang="ja-JP" sz="2000" dirty="0"/>
+              <a:t>  with 6 decimal places such as </a:t>
+            </a:r>
+            <a:r>
+              <a:rPr kumimoji="1" lang="en-US" altLang="ja-JP" sz="2000" dirty="0">
+                <a:solidFill>
+                  <a:srgbClr val="0432FF"/>
+                </a:solidFill>
+              </a:rPr>
+              <a:t>10/33-. 00303%</a:t>
+            </a:r>
+            <a:r>
+              <a:rPr kumimoji="1" lang="en-US" altLang="ja-JP" sz="2000" dirty="0"/>
+              <a:t> for a proportion</a:t>
+            </a:r>
+            <a:r>
+              <a:rPr kumimoji="1" lang="en-US" altLang="ja-JP" sz="2000" dirty="0">
+                <a:solidFill>
+                  <a:srgbClr val="0432FF"/>
+                </a:solidFill>
+              </a:rPr>
+              <a:t> 0.303</a:t>
+            </a:r>
+            <a:br>
+              <a:rPr kumimoji="1" lang="en-US" altLang="ja-JP" sz="2000" dirty="0">
+                <a:solidFill>
+                  <a:srgbClr val="0432FF"/>
+                </a:solidFill>
+              </a:rPr>
+            </a:br>
+            <a:endParaRPr kumimoji="1" lang="en-US" altLang="ja-JP" sz="2000" dirty="0">
+              <a:solidFill>
+                <a:srgbClr val="0432FF"/>
+              </a:solidFill>
+            </a:endParaRPr>
+          </a:p>
+          <a:p>
+            <a:r>
+              <a:rPr lang="en-US" altLang="ja-JP" sz="2000" b="1" dirty="0">
+                <a:solidFill>
+                  <a:srgbClr val="0432FF"/>
+                </a:solidFill>
+              </a:rPr>
+              <a:t>-I</a:t>
+            </a:r>
+            <a:r>
+              <a:rPr lang="en-US" altLang="ja-JP" sz="2000" dirty="0"/>
+              <a:t> : showing the interval of possible numerators on </a:t>
+            </a:r>
+            <a:r>
+              <a:rPr lang="en-US" altLang="ja-JP" sz="1800" b="0" i="0" dirty="0" err="1">
+                <a:solidFill>
+                  <a:srgbClr val="202122"/>
+                </a:solidFill>
+                <a:effectLst/>
+                <a:latin typeface="TITUS Cyberbit Basic"/>
+              </a:rPr>
+              <a:t>ℝ</a:t>
+            </a:r>
+            <a:r>
+              <a:rPr lang="en-US" altLang="ja-JP" sz="2000" b="0" i="0" dirty="0">
+                <a:solidFill>
+                  <a:srgbClr val="202122"/>
+                </a:solidFill>
+                <a:effectLst/>
+                <a:latin typeface="TITUS Cyberbit Basic"/>
+              </a:rPr>
+              <a:t>, </a:t>
+            </a:r>
+            <a:r>
+              <a:rPr lang="en-US" altLang="ja-JP" sz="2000" dirty="0"/>
+              <a:t> not only </a:t>
+            </a:r>
+            <a:r>
+              <a:rPr lang="en-US" altLang="ja-JP" sz="2000" b="0" i="0" dirty="0" err="1">
+                <a:solidFill>
+                  <a:srgbClr val="202122"/>
+                </a:solidFill>
+                <a:effectLst/>
+                <a:latin typeface="TITUS Cyberbit Basic"/>
+              </a:rPr>
+              <a:t>ℤ</a:t>
+            </a:r>
+            <a:r>
+              <a:rPr lang="en-US" altLang="ja-JP" sz="1400" b="0" i="0" dirty="0">
+                <a:solidFill>
+                  <a:srgbClr val="202122"/>
+                </a:solidFill>
+                <a:effectLst/>
+                <a:latin typeface="TITUS Cyberbit Basic"/>
+              </a:rPr>
+              <a:t>.</a:t>
+            </a:r>
+            <a:br>
+              <a:rPr lang="en-US" altLang="ja-JP" sz="1400" b="0" i="0" dirty="0">
+                <a:solidFill>
+                  <a:srgbClr val="202122"/>
+                </a:solidFill>
+                <a:effectLst/>
+                <a:latin typeface="TITUS Cyberbit Basic"/>
+              </a:rPr>
+            </a:br>
+            <a:r>
+              <a:rPr lang="en-US" altLang="ja-JP" sz="1400" b="0" i="0" dirty="0">
+                <a:solidFill>
+                  <a:srgbClr val="202122"/>
+                </a:solidFill>
+                <a:effectLst/>
+                <a:latin typeface="TITUS Cyberbit Basic"/>
+              </a:rPr>
+              <a:t>          </a:t>
+            </a:r>
+            <a:r>
+              <a:rPr lang="en-US" altLang="ja-JP" sz="2000" dirty="0">
+                <a:solidFill>
+                  <a:srgbClr val="202122"/>
+                </a:solidFill>
+                <a:latin typeface="TITUS Cyberbit Basic"/>
+              </a:rPr>
+              <a:t>If the interval contains any integer it is shown in green color.</a:t>
+            </a:r>
+          </a:p>
+          <a:p>
+            <a:r>
+              <a:rPr kumimoji="1" lang="en-US" altLang="ja-JP" sz="2000" b="1" dirty="0">
+                <a:solidFill>
+                  <a:srgbClr val="0432FF"/>
+                </a:solidFill>
+              </a:rPr>
+              <a:t>-Q</a:t>
+            </a:r>
+            <a:r>
+              <a:rPr kumimoji="1" lang="en-US" altLang="ja-JP" sz="2000" dirty="0"/>
+              <a:t> : showing the numerators in a simplest way.  </a:t>
+            </a:r>
+            <a:br>
+              <a:rPr kumimoji="1" lang="en-US" altLang="ja-JP" sz="2000" dirty="0"/>
+            </a:br>
+            <a:r>
+              <a:rPr kumimoji="1" lang="en-US" altLang="ja-JP" sz="2000" dirty="0"/>
+              <a:t>         Extra1. </a:t>
+            </a:r>
+            <a:r>
+              <a:rPr lang="en-US" altLang="ja-JP" sz="2000" dirty="0"/>
+              <a:t>When only one proportion is given, </a:t>
+            </a:r>
+            <a:br>
+              <a:rPr lang="en-US" altLang="ja-JP" sz="2000" dirty="0"/>
+            </a:br>
+            <a:r>
+              <a:rPr lang="en-US" altLang="ja-JP" sz="2000" dirty="0"/>
+              <a:t>                    the denominator is shown with its prime factorization as well.</a:t>
+            </a:r>
+            <a:br>
+              <a:rPr lang="en-US" altLang="ja-JP" sz="2000" dirty="0"/>
+            </a:br>
+            <a:r>
+              <a:rPr lang="en-US" altLang="ja-JP" sz="2000" dirty="0"/>
+              <a:t>        </a:t>
+            </a:r>
+            <a:r>
+              <a:rPr kumimoji="1" lang="en-US" altLang="ja-JP" sz="2000" dirty="0"/>
+              <a:t> Extra2. To see all the numerators are odd (2q+1) or even (2q),</a:t>
+            </a:r>
+            <a:br>
+              <a:rPr kumimoji="1" lang="en-US" altLang="ja-JP" sz="2000" dirty="0"/>
+            </a:br>
+            <a:r>
+              <a:rPr kumimoji="1" lang="en-US" altLang="ja-JP" sz="2000" dirty="0"/>
+              <a:t>                     if they have a common reminder R against a devisor D,</a:t>
+            </a:r>
+            <a:br>
+              <a:rPr kumimoji="1" lang="en-US" altLang="ja-JP" sz="2000" dirty="0"/>
+            </a:br>
+            <a:r>
+              <a:rPr kumimoji="1" lang="en-US" altLang="ja-JP" sz="2000" dirty="0"/>
+              <a:t>                      they are shown with a form “(</a:t>
+            </a:r>
+            <a:r>
+              <a:rPr kumimoji="1" lang="en-US" altLang="ja-JP" sz="2000" dirty="0" err="1"/>
+              <a:t>Dq+R</a:t>
+            </a:r>
+            <a:r>
+              <a:rPr kumimoji="1" lang="en-US" altLang="ja-JP" sz="2000" dirty="0"/>
+              <a:t>)” as well.</a:t>
+            </a:r>
+            <a:br>
+              <a:rPr lang="en-US" altLang="ja-JP" sz="2000" dirty="0"/>
+            </a:br>
+            <a:endParaRPr kumimoji="1" lang="en-US" altLang="ja-JP" sz="2000" dirty="0"/>
+          </a:p>
+          <a:p>
+            <a:pPr marL="0" indent="0">
+              <a:buNone/>
+            </a:pPr>
+            <a:r>
+              <a:rPr lang="en-US" altLang="ja-JP" sz="1900" dirty="0"/>
+              <a:t>※</a:t>
+            </a:r>
+            <a:r>
+              <a:rPr lang="ja-JP" altLang="en-US" sz="1900"/>
+              <a:t> </a:t>
+            </a:r>
+            <a:r>
+              <a:rPr kumimoji="1" lang="en-US" altLang="ja-JP" sz="2000" dirty="0"/>
+              <a:t>If </a:t>
+            </a:r>
+            <a:r>
+              <a:rPr kumimoji="1" lang="en-US" altLang="ja-JP" sz="2000" b="1" dirty="0">
+                <a:solidFill>
+                  <a:srgbClr val="0432FF"/>
+                </a:solidFill>
+              </a:rPr>
+              <a:t>–D</a:t>
+            </a:r>
+            <a:r>
+              <a:rPr kumimoji="1" lang="en-US" altLang="ja-JP" sz="2000" dirty="0"/>
+              <a:t> , </a:t>
+            </a:r>
+            <a:r>
+              <a:rPr kumimoji="1" lang="en-US" altLang="ja-JP" sz="2000" b="1" dirty="0">
+                <a:solidFill>
+                  <a:srgbClr val="0432FF"/>
+                </a:solidFill>
+              </a:rPr>
+              <a:t>–I</a:t>
+            </a:r>
+            <a:r>
+              <a:rPr kumimoji="1" lang="en-US" altLang="ja-JP" sz="2000" dirty="0"/>
+              <a:t> and </a:t>
+            </a:r>
+            <a:r>
+              <a:rPr kumimoji="1" lang="en-US" altLang="ja-JP" sz="2000" b="1" dirty="0">
+                <a:solidFill>
+                  <a:srgbClr val="0432FF"/>
+                </a:solidFill>
+              </a:rPr>
+              <a:t>–Q</a:t>
+            </a:r>
+            <a:r>
+              <a:rPr kumimoji="1" lang="en-US" altLang="ja-JP" sz="2000" dirty="0"/>
+              <a:t> are not given, </a:t>
+            </a:r>
+            <a:r>
+              <a:rPr kumimoji="1" lang="en-US" altLang="ja-JP" sz="2000" b="1" dirty="0">
+                <a:solidFill>
+                  <a:srgbClr val="0432FF"/>
+                </a:solidFill>
+              </a:rPr>
+              <a:t>-D0</a:t>
+            </a:r>
+            <a:r>
+              <a:rPr kumimoji="1" lang="en-US" altLang="ja-JP" sz="2000" dirty="0"/>
+              <a:t> is regarded to be specified internally.</a:t>
+            </a:r>
+          </a:p>
+        </p:txBody>
+      </p:sp>
+      <p:sp>
+        <p:nvSpPr>
+          <p:cNvPr id="4" name="スライド番号プレースホルダー 3">
+            <a:extLst>
+              <a:ext uri="{FF2B5EF4-FFF2-40B4-BE49-F238E27FC236}">
+                <a16:creationId xmlns:a16="http://schemas.microsoft.com/office/drawing/2014/main" id="{649F05BB-B3FB-4529-3B29-6C258BEAC413}"/>
+              </a:ext>
+            </a:extLst>
+          </p:cNvPr>
+          <p:cNvSpPr>
+            <a:spLocks noGrp="1"/>
+          </p:cNvSpPr>
+          <p:nvPr>
+            <p:ph type="sldNum" sz="quarter" idx="12"/>
+          </p:nvPr>
+        </p:nvSpPr>
+        <p:spPr/>
+        <p:txBody>
+          <a:bodyPr/>
+          <a:lstStyle/>
+          <a:p>
+            <a:fld id="{63C814F0-333B-8D45-B387-98F69425B688}" type="slidenum">
+              <a:rPr kumimoji="1" lang="ja-JP" altLang="en-US" smtClean="0"/>
+              <a:t>13</a:t>
+            </a:fld>
+            <a:endParaRPr kumimoji="1" lang="ja-JP" altLang="en-US"/>
+          </a:p>
+        </p:txBody>
+      </p:sp>
+    </p:spTree>
+    <p:extLst>
+      <p:ext uri="{BB962C8B-B14F-4D97-AF65-F5344CB8AC3E}">
+        <p14:creationId xmlns:p14="http://schemas.microsoft.com/office/powerpoint/2010/main" val="1640798861"/>
+      </p:ext>
+    </p:extLst>
+  </p:cSld>
+  <p:clrMapOvr>
+    <a:masterClrMapping/>
+  </p:clrMapOvr>
+</p:sld>
+</file>
+
 <file path=ppt/slides/slide2.xml><?xml version="1.0" encoding="utf-8"?>
 <p:sld xmlns:a="http://schemas.openxmlformats.org/drawingml/2006/main" xmlns:r="http://schemas.openxmlformats.org/officeDocument/2006/relationships" xmlns:p="http://schemas.openxmlformats.org/presentationml/2006/main">
   <p:cSld>
@@ -4054,7 +5585,7 @@
             <a:pPr lvl="1"/>
             <a:r>
               <a:rPr lang="en-US" altLang="ja-JP" dirty="0"/>
-              <a:t>Round up /  Rounding down </a:t>
+              <a:t>Round up /  Round down</a:t>
             </a:r>
           </a:p>
           <a:p>
@@ -4211,7 +5742,19 @@
             <a:pPr lvl="1"/>
             <a:r>
               <a:rPr kumimoji="1" lang="en-US" altLang="ja-JP" sz="3200" dirty="0"/>
-              <a:t>how to use it.</a:t>
+              <a:t>how to use the command </a:t>
+            </a:r>
+            <a:r>
+              <a:rPr kumimoji="1" lang="en-US" altLang="ja-JP" sz="3200" b="1" dirty="0" err="1">
+                <a:solidFill>
+                  <a:srgbClr val="0432FF"/>
+                </a:solidFill>
+              </a:rPr>
+              <a:t>denomfind</a:t>
+            </a:r>
+            <a:r>
+              <a:rPr kumimoji="1" lang="en-US" altLang="ja-JP" sz="3200" dirty="0"/>
+              <a:t>.</a:t>
             </a:r>
           </a:p>
           <a:p>
@@ -4224,7 +5767,7 @@
             <a:pPr lvl="1"/>
             <a:r>
               <a:rPr lang="en-US" altLang="ja-JP" sz="3200" dirty="0"/>
-              <a:t>the internal design.</a:t>
+              <a:t>the internal design in detail.</a:t>
             </a:r>
           </a:p>
           <a:p>
@@ -5964,6 +7507,608 @@
     <p:extLst>
       <p:ext uri="{BB962C8B-B14F-4D97-AF65-F5344CB8AC3E}">
         <p14:creationId xmlns:p14="http://schemas.microsoft.com/office/powerpoint/2010/main" val="2044442128"/>
+      </p:ext>
+    </p:extLst>
+  </p:cSld>
+  <p:clrMapOvr>
+    <a:masterClrMapping/>
+  </p:clrMapOvr>
+</p:sld>
+</file>
+
+<file path=ppt/slides/slide8.xml><?xml version="1.0" encoding="utf-8"?>
+<p:sld xmlns:a="http://schemas.openxmlformats.org/drawingml/2006/main" xmlns:r="http://schemas.openxmlformats.org/officeDocument/2006/relationships" xmlns:p="http://schemas.openxmlformats.org/presentationml/2006/main">
+  <p:cSld>
+    <p:spTree>
+      <p:nvGrpSpPr>
+        <p:cNvPr id="1" name=""/>
+        <p:cNvGrpSpPr/>
+        <p:nvPr/>
+      </p:nvGrpSpPr>
+      <p:grpSpPr>
+        <a:xfrm>
+          <a:off x="0" y="0"/>
+          <a:ext cx="0" cy="0"/>
+          <a:chOff x="0" y="0"/>
+          <a:chExt cx="0" cy="0"/>
+        </a:xfrm>
+      </p:grpSpPr>
+      <p:sp>
+        <p:nvSpPr>
+          <p:cNvPr id="2" name="タイトル 1">
+            <a:extLst>
+              <a:ext uri="{FF2B5EF4-FFF2-40B4-BE49-F238E27FC236}">
+                <a16:creationId xmlns:a16="http://schemas.microsoft.com/office/drawing/2014/main" id="{A9064146-E95B-32CD-B495-9CDB43CED7BB}"/>
+              </a:ext>
+            </a:extLst>
+          </p:cNvPr>
+          <p:cNvSpPr>
+            <a:spLocks noGrp="1"/>
+          </p:cNvSpPr>
+          <p:nvPr>
+            <p:ph type="title"/>
+          </p:nvPr>
+        </p:nvSpPr>
+        <p:spPr>
+          <a:xfrm>
+            <a:off x="628650" y="365126"/>
+            <a:ext cx="7886700" cy="315911"/>
+          </a:xfrm>
+        </p:spPr>
+        <p:txBody>
+          <a:bodyPr>
+            <a:normAutofit fontScale="90000"/>
+          </a:bodyPr>
+          <a:lstStyle/>
+          <a:p>
+            <a:r>
+              <a:rPr kumimoji="1" lang="en-US" altLang="ja-JP" dirty="0"/>
+              <a:t>Feature of </a:t>
+            </a:r>
+            <a:r>
+              <a:rPr kumimoji="1" lang="en-US" altLang="ja-JP" b="1" dirty="0" err="1">
+                <a:solidFill>
+                  <a:srgbClr val="0432FF"/>
+                </a:solidFill>
+              </a:rPr>
+              <a:t>denomfind</a:t>
+            </a:r>
+            <a:endParaRPr kumimoji="1" lang="ja-JP" altLang="en-US" b="1">
+              <a:solidFill>
+                <a:srgbClr val="0432FF"/>
+              </a:solidFill>
+            </a:endParaRPr>
+          </a:p>
+        </p:txBody>
+      </p:sp>
+      <p:sp>
+        <p:nvSpPr>
+          <p:cNvPr id="3" name="コンテンツ プレースホルダー 2">
+            <a:extLst>
+              <a:ext uri="{FF2B5EF4-FFF2-40B4-BE49-F238E27FC236}">
+                <a16:creationId xmlns:a16="http://schemas.microsoft.com/office/drawing/2014/main" id="{4A9728C7-DF60-F89A-305B-2A8FB139E1F7}"/>
+              </a:ext>
+            </a:extLst>
+          </p:cNvPr>
+          <p:cNvSpPr>
+            <a:spLocks noGrp="1"/>
+          </p:cNvSpPr>
+          <p:nvPr>
+            <p:ph idx="1"/>
+          </p:nvPr>
+        </p:nvSpPr>
+        <p:spPr>
+          <a:xfrm>
+            <a:off x="628650" y="1105231"/>
+            <a:ext cx="7886700" cy="5071732"/>
+          </a:xfrm>
+        </p:spPr>
+        <p:txBody>
+          <a:bodyPr>
+            <a:normAutofit/>
+          </a:bodyPr>
+          <a:lstStyle/>
+          <a:p>
+            <a:pPr marL="0" indent="0">
+              <a:buNone/>
+            </a:pPr>
+            <a:r>
+              <a:rPr kumimoji="1" lang="en-US" altLang="ja-JP" dirty="0"/>
+              <a:t>Simple interface despite the various options.</a:t>
+            </a:r>
+          </a:p>
+          <a:p>
+            <a:pPr marL="0" indent="0">
+              <a:buNone/>
+            </a:pPr>
+            <a:r>
+              <a:rPr lang="en-US" altLang="ja-JP" sz="2000" dirty="0"/>
+              <a:t>      —</a:t>
+            </a:r>
+            <a:r>
+              <a:rPr lang="ja-JP" altLang="en-US" sz="2000"/>
+              <a:t> </a:t>
+            </a:r>
+            <a:r>
+              <a:rPr lang="en-US" altLang="ja-JP" sz="2000" dirty="0"/>
+              <a:t>How to interact with the program is</a:t>
+            </a:r>
+            <a:r>
+              <a:rPr lang="ja-JP" altLang="en-US" sz="2000"/>
+              <a:t> </a:t>
+            </a:r>
+            <a:r>
+              <a:rPr lang="en-US" altLang="ja-JP" sz="2000" dirty="0"/>
+              <a:t>intentionally designed.</a:t>
+            </a:r>
+            <a:endParaRPr kumimoji="1" lang="en-US" altLang="ja-JP" sz="2000" dirty="0"/>
+          </a:p>
+          <a:p>
+            <a:pPr marL="0" indent="0">
+              <a:buNone/>
+            </a:pPr>
+            <a:endParaRPr lang="en-US" altLang="ja-JP" dirty="0"/>
+          </a:p>
+          <a:p>
+            <a:pPr marL="514350" indent="-514350">
+              <a:buFont typeface="+mj-lt"/>
+              <a:buAutoNum type="arabicPeriod"/>
+            </a:pPr>
+            <a:r>
+              <a:rPr lang="en-US" altLang="ja-JP" dirty="0"/>
+              <a:t>Run such as </a:t>
+            </a:r>
+            <a:r>
+              <a:rPr lang="en-US" altLang="ja-JP" b="1" dirty="0" err="1">
+                <a:solidFill>
+                  <a:srgbClr val="0432FF"/>
+                </a:solidFill>
+              </a:rPr>
+              <a:t>denomfind</a:t>
+            </a:r>
+            <a:r>
+              <a:rPr lang="en-US" altLang="ja-JP" b="1" dirty="0">
+                <a:solidFill>
+                  <a:srgbClr val="0432FF"/>
+                </a:solidFill>
+              </a:rPr>
+              <a:t> 0.167 0.714</a:t>
+            </a:r>
+            <a:r>
+              <a:rPr lang="en-US" altLang="ja-JP" dirty="0"/>
+              <a:t> firstly.</a:t>
+            </a:r>
+          </a:p>
+          <a:p>
+            <a:pPr marL="514350" indent="-514350">
+              <a:buFont typeface="+mj-lt"/>
+              <a:buAutoNum type="arabicPeriod"/>
+            </a:pPr>
+            <a:r>
+              <a:rPr lang="en-US" altLang="ja-JP" dirty="0"/>
+              <a:t>The output is easily understandable.</a:t>
+            </a:r>
+          </a:p>
+          <a:p>
+            <a:pPr marL="514350" indent="-514350">
+              <a:buFont typeface="+mj-lt"/>
+              <a:buAutoNum type="arabicPeriod"/>
+            </a:pPr>
+            <a:r>
+              <a:rPr lang="en-US" altLang="ja-JP" dirty="0"/>
+              <a:t>You gradually increase functions to use </a:t>
+            </a:r>
+            <a:br>
+              <a:rPr lang="en-US" altLang="ja-JP" dirty="0"/>
+            </a:br>
+            <a:r>
+              <a:rPr lang="en-US" altLang="ja-JP" dirty="0"/>
+              <a:t>  such as options and other commands.</a:t>
+            </a:r>
+          </a:p>
+          <a:p>
+            <a:pPr marL="514350" indent="-514350">
+              <a:buFont typeface="+mj-lt"/>
+              <a:buAutoNum type="arabicPeriod"/>
+            </a:pPr>
+            <a:r>
+              <a:rPr kumimoji="1" lang="en-US" altLang="ja-JP" dirty="0"/>
+              <a:t>Online manual is provided : </a:t>
+            </a:r>
+            <a:r>
+              <a:rPr kumimoji="1" lang="en-US" altLang="ja-JP" b="1" dirty="0" err="1">
+                <a:solidFill>
+                  <a:srgbClr val="0432FF"/>
+                </a:solidFill>
+              </a:rPr>
+              <a:t>denomfind</a:t>
+            </a:r>
+            <a:r>
+              <a:rPr kumimoji="1" lang="en-US" altLang="ja-JP" b="1" dirty="0">
+                <a:solidFill>
+                  <a:srgbClr val="0432FF"/>
+                </a:solidFill>
+              </a:rPr>
+              <a:t> --help</a:t>
+            </a:r>
+          </a:p>
+          <a:p>
+            <a:pPr marL="514350" indent="-514350">
+              <a:buFont typeface="+mj-lt"/>
+              <a:buAutoNum type="arabicPeriod"/>
+            </a:pPr>
+            <a:r>
+              <a:rPr kumimoji="1" lang="en-US" altLang="ja-JP" dirty="0"/>
+              <a:t>Demo is also provided. </a:t>
+            </a:r>
+            <a:br>
+              <a:rPr kumimoji="1" lang="en-US" altLang="ja-JP" dirty="0"/>
+            </a:br>
+            <a:r>
+              <a:rPr kumimoji="1" lang="en-US" altLang="ja-JP" dirty="0"/>
+              <a:t>  You can try </a:t>
+            </a:r>
+            <a:r>
+              <a:rPr kumimoji="1" lang="en-US" altLang="ja-JP" b="1" dirty="0" err="1">
+                <a:solidFill>
+                  <a:srgbClr val="0432FF"/>
+                </a:solidFill>
+              </a:rPr>
+              <a:t>denomfind</a:t>
+            </a:r>
+            <a:r>
+              <a:rPr kumimoji="1" lang="en-US" altLang="ja-JP" b="1" dirty="0">
+                <a:solidFill>
+                  <a:srgbClr val="0432FF"/>
+                </a:solidFill>
+              </a:rPr>
+              <a:t> –T1</a:t>
+            </a:r>
+            <a:r>
+              <a:rPr kumimoji="1" lang="en-US" altLang="ja-JP" dirty="0"/>
+              <a:t> (1 is changeable.)</a:t>
+            </a:r>
+          </a:p>
+        </p:txBody>
+      </p:sp>
+      <p:sp>
+        <p:nvSpPr>
+          <p:cNvPr id="5" name="スライド番号プレースホルダー 4">
+            <a:extLst>
+              <a:ext uri="{FF2B5EF4-FFF2-40B4-BE49-F238E27FC236}">
+                <a16:creationId xmlns:a16="http://schemas.microsoft.com/office/drawing/2014/main" id="{E60C0A98-DD67-A1A8-1A91-00E1F2C2207E}"/>
+              </a:ext>
+            </a:extLst>
+          </p:cNvPr>
+          <p:cNvSpPr>
+            <a:spLocks noGrp="1"/>
+          </p:cNvSpPr>
+          <p:nvPr>
+            <p:ph type="sldNum" sz="quarter" idx="12"/>
+          </p:nvPr>
+        </p:nvSpPr>
+        <p:spPr/>
+        <p:txBody>
+          <a:bodyPr/>
+          <a:lstStyle/>
+          <a:p>
+            <a:fld id="{63C814F0-333B-8D45-B387-98F69425B688}" type="slidenum">
+              <a:rPr kumimoji="1" lang="ja-JP" altLang="en-US" smtClean="0"/>
+              <a:t>8</a:t>
+            </a:fld>
+            <a:endParaRPr kumimoji="1" lang="ja-JP" altLang="en-US"/>
+          </a:p>
+        </p:txBody>
+      </p:sp>
+    </p:spTree>
+    <p:extLst>
+      <p:ext uri="{BB962C8B-B14F-4D97-AF65-F5344CB8AC3E}">
+        <p14:creationId xmlns:p14="http://schemas.microsoft.com/office/powerpoint/2010/main" val="615064948"/>
+      </p:ext>
+    </p:extLst>
+  </p:cSld>
+  <p:clrMapOvr>
+    <a:masterClrMapping/>
+  </p:clrMapOvr>
+</p:sld>
+</file>
+
+<file path=ppt/slides/slide9.xml><?xml version="1.0" encoding="utf-8"?>
+<p:sld xmlns:a="http://schemas.openxmlformats.org/drawingml/2006/main" xmlns:r="http://schemas.openxmlformats.org/officeDocument/2006/relationships" xmlns:p="http://schemas.openxmlformats.org/presentationml/2006/main">
+  <p:cSld>
+    <p:spTree>
+      <p:nvGrpSpPr>
+        <p:cNvPr id="1" name=""/>
+        <p:cNvGrpSpPr/>
+        <p:nvPr/>
+      </p:nvGrpSpPr>
+      <p:grpSpPr>
+        <a:xfrm>
+          <a:off x="0" y="0"/>
+          <a:ext cx="0" cy="0"/>
+          <a:chOff x="0" y="0"/>
+          <a:chExt cx="0" cy="0"/>
+        </a:xfrm>
+      </p:grpSpPr>
+      <p:sp>
+        <p:nvSpPr>
+          <p:cNvPr id="2" name="タイトル 1">
+            <a:extLst>
+              <a:ext uri="{FF2B5EF4-FFF2-40B4-BE49-F238E27FC236}">
+                <a16:creationId xmlns:a16="http://schemas.microsoft.com/office/drawing/2014/main" id="{7DD7679E-9413-B634-536E-80944994D40D}"/>
+              </a:ext>
+            </a:extLst>
+          </p:cNvPr>
+          <p:cNvSpPr>
+            <a:spLocks noGrp="1"/>
+          </p:cNvSpPr>
+          <p:nvPr>
+            <p:ph type="title"/>
+          </p:nvPr>
+        </p:nvSpPr>
+        <p:spPr>
+          <a:xfrm>
+            <a:off x="628650" y="365126"/>
+            <a:ext cx="7886700" cy="382297"/>
+          </a:xfrm>
+        </p:spPr>
+        <p:txBody>
+          <a:bodyPr>
+            <a:normAutofit fontScale="90000"/>
+          </a:bodyPr>
+          <a:lstStyle/>
+          <a:p>
+            <a:r>
+              <a:rPr kumimoji="1" lang="en-US" altLang="ja-JP" sz="3600" b="1" dirty="0"/>
+              <a:t>Example 3. </a:t>
+            </a:r>
+            <a:r>
+              <a:rPr lang="en-US" altLang="ja-JP" sz="3600" b="1" dirty="0"/>
+              <a:t>Seats summary of 2019 European Parliament Election</a:t>
+            </a:r>
+            <a:endParaRPr kumimoji="1" lang="ja-JP" altLang="en-US" sz="3600" b="1"/>
+          </a:p>
+        </p:txBody>
+      </p:sp>
+      <p:sp>
+        <p:nvSpPr>
+          <p:cNvPr id="4" name="スライド番号プレースホルダー 3">
+            <a:extLst>
+              <a:ext uri="{FF2B5EF4-FFF2-40B4-BE49-F238E27FC236}">
+                <a16:creationId xmlns:a16="http://schemas.microsoft.com/office/drawing/2014/main" id="{D0A711D4-3AE5-D231-A71C-D7334E039118}"/>
+              </a:ext>
+            </a:extLst>
+          </p:cNvPr>
+          <p:cNvSpPr>
+            <a:spLocks noGrp="1"/>
+          </p:cNvSpPr>
+          <p:nvPr>
+            <p:ph type="sldNum" sz="quarter" idx="12"/>
+          </p:nvPr>
+        </p:nvSpPr>
+        <p:spPr/>
+        <p:txBody>
+          <a:bodyPr/>
+          <a:lstStyle/>
+          <a:p>
+            <a:fld id="{63C814F0-333B-8D45-B387-98F69425B688}" type="slidenum">
+              <a:rPr kumimoji="1" lang="ja-JP" altLang="en-US" smtClean="0"/>
+              <a:t>9</a:t>
+            </a:fld>
+            <a:endParaRPr kumimoji="1" lang="ja-JP" altLang="en-US"/>
+          </a:p>
+        </p:txBody>
+      </p:sp>
+      <p:pic>
+        <p:nvPicPr>
+          <p:cNvPr id="5" name="図 4">
+            <a:extLst>
+              <a:ext uri="{FF2B5EF4-FFF2-40B4-BE49-F238E27FC236}">
+                <a16:creationId xmlns:a16="http://schemas.microsoft.com/office/drawing/2014/main" id="{D7781E14-7EBF-D6D4-6697-B9C89DF7A10D}"/>
+              </a:ext>
+            </a:extLst>
+          </p:cNvPr>
+          <p:cNvPicPr>
+            <a:picLocks noChangeAspect="1"/>
+          </p:cNvPicPr>
+          <p:nvPr/>
+        </p:nvPicPr>
+        <p:blipFill>
+          <a:blip r:embed="rId2"/>
+          <a:stretch>
+            <a:fillRect/>
+          </a:stretch>
+        </p:blipFill>
+        <p:spPr>
+          <a:xfrm>
+            <a:off x="797614" y="934649"/>
+            <a:ext cx="5958509" cy="2491578"/>
+          </a:xfrm>
+          <a:prstGeom prst="rect">
+            <a:avLst/>
+          </a:prstGeom>
+        </p:spPr>
+      </p:pic>
+      <p:sp>
+        <p:nvSpPr>
+          <p:cNvPr id="8" name="コンテンツ プレースホルダー 7">
+            <a:extLst>
+              <a:ext uri="{FF2B5EF4-FFF2-40B4-BE49-F238E27FC236}">
+                <a16:creationId xmlns:a16="http://schemas.microsoft.com/office/drawing/2014/main" id="{4F554149-D090-3176-9132-161949CF632E}"/>
+              </a:ext>
+            </a:extLst>
+          </p:cNvPr>
+          <p:cNvSpPr>
+            <a:spLocks noGrp="1"/>
+          </p:cNvSpPr>
+          <p:nvPr>
+            <p:ph idx="1"/>
+          </p:nvPr>
+        </p:nvSpPr>
+        <p:spPr>
+          <a:xfrm>
+            <a:off x="151569" y="5550014"/>
+            <a:ext cx="8491499" cy="1300035"/>
+          </a:xfrm>
+        </p:spPr>
+        <p:txBody>
+          <a:bodyPr>
+            <a:normAutofit fontScale="92500"/>
+          </a:bodyPr>
+          <a:lstStyle/>
+          <a:p>
+            <a:pPr marL="0" indent="0">
+              <a:buNone/>
+            </a:pPr>
+            <a:r>
+              <a:rPr lang="en-US" altLang="ja-JP" sz="2400" dirty="0"/>
+              <a:t>The total seat number seems </a:t>
+            </a:r>
+            <a:r>
+              <a:rPr lang="en-US" altLang="ja-JP" sz="2400" b="1" dirty="0">
+                <a:solidFill>
+                  <a:srgbClr val="FF0000"/>
+                </a:solidFill>
+              </a:rPr>
+              <a:t>751 </a:t>
+            </a:r>
+            <a:r>
+              <a:rPr lang="en-US" altLang="ja-JP" sz="2400" dirty="0"/>
+              <a:t>(if &lt; 1000)</a:t>
+            </a:r>
+            <a:br>
+              <a:rPr lang="en-US" altLang="ja-JP" sz="2400" dirty="0"/>
+            </a:br>
+            <a:r>
+              <a:rPr lang="en-US" altLang="ja-JP" sz="2400" dirty="0"/>
+              <a:t>  from the 8 proportion percentages.  </a:t>
+            </a:r>
+            <a:br>
+              <a:rPr lang="en-US" altLang="ja-JP" sz="2400" dirty="0"/>
+            </a:br>
+            <a:r>
+              <a:rPr lang="en-US" altLang="ja-JP" sz="2400" b="1" dirty="0">
+                <a:solidFill>
+                  <a:srgbClr val="0432FF"/>
+                </a:solidFill>
+              </a:rPr>
+              <a:t>–y,</a:t>
+            </a:r>
+            <a:r>
+              <a:rPr lang="en-US" altLang="ja-JP" sz="2400" dirty="0"/>
+              <a:t> filters the </a:t>
+            </a:r>
+            <a:r>
+              <a:rPr lang="en-US" altLang="ja-JP" sz="2400" i="1" dirty="0"/>
+              <a:t>fit</a:t>
+            </a:r>
+            <a:r>
+              <a:rPr lang="en-US" altLang="ja-JP" sz="2400" dirty="0"/>
+              <a:t> number being the largest (8; the number of proportions). </a:t>
+            </a:r>
+            <a:br>
+              <a:rPr lang="en-US" altLang="ja-JP" sz="2400" dirty="0"/>
+            </a:br>
+            <a:r>
+              <a:rPr lang="en-US" altLang="ja-JP" sz="2400" b="1" dirty="0">
+                <a:solidFill>
+                  <a:srgbClr val="0432FF"/>
+                </a:solidFill>
+              </a:rPr>
+              <a:t>–g7</a:t>
+            </a:r>
+            <a:r>
+              <a:rPr lang="en-US" altLang="ja-JP" sz="2400" dirty="0"/>
+              <a:t> specifies to get 7 candidates. </a:t>
+            </a:r>
+            <a:r>
+              <a:rPr lang="en-US" altLang="ja-JP" sz="2400" b="1" dirty="0">
+                <a:solidFill>
+                  <a:srgbClr val="0432FF"/>
+                </a:solidFill>
+              </a:rPr>
+              <a:t>–%</a:t>
+            </a:r>
+            <a:r>
+              <a:rPr lang="en-US" altLang="ja-JP" sz="2400" dirty="0"/>
+              <a:t> specifies percentages are given.</a:t>
+            </a:r>
+          </a:p>
+        </p:txBody>
+      </p:sp>
+      <p:pic>
+        <p:nvPicPr>
+          <p:cNvPr id="11" name="図 10">
+            <a:extLst>
+              <a:ext uri="{FF2B5EF4-FFF2-40B4-BE49-F238E27FC236}">
+                <a16:creationId xmlns:a16="http://schemas.microsoft.com/office/drawing/2014/main" id="{D435B930-3920-53AA-F8C0-DFEFDFA1BBFE}"/>
+              </a:ext>
+            </a:extLst>
+          </p:cNvPr>
+          <p:cNvPicPr>
+            <a:picLocks noChangeAspect="1"/>
+          </p:cNvPicPr>
+          <p:nvPr/>
+        </p:nvPicPr>
+        <p:blipFill>
+          <a:blip r:embed="rId3"/>
+          <a:stretch>
+            <a:fillRect/>
+          </a:stretch>
+        </p:blipFill>
+        <p:spPr>
+          <a:xfrm>
+            <a:off x="685800" y="3461221"/>
+            <a:ext cx="7772400" cy="2018805"/>
+          </a:xfrm>
+          <a:prstGeom prst="rect">
+            <a:avLst/>
+          </a:prstGeom>
+        </p:spPr>
+      </p:pic>
+      <p:sp>
+        <p:nvSpPr>
+          <p:cNvPr id="13" name="テキスト ボックス 12">
+            <a:extLst>
+              <a:ext uri="{FF2B5EF4-FFF2-40B4-BE49-F238E27FC236}">
+                <a16:creationId xmlns:a16="http://schemas.microsoft.com/office/drawing/2014/main" id="{F8BFA3BC-4BAF-8ABD-FED2-D2ADA78FD497}"/>
+              </a:ext>
+            </a:extLst>
+          </p:cNvPr>
+          <p:cNvSpPr txBox="1"/>
+          <p:nvPr/>
+        </p:nvSpPr>
+        <p:spPr>
+          <a:xfrm>
+            <a:off x="6756123" y="1004434"/>
+            <a:ext cx="2057400" cy="738664"/>
+          </a:xfrm>
+          <a:prstGeom prst="rect">
+            <a:avLst/>
+          </a:prstGeom>
+          <a:noFill/>
+        </p:spPr>
+        <p:txBody>
+          <a:bodyPr wrap="square">
+            <a:spAutoFit/>
+          </a:bodyPr>
+          <a:lstStyle/>
+          <a:p>
+            <a:r>
+              <a:rPr lang="ja-JP" altLang="en-US" sz="1400">
+                <a:solidFill>
+                  <a:srgbClr val="0432FF"/>
+                </a:solidFill>
+              </a:rPr>
+              <a:t>https://en.wikipedia.org/wiki/2019_European_Parliament_election</a:t>
+            </a:r>
+          </a:p>
+        </p:txBody>
+      </p:sp>
+    </p:spTree>
+    <p:extLst>
+      <p:ext uri="{BB962C8B-B14F-4D97-AF65-F5344CB8AC3E}">
+        <p14:creationId xmlns:p14="http://schemas.microsoft.com/office/powerpoint/2010/main" val="903973696"/>
       </p:ext>
     </p:extLst>
   </p:cSld>

--- a/docs2/manipulation221022sat.pptx
+++ b/docs2/manipulation221022sat.pptx
@@ -4995,9 +4995,11 @@
               <a:t>: showing the fraction form such as </a:t>
             </a:r>
             <a:r>
-              <a:rPr kumimoji="1" lang="en-US" altLang="ja-JP" sz="2000" dirty="0">
-                <a:solidFill>
-                  <a:srgbClr val="0432FF"/>
+              <a:rPr kumimoji="1" lang="en-US" altLang="ja-JP" sz="2000" b="1" dirty="0">
+                <a:solidFill>
+                  <a:schemeClr val="accent5">
+                    <a:lumMod val="75000"/>
+                  </a:schemeClr>
                 </a:solidFill>
               </a:rPr>
               <a:t>10/33</a:t>
@@ -5037,9 +5039,11 @@
               <a:t> : showing also with 3 decimal places such as </a:t>
             </a:r>
             <a:r>
-              <a:rPr kumimoji="1" lang="en-US" altLang="ja-JP" sz="2000" dirty="0">
-                <a:solidFill>
-                  <a:srgbClr val="0432FF"/>
+              <a:rPr kumimoji="1" lang="en-US" altLang="ja-JP" sz="2000" b="1" dirty="0">
+                <a:solidFill>
+                  <a:schemeClr val="accent5">
+                    <a:lumMod val="75000"/>
+                  </a:schemeClr>
                 </a:solidFill>
               </a:rPr>
               <a:t>10/33=.303</a:t>
@@ -5059,9 +5063,11 @@
               <a:t> : in 4 decimal places in percentage such as </a:t>
             </a:r>
             <a:r>
-              <a:rPr kumimoji="1" lang="en-US" altLang="ja-JP" sz="2000" dirty="0">
-                <a:solidFill>
-                  <a:srgbClr val="0432FF"/>
+              <a:rPr kumimoji="1" lang="en-US" altLang="ja-JP" sz="2000" b="1" dirty="0">
+                <a:solidFill>
+                  <a:schemeClr val="accent5">
+                    <a:lumMod val="75000"/>
+                  </a:schemeClr>
                 </a:solidFill>
               </a:rPr>
               <a:t>10/33=30.3030%</a:t>
@@ -5081,16 +5087,28 @@
               <a:t> : showing the difference to realize the given proportion with 5 decimal places </a:t>
             </a:r>
             <a:r>
+              <a:rPr kumimoji="1" lang="en-US" altLang="ja-JP" sz="2000" b="1" dirty="0">
+                <a:solidFill>
+                  <a:schemeClr val="accent5">
+                    <a:lumMod val="75000"/>
+                  </a:schemeClr>
+                </a:solidFill>
+              </a:rPr>
+              <a:t>10/33-.00003</a:t>
+            </a:r>
+            <a:r>
               <a:rPr kumimoji="1" lang="en-US" altLang="ja-JP" sz="2000" dirty="0">
                 <a:solidFill>
-                  <a:srgbClr val="0432FF"/>
-                </a:solidFill>
-              </a:rPr>
-              <a:t>10/33-.00003</a:t>
+                  <a:schemeClr val="accent5">
+                    <a:lumMod val="75000"/>
+                  </a:schemeClr>
+                </a:solidFill>
+              </a:rPr>
+              <a:t> </a:t>
             </a:r>
             <a:r>
               <a:rPr kumimoji="1" lang="en-US" altLang="ja-JP" sz="2000" dirty="0"/>
-              <a:t> for a given proportion</a:t>
+              <a:t>for a given proportion</a:t>
             </a:r>
             <a:r>
               <a:rPr kumimoji="1" lang="en-US" altLang="ja-JP" sz="2000" dirty="0">
@@ -5122,16 +5140,28 @@
               <a:t>  with 6 decimal places such as </a:t>
             </a:r>
             <a:r>
+              <a:rPr kumimoji="1" lang="en-US" altLang="ja-JP" sz="2000" b="1" dirty="0">
+                <a:solidFill>
+                  <a:schemeClr val="accent5">
+                    <a:lumMod val="75000"/>
+                  </a:schemeClr>
+                </a:solidFill>
+              </a:rPr>
+              <a:t>10/33-. 00303%</a:t>
+            </a:r>
+            <a:r>
               <a:rPr kumimoji="1" lang="en-US" altLang="ja-JP" sz="2000" dirty="0">
                 <a:solidFill>
-                  <a:srgbClr val="0432FF"/>
-                </a:solidFill>
-              </a:rPr>
-              <a:t>10/33-. 00303%</a:t>
+                  <a:schemeClr val="accent5">
+                    <a:lumMod val="75000"/>
+                  </a:schemeClr>
+                </a:solidFill>
+              </a:rPr>
+              <a:t> </a:t>
             </a:r>
             <a:r>
               <a:rPr kumimoji="1" lang="en-US" altLang="ja-JP" sz="2000" dirty="0"/>
-              <a:t> for a proportion</a:t>
+              <a:t>for a proportion</a:t>
             </a:r>
             <a:r>
               <a:rPr kumimoji="1" lang="en-US" altLang="ja-JP" sz="2000" dirty="0">

--- a/docs2/manipulation221022sat.pptx
+++ b/docs2/manipulation221022sat.pptx
@@ -7635,7 +7635,7 @@
         </p:spPr>
         <p:txBody>
           <a:bodyPr>
-            <a:normAutofit/>
+            <a:normAutofit lnSpcReduction="10000"/>
           </a:bodyPr>
           <a:lstStyle/>
           <a:p>
@@ -7734,6 +7734,16 @@
             <a:r>
               <a:rPr lang="en-US" altLang="ja-JP" dirty="0"/>
               <a:t>  such as options and other commands.</a:t>
+            </a:r>
+          </a:p>
+          <a:p>
+            <a:pPr marL="514350" indent="-514350">
+              <a:buFont typeface="+mj-lt"/>
+              <a:buAutoNum type="arabicPeriod"/>
+            </a:pPr>
+            <a:r>
+              <a:rPr lang="en-US" altLang="ja-JP" dirty="0"/>
+              <a:t>The necessary functions are abundantly provided.</a:t>
             </a:r>
           </a:p>
           <a:p>

--- a/docs2/manipulation221022sat.pptx
+++ b/docs2/manipulation221022sat.pptx
@@ -3795,7 +3795,7 @@
             </a:br>
             <a:r>
               <a:rPr kumimoji="1" lang="en-US" altLang="ja-JP" sz="4400" dirty="0"/>
-              <a:t>from given proportions</a:t>
+              <a:t>for approximated proportions</a:t>
             </a:r>
             <a:endParaRPr kumimoji="1" lang="ja-JP" altLang="en-US" sz="4400"/>
           </a:p>
@@ -5481,7 +5481,12 @@
             <p:ph type="title"/>
           </p:nvPr>
         </p:nvSpPr>
-        <p:spPr/>
+        <p:spPr>
+          <a:xfrm>
+            <a:off x="628650" y="365126"/>
+            <a:ext cx="7886700" cy="946839"/>
+          </a:xfrm>
+        </p:spPr>
         <p:txBody>
           <a:bodyPr/>
           <a:lstStyle/>
@@ -5513,7 +5518,7 @@
         <p:spPr/>
         <p:txBody>
           <a:bodyPr>
-            <a:normAutofit/>
+            <a:normAutofit lnSpcReduction="10000"/>
           </a:bodyPr>
           <a:lstStyle/>
           <a:p>
@@ -5564,7 +5569,7 @@
             </a:r>
             <a:r>
               <a:rPr lang="en-US" altLang="ja-JP" dirty="0"/>
-              <a:t> is the value of a fraction.</a:t>
+              <a:t> is the decimal value of a fraction.</a:t>
             </a:r>
             <a:br>
               <a:rPr lang="en-US" altLang="ja-JP" dirty="0"/>
@@ -5579,7 +5584,22 @@
             </a:r>
             <a:r>
               <a:rPr lang="en-US" altLang="ja-JP" dirty="0"/>
-              <a:t>.</a:t>
+              <a:t>,</a:t>
+            </a:r>
+            <a:br>
+              <a:rPr lang="en-US" altLang="ja-JP" dirty="0"/>
+            </a:br>
+            <a:r>
+              <a:rPr lang="en-US" altLang="ja-JP" dirty="0"/>
+              <a:t>which would be simply called a </a:t>
+            </a:r>
+            <a:r>
+              <a:rPr lang="en-US" altLang="ja-JP" u="sng" dirty="0"/>
+              <a:t>proportion</a:t>
+            </a:r>
+            <a:r>
+              <a:rPr lang="en-US" altLang="ja-JP" dirty="0"/>
+              <a:t> herein.</a:t>
             </a:r>
           </a:p>
           <a:p>

--- a/docs2/manipulation221022sat.pptx
+++ b/docs2/manipulation221022sat.pptx
@@ -5,22 +5,23 @@
     <p:sldMasterId id="2147483660" r:id="rId1"/>
   </p:sldMasterIdLst>
   <p:notesMasterIdLst>
-    <p:notesMasterId r:id="rId15"/>
+    <p:notesMasterId r:id="rId16"/>
   </p:notesMasterIdLst>
   <p:sldIdLst>
     <p:sldId id="256" r:id="rId2"/>
     <p:sldId id="261" r:id="rId3"/>
-    <p:sldId id="257" r:id="rId4"/>
-    <p:sldId id="258" r:id="rId5"/>
-    <p:sldId id="259" r:id="rId6"/>
-    <p:sldId id="260" r:id="rId7"/>
-    <p:sldId id="262" r:id="rId8"/>
-    <p:sldId id="268" r:id="rId9"/>
-    <p:sldId id="263" r:id="rId10"/>
-    <p:sldId id="264" r:id="rId11"/>
-    <p:sldId id="265" r:id="rId12"/>
-    <p:sldId id="266" r:id="rId13"/>
-    <p:sldId id="267" r:id="rId14"/>
+    <p:sldId id="269" r:id="rId4"/>
+    <p:sldId id="257" r:id="rId5"/>
+    <p:sldId id="258" r:id="rId6"/>
+    <p:sldId id="259" r:id="rId7"/>
+    <p:sldId id="260" r:id="rId8"/>
+    <p:sldId id="262" r:id="rId9"/>
+    <p:sldId id="268" r:id="rId10"/>
+    <p:sldId id="263" r:id="rId11"/>
+    <p:sldId id="264" r:id="rId12"/>
+    <p:sldId id="265" r:id="rId13"/>
+    <p:sldId id="266" r:id="rId14"/>
+    <p:sldId id="267" r:id="rId15"/>
   </p:sldIdLst>
   <p:sldSz cx="9144000" cy="6858000" type="screen4x3"/>
   <p:notesSz cx="6858000" cy="9144000"/>
@@ -119,6 +120,11 @@
       </a:defRPr>
     </a:lvl9pPr>
   </p:defaultTextStyle>
+  <p:extLst>
+    <p:ext uri="{EFAFB233-063F-42B5-8137-9DF3F51BA10A}">
+      <p15:sldGuideLst xmlns:p15="http://schemas.microsoft.com/office/powerpoint/2012/main"/>
+    </p:ext>
+  </p:extLst>
 </p:presentation>
 </file>
 
@@ -204,7 +210,7 @@
           <a:p>
             <a:fld id="{0A693C87-55B6-E547-B1A2-F87AD222B059}" type="datetimeFigureOut">
               <a:rPr kumimoji="1" lang="ja-JP" altLang="en-US" smtClean="0"/>
-              <a:t>2022/10/22</a:t>
+              <a:t>2022/10/23</a:t>
             </a:fld>
             <a:endParaRPr kumimoji="1" lang="ja-JP" altLang="en-US"/>
           </a:p>
@@ -568,7 +574,7 @@
           <a:p>
             <a:fld id="{4F051C4D-6CED-CC40-A651-DA1EDCEE7A00}" type="slidenum">
               <a:rPr kumimoji="1" lang="ja-JP" altLang="en-US" smtClean="0"/>
-              <a:t>5</a:t>
+              <a:t>6</a:t>
             </a:fld>
             <a:endParaRPr kumimoji="1" lang="ja-JP" altLang="en-US"/>
           </a:p>
@@ -718,7 +724,7 @@
           <a:p>
             <a:fld id="{54523C7D-926C-5842-A907-F9DF9CC9C74B}" type="datetime1">
               <a:rPr kumimoji="1" lang="ja-JP" altLang="en-US" smtClean="0"/>
-              <a:t>2022/10/22</a:t>
+              <a:t>2022/10/23</a:t>
             </a:fld>
             <a:endParaRPr kumimoji="1" lang="ja-JP" altLang="en-US"/>
           </a:p>
@@ -920,7 +926,7 @@
           <a:p>
             <a:fld id="{F660F69B-E2BC-8A44-9892-3841B7B35636}" type="datetime1">
               <a:rPr kumimoji="1" lang="ja-JP" altLang="en-US" smtClean="0"/>
-              <a:t>2022/10/22</a:t>
+              <a:t>2022/10/23</a:t>
             </a:fld>
             <a:endParaRPr kumimoji="1" lang="ja-JP" altLang="en-US"/>
           </a:p>
@@ -1132,7 +1138,7 @@
           <a:p>
             <a:fld id="{F9CC5C56-91C2-1345-A478-D7EE41FFB54B}" type="datetime1">
               <a:rPr kumimoji="1" lang="ja-JP" altLang="en-US" smtClean="0"/>
-              <a:t>2022/10/22</a:t>
+              <a:t>2022/10/23</a:t>
             </a:fld>
             <a:endParaRPr kumimoji="1" lang="ja-JP" altLang="en-US"/>
           </a:p>
@@ -1334,7 +1340,7 @@
           <a:p>
             <a:fld id="{8E24D78D-8290-D247-A0A8-AB2DA575E945}" type="datetime1">
               <a:rPr kumimoji="1" lang="ja-JP" altLang="en-US" smtClean="0"/>
-              <a:t>2022/10/22</a:t>
+              <a:t>2022/10/23</a:t>
             </a:fld>
             <a:endParaRPr kumimoji="1" lang="ja-JP" altLang="en-US"/>
           </a:p>
@@ -1578,7 +1584,7 @@
           <a:p>
             <a:fld id="{9391F087-57F1-164D-AC1B-8A8818B3EC34}" type="datetime1">
               <a:rPr kumimoji="1" lang="ja-JP" altLang="en-US" smtClean="0"/>
-              <a:t>2022/10/22</a:t>
+              <a:t>2022/10/23</a:t>
             </a:fld>
             <a:endParaRPr kumimoji="1" lang="ja-JP" altLang="en-US"/>
           </a:p>
@@ -1874,7 +1880,7 @@
           <a:p>
             <a:fld id="{ACA830FA-FA95-684B-BFD0-107F58ACF2A3}" type="datetime1">
               <a:rPr kumimoji="1" lang="ja-JP" altLang="en-US" smtClean="0"/>
-              <a:t>2022/10/22</a:t>
+              <a:t>2022/10/23</a:t>
             </a:fld>
             <a:endParaRPr kumimoji="1" lang="ja-JP" altLang="en-US"/>
           </a:p>
@@ -2305,7 +2311,7 @@
           <a:p>
             <a:fld id="{1255F6B1-9E43-2F48-9DAD-47AE909CC5CD}" type="datetime1">
               <a:rPr kumimoji="1" lang="ja-JP" altLang="en-US" smtClean="0"/>
-              <a:t>2022/10/22</a:t>
+              <a:t>2022/10/23</a:t>
             </a:fld>
             <a:endParaRPr kumimoji="1" lang="ja-JP" altLang="en-US"/>
           </a:p>
@@ -2423,7 +2429,7 @@
           <a:p>
             <a:fld id="{5AF4E35F-B3AF-0B4F-A118-6848492D4CD2}" type="datetime1">
               <a:rPr kumimoji="1" lang="ja-JP" altLang="en-US" smtClean="0"/>
-              <a:t>2022/10/22</a:t>
+              <a:t>2022/10/23</a:t>
             </a:fld>
             <a:endParaRPr kumimoji="1" lang="ja-JP" altLang="en-US"/>
           </a:p>
@@ -2518,7 +2524,7 @@
           <a:p>
             <a:fld id="{9011BBC8-07FC-B848-9C4E-81DE00225A26}" type="datetime1">
               <a:rPr kumimoji="1" lang="ja-JP" altLang="en-US" smtClean="0"/>
-              <a:t>2022/10/22</a:t>
+              <a:t>2022/10/23</a:t>
             </a:fld>
             <a:endParaRPr kumimoji="1" lang="ja-JP" altLang="en-US"/>
           </a:p>
@@ -2827,7 +2833,7 @@
           <a:p>
             <a:fld id="{8AB5527A-2295-D342-A1FA-B269C39CA8E3}" type="datetime1">
               <a:rPr kumimoji="1" lang="ja-JP" altLang="en-US" smtClean="0"/>
-              <a:t>2022/10/22</a:t>
+              <a:t>2022/10/23</a:t>
             </a:fld>
             <a:endParaRPr kumimoji="1" lang="ja-JP" altLang="en-US"/>
           </a:p>
@@ -3084,7 +3090,7 @@
           <a:p>
             <a:fld id="{134EAD79-88D9-5649-BA8D-12C9185BCD5A}" type="datetime1">
               <a:rPr kumimoji="1" lang="ja-JP" altLang="en-US" smtClean="0"/>
-              <a:t>2022/10/22</a:t>
+              <a:t>2022/10/23</a:t>
             </a:fld>
             <a:endParaRPr kumimoji="1" lang="ja-JP" altLang="en-US"/>
           </a:p>
@@ -3329,7 +3335,7 @@
           <a:p>
             <a:fld id="{4F2ACFE4-3DDC-1748-A357-EB2D7D7357CB}" type="datetime1">
               <a:rPr kumimoji="1" lang="ja-JP" altLang="en-US" smtClean="0"/>
-              <a:t>2022/10/22</a:t>
+              <a:t>2022/10/23</a:t>
             </a:fld>
             <a:endParaRPr kumimoji="1" lang="ja-JP" altLang="en-US"/>
           </a:p>
@@ -3833,6 +3839,14 @@
               <a:rPr lang="en-US" altLang="ja-JP" sz="3200" dirty="0"/>
               <a:t>2022-10-22</a:t>
             </a:r>
+            <a:r>
+              <a:rPr lang="ja-JP" altLang="en-US" sz="3200"/>
+              <a:t> </a:t>
+            </a:r>
+            <a:r>
+              <a:rPr lang="en-US" altLang="ja-JP" sz="3200" dirty="0"/>
+              <a:t>(sat)</a:t>
+            </a:r>
           </a:p>
           <a:p>
             <a:r>
@@ -3915,6 +3929,318 @@
           <p:cNvPr id="2" name="タイトル 1">
             <a:extLst>
               <a:ext uri="{FF2B5EF4-FFF2-40B4-BE49-F238E27FC236}">
+                <a16:creationId xmlns:a16="http://schemas.microsoft.com/office/drawing/2014/main" id="{7DD7679E-9413-B634-536E-80944994D40D}"/>
+              </a:ext>
+            </a:extLst>
+          </p:cNvPr>
+          <p:cNvSpPr>
+            <a:spLocks noGrp="1"/>
+          </p:cNvSpPr>
+          <p:nvPr>
+            <p:ph type="title"/>
+          </p:nvPr>
+        </p:nvSpPr>
+        <p:spPr>
+          <a:xfrm>
+            <a:off x="628650" y="365126"/>
+            <a:ext cx="7886700" cy="382297"/>
+          </a:xfrm>
+        </p:spPr>
+        <p:txBody>
+          <a:bodyPr>
+            <a:normAutofit fontScale="90000"/>
+          </a:bodyPr>
+          <a:lstStyle/>
+          <a:p>
+            <a:r>
+              <a:rPr kumimoji="1" lang="en-US" altLang="ja-JP" sz="3600" b="1" dirty="0"/>
+              <a:t>Example 3. </a:t>
+            </a:r>
+            <a:r>
+              <a:rPr lang="en-US" altLang="ja-JP" sz="3600" b="1" dirty="0"/>
+              <a:t>Seats summary of </a:t>
+            </a:r>
+            <a:br>
+              <a:rPr lang="en-US" altLang="ja-JP" sz="3600" b="1" dirty="0"/>
+            </a:br>
+            <a:r>
+              <a:rPr lang="en-US" altLang="ja-JP" sz="3600" b="1" dirty="0"/>
+              <a:t>                     2019 European Parliament Election</a:t>
+            </a:r>
+            <a:endParaRPr kumimoji="1" lang="ja-JP" altLang="en-US" sz="3600" b="1"/>
+          </a:p>
+        </p:txBody>
+      </p:sp>
+      <p:sp>
+        <p:nvSpPr>
+          <p:cNvPr id="4" name="スライド番号プレースホルダー 3">
+            <a:extLst>
+              <a:ext uri="{FF2B5EF4-FFF2-40B4-BE49-F238E27FC236}">
+                <a16:creationId xmlns:a16="http://schemas.microsoft.com/office/drawing/2014/main" id="{D0A711D4-3AE5-D231-A71C-D7334E039118}"/>
+              </a:ext>
+            </a:extLst>
+          </p:cNvPr>
+          <p:cNvSpPr>
+            <a:spLocks noGrp="1"/>
+          </p:cNvSpPr>
+          <p:nvPr>
+            <p:ph type="sldNum" sz="quarter" idx="12"/>
+          </p:nvPr>
+        </p:nvSpPr>
+        <p:spPr/>
+        <p:txBody>
+          <a:bodyPr/>
+          <a:lstStyle/>
+          <a:p>
+            <a:fld id="{63C814F0-333B-8D45-B387-98F69425B688}" type="slidenum">
+              <a:rPr kumimoji="1" lang="ja-JP" altLang="en-US" smtClean="0"/>
+              <a:t>10</a:t>
+            </a:fld>
+            <a:endParaRPr kumimoji="1" lang="ja-JP" altLang="en-US"/>
+          </a:p>
+        </p:txBody>
+      </p:sp>
+      <p:pic>
+        <p:nvPicPr>
+          <p:cNvPr id="5" name="図 4">
+            <a:extLst>
+              <a:ext uri="{FF2B5EF4-FFF2-40B4-BE49-F238E27FC236}">
+                <a16:creationId xmlns:a16="http://schemas.microsoft.com/office/drawing/2014/main" id="{D7781E14-7EBF-D6D4-6697-B9C89DF7A10D}"/>
+              </a:ext>
+            </a:extLst>
+          </p:cNvPr>
+          <p:cNvPicPr>
+            <a:picLocks noChangeAspect="1"/>
+          </p:cNvPicPr>
+          <p:nvPr/>
+        </p:nvPicPr>
+        <p:blipFill>
+          <a:blip r:embed="rId2"/>
+          <a:stretch>
+            <a:fillRect/>
+          </a:stretch>
+        </p:blipFill>
+        <p:spPr>
+          <a:xfrm>
+            <a:off x="797614" y="934649"/>
+            <a:ext cx="5958509" cy="2491578"/>
+          </a:xfrm>
+          <a:prstGeom prst="rect">
+            <a:avLst/>
+          </a:prstGeom>
+        </p:spPr>
+      </p:pic>
+      <p:sp>
+        <p:nvSpPr>
+          <p:cNvPr id="8" name="コンテンツ プレースホルダー 7">
+            <a:extLst>
+              <a:ext uri="{FF2B5EF4-FFF2-40B4-BE49-F238E27FC236}">
+                <a16:creationId xmlns:a16="http://schemas.microsoft.com/office/drawing/2014/main" id="{4F554149-D090-3176-9132-161949CF632E}"/>
+              </a:ext>
+            </a:extLst>
+          </p:cNvPr>
+          <p:cNvSpPr>
+            <a:spLocks noGrp="1"/>
+          </p:cNvSpPr>
+          <p:nvPr>
+            <p:ph idx="1"/>
+          </p:nvPr>
+        </p:nvSpPr>
+        <p:spPr>
+          <a:xfrm>
+            <a:off x="151569" y="5550014"/>
+            <a:ext cx="8491499" cy="1300035"/>
+          </a:xfrm>
+        </p:spPr>
+        <p:txBody>
+          <a:bodyPr>
+            <a:normAutofit fontScale="92500"/>
+          </a:bodyPr>
+          <a:lstStyle/>
+          <a:p>
+            <a:pPr marL="0" indent="0">
+              <a:buNone/>
+            </a:pPr>
+            <a:r>
+              <a:rPr lang="en-US" altLang="ja-JP" sz="2400" dirty="0"/>
+              <a:t>The total seat number seems </a:t>
+            </a:r>
+            <a:r>
+              <a:rPr lang="en-US" altLang="ja-JP" sz="2400" b="1" dirty="0">
+                <a:solidFill>
+                  <a:srgbClr val="FF0000"/>
+                </a:solidFill>
+              </a:rPr>
+              <a:t>751 </a:t>
+            </a:r>
+            <a:r>
+              <a:rPr lang="en-US" altLang="ja-JP" sz="2400" dirty="0"/>
+              <a:t>(if &lt; 1000)</a:t>
+            </a:r>
+            <a:br>
+              <a:rPr lang="en-US" altLang="ja-JP" sz="2400" dirty="0"/>
+            </a:br>
+            <a:r>
+              <a:rPr lang="en-US" altLang="ja-JP" sz="2400" dirty="0"/>
+              <a:t>  from the 8 proportion percentages.  </a:t>
+            </a:r>
+            <a:br>
+              <a:rPr lang="en-US" altLang="ja-JP" sz="2400" dirty="0"/>
+            </a:br>
+            <a:r>
+              <a:rPr lang="en-US" altLang="ja-JP" sz="2400" b="1" dirty="0">
+                <a:solidFill>
+                  <a:srgbClr val="0432FF"/>
+                </a:solidFill>
+              </a:rPr>
+              <a:t>–y,</a:t>
+            </a:r>
+            <a:r>
+              <a:rPr lang="en-US" altLang="ja-JP" sz="2400" dirty="0"/>
+              <a:t> filters the </a:t>
+            </a:r>
+            <a:r>
+              <a:rPr lang="en-US" altLang="ja-JP" sz="2400" i="1" dirty="0"/>
+              <a:t>fit</a:t>
+            </a:r>
+            <a:r>
+              <a:rPr lang="en-US" altLang="ja-JP" sz="2400" dirty="0"/>
+              <a:t> number being the largest (8; the number of proportions). </a:t>
+            </a:r>
+            <a:br>
+              <a:rPr lang="en-US" altLang="ja-JP" sz="2400" dirty="0"/>
+            </a:br>
+            <a:r>
+              <a:rPr lang="en-US" altLang="ja-JP" sz="2400" b="1" dirty="0">
+                <a:solidFill>
+                  <a:srgbClr val="0432FF"/>
+                </a:solidFill>
+              </a:rPr>
+              <a:t>–g7</a:t>
+            </a:r>
+            <a:r>
+              <a:rPr lang="en-US" altLang="ja-JP" sz="2400" dirty="0"/>
+              <a:t> specifies to get 7 candidates. </a:t>
+            </a:r>
+            <a:r>
+              <a:rPr lang="en-US" altLang="ja-JP" sz="2400" b="1" dirty="0">
+                <a:solidFill>
+                  <a:srgbClr val="0432FF"/>
+                </a:solidFill>
+              </a:rPr>
+              <a:t>–%</a:t>
+            </a:r>
+            <a:r>
+              <a:rPr lang="en-US" altLang="ja-JP" sz="2400" dirty="0"/>
+              <a:t> specifies percentages are given.</a:t>
+            </a:r>
+          </a:p>
+        </p:txBody>
+      </p:sp>
+      <p:pic>
+        <p:nvPicPr>
+          <p:cNvPr id="11" name="図 10">
+            <a:extLst>
+              <a:ext uri="{FF2B5EF4-FFF2-40B4-BE49-F238E27FC236}">
+                <a16:creationId xmlns:a16="http://schemas.microsoft.com/office/drawing/2014/main" id="{D435B930-3920-53AA-F8C0-DFEFDFA1BBFE}"/>
+              </a:ext>
+            </a:extLst>
+          </p:cNvPr>
+          <p:cNvPicPr>
+            <a:picLocks noChangeAspect="1"/>
+          </p:cNvPicPr>
+          <p:nvPr/>
+        </p:nvPicPr>
+        <p:blipFill>
+          <a:blip r:embed="rId3"/>
+          <a:stretch>
+            <a:fillRect/>
+          </a:stretch>
+        </p:blipFill>
+        <p:spPr>
+          <a:xfrm>
+            <a:off x="685800" y="3461221"/>
+            <a:ext cx="7772400" cy="2018805"/>
+          </a:xfrm>
+          <a:prstGeom prst="rect">
+            <a:avLst/>
+          </a:prstGeom>
+        </p:spPr>
+      </p:pic>
+      <p:sp>
+        <p:nvSpPr>
+          <p:cNvPr id="13" name="テキスト ボックス 12">
+            <a:extLst>
+              <a:ext uri="{FF2B5EF4-FFF2-40B4-BE49-F238E27FC236}">
+                <a16:creationId xmlns:a16="http://schemas.microsoft.com/office/drawing/2014/main" id="{F8BFA3BC-4BAF-8ABD-FED2-D2ADA78FD497}"/>
+              </a:ext>
+            </a:extLst>
+          </p:cNvPr>
+          <p:cNvSpPr txBox="1"/>
+          <p:nvPr/>
+        </p:nvSpPr>
+        <p:spPr>
+          <a:xfrm>
+            <a:off x="6756123" y="1004434"/>
+            <a:ext cx="2057400" cy="738664"/>
+          </a:xfrm>
+          <a:prstGeom prst="rect">
+            <a:avLst/>
+          </a:prstGeom>
+          <a:noFill/>
+        </p:spPr>
+        <p:txBody>
+          <a:bodyPr wrap="square">
+            <a:spAutoFit/>
+          </a:bodyPr>
+          <a:lstStyle/>
+          <a:p>
+            <a:r>
+              <a:rPr lang="ja-JP" altLang="en-US" sz="1400">
+                <a:solidFill>
+                  <a:srgbClr val="0432FF"/>
+                </a:solidFill>
+              </a:rPr>
+              <a:t>https://en.wikipedia.org/wiki/2019_European_Parliament_election</a:t>
+            </a:r>
+          </a:p>
+        </p:txBody>
+      </p:sp>
+    </p:spTree>
+    <p:extLst>
+      <p:ext uri="{BB962C8B-B14F-4D97-AF65-F5344CB8AC3E}">
+        <p14:creationId xmlns:p14="http://schemas.microsoft.com/office/powerpoint/2010/main" val="903973696"/>
+      </p:ext>
+    </p:extLst>
+  </p:cSld>
+  <p:clrMapOvr>
+    <a:masterClrMapping/>
+  </p:clrMapOvr>
+</p:sld>
+</file>
+
+<file path=ppt/slides/slide11.xml><?xml version="1.0" encoding="utf-8"?>
+<p:sld xmlns:a="http://schemas.openxmlformats.org/drawingml/2006/main" xmlns:r="http://schemas.openxmlformats.org/officeDocument/2006/relationships" xmlns:p="http://schemas.openxmlformats.org/presentationml/2006/main">
+  <p:cSld>
+    <p:spTree>
+      <p:nvGrpSpPr>
+        <p:cNvPr id="1" name=""/>
+        <p:cNvGrpSpPr/>
+        <p:nvPr/>
+      </p:nvGrpSpPr>
+      <p:grpSpPr>
+        <a:xfrm>
+          <a:off x="0" y="0"/>
+          <a:ext cx="0" cy="0"/>
+          <a:chOff x="0" y="0"/>
+          <a:chExt cx="0" cy="0"/>
+        </a:xfrm>
+      </p:grpSpPr>
+      <p:sp>
+        <p:nvSpPr>
+          <p:cNvPr id="2" name="タイトル 1">
+            <a:extLst>
+              <a:ext uri="{FF2B5EF4-FFF2-40B4-BE49-F238E27FC236}">
                 <a16:creationId xmlns:a16="http://schemas.microsoft.com/office/drawing/2014/main" id="{83C8211A-1288-C4B1-71AF-E81561DEB19D}"/>
               </a:ext>
             </a:extLst>
@@ -3928,7 +4254,7 @@
         </p:nvSpPr>
         <p:spPr>
           <a:xfrm>
-            <a:off x="628650" y="277661"/>
+            <a:off x="628650" y="440032"/>
             <a:ext cx="7139774" cy="275697"/>
           </a:xfrm>
         </p:spPr>
@@ -4025,7 +4351,7 @@
           <a:p>
             <a:fld id="{63C814F0-333B-8D45-B387-98F69425B688}" type="slidenum">
               <a:rPr kumimoji="1" lang="ja-JP" altLang="en-US" smtClean="0"/>
-              <a:t>10</a:t>
+              <a:t>11</a:t>
             </a:fld>
             <a:endParaRPr kumimoji="1" lang="ja-JP" altLang="en-US"/>
           </a:p>
@@ -4092,7 +4418,7 @@
         </p:nvSpPr>
         <p:spPr>
           <a:xfrm>
-            <a:off x="1081376" y="5852160"/>
+            <a:off x="1081376" y="5997441"/>
             <a:ext cx="7028953" cy="369332"/>
           </a:xfrm>
           <a:prstGeom prst="rect">
@@ -4160,397 +4486,6 @@
 </p:sld>
 </file>
 
-<file path=ppt/slides/slide11.xml><?xml version="1.0" encoding="utf-8"?>
-<p:sld xmlns:a="http://schemas.openxmlformats.org/drawingml/2006/main" xmlns:r="http://schemas.openxmlformats.org/officeDocument/2006/relationships" xmlns:p="http://schemas.openxmlformats.org/presentationml/2006/main">
-  <p:cSld>
-    <p:spTree>
-      <p:nvGrpSpPr>
-        <p:cNvPr id="1" name=""/>
-        <p:cNvGrpSpPr/>
-        <p:nvPr/>
-      </p:nvGrpSpPr>
-      <p:grpSpPr>
-        <a:xfrm>
-          <a:off x="0" y="0"/>
-          <a:ext cx="0" cy="0"/>
-          <a:chOff x="0" y="0"/>
-          <a:chExt cx="0" cy="0"/>
-        </a:xfrm>
-      </p:grpSpPr>
-      <p:sp>
-        <p:nvSpPr>
-          <p:cNvPr id="2" name="タイトル 1">
-            <a:extLst>
-              <a:ext uri="{FF2B5EF4-FFF2-40B4-BE49-F238E27FC236}">
-                <a16:creationId xmlns:a16="http://schemas.microsoft.com/office/drawing/2014/main" id="{13DB1389-1338-4CB4-559B-886C43B95EA2}"/>
-              </a:ext>
-            </a:extLst>
-          </p:cNvPr>
-          <p:cNvSpPr>
-            <a:spLocks noGrp="1"/>
-          </p:cNvSpPr>
-          <p:nvPr>
-            <p:ph type="title"/>
-          </p:nvPr>
-        </p:nvSpPr>
-        <p:spPr>
-          <a:xfrm>
-            <a:off x="628650" y="365127"/>
-            <a:ext cx="7886700" cy="684446"/>
-          </a:xfrm>
-        </p:spPr>
-        <p:txBody>
-          <a:bodyPr>
-            <a:normAutofit fontScale="90000"/>
-          </a:bodyPr>
-          <a:lstStyle/>
-          <a:p>
-            <a:r>
-              <a:rPr kumimoji="1" lang="en-US" altLang="ja-JP" dirty="0"/>
-              <a:t>Various options in rounding </a:t>
-            </a:r>
-            <a:endParaRPr kumimoji="1" lang="ja-JP" altLang="en-US"/>
-          </a:p>
-        </p:txBody>
-      </p:sp>
-      <p:sp>
-        <p:nvSpPr>
-          <p:cNvPr id="3" name="コンテンツ プレースホルダー 2">
-            <a:extLst>
-              <a:ext uri="{FF2B5EF4-FFF2-40B4-BE49-F238E27FC236}">
-                <a16:creationId xmlns:a16="http://schemas.microsoft.com/office/drawing/2014/main" id="{21155940-76B4-8DC5-C6B6-DBF942B6C899}"/>
-              </a:ext>
-            </a:extLst>
-          </p:cNvPr>
-          <p:cNvSpPr>
-            <a:spLocks noGrp="1"/>
-          </p:cNvSpPr>
-          <p:nvPr>
-            <p:ph idx="1"/>
-          </p:nvPr>
-        </p:nvSpPr>
-        <p:spPr>
-          <a:xfrm>
-            <a:off x="628650" y="1280160"/>
-            <a:ext cx="7886700" cy="4896803"/>
-          </a:xfrm>
-        </p:spPr>
-        <p:txBody>
-          <a:bodyPr>
-            <a:normAutofit/>
-          </a:bodyPr>
-          <a:lstStyle/>
-          <a:p>
-            <a:pPr marL="0" indent="0">
-              <a:buNone/>
-            </a:pPr>
-            <a:r>
-              <a:rPr kumimoji="1" lang="en-US" altLang="ja-JP" sz="3200" dirty="0"/>
-              <a:t>Assuming the rounding</a:t>
-            </a:r>
-          </a:p>
-          <a:p>
-            <a:r>
-              <a:rPr kumimoji="1" lang="en-US" altLang="ja-JP" sz="2400" dirty="0"/>
-              <a:t>“round down” </a:t>
-            </a:r>
-            <a:r>
-              <a:rPr kumimoji="1" lang="en-US" altLang="ja-JP" sz="2000" dirty="0"/>
-              <a:t>(floor ; e.g. 0.345 </a:t>
-            </a:r>
-            <a:r>
-              <a:rPr kumimoji="1" lang="ja-JP" altLang="en-US" sz="2000"/>
-              <a:t>→</a:t>
-            </a:r>
-            <a:r>
-              <a:rPr kumimoji="1" lang="en-US" altLang="ja-JP" sz="2000" dirty="0"/>
-              <a:t> 0.34)</a:t>
-            </a:r>
-            <a:r>
-              <a:rPr kumimoji="1" lang="en-US" altLang="ja-JP" sz="2400" dirty="0"/>
-              <a:t> : </a:t>
-            </a:r>
-            <a:r>
-              <a:rPr kumimoji="1" lang="en-US" altLang="ja-JP" sz="2400" b="1" dirty="0">
-                <a:solidFill>
-                  <a:srgbClr val="0432FF"/>
-                </a:solidFill>
-              </a:rPr>
-              <a:t>–f</a:t>
-            </a:r>
-            <a:r>
-              <a:rPr kumimoji="1" lang="en-US" altLang="ja-JP" sz="2400" dirty="0"/>
-              <a:t> </a:t>
-            </a:r>
-          </a:p>
-          <a:p>
-            <a:r>
-              <a:rPr lang="en-US" altLang="ja-JP" sz="2400" dirty="0"/>
-              <a:t>“round up” </a:t>
-            </a:r>
-            <a:r>
-              <a:rPr lang="en-US" altLang="ja-JP" sz="2000" dirty="0"/>
-              <a:t>(ceil</a:t>
-            </a:r>
-            <a:r>
-              <a:rPr kumimoji="1" lang="en-US" altLang="ja-JP" sz="2000" dirty="0"/>
-              <a:t> ; e.g. 0.345 </a:t>
-            </a:r>
-            <a:r>
-              <a:rPr kumimoji="1" lang="ja-JP" altLang="en-US" sz="2000"/>
-              <a:t>→</a:t>
-            </a:r>
-            <a:r>
-              <a:rPr kumimoji="1" lang="en-US" altLang="ja-JP" sz="2000" dirty="0"/>
-              <a:t> 0.35</a:t>
-            </a:r>
-            <a:r>
-              <a:rPr lang="en-US" altLang="ja-JP" sz="2000" dirty="0"/>
-              <a:t>)</a:t>
-            </a:r>
-            <a:r>
-              <a:rPr lang="en-US" altLang="ja-JP" sz="2400" dirty="0"/>
-              <a:t> : </a:t>
-            </a:r>
-            <a:r>
-              <a:rPr lang="en-US" altLang="ja-JP" sz="2400" b="1" dirty="0">
-                <a:solidFill>
-                  <a:srgbClr val="0432FF"/>
-                </a:solidFill>
-              </a:rPr>
-              <a:t>–c</a:t>
-            </a:r>
-            <a:r>
-              <a:rPr lang="en-US" altLang="ja-JP" sz="2400" dirty="0"/>
-              <a:t> </a:t>
-            </a:r>
-          </a:p>
-          <a:p>
-            <a:r>
-              <a:rPr lang="en-US" altLang="ja-JP" sz="2400" dirty="0"/>
-              <a:t>“round half up” is done twice </a:t>
-            </a:r>
-            <a:r>
-              <a:rPr lang="en-US" altLang="ja-JP" sz="2000" dirty="0"/>
-              <a:t>( </a:t>
-            </a:r>
-            <a:r>
-              <a:rPr lang="en-US" altLang="ja-JP" sz="2000" i="1" dirty="0"/>
-              <a:t>e.g.</a:t>
-            </a:r>
-            <a:r>
-              <a:rPr lang="en-US" altLang="ja-JP" sz="2000" dirty="0"/>
-              <a:t> 0.345</a:t>
-            </a:r>
-            <a:r>
-              <a:rPr lang="ja-JP" altLang="en-US" sz="2000"/>
-              <a:t>→</a:t>
-            </a:r>
-            <a:r>
-              <a:rPr lang="en-US" altLang="ja-JP" sz="2000" dirty="0"/>
-              <a:t>0.35</a:t>
-            </a:r>
-            <a:r>
-              <a:rPr lang="ja-JP" altLang="en-US" sz="2000"/>
-              <a:t>→</a:t>
-            </a:r>
-            <a:r>
-              <a:rPr lang="en-US" altLang="ja-JP" sz="2000" dirty="0"/>
-              <a:t>0.4 ) </a:t>
-            </a:r>
-            <a:r>
-              <a:rPr lang="en-US" altLang="ja-JP" sz="2400" dirty="0"/>
-              <a:t>:  </a:t>
-            </a:r>
-            <a:r>
-              <a:rPr kumimoji="1" lang="en-US" altLang="ja-JP" sz="2400" b="1" dirty="0">
-                <a:solidFill>
-                  <a:srgbClr val="0432FF"/>
-                </a:solidFill>
-              </a:rPr>
-              <a:t>-5 2</a:t>
-            </a:r>
-          </a:p>
-          <a:p>
-            <a:r>
-              <a:rPr lang="en-US" altLang="ja-JP" sz="2400" dirty="0"/>
-              <a:t>“round half to even” </a:t>
-            </a:r>
-            <a:r>
-              <a:rPr lang="en-US" altLang="ja-JP" sz="1800" dirty="0"/>
-              <a:t>(</a:t>
-            </a:r>
-            <a:r>
-              <a:rPr kumimoji="1" lang="en-US" altLang="ja-JP" sz="1800" dirty="0"/>
-              <a:t>e.g. 0.335 and 0.345 </a:t>
-            </a:r>
-            <a:r>
-              <a:rPr kumimoji="1" lang="ja-JP" altLang="en-US" sz="1800"/>
-              <a:t>→</a:t>
-            </a:r>
-            <a:r>
-              <a:rPr kumimoji="1" lang="en-US" altLang="ja-JP" sz="1800" dirty="0"/>
-              <a:t> 0.34) </a:t>
-            </a:r>
-            <a:r>
-              <a:rPr lang="en-US" altLang="ja-JP" sz="2400" dirty="0"/>
-              <a:t>:  </a:t>
-            </a:r>
-            <a:r>
-              <a:rPr kumimoji="1" lang="en-US" altLang="ja-JP" sz="2400" b="1" dirty="0">
-                <a:solidFill>
-                  <a:srgbClr val="0432FF"/>
-                </a:solidFill>
-              </a:rPr>
-              <a:t>-5 e</a:t>
-            </a:r>
-            <a:endParaRPr lang="en-US" altLang="ja-JP" sz="2400" dirty="0"/>
-          </a:p>
-          <a:p>
-            <a:r>
-              <a:rPr kumimoji="1" lang="en-US" altLang="ja-JP" sz="2400" dirty="0"/>
-              <a:t>“round ha</a:t>
-            </a:r>
-            <a:r>
-              <a:rPr lang="en-US" altLang="ja-JP" sz="2400" dirty="0"/>
-              <a:t>lf to odd” </a:t>
-            </a:r>
-            <a:r>
-              <a:rPr lang="en-US" altLang="ja-JP" sz="1800" dirty="0"/>
-              <a:t>(</a:t>
-            </a:r>
-            <a:r>
-              <a:rPr kumimoji="1" lang="en-US" altLang="ja-JP" sz="1800" dirty="0"/>
-              <a:t>e.g. 0.345 and 0.355 </a:t>
-            </a:r>
-            <a:r>
-              <a:rPr kumimoji="1" lang="ja-JP" altLang="en-US" sz="1800"/>
-              <a:t>→</a:t>
-            </a:r>
-            <a:r>
-              <a:rPr kumimoji="1" lang="en-US" altLang="ja-JP" sz="1800" dirty="0"/>
-              <a:t> 0.35) </a:t>
-            </a:r>
-            <a:r>
-              <a:rPr lang="en-US" altLang="ja-JP" sz="2400" dirty="0"/>
-              <a:t>:  </a:t>
-            </a:r>
-            <a:r>
-              <a:rPr kumimoji="1" lang="en-US" altLang="ja-JP" sz="2400" b="1" dirty="0">
-                <a:solidFill>
-                  <a:srgbClr val="0432FF"/>
-                </a:solidFill>
-              </a:rPr>
-              <a:t>-5 o</a:t>
-            </a:r>
-          </a:p>
-          <a:p>
-            <a:endParaRPr lang="en-US" altLang="ja-JP" sz="2400" dirty="0">
-              <a:solidFill>
-                <a:srgbClr val="0432FF"/>
-              </a:solidFill>
-            </a:endParaRPr>
-          </a:p>
-          <a:p>
-            <a:r>
-              <a:rPr kumimoji="1" lang="en-US" altLang="ja-JP" sz="2400" dirty="0"/>
-              <a:t>Allowing the error within </a:t>
-            </a:r>
-            <a:r>
-              <a:rPr kumimoji="1" lang="en-US" altLang="ja-JP" sz="2400" i="1" dirty="0"/>
-              <a:t>1%</a:t>
-            </a:r>
-            <a:r>
-              <a:rPr kumimoji="1" lang="en-US" altLang="ja-JP" sz="2400" dirty="0"/>
-              <a:t> : </a:t>
-            </a:r>
-            <a:r>
-              <a:rPr kumimoji="1" lang="en-US" altLang="ja-JP" sz="2400" b="1" dirty="0">
-                <a:solidFill>
-                  <a:srgbClr val="0432FF"/>
-                </a:solidFill>
-              </a:rPr>
-              <a:t>-a 0.01</a:t>
-            </a:r>
-            <a:r>
-              <a:rPr kumimoji="1" lang="en-US" altLang="ja-JP" sz="2400" dirty="0"/>
-              <a:t>  or  </a:t>
-            </a:r>
-            <a:r>
-              <a:rPr kumimoji="1" lang="en-US" altLang="ja-JP" sz="2400" b="1" dirty="0">
-                <a:solidFill>
-                  <a:srgbClr val="0432FF"/>
-                </a:solidFill>
-              </a:rPr>
-              <a:t>-a</a:t>
-            </a:r>
-            <a:r>
-              <a:rPr kumimoji="1" lang="en-US" altLang="ja-JP" sz="2400" dirty="0"/>
-              <a:t> </a:t>
-            </a:r>
-            <a:r>
-              <a:rPr kumimoji="1" lang="en-US" altLang="ja-JP" sz="2400" b="1" dirty="0">
-                <a:solidFill>
-                  <a:srgbClr val="0432FF"/>
-                </a:solidFill>
-              </a:rPr>
-              <a:t>1%</a:t>
-            </a:r>
-          </a:p>
-          <a:p>
-            <a:pPr marL="0" indent="0">
-              <a:buNone/>
-            </a:pPr>
-            <a:endParaRPr kumimoji="1" lang="ja-JP" altLang="en-US" sz="2400" b="1">
-              <a:solidFill>
-                <a:srgbClr val="0432FF"/>
-              </a:solidFill>
-            </a:endParaRPr>
-          </a:p>
-        </p:txBody>
-      </p:sp>
-      <p:sp>
-        <p:nvSpPr>
-          <p:cNvPr id="4" name="スライド番号プレースホルダー 3">
-            <a:extLst>
-              <a:ext uri="{FF2B5EF4-FFF2-40B4-BE49-F238E27FC236}">
-                <a16:creationId xmlns:a16="http://schemas.microsoft.com/office/drawing/2014/main" id="{20A62B19-A55F-E98F-CFA8-1CFB4738A2E9}"/>
-              </a:ext>
-            </a:extLst>
-          </p:cNvPr>
-          <p:cNvSpPr>
-            <a:spLocks noGrp="1"/>
-          </p:cNvSpPr>
-          <p:nvPr>
-            <p:ph type="sldNum" sz="quarter" idx="12"/>
-          </p:nvPr>
-        </p:nvSpPr>
-        <p:spPr/>
-        <p:txBody>
-          <a:bodyPr/>
-          <a:lstStyle/>
-          <a:p>
-            <a:fld id="{63C814F0-333B-8D45-B387-98F69425B688}" type="slidenum">
-              <a:rPr kumimoji="1" lang="ja-JP" altLang="en-US" smtClean="0"/>
-              <a:t>11</a:t>
-            </a:fld>
-            <a:endParaRPr kumimoji="1" lang="ja-JP" altLang="en-US"/>
-          </a:p>
-        </p:txBody>
-      </p:sp>
-    </p:spTree>
-    <p:extLst>
-      <p:ext uri="{BB962C8B-B14F-4D97-AF65-F5344CB8AC3E}">
-        <p14:creationId xmlns:p14="http://schemas.microsoft.com/office/powerpoint/2010/main" val="3859435334"/>
-      </p:ext>
-    </p:extLst>
-  </p:cSld>
-  <p:clrMapOvr>
-    <a:masterClrMapping/>
-  </p:clrMapOvr>
-</p:sld>
-</file>
-
 <file path=ppt/slides/slide12.xml><?xml version="1.0" encoding="utf-8"?>
 <p:sld xmlns:a="http://schemas.openxmlformats.org/drawingml/2006/main" xmlns:r="http://schemas.openxmlformats.org/officeDocument/2006/relationships" xmlns:p="http://schemas.openxmlformats.org/presentationml/2006/main">
   <p:cSld>
@@ -4573,7 +4508,7 @@
           <p:cNvPr id="2" name="タイトル 1">
             <a:extLst>
               <a:ext uri="{FF2B5EF4-FFF2-40B4-BE49-F238E27FC236}">
-                <a16:creationId xmlns:a16="http://schemas.microsoft.com/office/drawing/2014/main" id="{D6C10A47-1CBC-AF40-F2E8-ABF5F56F77D2}"/>
+                <a16:creationId xmlns:a16="http://schemas.microsoft.com/office/drawing/2014/main" id="{13DB1389-1338-4CB4-559B-886C43B95EA2}"/>
               </a:ext>
             </a:extLst>
           </p:cNvPr>
@@ -4586,8 +4521,8 @@
         </p:nvSpPr>
         <p:spPr>
           <a:xfrm>
-            <a:off x="628650" y="365126"/>
-            <a:ext cx="7886700" cy="315911"/>
+            <a:off x="628650" y="365127"/>
+            <a:ext cx="7886700" cy="684446"/>
           </a:xfrm>
         </p:spPr>
         <p:txBody>
@@ -4598,7 +4533,7 @@
           <a:p>
             <a:r>
               <a:rPr kumimoji="1" lang="en-US" altLang="ja-JP" dirty="0"/>
-              <a:t>Options in the denominator filtering</a:t>
+              <a:t>Various options in rounding </a:t>
             </a:r>
             <a:endParaRPr kumimoji="1" lang="ja-JP" altLang="en-US"/>
           </a:p>
@@ -4609,7 +4544,7 @@
           <p:cNvPr id="3" name="コンテンツ プレースホルダー 2">
             <a:extLst>
               <a:ext uri="{FF2B5EF4-FFF2-40B4-BE49-F238E27FC236}">
-                <a16:creationId xmlns:a16="http://schemas.microsoft.com/office/drawing/2014/main" id="{C81BD508-E147-CF3C-1307-85ED77A84112}"/>
+                <a16:creationId xmlns:a16="http://schemas.microsoft.com/office/drawing/2014/main" id="{21155940-76B4-8DC5-C6B6-DBF942B6C899}"/>
               </a:ext>
             </a:extLst>
           </p:cNvPr>
@@ -4622,8 +4557,8 @@
         </p:nvSpPr>
         <p:spPr>
           <a:xfrm>
-            <a:off x="628650" y="906449"/>
-            <a:ext cx="7886700" cy="5270514"/>
+            <a:off x="628650" y="1280160"/>
+            <a:ext cx="7886700" cy="4896803"/>
           </a:xfrm>
         </p:spPr>
         <p:txBody>
@@ -4632,49 +4567,211 @@
           </a:bodyPr>
           <a:lstStyle/>
           <a:p>
-            <a:r>
-              <a:rPr kumimoji="1" lang="en-US" altLang="ja-JP" sz="2000" dirty="0">
+            <a:pPr marL="0" indent="0">
+              <a:buNone/>
+            </a:pPr>
+            <a:r>
+              <a:rPr kumimoji="1" lang="en-US" altLang="ja-JP" sz="3200" dirty="0"/>
+              <a:t>Assuming the rounding</a:t>
+            </a:r>
+          </a:p>
+          <a:p>
+            <a:r>
+              <a:rPr kumimoji="1" lang="en-US" altLang="ja-JP" sz="2400" dirty="0"/>
+              <a:t>“round down” </a:t>
+            </a:r>
+            <a:r>
+              <a:rPr kumimoji="1" lang="en-US" altLang="ja-JP" sz="2000" dirty="0"/>
+              <a:t>(floor ; e.g. 0.345 </a:t>
+            </a:r>
+            <a:r>
+              <a:rPr kumimoji="1" lang="ja-JP" altLang="en-US" sz="2000"/>
+              <a:t>→</a:t>
+            </a:r>
+            <a:r>
+              <a:rPr kumimoji="1" lang="en-US" altLang="ja-JP" sz="2000" dirty="0"/>
+              <a:t> 0.34)</a:t>
+            </a:r>
+            <a:r>
+              <a:rPr kumimoji="1" lang="en-US" altLang="ja-JP" sz="2400" dirty="0"/>
+              <a:t> : </a:t>
+            </a:r>
+            <a:r>
+              <a:rPr kumimoji="1" lang="en-US" altLang="ja-JP" sz="2400" b="1" dirty="0">
                 <a:solidFill>
                   <a:srgbClr val="0432FF"/>
                 </a:solidFill>
               </a:rPr>
-              <a:t>-g 100</a:t>
+              <a:t>–f</a:t>
+            </a:r>
+            <a:r>
+              <a:rPr kumimoji="1" lang="en-US" altLang="ja-JP" sz="2400" dirty="0"/>
+              <a:t> </a:t>
+            </a:r>
+          </a:p>
+          <a:p>
+            <a:r>
+              <a:rPr lang="en-US" altLang="ja-JP" sz="2400" dirty="0"/>
+              <a:t>“round up” </a:t>
+            </a:r>
+            <a:r>
+              <a:rPr lang="en-US" altLang="ja-JP" sz="2000" dirty="0"/>
+              <a:t>(ceil</a:t>
             </a:r>
             <a:r>
               <a:rPr kumimoji="1" lang="en-US" altLang="ja-JP" sz="2000" dirty="0"/>
-              <a:t> : getting 100 candidates in denominators from the smallest (1). </a:t>
-            </a:r>
-          </a:p>
-          <a:p>
-            <a:r>
-              <a:rPr kumimoji="1" lang="en-US" altLang="ja-JP" sz="2000" dirty="0">
+              <a:t> ; e.g. 0.345 </a:t>
+            </a:r>
+            <a:r>
+              <a:rPr kumimoji="1" lang="ja-JP" altLang="en-US" sz="2000"/>
+              <a:t>→</a:t>
+            </a:r>
+            <a:r>
+              <a:rPr kumimoji="1" lang="en-US" altLang="ja-JP" sz="2000" dirty="0"/>
+              <a:t> 0.35</a:t>
+            </a:r>
+            <a:r>
+              <a:rPr lang="en-US" altLang="ja-JP" sz="2000" dirty="0"/>
+              <a:t>)</a:t>
+            </a:r>
+            <a:r>
+              <a:rPr lang="en-US" altLang="ja-JP" sz="2400" dirty="0"/>
+              <a:t> : </a:t>
+            </a:r>
+            <a:r>
+              <a:rPr lang="en-US" altLang="ja-JP" sz="2400" b="1" dirty="0">
                 <a:solidFill>
                   <a:srgbClr val="0432FF"/>
                 </a:solidFill>
               </a:rPr>
-              <a:t>-g 123,100</a:t>
-            </a:r>
-            <a:r>
-              <a:rPr kumimoji="1" lang="en-US" altLang="ja-JP" sz="2000" dirty="0"/>
-              <a:t> : getting 100 candidates in denominators from the 123.</a:t>
-            </a:r>
-          </a:p>
-          <a:p>
-            <a:r>
-              <a:rPr kumimoji="1" lang="en-US" altLang="ja-JP" sz="2000" dirty="0">
+              <a:t>–c</a:t>
+            </a:r>
+            <a:r>
+              <a:rPr lang="en-US" altLang="ja-JP" sz="2400" dirty="0"/>
+              <a:t> </a:t>
+            </a:r>
+          </a:p>
+          <a:p>
+            <a:r>
+              <a:rPr lang="en-US" altLang="ja-JP" sz="2400" dirty="0"/>
+              <a:t>“round half up” is done twice </a:t>
+            </a:r>
+            <a:r>
+              <a:rPr lang="en-US" altLang="ja-JP" sz="2000" dirty="0"/>
+              <a:t>( </a:t>
+            </a:r>
+            <a:r>
+              <a:rPr lang="en-US" altLang="ja-JP" sz="2000" i="1" dirty="0"/>
+              <a:t>e.g.</a:t>
+            </a:r>
+            <a:r>
+              <a:rPr lang="en-US" altLang="ja-JP" sz="2000" dirty="0"/>
+              <a:t> 0.345</a:t>
+            </a:r>
+            <a:r>
+              <a:rPr lang="ja-JP" altLang="en-US" sz="2000"/>
+              <a:t>→</a:t>
+            </a:r>
+            <a:r>
+              <a:rPr lang="en-US" altLang="ja-JP" sz="2000" dirty="0"/>
+              <a:t>0.35</a:t>
+            </a:r>
+            <a:r>
+              <a:rPr lang="ja-JP" altLang="en-US" sz="2000"/>
+              <a:t>→</a:t>
+            </a:r>
+            <a:r>
+              <a:rPr lang="en-US" altLang="ja-JP" sz="2000" dirty="0"/>
+              <a:t>0.4 ) </a:t>
+            </a:r>
+            <a:r>
+              <a:rPr lang="en-US" altLang="ja-JP" sz="2400" dirty="0"/>
+              <a:t>:  </a:t>
+            </a:r>
+            <a:r>
+              <a:rPr kumimoji="1" lang="en-US" altLang="ja-JP" sz="2400" b="1" dirty="0">
                 <a:solidFill>
                   <a:srgbClr val="0432FF"/>
                 </a:solidFill>
               </a:rPr>
-              <a:t>-g 123,-10</a:t>
-            </a:r>
-            <a:r>
-              <a:rPr kumimoji="1" lang="en-US" altLang="ja-JP" sz="2000" dirty="0"/>
-              <a:t> : getting 10 candidates from the 123 in descending order.</a:t>
-            </a:r>
-          </a:p>
-          <a:p>
-            <a:endParaRPr kumimoji="1" lang="en-US" altLang="ja-JP" sz="2000" dirty="0">
+              <a:t>-5 2</a:t>
+            </a:r>
+          </a:p>
+          <a:p>
+            <a:r>
+              <a:rPr lang="en-US" altLang="ja-JP" sz="2400" dirty="0"/>
+              <a:t>“round half to even” </a:t>
+            </a:r>
+            <a:r>
+              <a:rPr lang="en-US" altLang="ja-JP" sz="1800" dirty="0"/>
+              <a:t>(</a:t>
+            </a:r>
+            <a:r>
+              <a:rPr kumimoji="1" lang="en-US" altLang="ja-JP" sz="1800" dirty="0"/>
+              <a:t>e.g. 0.335 and 0.345 </a:t>
+            </a:r>
+            <a:r>
+              <a:rPr kumimoji="1" lang="ja-JP" altLang="en-US" sz="1800"/>
+              <a:t>→</a:t>
+            </a:r>
+            <a:r>
+              <a:rPr kumimoji="1" lang="en-US" altLang="ja-JP" sz="1800" dirty="0"/>
+              <a:t> 0.34) </a:t>
+            </a:r>
+            <a:r>
+              <a:rPr lang="en-US" altLang="ja-JP" sz="2400" dirty="0"/>
+              <a:t>:  </a:t>
+            </a:r>
+            <a:r>
+              <a:rPr kumimoji="1" lang="en-US" altLang="ja-JP" sz="2400" b="1" dirty="0">
+                <a:solidFill>
+                  <a:srgbClr val="0432FF"/>
+                </a:solidFill>
+              </a:rPr>
+              <a:t>-5 e</a:t>
+            </a:r>
+            <a:endParaRPr lang="en-US" altLang="ja-JP" sz="2400" dirty="0"/>
+          </a:p>
+          <a:p>
+            <a:r>
+              <a:rPr kumimoji="1" lang="en-US" altLang="ja-JP" sz="2400" dirty="0"/>
+              <a:t>“round ha</a:t>
+            </a:r>
+            <a:r>
+              <a:rPr lang="en-US" altLang="ja-JP" sz="2400" dirty="0"/>
+              <a:t>lf to odd” </a:t>
+            </a:r>
+            <a:r>
+              <a:rPr lang="en-US" altLang="ja-JP" sz="1800" dirty="0"/>
+              <a:t>(</a:t>
+            </a:r>
+            <a:r>
+              <a:rPr kumimoji="1" lang="en-US" altLang="ja-JP" sz="1800" dirty="0"/>
+              <a:t>e.g. 0.345 and 0.355 </a:t>
+            </a:r>
+            <a:r>
+              <a:rPr kumimoji="1" lang="ja-JP" altLang="en-US" sz="1800"/>
+              <a:t>→</a:t>
+            </a:r>
+            <a:r>
+              <a:rPr kumimoji="1" lang="en-US" altLang="ja-JP" sz="1800" dirty="0"/>
+              <a:t> 0.35) </a:t>
+            </a:r>
+            <a:r>
+              <a:rPr lang="en-US" altLang="ja-JP" sz="2400" dirty="0"/>
+              <a:t>:  </a:t>
+            </a:r>
+            <a:r>
+              <a:rPr kumimoji="1" lang="en-US" altLang="ja-JP" sz="2400" b="1" dirty="0">
+                <a:solidFill>
+                  <a:srgbClr val="0432FF"/>
+                </a:solidFill>
+              </a:rPr>
+              <a:t>-5 o</a:t>
+            </a:r>
+          </a:p>
+          <a:p>
+            <a:endParaRPr lang="en-US" altLang="ja-JP" sz="2400" dirty="0">
               <a:solidFill>
                 <a:srgbClr val="0432FF"/>
               </a:solidFill>
@@ -4682,180 +4779,59 @@
           </a:p>
           <a:p>
             <a:r>
-              <a:rPr kumimoji="1" lang="en-US" altLang="ja-JP" sz="2000" dirty="0">
+              <a:rPr kumimoji="1" lang="en-US" altLang="ja-JP" sz="2400" dirty="0"/>
+              <a:t>Allowing the error within ±</a:t>
+            </a:r>
+            <a:r>
+              <a:rPr kumimoji="1" lang="en-US" altLang="ja-JP" sz="2400" i="1" dirty="0"/>
+              <a:t>1%</a:t>
+            </a:r>
+            <a:r>
+              <a:rPr kumimoji="1" lang="en-US" altLang="ja-JP" sz="2400" dirty="0"/>
+              <a:t> : </a:t>
+            </a:r>
+            <a:r>
+              <a:rPr kumimoji="1" lang="en-US" altLang="ja-JP" sz="2400" b="1" dirty="0">
                 <a:solidFill>
                   <a:srgbClr val="0432FF"/>
                 </a:solidFill>
               </a:rPr>
-              <a:t>-y .. </a:t>
-            </a:r>
-            <a:r>
-              <a:rPr kumimoji="1" lang="en-US" altLang="ja-JP" sz="2000" dirty="0"/>
-              <a:t>: showing </a:t>
-            </a:r>
-            <a:r>
-              <a:rPr kumimoji="1" lang="en-US" altLang="ja-JP" sz="2000" b="1" dirty="0"/>
-              <a:t>every denominator</a:t>
-            </a:r>
-            <a:r>
-              <a:rPr kumimoji="1" lang="en-US" altLang="ja-JP" sz="2000" dirty="0"/>
-              <a:t> as long as specified by </a:t>
-            </a:r>
-            <a:r>
-              <a:rPr kumimoji="1" lang="en-US" altLang="ja-JP" sz="2000" b="1" dirty="0">
+              <a:t>-a 0.01</a:t>
+            </a:r>
+            <a:r>
+              <a:rPr kumimoji="1" lang="en-US" altLang="ja-JP" sz="2400" dirty="0"/>
+              <a:t>  or  </a:t>
+            </a:r>
+            <a:r>
+              <a:rPr kumimoji="1" lang="en-US" altLang="ja-JP" sz="2400" b="1" dirty="0">
                 <a:solidFill>
                   <a:srgbClr val="0432FF"/>
                 </a:solidFill>
               </a:rPr>
-              <a:t>–g </a:t>
-            </a:r>
-            <a:r>
-              <a:rPr kumimoji="1" lang="en-US" altLang="ja-JP" sz="2000" dirty="0"/>
-              <a:t>option.</a:t>
-            </a:r>
-          </a:p>
-          <a:p>
-            <a:r>
-              <a:rPr kumimoji="1" lang="en-US" altLang="ja-JP" sz="2000" dirty="0">
+              <a:t>-a</a:t>
+            </a:r>
+            <a:r>
+              <a:rPr kumimoji="1" lang="en-US" altLang="ja-JP" sz="2400" dirty="0"/>
+              <a:t> </a:t>
+            </a:r>
+            <a:r>
+              <a:rPr kumimoji="1" lang="en-US" altLang="ja-JP" sz="2400" b="1" dirty="0">
                 <a:solidFill>
                   <a:srgbClr val="0432FF"/>
                 </a:solidFill>
               </a:rPr>
-              <a:t>-y ,</a:t>
-            </a:r>
-            <a:r>
-              <a:rPr kumimoji="1" lang="en-US" altLang="ja-JP" sz="2000" dirty="0"/>
-              <a:t>  : only showing the denominators when </a:t>
-            </a:r>
-            <a:r>
-              <a:rPr kumimoji="1" lang="en-US" altLang="ja-JP" sz="2000" b="1" dirty="0"/>
-              <a:t>every given proportion</a:t>
-            </a:r>
-            <a:br>
-              <a:rPr kumimoji="1" lang="en-US" altLang="ja-JP" sz="2000" dirty="0"/>
-            </a:br>
-            <a:r>
-              <a:rPr kumimoji="1" lang="en-US" altLang="ja-JP" sz="2000" dirty="0"/>
-              <a:t>           </a:t>
-            </a:r>
-            <a:r>
-              <a:rPr kumimoji="1" lang="en-US" altLang="ja-JP" sz="2000" u="sng" dirty="0"/>
-              <a:t>has at least one corresponding integer numerator</a:t>
-            </a:r>
-            <a:r>
-              <a:rPr kumimoji="1" lang="en-US" altLang="ja-JP" sz="2000" dirty="0"/>
-              <a:t>.</a:t>
-            </a:r>
-          </a:p>
-          <a:p>
-            <a:r>
-              <a:rPr kumimoji="1" lang="en-US" altLang="ja-JP" sz="2000" dirty="0">
-                <a:solidFill>
-                  <a:srgbClr val="0432FF"/>
-                </a:solidFill>
-              </a:rPr>
-              <a:t>-y 1..</a:t>
-            </a:r>
-            <a:r>
-              <a:rPr kumimoji="1" lang="en-US" altLang="ja-JP" sz="2000" dirty="0"/>
-              <a:t>  : showing the denominators when at least one of given proportion</a:t>
-            </a:r>
-            <a:br>
-              <a:rPr kumimoji="1" lang="en-US" altLang="ja-JP" sz="2000" dirty="0"/>
-            </a:br>
-            <a:r>
-              <a:rPr kumimoji="1" lang="en-US" altLang="ja-JP" sz="2000" dirty="0"/>
-              <a:t>                 has the corresponding integer numerator. (</a:t>
-            </a:r>
-            <a:r>
-              <a:rPr kumimoji="1" lang="en-US" altLang="ja-JP" sz="2000" b="1" dirty="0"/>
-              <a:t>Default</a:t>
-            </a:r>
-            <a:r>
-              <a:rPr kumimoji="1" lang="en-US" altLang="ja-JP" sz="2000" dirty="0"/>
-              <a:t>)</a:t>
-            </a:r>
-          </a:p>
-          <a:p>
-            <a:r>
-              <a:rPr kumimoji="1" lang="en-US" altLang="ja-JP" sz="2000" dirty="0">
-                <a:solidFill>
-                  <a:srgbClr val="0432FF"/>
-                </a:solidFill>
-              </a:rPr>
-              <a:t>-y -2..</a:t>
-            </a:r>
-            <a:r>
-              <a:rPr kumimoji="1" lang="en-US" altLang="ja-JP" sz="2000" dirty="0"/>
-              <a:t>  : showing the denominators when every given proportion</a:t>
-            </a:r>
-            <a:br>
-              <a:rPr kumimoji="1" lang="en-US" altLang="ja-JP" sz="2000" dirty="0"/>
-            </a:br>
-            <a:r>
-              <a:rPr kumimoji="1" lang="en-US" altLang="ja-JP" sz="2000" dirty="0"/>
-              <a:t>                 has the corresponding integer numerator </a:t>
-            </a:r>
-            <a:br>
-              <a:rPr kumimoji="1" lang="en-US" altLang="ja-JP" sz="2000" dirty="0"/>
-            </a:br>
-            <a:r>
-              <a:rPr kumimoji="1" lang="en-US" altLang="ja-JP" sz="2000" dirty="0"/>
-              <a:t>                   allowing the </a:t>
-            </a:r>
-            <a:r>
-              <a:rPr kumimoji="1" lang="en-US" altLang="ja-JP" sz="2000" b="1" dirty="0"/>
-              <a:t>exceptions</a:t>
-            </a:r>
-            <a:r>
-              <a:rPr kumimoji="1" lang="en-US" altLang="ja-JP" sz="2000" dirty="0"/>
-              <a:t> within 2 of the proportions.</a:t>
+              <a:t>1%</a:t>
             </a:r>
           </a:p>
           <a:p>
             <a:pPr marL="0" indent="0">
               <a:buNone/>
             </a:pPr>
-            <a:r>
-              <a:rPr lang="en-US" altLang="ja-JP" sz="2000" dirty="0">
-                <a:solidFill>
-                  <a:srgbClr val="0432FF"/>
-                </a:solidFill>
-              </a:rPr>
-              <a:t>N..M</a:t>
-            </a:r>
-            <a:r>
-              <a:rPr lang="en-US" altLang="ja-JP" sz="2000" dirty="0"/>
-              <a:t> means the numerical range. </a:t>
-            </a:r>
-            <a:r>
-              <a:rPr lang="en-US" altLang="ja-JP" sz="2000" dirty="0">
-                <a:solidFill>
-                  <a:srgbClr val="0432FF"/>
-                </a:solidFill>
-              </a:rPr>
-              <a:t>N..</a:t>
-            </a:r>
-            <a:r>
-              <a:rPr lang="en-US" altLang="ja-JP" sz="2000" dirty="0"/>
-              <a:t> means n to the maximum. </a:t>
-            </a:r>
-            <a:r>
-              <a:rPr lang="en-US" altLang="ja-JP" sz="2000" dirty="0">
-                <a:solidFill>
-                  <a:srgbClr val="0432FF"/>
-                </a:solidFill>
-              </a:rPr>
-              <a:t>..M</a:t>
-            </a:r>
-            <a:r>
-              <a:rPr lang="en-US" altLang="ja-JP" sz="2000" dirty="0"/>
-              <a:t> means zero to M. When N or M is negative, it means (the maximum)-abs(N or M). Those types of range or a single number can be combined by comma(,).</a:t>
-            </a:r>
-            <a:endParaRPr kumimoji="1" lang="en-US" altLang="ja-JP" sz="2000" dirty="0"/>
-          </a:p>
-          <a:p>
-            <a:endParaRPr kumimoji="1" lang="ja-JP" altLang="en-US" sz="2000"/>
+            <a:endParaRPr kumimoji="1" lang="ja-JP" altLang="en-US" sz="2400" b="1">
+              <a:solidFill>
+                <a:srgbClr val="0432FF"/>
+              </a:solidFill>
+            </a:endParaRPr>
           </a:p>
         </p:txBody>
       </p:sp>
@@ -4864,7 +4840,7 @@
           <p:cNvPr id="4" name="スライド番号プレースホルダー 3">
             <a:extLst>
               <a:ext uri="{FF2B5EF4-FFF2-40B4-BE49-F238E27FC236}">
-                <a16:creationId xmlns:a16="http://schemas.microsoft.com/office/drawing/2014/main" id="{649F05BB-B3FB-4529-3B29-6C258BEAC413}"/>
+                <a16:creationId xmlns:a16="http://schemas.microsoft.com/office/drawing/2014/main" id="{20A62B19-A55F-E98F-CFA8-1CFB4738A2E9}"/>
               </a:ext>
             </a:extLst>
           </p:cNvPr>
@@ -4891,7 +4867,7 @@
     </p:spTree>
     <p:extLst>
       <p:ext uri="{BB962C8B-B14F-4D97-AF65-F5344CB8AC3E}">
-        <p14:creationId xmlns:p14="http://schemas.microsoft.com/office/powerpoint/2010/main" val="2125685854"/>
+        <p14:creationId xmlns:p14="http://schemas.microsoft.com/office/powerpoint/2010/main" val="3859435334"/>
       </p:ext>
     </p:extLst>
   </p:cSld>
@@ -4948,7 +4924,7 @@
           <a:p>
             <a:r>
               <a:rPr kumimoji="1" lang="en-US" altLang="ja-JP" dirty="0"/>
-              <a:t>Options in output</a:t>
+              <a:t>Options in the denominator filtering</a:t>
             </a:r>
             <a:endParaRPr kumimoji="1" lang="ja-JP" altLang="en-US"/>
           </a:p>
@@ -4972,13 +4948,13 @@
         </p:nvSpPr>
         <p:spPr>
           <a:xfrm>
-            <a:off x="628650" y="906449"/>
+            <a:off x="628650" y="1026092"/>
             <a:ext cx="7886700" cy="5270514"/>
           </a:xfrm>
         </p:spPr>
         <p:txBody>
           <a:bodyPr>
-            <a:normAutofit fontScale="92500" lnSpcReduction="10000"/>
+            <a:normAutofit/>
           </a:bodyPr>
           <a:lstStyle/>
           <a:p>
@@ -4988,196 +4964,42 @@
                   <a:srgbClr val="0432FF"/>
                 </a:solidFill>
               </a:rPr>
-              <a:t>-D0 </a:t>
+              <a:t>-g 100</a:t>
             </a:r>
             <a:r>
               <a:rPr kumimoji="1" lang="en-US" altLang="ja-JP" sz="2000" dirty="0"/>
-              <a:t>: showing the fraction form such as </a:t>
-            </a:r>
-            <a:r>
-              <a:rPr kumimoji="1" lang="en-US" altLang="ja-JP" sz="2000" b="1" dirty="0">
-                <a:solidFill>
-                  <a:schemeClr val="accent5">
-                    <a:lumMod val="75000"/>
-                  </a:schemeClr>
-                </a:solidFill>
-              </a:rPr>
-              <a:t>10/33</a:t>
+              <a:t> : getting 100 candidates in denominators from the smallest (1). </a:t>
+            </a:r>
+          </a:p>
+          <a:p>
+            <a:r>
+              <a:rPr kumimoji="1" lang="en-US" altLang="ja-JP" sz="2000" dirty="0">
+                <a:solidFill>
+                  <a:srgbClr val="0432FF"/>
+                </a:solidFill>
+              </a:rPr>
+              <a:t>-g 123,100</a:t>
             </a:r>
             <a:r>
               <a:rPr kumimoji="1" lang="en-US" altLang="ja-JP" sz="2000" dirty="0"/>
-              <a:t>. (</a:t>
-            </a:r>
-            <a:r>
-              <a:rPr kumimoji="1" lang="en-US" altLang="ja-JP" sz="2000" b="1" dirty="0"/>
-              <a:t>Default</a:t>
+              <a:t> : getting 100 candidates in denominators from the 123.</a:t>
+            </a:r>
+          </a:p>
+          <a:p>
+            <a:r>
+              <a:rPr kumimoji="1" lang="en-US" altLang="ja-JP" sz="2000" dirty="0">
+                <a:solidFill>
+                  <a:srgbClr val="0432FF"/>
+                </a:solidFill>
+              </a:rPr>
+              <a:t>-g 123,-10</a:t>
             </a:r>
             <a:r>
               <a:rPr kumimoji="1" lang="en-US" altLang="ja-JP" sz="2000" dirty="0"/>
-              <a:t> </a:t>
-            </a:r>
-            <a:r>
-              <a:rPr lang="en-US" altLang="ja-JP" sz="1800" dirty="0"/>
-              <a:t>※</a:t>
-            </a:r>
-            <a:r>
-              <a:rPr kumimoji="1" lang="en-US" altLang="ja-JP" sz="2000" dirty="0"/>
-              <a:t>)</a:t>
-            </a:r>
-          </a:p>
-          <a:p>
-            <a:r>
-              <a:rPr kumimoji="1" lang="en-US" altLang="ja-JP" sz="2000" dirty="0">
-                <a:solidFill>
-                  <a:srgbClr val="0432FF"/>
-                </a:solidFill>
-              </a:rPr>
-              <a:t>-D3</a:t>
-            </a:r>
-            <a:r>
-              <a:rPr kumimoji="1" lang="en-US" altLang="ja-JP" sz="2000" dirty="0"/>
-              <a:t> : showing also with 3 decimal places such as </a:t>
-            </a:r>
-            <a:r>
-              <a:rPr kumimoji="1" lang="en-US" altLang="ja-JP" sz="2000" b="1" dirty="0">
-                <a:solidFill>
-                  <a:schemeClr val="accent5">
-                    <a:lumMod val="75000"/>
-                  </a:schemeClr>
-                </a:solidFill>
-              </a:rPr>
-              <a:t>10/33=.303</a:t>
-            </a:r>
-          </a:p>
-          <a:p>
-            <a:r>
-              <a:rPr kumimoji="1" lang="en-US" altLang="ja-JP" sz="2000" dirty="0">
-                <a:solidFill>
-                  <a:srgbClr val="0432FF"/>
-                </a:solidFill>
-              </a:rPr>
-              <a:t>-D4%</a:t>
-            </a:r>
-            <a:r>
-              <a:rPr kumimoji="1" lang="en-US" altLang="ja-JP" sz="2000" dirty="0"/>
-              <a:t> : in 4 decimal places in percentage such as </a:t>
-            </a:r>
-            <a:r>
-              <a:rPr kumimoji="1" lang="en-US" altLang="ja-JP" sz="2000" b="1" dirty="0">
-                <a:solidFill>
-                  <a:schemeClr val="accent5">
-                    <a:lumMod val="75000"/>
-                  </a:schemeClr>
-                </a:solidFill>
-              </a:rPr>
-              <a:t>10/33=30.3030%</a:t>
-            </a:r>
-          </a:p>
-          <a:p>
-            <a:r>
-              <a:rPr kumimoji="1" lang="en-US" altLang="ja-JP" sz="2000" dirty="0">
-                <a:solidFill>
-                  <a:srgbClr val="0432FF"/>
-                </a:solidFill>
-              </a:rPr>
-              <a:t>-D-5</a:t>
-            </a:r>
-            <a:r>
-              <a:rPr kumimoji="1" lang="en-US" altLang="ja-JP" sz="2000" dirty="0"/>
-              <a:t> : showing the difference to realize the given proportion with 5 decimal places </a:t>
-            </a:r>
-            <a:r>
-              <a:rPr kumimoji="1" lang="en-US" altLang="ja-JP" sz="2000" b="1" dirty="0">
-                <a:solidFill>
-                  <a:schemeClr val="accent5">
-                    <a:lumMod val="75000"/>
-                  </a:schemeClr>
-                </a:solidFill>
-              </a:rPr>
-              <a:t>10/33-.00003</a:t>
-            </a:r>
-            <a:r>
-              <a:rPr kumimoji="1" lang="en-US" altLang="ja-JP" sz="2000" dirty="0">
-                <a:solidFill>
-                  <a:schemeClr val="accent5">
-                    <a:lumMod val="75000"/>
-                  </a:schemeClr>
-                </a:solidFill>
-              </a:rPr>
-              <a:t> </a:t>
-            </a:r>
-            <a:r>
-              <a:rPr kumimoji="1" lang="en-US" altLang="ja-JP" sz="2000" dirty="0"/>
-              <a:t>for a given proportion</a:t>
-            </a:r>
-            <a:r>
-              <a:rPr kumimoji="1" lang="en-US" altLang="ja-JP" sz="2000" dirty="0">
-                <a:solidFill>
-                  <a:srgbClr val="0432FF"/>
-                </a:solidFill>
-              </a:rPr>
-              <a:t> 0.303</a:t>
-            </a:r>
-          </a:p>
-          <a:p>
-            <a:r>
-              <a:rPr kumimoji="1" lang="en-US" altLang="ja-JP" sz="2000" dirty="0">
-                <a:solidFill>
-                  <a:srgbClr val="0432FF"/>
-                </a:solidFill>
-              </a:rPr>
-              <a:t>-D-6%</a:t>
-            </a:r>
-            <a:r>
-              <a:rPr kumimoji="1" lang="en-US" altLang="ja-JP" sz="2000" dirty="0"/>
-              <a:t> : showing the difference to realize the given proportion </a:t>
-            </a:r>
-            <a:br>
-              <a:rPr kumimoji="1" lang="en-US" altLang="ja-JP" sz="2000" dirty="0"/>
-            </a:br>
-            <a:r>
-              <a:rPr kumimoji="1" lang="en-US" altLang="ja-JP" sz="2000" dirty="0"/>
-              <a:t>  with 6 decimal places such as </a:t>
-            </a:r>
-            <a:r>
-              <a:rPr kumimoji="1" lang="en-US" altLang="ja-JP" sz="2000" b="1" dirty="0">
-                <a:solidFill>
-                  <a:schemeClr val="accent5">
-                    <a:lumMod val="75000"/>
-                  </a:schemeClr>
-                </a:solidFill>
-              </a:rPr>
-              <a:t>10/33-. 00303%</a:t>
-            </a:r>
-            <a:r>
-              <a:rPr kumimoji="1" lang="en-US" altLang="ja-JP" sz="2000" dirty="0">
-                <a:solidFill>
-                  <a:schemeClr val="accent5">
-                    <a:lumMod val="75000"/>
-                  </a:schemeClr>
-                </a:solidFill>
-              </a:rPr>
-              <a:t> </a:t>
-            </a:r>
-            <a:r>
-              <a:rPr kumimoji="1" lang="en-US" altLang="ja-JP" sz="2000" dirty="0"/>
-              <a:t>for a proportion</a:t>
-            </a:r>
-            <a:r>
-              <a:rPr kumimoji="1" lang="en-US" altLang="ja-JP" sz="2000" dirty="0">
-                <a:solidFill>
-                  <a:srgbClr val="0432FF"/>
-                </a:solidFill>
-              </a:rPr>
-              <a:t> 0.303</a:t>
-            </a:r>
-            <a:br>
-              <a:rPr kumimoji="1" lang="en-US" altLang="ja-JP" sz="2000" dirty="0">
-                <a:solidFill>
-                  <a:srgbClr val="0432FF"/>
-                </a:solidFill>
-              </a:rPr>
-            </a:br>
+              <a:t> : getting 10 candidates from the 123 in descending order.</a:t>
+            </a:r>
+          </a:p>
+          <a:p>
             <a:endParaRPr kumimoji="1" lang="en-US" altLang="ja-JP" sz="2000" dirty="0">
               <a:solidFill>
                 <a:srgbClr val="0432FF"/>
@@ -5186,223 +5008,180 @@
           </a:p>
           <a:p>
             <a:r>
-              <a:rPr lang="en-US" altLang="ja-JP" sz="2000" b="1" dirty="0">
+              <a:rPr kumimoji="1" lang="en-US" altLang="ja-JP" sz="2000" dirty="0">
                 <a:solidFill>
                   <a:srgbClr val="0432FF"/>
                 </a:solidFill>
               </a:rPr>
-              <a:t>-I</a:t>
-            </a:r>
-            <a:r>
-              <a:rPr lang="en-US" altLang="ja-JP" sz="2000" dirty="0"/>
-              <a:t> : showing the interval of possible numerators on </a:t>
-            </a:r>
-            <a:r>
-              <a:rPr lang="en-US" altLang="ja-JP" sz="1800" b="0" i="0" dirty="0" err="1">
-                <a:solidFill>
-                  <a:srgbClr val="202122"/>
-                </a:solidFill>
-                <a:effectLst/>
-                <a:latin typeface="TITUS Cyberbit Basic"/>
-              </a:rPr>
-              <a:t>ℝ</a:t>
-            </a:r>
-            <a:r>
-              <a:rPr lang="en-US" altLang="ja-JP" sz="2000" b="0" i="0" dirty="0">
-                <a:solidFill>
-                  <a:srgbClr val="202122"/>
-                </a:solidFill>
-                <a:effectLst/>
-                <a:latin typeface="TITUS Cyberbit Basic"/>
-              </a:rPr>
-              <a:t>, </a:t>
-            </a:r>
-            <a:r>
-              <a:rPr lang="en-US" altLang="ja-JP" sz="2000" dirty="0"/>
-              <a:t> not only </a:t>
-            </a:r>
-            <a:r>
-              <a:rPr lang="en-US" altLang="ja-JP" sz="2000" b="0" i="0" dirty="0" err="1">
-                <a:solidFill>
-                  <a:srgbClr val="202122"/>
-                </a:solidFill>
-                <a:effectLst/>
-                <a:latin typeface="TITUS Cyberbit Basic"/>
-              </a:rPr>
-              <a:t>ℤ</a:t>
-            </a:r>
-            <a:r>
-              <a:rPr lang="en-US" altLang="ja-JP" sz="1400" b="0" i="0" dirty="0">
-                <a:solidFill>
-                  <a:srgbClr val="202122"/>
-                </a:solidFill>
-                <a:effectLst/>
-                <a:latin typeface="TITUS Cyberbit Basic"/>
-              </a:rPr>
-              <a:t>.</a:t>
-            </a:r>
-            <a:br>
-              <a:rPr lang="en-US" altLang="ja-JP" sz="1400" b="0" i="0" dirty="0">
-                <a:solidFill>
-                  <a:srgbClr val="202122"/>
-                </a:solidFill>
-                <a:effectLst/>
-                <a:latin typeface="TITUS Cyberbit Basic"/>
-              </a:rPr>
-            </a:br>
-            <a:r>
-              <a:rPr lang="en-US" altLang="ja-JP" sz="1400" b="0" i="0" dirty="0">
-                <a:solidFill>
-                  <a:srgbClr val="202122"/>
-                </a:solidFill>
-                <a:effectLst/>
-                <a:latin typeface="TITUS Cyberbit Basic"/>
-              </a:rPr>
-              <a:t>          </a:t>
-            </a:r>
-            <a:r>
-              <a:rPr lang="en-US" altLang="ja-JP" sz="2000" dirty="0">
-                <a:solidFill>
-                  <a:srgbClr val="202122"/>
-                </a:solidFill>
-                <a:latin typeface="TITUS Cyberbit Basic"/>
-              </a:rPr>
-              <a:t>If the interval contains any integer it is shown in green color.</a:t>
-            </a:r>
-          </a:p>
-          <a:p>
+              <a:t>-y .. </a:t>
+            </a:r>
+            <a:r>
+              <a:rPr kumimoji="1" lang="en-US" altLang="ja-JP" sz="2000" dirty="0"/>
+              <a:t>: showing </a:t>
+            </a:r>
+            <a:r>
+              <a:rPr kumimoji="1" lang="en-US" altLang="ja-JP" sz="2000" b="1" dirty="0"/>
+              <a:t>every denominator</a:t>
+            </a:r>
+            <a:r>
+              <a:rPr kumimoji="1" lang="en-US" altLang="ja-JP" sz="2000" dirty="0"/>
+              <a:t> as long as specified by </a:t>
+            </a:r>
             <a:r>
               <a:rPr kumimoji="1" lang="en-US" altLang="ja-JP" sz="2000" b="1" dirty="0">
                 <a:solidFill>
                   <a:srgbClr val="0432FF"/>
                 </a:solidFill>
               </a:rPr>
-              <a:t>-Q</a:t>
+              <a:t>–g </a:t>
             </a:r>
             <a:r>
               <a:rPr kumimoji="1" lang="en-US" altLang="ja-JP" sz="2000" dirty="0"/>
-              <a:t> : showing the numerators in a simplest way.  </a:t>
+              <a:t>option.</a:t>
+            </a:r>
+          </a:p>
+          <a:p>
+            <a:r>
+              <a:rPr kumimoji="1" lang="en-US" altLang="ja-JP" sz="2000" dirty="0">
+                <a:solidFill>
+                  <a:srgbClr val="0432FF"/>
+                </a:solidFill>
+              </a:rPr>
+              <a:t>-y ,</a:t>
+            </a:r>
+            <a:r>
+              <a:rPr kumimoji="1" lang="en-US" altLang="ja-JP" sz="2000" dirty="0"/>
+              <a:t>  : only showing the denominators when </a:t>
+            </a:r>
+            <a:r>
+              <a:rPr kumimoji="1" lang="en-US" altLang="ja-JP" sz="2000" b="1" dirty="0"/>
+              <a:t>every given proportion</a:t>
             </a:r>
             <a:br>
               <a:rPr kumimoji="1" lang="en-US" altLang="ja-JP" sz="2000" dirty="0"/>
             </a:br>
             <a:r>
               <a:rPr kumimoji="1" lang="en-US" altLang="ja-JP" sz="2000" dirty="0"/>
-              <a:t>         Extra1. </a:t>
-            </a:r>
-            <a:r>
-              <a:rPr lang="en-US" altLang="ja-JP" sz="2000" dirty="0"/>
-              <a:t>When only one proportion is given, </a:t>
-            </a:r>
-            <a:br>
-              <a:rPr lang="en-US" altLang="ja-JP" sz="2000" dirty="0"/>
-            </a:br>
-            <a:r>
-              <a:rPr lang="en-US" altLang="ja-JP" sz="2000" dirty="0"/>
-              <a:t>                    the denominator is shown with its prime factorization as well.</a:t>
-            </a:r>
-            <a:br>
-              <a:rPr lang="en-US" altLang="ja-JP" sz="2000" dirty="0"/>
-            </a:br>
-            <a:r>
-              <a:rPr lang="en-US" altLang="ja-JP" sz="2000" dirty="0"/>
-              <a:t>        </a:t>
+              <a:t>           </a:t>
+            </a:r>
+            <a:r>
+              <a:rPr kumimoji="1" lang="en-US" altLang="ja-JP" sz="2000" u="sng" dirty="0"/>
+              <a:t>has at least one corresponding integer numerator</a:t>
             </a:r>
             <a:r>
               <a:rPr kumimoji="1" lang="en-US" altLang="ja-JP" sz="2000" dirty="0"/>
-              <a:t> Extra2. To see all the numerators are odd (2q+1) or even (2q),</a:t>
+              <a:t>.</a:t>
+            </a:r>
+          </a:p>
+          <a:p>
+            <a:r>
+              <a:rPr kumimoji="1" lang="en-US" altLang="ja-JP" sz="2000" dirty="0">
+                <a:solidFill>
+                  <a:srgbClr val="0432FF"/>
+                </a:solidFill>
+              </a:rPr>
+              <a:t>-y 1..</a:t>
+            </a:r>
+            <a:r>
+              <a:rPr kumimoji="1" lang="en-US" altLang="ja-JP" sz="2000" dirty="0"/>
+              <a:t>  : showing the denominators when at least one of given proportion</a:t>
             </a:r>
             <a:br>
               <a:rPr kumimoji="1" lang="en-US" altLang="ja-JP" sz="2000" dirty="0"/>
             </a:br>
             <a:r>
               <a:rPr kumimoji="1" lang="en-US" altLang="ja-JP" sz="2000" dirty="0"/>
-              <a:t>                     if they have a common reminder R against a devisor D,</a:t>
+              <a:t>                 has the corresponding integer numerator. (</a:t>
+            </a:r>
+            <a:r>
+              <a:rPr kumimoji="1" lang="en-US" altLang="ja-JP" sz="2000" b="1" dirty="0"/>
+              <a:t>Default</a:t>
+            </a:r>
+            <a:r>
+              <a:rPr kumimoji="1" lang="en-US" altLang="ja-JP" sz="2000" dirty="0"/>
+              <a:t>)</a:t>
+            </a:r>
+          </a:p>
+          <a:p>
+            <a:r>
+              <a:rPr kumimoji="1" lang="en-US" altLang="ja-JP" sz="2000" dirty="0">
+                <a:solidFill>
+                  <a:srgbClr val="0432FF"/>
+                </a:solidFill>
+              </a:rPr>
+              <a:t>-y -2..</a:t>
+            </a:r>
+            <a:r>
+              <a:rPr kumimoji="1" lang="en-US" altLang="ja-JP" sz="2000" dirty="0"/>
+              <a:t>  : showing the denominators when every given proportion</a:t>
             </a:r>
             <a:br>
               <a:rPr kumimoji="1" lang="en-US" altLang="ja-JP" sz="2000" dirty="0"/>
             </a:br>
             <a:r>
               <a:rPr kumimoji="1" lang="en-US" altLang="ja-JP" sz="2000" dirty="0"/>
-              <a:t>                      they are shown with a form “(</a:t>
-            </a:r>
-            <a:r>
-              <a:rPr kumimoji="1" lang="en-US" altLang="ja-JP" sz="2000" dirty="0" err="1"/>
-              <a:t>Dq+R</a:t>
-            </a:r>
-            <a:r>
+              <a:t>                 has the corresponding integer numerator </a:t>
+            </a:r>
+            <a:br>
               <a:rPr kumimoji="1" lang="en-US" altLang="ja-JP" sz="2000" dirty="0"/>
-              <a:t>)” as well.</a:t>
-            </a:r>
-            <a:br>
-              <a:rPr lang="en-US" altLang="ja-JP" sz="2000" dirty="0"/>
             </a:br>
-            <a:endParaRPr kumimoji="1" lang="en-US" altLang="ja-JP" sz="2000" dirty="0"/>
+            <a:r>
+              <a:rPr kumimoji="1" lang="en-US" altLang="ja-JP" sz="2000" dirty="0"/>
+              <a:t>                   allowing the </a:t>
+            </a:r>
+            <a:r>
+              <a:rPr kumimoji="1" lang="en-US" altLang="ja-JP" sz="2000" b="1" dirty="0"/>
+              <a:t>exceptions</a:t>
+            </a:r>
+            <a:r>
+              <a:rPr kumimoji="1" lang="en-US" altLang="ja-JP" sz="2000" dirty="0"/>
+              <a:t> within 2 of the proportions.</a:t>
+            </a:r>
           </a:p>
           <a:p>
             <a:pPr marL="0" indent="0">
               <a:buNone/>
             </a:pPr>
             <a:r>
-              <a:rPr lang="en-US" altLang="ja-JP" sz="1900" dirty="0"/>
-              <a:t>※</a:t>
-            </a:r>
-            <a:r>
-              <a:rPr lang="ja-JP" altLang="en-US" sz="1900"/>
-              <a:t> </a:t>
-            </a:r>
-            <a:r>
-              <a:rPr kumimoji="1" lang="en-US" altLang="ja-JP" sz="2000" dirty="0"/>
-              <a:t>If </a:t>
-            </a:r>
-            <a:r>
-              <a:rPr kumimoji="1" lang="en-US" altLang="ja-JP" sz="2000" b="1" dirty="0">
+              <a:rPr lang="en-US" altLang="ja-JP" sz="2000" dirty="0">
                 <a:solidFill>
                   <a:srgbClr val="0432FF"/>
                 </a:solidFill>
               </a:rPr>
-              <a:t>–D</a:t>
-            </a:r>
-            <a:r>
-              <a:rPr kumimoji="1" lang="en-US" altLang="ja-JP" sz="2000" dirty="0"/>
-              <a:t> , </a:t>
-            </a:r>
-            <a:r>
-              <a:rPr kumimoji="1" lang="en-US" altLang="ja-JP" sz="2000" b="1" dirty="0">
+              <a:t>N..M</a:t>
+            </a:r>
+            <a:r>
+              <a:rPr lang="en-US" altLang="ja-JP" sz="2000" dirty="0"/>
+              <a:t> means the numerical range. </a:t>
+            </a:r>
+            <a:r>
+              <a:rPr lang="en-US" altLang="ja-JP" sz="2000" dirty="0">
                 <a:solidFill>
                   <a:srgbClr val="0432FF"/>
                 </a:solidFill>
               </a:rPr>
-              <a:t>–I</a:t>
-            </a:r>
-            <a:r>
-              <a:rPr kumimoji="1" lang="en-US" altLang="ja-JP" sz="2000" dirty="0"/>
-              <a:t> and </a:t>
-            </a:r>
-            <a:r>
-              <a:rPr kumimoji="1" lang="en-US" altLang="ja-JP" sz="2000" b="1" dirty="0">
+              <a:t>N..</a:t>
+            </a:r>
+            <a:r>
+              <a:rPr lang="en-US" altLang="ja-JP" sz="2000" dirty="0"/>
+              <a:t> means n to the maximum. </a:t>
+            </a:r>
+            <a:r>
+              <a:rPr lang="en-US" altLang="ja-JP" sz="2000" dirty="0">
                 <a:solidFill>
                   <a:srgbClr val="0432FF"/>
                 </a:solidFill>
               </a:rPr>
-              <a:t>–Q</a:t>
-            </a:r>
-            <a:r>
-              <a:rPr kumimoji="1" lang="en-US" altLang="ja-JP" sz="2000" dirty="0"/>
-              <a:t> are not given, </a:t>
-            </a:r>
-            <a:r>
-              <a:rPr kumimoji="1" lang="en-US" altLang="ja-JP" sz="2000" b="1" dirty="0">
-                <a:solidFill>
-                  <a:srgbClr val="0432FF"/>
-                </a:solidFill>
-              </a:rPr>
-              <a:t>-D0</a:t>
-            </a:r>
-            <a:r>
-              <a:rPr kumimoji="1" lang="en-US" altLang="ja-JP" sz="2000" dirty="0"/>
-              <a:t> is regarded to be specified internally.</a:t>
-            </a:r>
+              <a:t>..M</a:t>
+            </a:r>
+            <a:r>
+              <a:rPr lang="en-US" altLang="ja-JP" sz="2000" dirty="0"/>
+              <a:t> means zero to M. When N or M is negative, it means (the maximum)-abs(N or M). Those types of range or a single number can be combined by comma(,).</a:t>
+            </a:r>
+            <a:endParaRPr kumimoji="1" lang="en-US" altLang="ja-JP" sz="2000" dirty="0"/>
+          </a:p>
+          <a:p>
+            <a:endParaRPr kumimoji="1" lang="ja-JP" altLang="en-US" sz="2000"/>
           </a:p>
         </p:txBody>
       </p:sp>
@@ -5430,6 +5209,553 @@
             <a:fld id="{63C814F0-333B-8D45-B387-98F69425B688}" type="slidenum">
               <a:rPr kumimoji="1" lang="ja-JP" altLang="en-US" smtClean="0"/>
               <a:t>13</a:t>
+            </a:fld>
+            <a:endParaRPr kumimoji="1" lang="ja-JP" altLang="en-US"/>
+          </a:p>
+        </p:txBody>
+      </p:sp>
+    </p:spTree>
+    <p:extLst>
+      <p:ext uri="{BB962C8B-B14F-4D97-AF65-F5344CB8AC3E}">
+        <p14:creationId xmlns:p14="http://schemas.microsoft.com/office/powerpoint/2010/main" val="2125685854"/>
+      </p:ext>
+    </p:extLst>
+  </p:cSld>
+  <p:clrMapOvr>
+    <a:masterClrMapping/>
+  </p:clrMapOvr>
+</p:sld>
+</file>
+
+<file path=ppt/slides/slide14.xml><?xml version="1.0" encoding="utf-8"?>
+<p:sld xmlns:a="http://schemas.openxmlformats.org/drawingml/2006/main" xmlns:r="http://schemas.openxmlformats.org/officeDocument/2006/relationships" xmlns:p="http://schemas.openxmlformats.org/presentationml/2006/main">
+  <p:cSld>
+    <p:spTree>
+      <p:nvGrpSpPr>
+        <p:cNvPr id="1" name=""/>
+        <p:cNvGrpSpPr/>
+        <p:nvPr/>
+      </p:nvGrpSpPr>
+      <p:grpSpPr>
+        <a:xfrm>
+          <a:off x="0" y="0"/>
+          <a:ext cx="0" cy="0"/>
+          <a:chOff x="0" y="0"/>
+          <a:chExt cx="0" cy="0"/>
+        </a:xfrm>
+      </p:grpSpPr>
+      <p:sp>
+        <p:nvSpPr>
+          <p:cNvPr id="2" name="タイトル 1">
+            <a:extLst>
+              <a:ext uri="{FF2B5EF4-FFF2-40B4-BE49-F238E27FC236}">
+                <a16:creationId xmlns:a16="http://schemas.microsoft.com/office/drawing/2014/main" id="{D6C10A47-1CBC-AF40-F2E8-ABF5F56F77D2}"/>
+              </a:ext>
+            </a:extLst>
+          </p:cNvPr>
+          <p:cNvSpPr>
+            <a:spLocks noGrp="1"/>
+          </p:cNvSpPr>
+          <p:nvPr>
+            <p:ph type="title"/>
+          </p:nvPr>
+        </p:nvSpPr>
+        <p:spPr>
+          <a:xfrm>
+            <a:off x="628650" y="365126"/>
+            <a:ext cx="7886700" cy="315911"/>
+          </a:xfrm>
+        </p:spPr>
+        <p:txBody>
+          <a:bodyPr>
+            <a:normAutofit fontScale="90000"/>
+          </a:bodyPr>
+          <a:lstStyle/>
+          <a:p>
+            <a:r>
+              <a:rPr kumimoji="1" lang="en-US" altLang="ja-JP" dirty="0"/>
+              <a:t>Options in output</a:t>
+            </a:r>
+            <a:endParaRPr kumimoji="1" lang="ja-JP" altLang="en-US"/>
+          </a:p>
+        </p:txBody>
+      </p:sp>
+      <p:sp>
+        <p:nvSpPr>
+          <p:cNvPr id="3" name="コンテンツ プレースホルダー 2">
+            <a:extLst>
+              <a:ext uri="{FF2B5EF4-FFF2-40B4-BE49-F238E27FC236}">
+                <a16:creationId xmlns:a16="http://schemas.microsoft.com/office/drawing/2014/main" id="{C81BD508-E147-CF3C-1307-85ED77A84112}"/>
+              </a:ext>
+            </a:extLst>
+          </p:cNvPr>
+          <p:cNvSpPr>
+            <a:spLocks noGrp="1"/>
+          </p:cNvSpPr>
+          <p:nvPr>
+            <p:ph idx="1"/>
+          </p:nvPr>
+        </p:nvSpPr>
+        <p:spPr>
+          <a:xfrm>
+            <a:off x="628650" y="906449"/>
+            <a:ext cx="7886700" cy="5270514"/>
+          </a:xfrm>
+        </p:spPr>
+        <p:txBody>
+          <a:bodyPr>
+            <a:normAutofit fontScale="92500" lnSpcReduction="10000"/>
+          </a:bodyPr>
+          <a:lstStyle/>
+          <a:p>
+            <a:r>
+              <a:rPr kumimoji="1" lang="en-US" altLang="ja-JP" sz="2000" dirty="0">
+                <a:solidFill>
+                  <a:srgbClr val="0432FF"/>
+                </a:solidFill>
+              </a:rPr>
+              <a:t>-D0 </a:t>
+            </a:r>
+            <a:r>
+              <a:rPr kumimoji="1" lang="en-US" altLang="ja-JP" sz="2000" dirty="0"/>
+              <a:t>: showing the fraction form such as </a:t>
+            </a:r>
+            <a:r>
+              <a:rPr kumimoji="1" lang="en-US" altLang="ja-JP" sz="2000" b="1" dirty="0">
+                <a:solidFill>
+                  <a:schemeClr val="accent5">
+                    <a:lumMod val="75000"/>
+                  </a:schemeClr>
+                </a:solidFill>
+              </a:rPr>
+              <a:t>10/33</a:t>
+            </a:r>
+            <a:r>
+              <a:rPr kumimoji="1" lang="en-US" altLang="ja-JP" sz="2000" dirty="0"/>
+              <a:t>. (</a:t>
+            </a:r>
+            <a:r>
+              <a:rPr kumimoji="1" lang="en-US" altLang="ja-JP" sz="2000" b="1" dirty="0"/>
+              <a:t>Default</a:t>
+            </a:r>
+            <a:r>
+              <a:rPr kumimoji="1" lang="en-US" altLang="ja-JP" sz="2000" dirty="0"/>
+              <a:t> </a:t>
+            </a:r>
+            <a:r>
+              <a:rPr lang="en-US" altLang="ja-JP" sz="1800" dirty="0"/>
+              <a:t>※</a:t>
+            </a:r>
+            <a:r>
+              <a:rPr kumimoji="1" lang="en-US" altLang="ja-JP" sz="2000" dirty="0"/>
+              <a:t>)</a:t>
+            </a:r>
+          </a:p>
+          <a:p>
+            <a:r>
+              <a:rPr kumimoji="1" lang="en-US" altLang="ja-JP" sz="2000" dirty="0">
+                <a:solidFill>
+                  <a:srgbClr val="0432FF"/>
+                </a:solidFill>
+              </a:rPr>
+              <a:t>-D3</a:t>
+            </a:r>
+            <a:r>
+              <a:rPr kumimoji="1" lang="en-US" altLang="ja-JP" sz="2000" dirty="0"/>
+              <a:t> : showing also with 3 decimal places such as </a:t>
+            </a:r>
+            <a:r>
+              <a:rPr kumimoji="1" lang="en-US" altLang="ja-JP" sz="2000" b="1" dirty="0">
+                <a:solidFill>
+                  <a:schemeClr val="accent5">
+                    <a:lumMod val="75000"/>
+                  </a:schemeClr>
+                </a:solidFill>
+              </a:rPr>
+              <a:t>10/33=.303</a:t>
+            </a:r>
+          </a:p>
+          <a:p>
+            <a:r>
+              <a:rPr kumimoji="1" lang="en-US" altLang="ja-JP" sz="2000" dirty="0">
+                <a:solidFill>
+                  <a:srgbClr val="0432FF"/>
+                </a:solidFill>
+              </a:rPr>
+              <a:t>-D4%</a:t>
+            </a:r>
+            <a:r>
+              <a:rPr kumimoji="1" lang="en-US" altLang="ja-JP" sz="2000" dirty="0"/>
+              <a:t> : in 4 decimal places in percentage such as </a:t>
+            </a:r>
+            <a:r>
+              <a:rPr kumimoji="1" lang="en-US" altLang="ja-JP" sz="2000" b="1" dirty="0">
+                <a:solidFill>
+                  <a:schemeClr val="accent5">
+                    <a:lumMod val="75000"/>
+                  </a:schemeClr>
+                </a:solidFill>
+              </a:rPr>
+              <a:t>10/33=30.3030%</a:t>
+            </a:r>
+          </a:p>
+          <a:p>
+            <a:r>
+              <a:rPr kumimoji="1" lang="en-US" altLang="ja-JP" sz="2000" dirty="0">
+                <a:solidFill>
+                  <a:srgbClr val="0432FF"/>
+                </a:solidFill>
+              </a:rPr>
+              <a:t>-D-5</a:t>
+            </a:r>
+            <a:r>
+              <a:rPr kumimoji="1" lang="en-US" altLang="ja-JP" sz="2000" dirty="0"/>
+              <a:t> : showing the difference to realize the given proportion with 5 decimal places </a:t>
+            </a:r>
+            <a:r>
+              <a:rPr kumimoji="1" lang="en-US" altLang="ja-JP" sz="2000" b="1" dirty="0">
+                <a:solidFill>
+                  <a:schemeClr val="accent5">
+                    <a:lumMod val="75000"/>
+                  </a:schemeClr>
+                </a:solidFill>
+              </a:rPr>
+              <a:t>10/33-.00003</a:t>
+            </a:r>
+            <a:r>
+              <a:rPr kumimoji="1" lang="en-US" altLang="ja-JP" sz="2000" dirty="0">
+                <a:solidFill>
+                  <a:schemeClr val="accent5">
+                    <a:lumMod val="75000"/>
+                  </a:schemeClr>
+                </a:solidFill>
+              </a:rPr>
+              <a:t> </a:t>
+            </a:r>
+            <a:r>
+              <a:rPr kumimoji="1" lang="en-US" altLang="ja-JP" sz="2000" dirty="0"/>
+              <a:t>for a given proportion</a:t>
+            </a:r>
+            <a:r>
+              <a:rPr kumimoji="1" lang="en-US" altLang="ja-JP" sz="2000" dirty="0">
+                <a:solidFill>
+                  <a:srgbClr val="0432FF"/>
+                </a:solidFill>
+              </a:rPr>
+              <a:t> 0.303</a:t>
+            </a:r>
+          </a:p>
+          <a:p>
+            <a:r>
+              <a:rPr kumimoji="1" lang="en-US" altLang="ja-JP" sz="2000" dirty="0">
+                <a:solidFill>
+                  <a:srgbClr val="0432FF"/>
+                </a:solidFill>
+              </a:rPr>
+              <a:t>-D-6%</a:t>
+            </a:r>
+            <a:r>
+              <a:rPr kumimoji="1" lang="en-US" altLang="ja-JP" sz="2000" dirty="0"/>
+              <a:t> : showing the difference to realize the given proportion </a:t>
+            </a:r>
+            <a:br>
+              <a:rPr kumimoji="1" lang="en-US" altLang="ja-JP" sz="2000" dirty="0"/>
+            </a:br>
+            <a:r>
+              <a:rPr kumimoji="1" lang="en-US" altLang="ja-JP" sz="2000" dirty="0"/>
+              <a:t>  with 6 decimal places such as </a:t>
+            </a:r>
+            <a:r>
+              <a:rPr kumimoji="1" lang="en-US" altLang="ja-JP" sz="2000" b="1" dirty="0">
+                <a:solidFill>
+                  <a:schemeClr val="accent5">
+                    <a:lumMod val="75000"/>
+                  </a:schemeClr>
+                </a:solidFill>
+              </a:rPr>
+              <a:t>10/33-. 00303%</a:t>
+            </a:r>
+            <a:r>
+              <a:rPr kumimoji="1" lang="en-US" altLang="ja-JP" sz="2000" dirty="0">
+                <a:solidFill>
+                  <a:schemeClr val="accent5">
+                    <a:lumMod val="75000"/>
+                  </a:schemeClr>
+                </a:solidFill>
+              </a:rPr>
+              <a:t> </a:t>
+            </a:r>
+            <a:r>
+              <a:rPr kumimoji="1" lang="en-US" altLang="ja-JP" sz="2000" dirty="0"/>
+              <a:t>for a proportion</a:t>
+            </a:r>
+            <a:r>
+              <a:rPr kumimoji="1" lang="en-US" altLang="ja-JP" sz="2000" dirty="0">
+                <a:solidFill>
+                  <a:srgbClr val="0432FF"/>
+                </a:solidFill>
+              </a:rPr>
+              <a:t> 0.303</a:t>
+            </a:r>
+            <a:br>
+              <a:rPr kumimoji="1" lang="en-US" altLang="ja-JP" sz="2000" dirty="0">
+                <a:solidFill>
+                  <a:srgbClr val="0432FF"/>
+                </a:solidFill>
+              </a:rPr>
+            </a:br>
+            <a:endParaRPr kumimoji="1" lang="en-US" altLang="ja-JP" sz="2000" dirty="0">
+              <a:solidFill>
+                <a:srgbClr val="0432FF"/>
+              </a:solidFill>
+            </a:endParaRPr>
+          </a:p>
+          <a:p>
+            <a:r>
+              <a:rPr lang="en-US" altLang="ja-JP" sz="2000" b="1" dirty="0">
+                <a:solidFill>
+                  <a:srgbClr val="0432FF"/>
+                </a:solidFill>
+              </a:rPr>
+              <a:t>-I</a:t>
+            </a:r>
+            <a:r>
+              <a:rPr lang="en-US" altLang="ja-JP" sz="2000" dirty="0"/>
+              <a:t> : showing the interval of possible numerators on </a:t>
+            </a:r>
+            <a:r>
+              <a:rPr lang="en-US" altLang="ja-JP" sz="1800" b="0" i="0" dirty="0" err="1">
+                <a:solidFill>
+                  <a:srgbClr val="202122"/>
+                </a:solidFill>
+                <a:effectLst/>
+                <a:latin typeface="TITUS Cyberbit Basic"/>
+              </a:rPr>
+              <a:t>ℝ</a:t>
+            </a:r>
+            <a:r>
+              <a:rPr lang="en-US" altLang="ja-JP" sz="2000" b="0" i="0" dirty="0">
+                <a:solidFill>
+                  <a:srgbClr val="202122"/>
+                </a:solidFill>
+                <a:effectLst/>
+                <a:latin typeface="TITUS Cyberbit Basic"/>
+              </a:rPr>
+              <a:t>, </a:t>
+            </a:r>
+            <a:r>
+              <a:rPr lang="en-US" altLang="ja-JP" sz="2000" dirty="0"/>
+              <a:t> not only </a:t>
+            </a:r>
+            <a:r>
+              <a:rPr lang="en-US" altLang="ja-JP" sz="2000" b="0" i="0" dirty="0" err="1">
+                <a:solidFill>
+                  <a:srgbClr val="202122"/>
+                </a:solidFill>
+                <a:effectLst/>
+                <a:latin typeface="TITUS Cyberbit Basic"/>
+              </a:rPr>
+              <a:t>ℤ</a:t>
+            </a:r>
+            <a:r>
+              <a:rPr lang="en-US" altLang="ja-JP" sz="1400" b="0" i="0" dirty="0">
+                <a:solidFill>
+                  <a:srgbClr val="202122"/>
+                </a:solidFill>
+                <a:effectLst/>
+                <a:latin typeface="TITUS Cyberbit Basic"/>
+              </a:rPr>
+              <a:t>.</a:t>
+            </a:r>
+            <a:br>
+              <a:rPr lang="en-US" altLang="ja-JP" sz="1400" b="0" i="0" dirty="0">
+                <a:solidFill>
+                  <a:srgbClr val="202122"/>
+                </a:solidFill>
+                <a:effectLst/>
+                <a:latin typeface="TITUS Cyberbit Basic"/>
+              </a:rPr>
+            </a:br>
+            <a:r>
+              <a:rPr lang="en-US" altLang="ja-JP" sz="1400" b="0" i="0" dirty="0">
+                <a:solidFill>
+                  <a:srgbClr val="202122"/>
+                </a:solidFill>
+                <a:effectLst/>
+                <a:latin typeface="TITUS Cyberbit Basic"/>
+              </a:rPr>
+              <a:t>          </a:t>
+            </a:r>
+            <a:r>
+              <a:rPr lang="en-US" altLang="ja-JP" sz="2000" dirty="0">
+                <a:solidFill>
+                  <a:srgbClr val="202122"/>
+                </a:solidFill>
+                <a:latin typeface="TITUS Cyberbit Basic"/>
+              </a:rPr>
+              <a:t>If the interval contains any integer it is shown in green color.</a:t>
+            </a:r>
+          </a:p>
+          <a:p>
+            <a:r>
+              <a:rPr kumimoji="1" lang="en-US" altLang="ja-JP" sz="2000" b="1" dirty="0">
+                <a:solidFill>
+                  <a:srgbClr val="0432FF"/>
+                </a:solidFill>
+              </a:rPr>
+              <a:t>-Q</a:t>
+            </a:r>
+            <a:r>
+              <a:rPr kumimoji="1" lang="en-US" altLang="ja-JP" sz="2000" dirty="0"/>
+              <a:t> : showing the numerators in a simplest way.  </a:t>
+            </a:r>
+            <a:br>
+              <a:rPr kumimoji="1" lang="en-US" altLang="ja-JP" sz="2000" dirty="0"/>
+            </a:br>
+            <a:r>
+              <a:rPr kumimoji="1" lang="en-US" altLang="ja-JP" sz="2000" dirty="0"/>
+              <a:t>         Extra1. </a:t>
+            </a:r>
+            <a:r>
+              <a:rPr lang="en-US" altLang="ja-JP" sz="2000" dirty="0"/>
+              <a:t>When only one proportion is given, </a:t>
+            </a:r>
+            <a:br>
+              <a:rPr lang="en-US" altLang="ja-JP" sz="2000" dirty="0"/>
+            </a:br>
+            <a:r>
+              <a:rPr lang="en-US" altLang="ja-JP" sz="2000" dirty="0"/>
+              <a:t>                    the denominator is shown with its prime factorization as well.</a:t>
+            </a:r>
+            <a:br>
+              <a:rPr lang="en-US" altLang="ja-JP" sz="2000" dirty="0"/>
+            </a:br>
+            <a:r>
+              <a:rPr lang="en-US" altLang="ja-JP" sz="2000" dirty="0"/>
+              <a:t>        </a:t>
+            </a:r>
+            <a:r>
+              <a:rPr kumimoji="1" lang="en-US" altLang="ja-JP" sz="2000" dirty="0"/>
+              <a:t> Extra2. To see all the numerators are odd (2q+1) or even (2q),</a:t>
+            </a:r>
+            <a:br>
+              <a:rPr kumimoji="1" lang="en-US" altLang="ja-JP" sz="2000" dirty="0"/>
+            </a:br>
+            <a:r>
+              <a:rPr kumimoji="1" lang="en-US" altLang="ja-JP" sz="2000" dirty="0"/>
+              <a:t>                     if they have a common reminder R against a devisor D,</a:t>
+            </a:r>
+            <a:br>
+              <a:rPr kumimoji="1" lang="en-US" altLang="ja-JP" sz="2000" dirty="0"/>
+            </a:br>
+            <a:r>
+              <a:rPr kumimoji="1" lang="en-US" altLang="ja-JP" sz="2000" dirty="0"/>
+              <a:t>                      they are shown with a form “(</a:t>
+            </a:r>
+            <a:r>
+              <a:rPr kumimoji="1" lang="en-US" altLang="ja-JP" sz="2000" dirty="0" err="1"/>
+              <a:t>Dq+R</a:t>
+            </a:r>
+            <a:r>
+              <a:rPr kumimoji="1" lang="en-US" altLang="ja-JP" sz="2000" dirty="0"/>
+              <a:t>)” as well.</a:t>
+            </a:r>
+            <a:br>
+              <a:rPr lang="en-US" altLang="ja-JP" sz="2000" dirty="0"/>
+            </a:br>
+            <a:endParaRPr kumimoji="1" lang="en-US" altLang="ja-JP" sz="2000" dirty="0"/>
+          </a:p>
+          <a:p>
+            <a:pPr marL="0" indent="0">
+              <a:buNone/>
+            </a:pPr>
+            <a:r>
+              <a:rPr lang="en-US" altLang="ja-JP" sz="1900" dirty="0"/>
+              <a:t>※</a:t>
+            </a:r>
+            <a:r>
+              <a:rPr lang="ja-JP" altLang="en-US" sz="1900"/>
+              <a:t> </a:t>
+            </a:r>
+            <a:r>
+              <a:rPr kumimoji="1" lang="en-US" altLang="ja-JP" sz="2000" dirty="0"/>
+              <a:t>If </a:t>
+            </a:r>
+            <a:r>
+              <a:rPr kumimoji="1" lang="en-US" altLang="ja-JP" sz="2000" b="1" dirty="0">
+                <a:solidFill>
+                  <a:srgbClr val="0432FF"/>
+                </a:solidFill>
+              </a:rPr>
+              <a:t>–D</a:t>
+            </a:r>
+            <a:r>
+              <a:rPr kumimoji="1" lang="en-US" altLang="ja-JP" sz="2000" dirty="0"/>
+              <a:t> , </a:t>
+            </a:r>
+            <a:r>
+              <a:rPr kumimoji="1" lang="en-US" altLang="ja-JP" sz="2000" b="1" dirty="0">
+                <a:solidFill>
+                  <a:srgbClr val="0432FF"/>
+                </a:solidFill>
+              </a:rPr>
+              <a:t>–I</a:t>
+            </a:r>
+            <a:r>
+              <a:rPr kumimoji="1" lang="en-US" altLang="ja-JP" sz="2000" dirty="0"/>
+              <a:t> and </a:t>
+            </a:r>
+            <a:r>
+              <a:rPr kumimoji="1" lang="en-US" altLang="ja-JP" sz="2000" b="1" dirty="0">
+                <a:solidFill>
+                  <a:srgbClr val="0432FF"/>
+                </a:solidFill>
+              </a:rPr>
+              <a:t>–Q</a:t>
+            </a:r>
+            <a:r>
+              <a:rPr kumimoji="1" lang="en-US" altLang="ja-JP" sz="2000" dirty="0"/>
+              <a:t> are not given, </a:t>
+            </a:r>
+            <a:r>
+              <a:rPr kumimoji="1" lang="en-US" altLang="ja-JP" sz="2000" b="1" dirty="0">
+                <a:solidFill>
+                  <a:srgbClr val="0432FF"/>
+                </a:solidFill>
+              </a:rPr>
+              <a:t>-D0</a:t>
+            </a:r>
+            <a:r>
+              <a:rPr kumimoji="1" lang="en-US" altLang="ja-JP" sz="2000" dirty="0"/>
+              <a:t> is regarded to be specified internally.</a:t>
+            </a:r>
+          </a:p>
+        </p:txBody>
+      </p:sp>
+      <p:sp>
+        <p:nvSpPr>
+          <p:cNvPr id="4" name="スライド番号プレースホルダー 3">
+            <a:extLst>
+              <a:ext uri="{FF2B5EF4-FFF2-40B4-BE49-F238E27FC236}">
+                <a16:creationId xmlns:a16="http://schemas.microsoft.com/office/drawing/2014/main" id="{649F05BB-B3FB-4529-3B29-6C258BEAC413}"/>
+              </a:ext>
+            </a:extLst>
+          </p:cNvPr>
+          <p:cNvSpPr>
+            <a:spLocks noGrp="1"/>
+          </p:cNvSpPr>
+          <p:nvPr>
+            <p:ph type="sldNum" sz="quarter" idx="12"/>
+          </p:nvPr>
+        </p:nvSpPr>
+        <p:spPr/>
+        <p:txBody>
+          <a:bodyPr/>
+          <a:lstStyle/>
+          <a:p>
+            <a:fld id="{63C814F0-333B-8D45-B387-98F69425B688}" type="slidenum">
+              <a:rPr kumimoji="1" lang="ja-JP" altLang="en-US" smtClean="0"/>
+              <a:t>14</a:t>
             </a:fld>
             <a:endParaRPr kumimoji="1" lang="ja-JP" altLang="en-US"/>
           </a:p>
@@ -5467,6 +5793,58 @@
       </p:grpSpPr>
       <p:sp>
         <p:nvSpPr>
+          <p:cNvPr id="7" name="雲 6">
+            <a:extLst>
+              <a:ext uri="{FF2B5EF4-FFF2-40B4-BE49-F238E27FC236}">
+                <a16:creationId xmlns:a16="http://schemas.microsoft.com/office/drawing/2014/main" id="{36DA578D-9295-D899-C2A2-3651DF9991D9}"/>
+              </a:ext>
+            </a:extLst>
+          </p:cNvPr>
+          <p:cNvSpPr/>
+          <p:nvPr/>
+        </p:nvSpPr>
+        <p:spPr>
+          <a:xfrm>
+            <a:off x="5930780" y="1311965"/>
+            <a:ext cx="2956845" cy="946840"/>
+          </a:xfrm>
+          <a:prstGeom prst="cloud">
+            <a:avLst/>
+          </a:prstGeom>
+          <a:noFill/>
+          <a:ln>
+            <a:solidFill>
+              <a:schemeClr val="tx1"/>
+            </a:solidFill>
+          </a:ln>
+        </p:spPr>
+        <p:style>
+          <a:lnRef idx="2">
+            <a:schemeClr val="accent1">
+              <a:shade val="50000"/>
+            </a:schemeClr>
+          </a:lnRef>
+          <a:fillRef idx="1">
+            <a:schemeClr val="accent1"/>
+          </a:fillRef>
+          <a:effectRef idx="0">
+            <a:schemeClr val="accent1"/>
+          </a:effectRef>
+          <a:fontRef idx="minor">
+            <a:schemeClr val="lt1"/>
+          </a:fontRef>
+        </p:style>
+        <p:txBody>
+          <a:bodyPr rtlCol="0" anchor="ctr"/>
+          <a:lstStyle/>
+          <a:p>
+            <a:pPr algn="ctr"/>
+            <a:endParaRPr kumimoji="1" lang="ja-JP" altLang="en-US"/>
+          </a:p>
+        </p:txBody>
+      </p:sp>
+      <p:sp>
+        <p:nvSpPr>
           <p:cNvPr id="2" name="タイトル 1">
             <a:extLst>
               <a:ext uri="{FF2B5EF4-FFF2-40B4-BE49-F238E27FC236}">
@@ -5493,7 +5871,7 @@
           <a:p>
             <a:r>
               <a:rPr kumimoji="1" lang="en-US" altLang="ja-JP" dirty="0"/>
-              <a:t>Terminology</a:t>
+              <a:t>Terminology (1/2)</a:t>
             </a:r>
             <a:endParaRPr kumimoji="1" lang="ja-JP" altLang="en-US"/>
           </a:p>
@@ -5603,72 +5981,148 @@
             </a:r>
           </a:p>
           <a:p>
-            <a:r>
+            <a:endParaRPr lang="en-US" altLang="ja-JP" dirty="0"/>
+          </a:p>
+          <a:p>
+            <a:r>
+              <a:rPr lang="en-US" altLang="ja-JP" b="0" i="0" dirty="0" err="1">
+                <a:solidFill>
+                  <a:srgbClr val="454545"/>
+                </a:solidFill>
+                <a:effectLst/>
+                <a:latin typeface="Trebuchet MS" panose="020B0703020202090204" pitchFamily="34" charset="0"/>
+              </a:rPr>
+              <a:t>ℕ</a:t>
+            </a:r>
+            <a:r>
+              <a:rPr lang="en-US" altLang="ja-JP" b="0" i="0" dirty="0">
+                <a:solidFill>
+                  <a:srgbClr val="454545"/>
+                </a:solidFill>
+                <a:effectLst/>
+                <a:latin typeface="Trebuchet MS" panose="020B0703020202090204" pitchFamily="34" charset="0"/>
+              </a:rPr>
+              <a:t> = {1,2,3,… } : </a:t>
+            </a:r>
+            <a:r>
+              <a:rPr lang="en-US" altLang="ja-JP" sz="2400" b="0" i="0" dirty="0">
+                <a:solidFill>
+                  <a:srgbClr val="454545"/>
+                </a:solidFill>
+                <a:effectLst/>
+                <a:latin typeface="Trebuchet MS" panose="020B0703020202090204" pitchFamily="34" charset="0"/>
+              </a:rPr>
+              <a:t>The set of all natural numbers.</a:t>
+            </a:r>
+          </a:p>
+          <a:p>
+            <a:r>
+              <a:rPr lang="en-US" altLang="ja-JP" b="0" i="0" dirty="0" err="1">
+                <a:solidFill>
+                  <a:srgbClr val="454545"/>
+                </a:solidFill>
+                <a:effectLst/>
+                <a:latin typeface="Trebuchet MS" panose="020B0703020202090204" pitchFamily="34" charset="0"/>
+              </a:rPr>
+              <a:t>ℤ</a:t>
+            </a:r>
+            <a:r>
+              <a:rPr lang="en-US" altLang="ja-JP" b="0" i="0" dirty="0">
+                <a:solidFill>
+                  <a:srgbClr val="454545"/>
+                </a:solidFill>
+                <a:effectLst/>
+                <a:latin typeface="Trebuchet MS" panose="020B0703020202090204" pitchFamily="34" charset="0"/>
+              </a:rPr>
+              <a:t> = {0 ,±1 ,±2 ,±3 , ..} : </a:t>
+            </a:r>
+            <a:r>
+              <a:rPr lang="en-US" altLang="ja-JP" sz="2400" b="0" i="0" dirty="0">
+                <a:solidFill>
+                  <a:srgbClr val="454545"/>
+                </a:solidFill>
+                <a:effectLst/>
+                <a:latin typeface="Trebuchet MS" panose="020B0703020202090204" pitchFamily="34" charset="0"/>
+              </a:rPr>
+              <a:t>consists of integers.</a:t>
+            </a:r>
+            <a:endParaRPr lang="en-US" altLang="ja-JP" sz="2400" dirty="0">
+              <a:solidFill>
+                <a:srgbClr val="454545"/>
+              </a:solidFill>
+              <a:latin typeface="Trebuchet MS" panose="020B0703020202090204" pitchFamily="34" charset="0"/>
+            </a:endParaRPr>
+          </a:p>
+          <a:p>
+            <a:r>
+              <a:rPr lang="en-US" altLang="ja-JP" b="0" i="0" dirty="0" err="1">
+                <a:solidFill>
+                  <a:srgbClr val="454545"/>
+                </a:solidFill>
+                <a:effectLst/>
+                <a:latin typeface="Trebuchet MS" panose="020B0703020202090204" pitchFamily="34" charset="0"/>
+              </a:rPr>
+              <a:t>ℝ</a:t>
+            </a:r>
+            <a:r>
+              <a:rPr lang="en-US" altLang="ja-JP" b="0" i="0" dirty="0">
+                <a:solidFill>
+                  <a:srgbClr val="454545"/>
+                </a:solidFill>
+                <a:effectLst/>
+                <a:latin typeface="Trebuchet MS" panose="020B0703020202090204" pitchFamily="34" charset="0"/>
+              </a:rPr>
+              <a:t> = { x | - </a:t>
+            </a:r>
+            <a:r>
+              <a:rPr lang="ja-JP" altLang="en-US">
+                <a:solidFill>
+                  <a:srgbClr val="454545"/>
+                </a:solidFill>
+                <a:latin typeface="Trebuchet MS" panose="020B0703020202090204" pitchFamily="34" charset="0"/>
+              </a:rPr>
+              <a:t>∞</a:t>
+            </a:r>
+            <a:r>
+              <a:rPr lang="en-US" altLang="ja-JP" dirty="0">
+                <a:solidFill>
+                  <a:srgbClr val="454545"/>
+                </a:solidFill>
+                <a:latin typeface="Trebuchet MS" panose="020B0703020202090204" pitchFamily="34" charset="0"/>
+              </a:rPr>
+              <a:t> &lt; x &lt; + </a:t>
+            </a:r>
+            <a:r>
+              <a:rPr lang="ja-JP" altLang="en-US">
+                <a:solidFill>
+                  <a:srgbClr val="454545"/>
+                </a:solidFill>
+                <a:latin typeface="Trebuchet MS" panose="020B0703020202090204" pitchFamily="34" charset="0"/>
+              </a:rPr>
+              <a:t>∞</a:t>
+            </a:r>
+            <a:r>
+              <a:rPr lang="en-US" altLang="ja-JP" dirty="0">
+                <a:solidFill>
+                  <a:srgbClr val="454545"/>
+                </a:solidFill>
+                <a:latin typeface="Trebuchet MS" panose="020B0703020202090204" pitchFamily="34" charset="0"/>
+              </a:rPr>
+              <a:t> } : </a:t>
+            </a:r>
+            <a:r>
+              <a:rPr lang="en-US" altLang="ja-JP" sz="2400" dirty="0">
+                <a:solidFill>
+                  <a:srgbClr val="454545"/>
+                </a:solidFill>
+                <a:latin typeface="Trebuchet MS" panose="020B0703020202090204" pitchFamily="34" charset="0"/>
+              </a:rPr>
+              <a:t>all the real numbers.</a:t>
+            </a:r>
+            <a:br>
               <a:rPr lang="en-US" altLang="ja-JP" dirty="0"/>
-              <a:t>There are many ways to </a:t>
-            </a:r>
-            <a:r>
-              <a:rPr lang="en-US" altLang="ja-JP" b="1" dirty="0"/>
-              <a:t>round</a:t>
-            </a:r>
-            <a:r>
-              <a:rPr lang="en-US" altLang="ja-JP" dirty="0"/>
-              <a:t> a number : </a:t>
-            </a:r>
-          </a:p>
-          <a:p>
-            <a:pPr lvl="1"/>
-            <a:r>
-              <a:rPr lang="en-US" altLang="ja-JP" dirty="0"/>
-              <a:t>Round half up  (</a:t>
-            </a:r>
-            <a:r>
-              <a:rPr lang="ja-JP" altLang="en-US"/>
-              <a:t> </a:t>
-            </a:r>
-            <a:r>
-              <a:rPr lang="en-US" altLang="ja-JP" dirty="0"/>
-              <a:t>most commonly used! )</a:t>
-            </a:r>
-          </a:p>
-          <a:p>
-            <a:pPr lvl="1"/>
-            <a:r>
-              <a:rPr lang="en-US" altLang="ja-JP" dirty="0"/>
-              <a:t>Round up /  Round down</a:t>
-            </a:r>
-          </a:p>
-          <a:p>
-            <a:pPr lvl="1"/>
-            <a:r>
-              <a:rPr lang="en-US" altLang="ja-JP" dirty="0"/>
-              <a:t>Round half to even (ISO 31-0 , JIS Z 8401, IEEE 754) </a:t>
-            </a:r>
-          </a:p>
-          <a:p>
-            <a:pPr lvl="1"/>
-            <a:r>
-              <a:rPr lang="en-US" altLang="ja-JP" dirty="0"/>
-              <a:t>Round half to odd </a:t>
-            </a:r>
-          </a:p>
-          <a:p>
-            <a:r>
-              <a:rPr lang="en-US" altLang="ja-JP" b="1" dirty="0"/>
-              <a:t>TSV</a:t>
-            </a:r>
-            <a:r>
-              <a:rPr lang="en-US" altLang="ja-JP" dirty="0"/>
-              <a:t> is Tab-</a:t>
-            </a:r>
-            <a:r>
-              <a:rPr lang="en-US" altLang="ja-JP" dirty="0" err="1"/>
-              <a:t>Separeted</a:t>
-            </a:r>
-            <a:r>
-              <a:rPr lang="en-US" altLang="ja-JP" dirty="0"/>
-              <a:t> Values (cf. CSV with comma).</a:t>
-            </a:r>
+            </a:br>
+            <a:endParaRPr lang="en-US" altLang="ja-JP" dirty="0"/>
           </a:p>
         </p:txBody>
       </p:sp>
@@ -5701,6 +6155,39 @@
           </a:p>
         </p:txBody>
       </p:sp>
+      <p:pic>
+        <p:nvPicPr>
+          <p:cNvPr id="6" name="図 5">
+            <a:extLst>
+              <a:ext uri="{FF2B5EF4-FFF2-40B4-BE49-F238E27FC236}">
+                <a16:creationId xmlns:a16="http://schemas.microsoft.com/office/drawing/2014/main" id="{5CA1C1F5-3EFF-0CAE-A6EC-2E1708C3F8D5}"/>
+              </a:ext>
+            </a:extLst>
+          </p:cNvPr>
+          <p:cNvPicPr>
+            <a:picLocks/>
+          </p:cNvPicPr>
+          <p:nvPr/>
+        </p:nvPicPr>
+        <p:blipFill>
+          <a:blip r:embed="rId2"/>
+          <a:stretch>
+            <a:fillRect/>
+          </a:stretch>
+        </p:blipFill>
+        <p:spPr>
+          <a:xfrm>
+            <a:off x="6222099" y="1643062"/>
+            <a:ext cx="2169116" cy="365125"/>
+          </a:xfrm>
+          <a:prstGeom prst="rect">
+            <a:avLst/>
+          </a:prstGeom>
+          <a:solidFill>
+            <a:schemeClr val="bg1"/>
+          </a:solidFill>
+        </p:spPr>
+      </p:pic>
     </p:spTree>
     <p:extLst>
       <p:ext uri="{BB962C8B-B14F-4D97-AF65-F5344CB8AC3E}">
@@ -5736,7 +6223,7 @@
           <p:cNvPr id="2" name="タイトル 1">
             <a:extLst>
               <a:ext uri="{FF2B5EF4-FFF2-40B4-BE49-F238E27FC236}">
-                <a16:creationId xmlns:a16="http://schemas.microsoft.com/office/drawing/2014/main" id="{64691302-83A2-E2B8-7711-BC980FBA6655}"/>
+                <a16:creationId xmlns:a16="http://schemas.microsoft.com/office/drawing/2014/main" id="{BC1D2D51-C165-CFC7-1221-742C9201ACE9}"/>
               </a:ext>
             </a:extLst>
           </p:cNvPr>
@@ -5754,7 +6241,7 @@
           <a:p>
             <a:r>
               <a:rPr kumimoji="1" lang="en-US" altLang="ja-JP" dirty="0"/>
-              <a:t>Regarding this document</a:t>
+              <a:t>Terminology (2/2)</a:t>
             </a:r>
             <a:endParaRPr kumimoji="1" lang="ja-JP" altLang="en-US"/>
           </a:p>
@@ -5765,7 +6252,7 @@
           <p:cNvPr id="3" name="コンテンツ プレースホルダー 2">
             <a:extLst>
               <a:ext uri="{FF2B5EF4-FFF2-40B4-BE49-F238E27FC236}">
-                <a16:creationId xmlns:a16="http://schemas.microsoft.com/office/drawing/2014/main" id="{C9AA2C8E-F01A-D3BC-C1B5-2594E47CF53F}"/>
+                <a16:creationId xmlns:a16="http://schemas.microsoft.com/office/drawing/2014/main" id="{FEAC294E-9AB9-5FB1-0AC5-D426CB6BEA1C}"/>
               </a:ext>
             </a:extLst>
           </p:cNvPr>
@@ -5778,60 +6265,87 @@
         </p:nvSpPr>
         <p:spPr/>
         <p:txBody>
-          <a:bodyPr>
-            <a:normAutofit/>
-          </a:bodyPr>
-          <a:lstStyle/>
-          <a:p>
-            <a:r>
-              <a:rPr kumimoji="1" lang="en-US" altLang="ja-JP" sz="3600" dirty="0"/>
-              <a:t>Explains </a:t>
+          <a:bodyPr/>
+          <a:lstStyle/>
+          <a:p>
+            <a:r>
+              <a:rPr lang="en-US" altLang="ja-JP" dirty="0"/>
+              <a:t>There are many ways to </a:t>
+            </a:r>
+            <a:r>
+              <a:rPr lang="en-US" altLang="ja-JP" b="1" dirty="0"/>
+              <a:t>round</a:t>
+            </a:r>
+            <a:r>
+              <a:rPr lang="en-US" altLang="ja-JP" dirty="0"/>
+              <a:t> a number : </a:t>
             </a:r>
           </a:p>
           <a:p>
             <a:pPr lvl="1"/>
             <a:r>
-              <a:rPr kumimoji="1" lang="en-US" altLang="ja-JP" sz="3200" dirty="0"/>
-              <a:t>how to use the command </a:t>
-            </a:r>
-            <a:r>
-              <a:rPr kumimoji="1" lang="en-US" altLang="ja-JP" sz="3200" b="1" dirty="0" err="1">
-                <a:solidFill>
-                  <a:srgbClr val="0432FF"/>
-                </a:solidFill>
-              </a:rPr>
-              <a:t>denomfind</a:t>
-            </a:r>
-            <a:r>
-              <a:rPr kumimoji="1" lang="en-US" altLang="ja-JP" sz="3200" dirty="0"/>
-              <a:t>.</a:t>
-            </a:r>
-          </a:p>
-          <a:p>
-            <a:r>
-              <a:rPr lang="en-US" altLang="ja-JP" sz="3600" dirty="0"/>
-              <a:t>Not explains</a:t>
+              <a:rPr lang="en-US" altLang="ja-JP" dirty="0"/>
+              <a:t>Round half up  (</a:t>
+            </a:r>
+            <a:r>
+              <a:rPr lang="ja-JP" altLang="en-US"/>
+              <a:t> </a:t>
+            </a:r>
+            <a:r>
+              <a:rPr lang="en-US" altLang="ja-JP" dirty="0"/>
+              <a:t>most commonly used! )</a:t>
             </a:r>
           </a:p>
           <a:p>
             <a:pPr lvl="1"/>
             <a:r>
-              <a:rPr lang="en-US" altLang="ja-JP" sz="3200" dirty="0"/>
-              <a:t>the internal design in detail.</a:t>
+              <a:rPr lang="en-US" altLang="ja-JP" dirty="0"/>
+              <a:t>Round up /  Round down</a:t>
             </a:r>
           </a:p>
           <a:p>
             <a:pPr lvl="1"/>
-            <a:endParaRPr kumimoji="1" lang="ja-JP" altLang="en-US" sz="3200"/>
-          </a:p>
-        </p:txBody>
-      </p:sp>
-      <p:sp>
-        <p:nvSpPr>
-          <p:cNvPr id="5" name="スライド番号プレースホルダー 4">
+            <a:r>
+              <a:rPr lang="en-US" altLang="ja-JP" dirty="0"/>
+              <a:t>Round half to even (ISO 31-0 , JIS Z 8401, IEEE 754) </a:t>
+            </a:r>
+          </a:p>
+          <a:p>
+            <a:pPr lvl="1"/>
+            <a:r>
+              <a:rPr lang="en-US" altLang="ja-JP" dirty="0"/>
+              <a:t>Round half to odd </a:t>
+            </a:r>
+          </a:p>
+          <a:p>
+            <a:r>
+              <a:rPr lang="en-US" altLang="ja-JP" b="1" dirty="0"/>
+              <a:t>TSV</a:t>
+            </a:r>
+            <a:r>
+              <a:rPr lang="en-US" altLang="ja-JP" dirty="0"/>
+              <a:t> is Tab-</a:t>
+            </a:r>
+            <a:r>
+              <a:rPr lang="en-US" altLang="ja-JP" dirty="0" err="1"/>
+              <a:t>Separeted</a:t>
+            </a:r>
+            <a:r>
+              <a:rPr lang="en-US" altLang="ja-JP" dirty="0"/>
+              <a:t> Values (cf. CSV with comma).</a:t>
+            </a:r>
+          </a:p>
+          <a:p>
+            <a:endParaRPr kumimoji="1" lang="ja-JP" altLang="en-US"/>
+          </a:p>
+        </p:txBody>
+      </p:sp>
+      <p:sp>
+        <p:nvSpPr>
+          <p:cNvPr id="4" name="スライド番号プレースホルダー 3">
             <a:extLst>
               <a:ext uri="{FF2B5EF4-FFF2-40B4-BE49-F238E27FC236}">
-                <a16:creationId xmlns:a16="http://schemas.microsoft.com/office/drawing/2014/main" id="{C2DC8E0A-08A2-A8E6-5141-2EC24C0CB8D0}"/>
+                <a16:creationId xmlns:a16="http://schemas.microsoft.com/office/drawing/2014/main" id="{FBDB7840-BE7D-09D8-5CDA-CC674BA63BC8}"/>
               </a:ext>
             </a:extLst>
           </p:cNvPr>
@@ -5858,7 +6372,7 @@
     </p:spTree>
     <p:extLst>
       <p:ext uri="{BB962C8B-B14F-4D97-AF65-F5344CB8AC3E}">
-        <p14:creationId xmlns:p14="http://schemas.microsoft.com/office/powerpoint/2010/main" val="1072639234"/>
+        <p14:creationId xmlns:p14="http://schemas.microsoft.com/office/powerpoint/2010/main" val="2352032947"/>
       </p:ext>
     </p:extLst>
   </p:cSld>
@@ -5890,6 +6404,160 @@
           <p:cNvPr id="2" name="タイトル 1">
             <a:extLst>
               <a:ext uri="{FF2B5EF4-FFF2-40B4-BE49-F238E27FC236}">
+                <a16:creationId xmlns:a16="http://schemas.microsoft.com/office/drawing/2014/main" id="{64691302-83A2-E2B8-7711-BC980FBA6655}"/>
+              </a:ext>
+            </a:extLst>
+          </p:cNvPr>
+          <p:cNvSpPr>
+            <a:spLocks noGrp="1"/>
+          </p:cNvSpPr>
+          <p:nvPr>
+            <p:ph type="title"/>
+          </p:nvPr>
+        </p:nvSpPr>
+        <p:spPr/>
+        <p:txBody>
+          <a:bodyPr/>
+          <a:lstStyle/>
+          <a:p>
+            <a:r>
+              <a:rPr kumimoji="1" lang="en-US" altLang="ja-JP" dirty="0"/>
+              <a:t>Regarding this document :</a:t>
+            </a:r>
+            <a:endParaRPr kumimoji="1" lang="ja-JP" altLang="en-US"/>
+          </a:p>
+        </p:txBody>
+      </p:sp>
+      <p:sp>
+        <p:nvSpPr>
+          <p:cNvPr id="3" name="コンテンツ プレースホルダー 2">
+            <a:extLst>
+              <a:ext uri="{FF2B5EF4-FFF2-40B4-BE49-F238E27FC236}">
+                <a16:creationId xmlns:a16="http://schemas.microsoft.com/office/drawing/2014/main" id="{C9AA2C8E-F01A-D3BC-C1B5-2594E47CF53F}"/>
+              </a:ext>
+            </a:extLst>
+          </p:cNvPr>
+          <p:cNvSpPr>
+            <a:spLocks noGrp="1"/>
+          </p:cNvSpPr>
+          <p:nvPr>
+            <p:ph idx="1"/>
+          </p:nvPr>
+        </p:nvSpPr>
+        <p:spPr/>
+        <p:txBody>
+          <a:bodyPr>
+            <a:normAutofit/>
+          </a:bodyPr>
+          <a:lstStyle/>
+          <a:p>
+            <a:r>
+              <a:rPr kumimoji="1" lang="en-US" altLang="ja-JP" sz="3600" dirty="0"/>
+              <a:t>Explains </a:t>
+            </a:r>
+          </a:p>
+          <a:p>
+            <a:pPr lvl="1"/>
+            <a:r>
+              <a:rPr kumimoji="1" lang="en-US" altLang="ja-JP" sz="3200" dirty="0"/>
+              <a:t>how to use the command </a:t>
+            </a:r>
+            <a:r>
+              <a:rPr kumimoji="1" lang="en-US" altLang="ja-JP" sz="3200" b="1" dirty="0" err="1">
+                <a:solidFill>
+                  <a:srgbClr val="0432FF"/>
+                </a:solidFill>
+              </a:rPr>
+              <a:t>denomfind</a:t>
+            </a:r>
+            <a:r>
+              <a:rPr kumimoji="1" lang="en-US" altLang="ja-JP" sz="3200" dirty="0"/>
+              <a:t>.</a:t>
+            </a:r>
+          </a:p>
+          <a:p>
+            <a:r>
+              <a:rPr lang="en-US" altLang="ja-JP" sz="3600" dirty="0"/>
+              <a:t>Not explains</a:t>
+            </a:r>
+          </a:p>
+          <a:p>
+            <a:pPr lvl="1"/>
+            <a:r>
+              <a:rPr lang="en-US" altLang="ja-JP" sz="3200" dirty="0"/>
+              <a:t>the internal design in detail.</a:t>
+            </a:r>
+          </a:p>
+          <a:p>
+            <a:pPr lvl="1"/>
+            <a:endParaRPr kumimoji="1" lang="ja-JP" altLang="en-US" sz="3200"/>
+          </a:p>
+        </p:txBody>
+      </p:sp>
+      <p:sp>
+        <p:nvSpPr>
+          <p:cNvPr id="5" name="スライド番号プレースホルダー 4">
+            <a:extLst>
+              <a:ext uri="{FF2B5EF4-FFF2-40B4-BE49-F238E27FC236}">
+                <a16:creationId xmlns:a16="http://schemas.microsoft.com/office/drawing/2014/main" id="{C2DC8E0A-08A2-A8E6-5141-2EC24C0CB8D0}"/>
+              </a:ext>
+            </a:extLst>
+          </p:cNvPr>
+          <p:cNvSpPr>
+            <a:spLocks noGrp="1"/>
+          </p:cNvSpPr>
+          <p:nvPr>
+            <p:ph type="sldNum" sz="quarter" idx="12"/>
+          </p:nvPr>
+        </p:nvSpPr>
+        <p:spPr/>
+        <p:txBody>
+          <a:bodyPr/>
+          <a:lstStyle/>
+          <a:p>
+            <a:fld id="{63C814F0-333B-8D45-B387-98F69425B688}" type="slidenum">
+              <a:rPr kumimoji="1" lang="ja-JP" altLang="en-US" smtClean="0"/>
+              <a:t>4</a:t>
+            </a:fld>
+            <a:endParaRPr kumimoji="1" lang="ja-JP" altLang="en-US"/>
+          </a:p>
+        </p:txBody>
+      </p:sp>
+    </p:spTree>
+    <p:extLst>
+      <p:ext uri="{BB962C8B-B14F-4D97-AF65-F5344CB8AC3E}">
+        <p14:creationId xmlns:p14="http://schemas.microsoft.com/office/powerpoint/2010/main" val="1072639234"/>
+      </p:ext>
+    </p:extLst>
+  </p:cSld>
+  <p:clrMapOvr>
+    <a:masterClrMapping/>
+  </p:clrMapOvr>
+</p:sld>
+</file>
+
+<file path=ppt/slides/slide5.xml><?xml version="1.0" encoding="utf-8"?>
+<p:sld xmlns:a="http://schemas.openxmlformats.org/drawingml/2006/main" xmlns:r="http://schemas.openxmlformats.org/officeDocument/2006/relationships" xmlns:p="http://schemas.openxmlformats.org/presentationml/2006/main">
+  <p:cSld>
+    <p:spTree>
+      <p:nvGrpSpPr>
+        <p:cNvPr id="1" name=""/>
+        <p:cNvGrpSpPr/>
+        <p:nvPr/>
+      </p:nvGrpSpPr>
+      <p:grpSpPr>
+        <a:xfrm>
+          <a:off x="0" y="0"/>
+          <a:ext cx="0" cy="0"/>
+          <a:chOff x="0" y="0"/>
+          <a:chExt cx="0" cy="0"/>
+        </a:xfrm>
+      </p:grpSpPr>
+      <p:sp>
+        <p:nvSpPr>
+          <p:cNvPr id="2" name="タイトル 1">
+            <a:extLst>
+              <a:ext uri="{FF2B5EF4-FFF2-40B4-BE49-F238E27FC236}">
                 <a16:creationId xmlns:a16="http://schemas.microsoft.com/office/drawing/2014/main" id="{DAE58397-79A8-F5AB-A7A1-9CFA902E064B}"/>
               </a:ext>
             </a:extLst>
@@ -6127,7 +6795,7 @@
           <a:p>
             <a:fld id="{63C814F0-333B-8D45-B387-98F69425B688}" type="slidenum">
               <a:rPr kumimoji="1" lang="ja-JP" altLang="en-US" smtClean="0"/>
-              <a:t>4</a:t>
+              <a:t>5</a:t>
             </a:fld>
             <a:endParaRPr kumimoji="1" lang="ja-JP" altLang="en-US"/>
           </a:p>
@@ -6146,7 +6814,7 @@
 </p:sld>
 </file>
 
-<file path=ppt/slides/slide5.xml><?xml version="1.0" encoding="utf-8"?>
+<file path=ppt/slides/slide6.xml><?xml version="1.0" encoding="utf-8"?>
 <p:sld xmlns:a="http://schemas.openxmlformats.org/drawingml/2006/main" xmlns:r="http://schemas.openxmlformats.org/officeDocument/2006/relationships" xmlns:p="http://schemas.openxmlformats.org/presentationml/2006/main">
   <p:cSld>
     <p:spTree>
@@ -6702,7 +7370,7 @@
           <a:p>
             <a:fld id="{63C814F0-333B-8D45-B387-98F69425B688}" type="slidenum">
               <a:rPr kumimoji="1" lang="ja-JP" altLang="en-US" smtClean="0"/>
-              <a:t>5</a:t>
+              <a:t>6</a:t>
             </a:fld>
             <a:endParaRPr kumimoji="1" lang="ja-JP" altLang="en-US"/>
           </a:p>
@@ -6721,7 +7389,7 @@
 </p:sld>
 </file>
 
-<file path=ppt/slides/slide6.xml><?xml version="1.0" encoding="utf-8"?>
+<file path=ppt/slides/slide7.xml><?xml version="1.0" encoding="utf-8"?>
 <p:sld xmlns:a="http://schemas.openxmlformats.org/drawingml/2006/main" xmlns:r="http://schemas.openxmlformats.org/officeDocument/2006/relationships" xmlns:p="http://schemas.openxmlformats.org/presentationml/2006/main">
   <p:cSld>
     <p:spTree>
@@ -7226,7 +7894,7 @@
           <a:p>
             <a:fld id="{63C814F0-333B-8D45-B387-98F69425B688}" type="slidenum">
               <a:rPr kumimoji="1" lang="ja-JP" altLang="en-US" smtClean="0"/>
-              <a:t>6</a:t>
+              <a:t>7</a:t>
             </a:fld>
             <a:endParaRPr kumimoji="1" lang="ja-JP" altLang="en-US"/>
           </a:p>
@@ -7297,275 +7965,6 @@
 </p:sld>
 </file>
 
-<file path=ppt/slides/slide7.xml><?xml version="1.0" encoding="utf-8"?>
-<p:sld xmlns:a="http://schemas.openxmlformats.org/drawingml/2006/main" xmlns:r="http://schemas.openxmlformats.org/officeDocument/2006/relationships" xmlns:p="http://schemas.openxmlformats.org/presentationml/2006/main">
-  <p:cSld>
-    <p:spTree>
-      <p:nvGrpSpPr>
-        <p:cNvPr id="1" name=""/>
-        <p:cNvGrpSpPr/>
-        <p:nvPr/>
-      </p:nvGrpSpPr>
-      <p:grpSpPr>
-        <a:xfrm>
-          <a:off x="0" y="0"/>
-          <a:ext cx="0" cy="0"/>
-          <a:chOff x="0" y="0"/>
-          <a:chExt cx="0" cy="0"/>
-        </a:xfrm>
-      </p:grpSpPr>
-      <p:sp>
-        <p:nvSpPr>
-          <p:cNvPr id="2" name="タイトル 1">
-            <a:extLst>
-              <a:ext uri="{FF2B5EF4-FFF2-40B4-BE49-F238E27FC236}">
-                <a16:creationId xmlns:a16="http://schemas.microsoft.com/office/drawing/2014/main" id="{A9064146-E95B-32CD-B495-9CDB43CED7BB}"/>
-              </a:ext>
-            </a:extLst>
-          </p:cNvPr>
-          <p:cNvSpPr>
-            <a:spLocks noGrp="1"/>
-          </p:cNvSpPr>
-          <p:nvPr>
-            <p:ph type="title"/>
-          </p:nvPr>
-        </p:nvSpPr>
-        <p:spPr>
-          <a:xfrm>
-            <a:off x="628650" y="365126"/>
-            <a:ext cx="7886700" cy="315911"/>
-          </a:xfrm>
-        </p:spPr>
-        <p:txBody>
-          <a:bodyPr>
-            <a:normAutofit fontScale="90000"/>
-          </a:bodyPr>
-          <a:lstStyle/>
-          <a:p>
-            <a:r>
-              <a:rPr kumimoji="1" lang="en-US" altLang="ja-JP" dirty="0"/>
-              <a:t>Usage of </a:t>
-            </a:r>
-            <a:r>
-              <a:rPr kumimoji="1" lang="en-US" altLang="ja-JP" b="1" dirty="0" err="1">
-                <a:solidFill>
-                  <a:srgbClr val="0432FF"/>
-                </a:solidFill>
-              </a:rPr>
-              <a:t>denomfind</a:t>
-            </a:r>
-            <a:endParaRPr kumimoji="1" lang="ja-JP" altLang="en-US" b="1">
-              <a:solidFill>
-                <a:srgbClr val="0432FF"/>
-              </a:solidFill>
-            </a:endParaRPr>
-          </a:p>
-        </p:txBody>
-      </p:sp>
-      <p:sp>
-        <p:nvSpPr>
-          <p:cNvPr id="3" name="コンテンツ プレースホルダー 2">
-            <a:extLst>
-              <a:ext uri="{FF2B5EF4-FFF2-40B4-BE49-F238E27FC236}">
-                <a16:creationId xmlns:a16="http://schemas.microsoft.com/office/drawing/2014/main" id="{4A9728C7-DF60-F89A-305B-2A8FB139E1F7}"/>
-              </a:ext>
-            </a:extLst>
-          </p:cNvPr>
-          <p:cNvSpPr>
-            <a:spLocks noGrp="1"/>
-          </p:cNvSpPr>
-          <p:nvPr>
-            <p:ph idx="1"/>
-          </p:nvPr>
-        </p:nvSpPr>
-        <p:spPr>
-          <a:xfrm>
-            <a:off x="628650" y="1105231"/>
-            <a:ext cx="7886700" cy="5071732"/>
-          </a:xfrm>
-        </p:spPr>
-        <p:txBody>
-          <a:bodyPr>
-            <a:normAutofit/>
-          </a:bodyPr>
-          <a:lstStyle/>
-          <a:p>
-            <a:pPr marL="514350" indent="-514350">
-              <a:buFont typeface="+mj-lt"/>
-              <a:buAutoNum type="arabicPeriod"/>
-            </a:pPr>
-            <a:r>
-              <a:rPr kumimoji="1" lang="en-US" altLang="ja-JP" dirty="0"/>
-              <a:t>To </a:t>
-            </a:r>
-            <a:r>
-              <a:rPr kumimoji="1" lang="en-US" altLang="ja-JP" b="1" u="sng" dirty="0"/>
-              <a:t>find</a:t>
-            </a:r>
-            <a:r>
-              <a:rPr kumimoji="1" lang="en-US" altLang="ja-JP" dirty="0"/>
-              <a:t> the possible denominator </a:t>
-            </a:r>
-            <a:br>
-              <a:rPr kumimoji="1" lang="en-US" altLang="ja-JP" dirty="0"/>
-            </a:br>
-            <a:r>
-              <a:rPr kumimoji="1" lang="en-US" altLang="ja-JP" dirty="0"/>
-              <a:t>with given multiple rounded proportions.</a:t>
-            </a:r>
-          </a:p>
-          <a:p>
-            <a:pPr lvl="1"/>
-            <a:r>
-              <a:rPr lang="en-US" altLang="ja-JP" dirty="0"/>
-              <a:t>One can check whether the sample size is large enough.</a:t>
-            </a:r>
-            <a:endParaRPr kumimoji="1" lang="en-US" altLang="ja-JP" dirty="0"/>
-          </a:p>
-          <a:p>
-            <a:pPr marL="514350" indent="-514350">
-              <a:buFont typeface="+mj-lt"/>
-              <a:buAutoNum type="arabicPeriod"/>
-            </a:pPr>
-            <a:r>
-              <a:rPr lang="en-US" altLang="ja-JP" dirty="0"/>
-              <a:t>To </a:t>
-            </a:r>
-            <a:r>
-              <a:rPr lang="en-US" altLang="ja-JP" b="1" u="sng" dirty="0"/>
-              <a:t>check</a:t>
-            </a:r>
-            <a:r>
-              <a:rPr lang="en-US" altLang="ja-JP" dirty="0"/>
-              <a:t> and to </a:t>
-            </a:r>
-            <a:r>
-              <a:rPr lang="en-US" altLang="ja-JP" b="1" u="sng" dirty="0"/>
-              <a:t>correct</a:t>
-            </a:r>
-            <a:r>
-              <a:rPr lang="en-US" altLang="ja-JP" dirty="0"/>
-              <a:t> the numbers </a:t>
-            </a:r>
-            <a:br>
-              <a:rPr lang="en-US" altLang="ja-JP" dirty="0"/>
-            </a:br>
-            <a:r>
-              <a:rPr lang="en-US" altLang="ja-JP" dirty="0"/>
-              <a:t>such as denominator and rounded proportions.</a:t>
-            </a:r>
-          </a:p>
-          <a:p>
-            <a:pPr lvl="1"/>
-            <a:r>
-              <a:rPr kumimoji="1" lang="en-US" altLang="ja-JP" dirty="0"/>
-              <a:t>Quite often, numbers </a:t>
-            </a:r>
-            <a:r>
-              <a:rPr lang="en-US" altLang="ja-JP" dirty="0"/>
-              <a:t>appearing on reports contain a small number of mistakes. </a:t>
-            </a:r>
-          </a:p>
-          <a:p>
-            <a:pPr marL="514350" indent="-514350">
-              <a:buFont typeface="+mj-lt"/>
-              <a:buAutoNum type="arabicPeriod"/>
-            </a:pPr>
-            <a:r>
-              <a:rPr lang="en-US" altLang="ja-JP" dirty="0"/>
-              <a:t>To know how the proportions are rounded.</a:t>
-            </a:r>
-          </a:p>
-          <a:p>
-            <a:pPr lvl="1"/>
-            <a:r>
-              <a:rPr lang="en-US" altLang="ja-JP" dirty="0"/>
-              <a:t>If the </a:t>
-            </a:r>
-            <a:r>
-              <a:rPr lang="en-US" altLang="ja-JP" u="sng" dirty="0"/>
-              <a:t>rounding half up</a:t>
-            </a:r>
-            <a:r>
-              <a:rPr lang="en-US" altLang="ja-JP" dirty="0"/>
-              <a:t> is performed on a number </a:t>
-            </a:r>
-            <a:r>
-              <a:rPr lang="en-US" altLang="ja-JP" u="sng" dirty="0"/>
-              <a:t>twice</a:t>
-            </a:r>
-            <a:r>
-              <a:rPr lang="en-US" altLang="ja-JP" dirty="0"/>
-              <a:t> in a specific way, 3.45% can turn to be 4% via 3.5%. </a:t>
-            </a:r>
-          </a:p>
-          <a:p>
-            <a:pPr lvl="1"/>
-            <a:r>
-              <a:rPr lang="en-US" altLang="ja-JP" dirty="0"/>
-              <a:t>Deciphering how the numbers are rounded may conclude </a:t>
-            </a:r>
-            <a:r>
-              <a:rPr lang="en-US" altLang="ja-JP" b="1" dirty="0"/>
-              <a:t>how carefully the document is yielded</a:t>
-            </a:r>
-            <a:r>
-              <a:rPr lang="en-US" altLang="ja-JP" dirty="0"/>
-              <a:t>.</a:t>
-            </a:r>
-          </a:p>
-          <a:p>
-            <a:pPr lvl="1"/>
-            <a:endParaRPr lang="en-US" altLang="ja-JP" dirty="0"/>
-          </a:p>
-          <a:p>
-            <a:pPr lvl="1"/>
-            <a:endParaRPr kumimoji="1" lang="ja-JP" altLang="en-US"/>
-          </a:p>
-        </p:txBody>
-      </p:sp>
-      <p:sp>
-        <p:nvSpPr>
-          <p:cNvPr id="5" name="スライド番号プレースホルダー 4">
-            <a:extLst>
-              <a:ext uri="{FF2B5EF4-FFF2-40B4-BE49-F238E27FC236}">
-                <a16:creationId xmlns:a16="http://schemas.microsoft.com/office/drawing/2014/main" id="{E60C0A98-DD67-A1A8-1A91-00E1F2C2207E}"/>
-              </a:ext>
-            </a:extLst>
-          </p:cNvPr>
-          <p:cNvSpPr>
-            <a:spLocks noGrp="1"/>
-          </p:cNvSpPr>
-          <p:nvPr>
-            <p:ph type="sldNum" sz="quarter" idx="12"/>
-          </p:nvPr>
-        </p:nvSpPr>
-        <p:spPr/>
-        <p:txBody>
-          <a:bodyPr/>
-          <a:lstStyle/>
-          <a:p>
-            <a:fld id="{63C814F0-333B-8D45-B387-98F69425B688}" type="slidenum">
-              <a:rPr kumimoji="1" lang="ja-JP" altLang="en-US" smtClean="0"/>
-              <a:t>7</a:t>
-            </a:fld>
-            <a:endParaRPr kumimoji="1" lang="ja-JP" altLang="en-US"/>
-          </a:p>
-        </p:txBody>
-      </p:sp>
-    </p:spTree>
-    <p:extLst>
-      <p:ext uri="{BB962C8B-B14F-4D97-AF65-F5344CB8AC3E}">
-        <p14:creationId xmlns:p14="http://schemas.microsoft.com/office/powerpoint/2010/main" val="2044442128"/>
-      </p:ext>
-    </p:extLst>
-  </p:cSld>
-  <p:clrMapOvr>
-    <a:masterClrMapping/>
-  </p:clrMapOvr>
-</p:sld>
-</file>
-
 <file path=ppt/slides/slide8.xml><?xml version="1.0" encoding="utf-8"?>
 <p:sld xmlns:a="http://schemas.openxmlformats.org/drawingml/2006/main" xmlns:r="http://schemas.openxmlformats.org/officeDocument/2006/relationships" xmlns:p="http://schemas.openxmlformats.org/presentationml/2006/main">
   <p:cSld>
@@ -7613,7 +8012,7 @@
           <a:p>
             <a:r>
               <a:rPr kumimoji="1" lang="en-US" altLang="ja-JP" dirty="0"/>
-              <a:t>Feature of </a:t>
+              <a:t>Usage of </a:t>
             </a:r>
             <a:r>
               <a:rPr kumimoji="1" lang="en-US" altLang="ja-JP" b="1" dirty="0" err="1">
@@ -7655,79 +8054,41 @@
         </p:spPr>
         <p:txBody>
           <a:bodyPr>
-            <a:normAutofit lnSpcReduction="10000"/>
+            <a:normAutofit/>
           </a:bodyPr>
           <a:lstStyle/>
-          <a:p>
-            <a:pPr marL="0" indent="0">
-              <a:buNone/>
-            </a:pPr>
-            <a:r>
-              <a:rPr kumimoji="1" lang="en-US" altLang="ja-JP" dirty="0"/>
-              <a:t>Simple interface despite the various options.</a:t>
-            </a:r>
-          </a:p>
-          <a:p>
-            <a:pPr marL="0" indent="0">
-              <a:buNone/>
-            </a:pPr>
-            <a:r>
-              <a:rPr lang="en-US" altLang="ja-JP" sz="2000" dirty="0"/>
-              <a:t>      —</a:t>
-            </a:r>
-            <a:r>
-              <a:rPr lang="ja-JP" altLang="en-US" sz="2000"/>
-              <a:t> </a:t>
-            </a:r>
-            <a:r>
-              <a:rPr lang="en-US" altLang="ja-JP" sz="2000" dirty="0"/>
-              <a:t>How to interact with the program is</a:t>
-            </a:r>
-            <a:r>
-              <a:rPr lang="ja-JP" altLang="en-US" sz="2000"/>
-              <a:t> </a:t>
-            </a:r>
-            <a:r>
-              <a:rPr lang="en-US" altLang="ja-JP" sz="2000" dirty="0"/>
-              <a:t>intentionally designed.</a:t>
-            </a:r>
-            <a:endParaRPr kumimoji="1" lang="en-US" altLang="ja-JP" sz="2000" dirty="0"/>
-          </a:p>
-          <a:p>
-            <a:pPr marL="0" indent="0">
-              <a:buNone/>
-            </a:pPr>
-            <a:endParaRPr lang="en-US" altLang="ja-JP" dirty="0"/>
-          </a:p>
           <a:p>
             <a:pPr marL="514350" indent="-514350">
               <a:buFont typeface="+mj-lt"/>
               <a:buAutoNum type="arabicPeriod"/>
             </a:pPr>
             <a:r>
+              <a:rPr kumimoji="1" lang="en-US" altLang="ja-JP" dirty="0"/>
+              <a:t>To </a:t>
+            </a:r>
+            <a:r>
+              <a:rPr kumimoji="1" lang="en-US" altLang="ja-JP" b="1" u="sng" dirty="0"/>
+              <a:t>find</a:t>
+            </a:r>
+            <a:r>
+              <a:rPr kumimoji="1" lang="en-US" altLang="ja-JP" dirty="0"/>
+              <a:t> the possible denominator </a:t>
+            </a:r>
+            <a:br>
+              <a:rPr kumimoji="1" lang="en-US" altLang="ja-JP" dirty="0"/>
+            </a:br>
+            <a:r>
+              <a:rPr kumimoji="1" lang="en-US" altLang="ja-JP" dirty="0"/>
+              <a:t>with given multiple rounded proportions.</a:t>
+            </a:r>
+          </a:p>
+          <a:p>
+            <a:pPr lvl="1"/>
+            <a:r>
               <a:rPr lang="en-US" altLang="ja-JP" dirty="0"/>
-              <a:t>Run such as </a:t>
-            </a:r>
-            <a:r>
-              <a:rPr lang="en-US" altLang="ja-JP" b="1" dirty="0" err="1">
-                <a:solidFill>
-                  <a:srgbClr val="0432FF"/>
-                </a:solidFill>
-              </a:rPr>
-              <a:t>denomfind</a:t>
-            </a:r>
-            <a:r>
-              <a:rPr lang="en-US" altLang="ja-JP" b="1" dirty="0">
-                <a:solidFill>
-                  <a:srgbClr val="0432FF"/>
-                </a:solidFill>
-              </a:rPr>
-              <a:t> 0.167 0.714</a:t>
-            </a:r>
-            <a:r>
-              <a:rPr lang="en-US" altLang="ja-JP" dirty="0"/>
-              <a:t> firstly.</a:t>
-            </a:r>
+              <a:t>One can check whether the sample size is large enough.</a:t>
+            </a:r>
+            <a:endParaRPr kumimoji="1" lang="en-US" altLang="ja-JP" dirty="0"/>
           </a:p>
           <a:p>
             <a:pPr marL="514350" indent="-514350">
@@ -7736,7 +8097,41 @@
             </a:pPr>
             <a:r>
               <a:rPr lang="en-US" altLang="ja-JP" dirty="0"/>
-              <a:t>The output is easily understandable.</a:t>
+              <a:t>To </a:t>
+            </a:r>
+            <a:r>
+              <a:rPr lang="en-US" altLang="ja-JP" b="1" u="sng" dirty="0"/>
+              <a:t>check</a:t>
+            </a:r>
+            <a:r>
+              <a:rPr lang="en-US" altLang="ja-JP" dirty="0"/>
+              <a:t> and to </a:t>
+            </a:r>
+            <a:r>
+              <a:rPr lang="en-US" altLang="ja-JP" b="1" u="sng" dirty="0"/>
+              <a:t>correct</a:t>
+            </a:r>
+            <a:r>
+              <a:rPr lang="en-US" altLang="ja-JP" dirty="0"/>
+              <a:t> the numbers </a:t>
+            </a:r>
+            <a:br>
+              <a:rPr lang="en-US" altLang="ja-JP" dirty="0"/>
+            </a:br>
+            <a:r>
+              <a:rPr lang="en-US" altLang="ja-JP" dirty="0"/>
+              <a:t>such as denominator and rounded proportions.</a:t>
+            </a:r>
+          </a:p>
+          <a:p>
+            <a:pPr lvl="1"/>
+            <a:r>
+              <a:rPr kumimoji="1" lang="en-US" altLang="ja-JP" dirty="0"/>
+              <a:t>Quite often, numbers </a:t>
+            </a:r>
+            <a:r>
+              <a:rPr lang="en-US" altLang="ja-JP" dirty="0"/>
+              <a:t>appearing on reports contain a small number of mistakes. </a:t>
             </a:r>
           </a:p>
           <a:p>
@@ -7746,88 +8141,54 @@
             </a:pPr>
             <a:r>
               <a:rPr lang="en-US" altLang="ja-JP" dirty="0"/>
-              <a:t>You gradually increase functions to use </a:t>
-            </a:r>
-            <a:br>
+              <a:t>To know how the proportions are rounded.</a:t>
+            </a:r>
+          </a:p>
+          <a:p>
+            <a:pPr lvl="1"/>
+            <a:r>
               <a:rPr lang="en-US" altLang="ja-JP" dirty="0"/>
-            </a:br>
+              <a:t>If the </a:t>
+            </a:r>
+            <a:r>
+              <a:rPr lang="en-US" altLang="ja-JP" u="sng" dirty="0"/>
+              <a:t>rounding half up</a:t>
+            </a:r>
             <a:r>
               <a:rPr lang="en-US" altLang="ja-JP" dirty="0"/>
-              <a:t>  such as options and other commands.</a:t>
-            </a:r>
-          </a:p>
-          <a:p>
-            <a:pPr marL="514350" indent="-514350">
-              <a:buFont typeface="+mj-lt"/>
-              <a:buAutoNum type="arabicPeriod"/>
-            </a:pPr>
+              <a:t> is performed on a number </a:t>
+            </a:r>
+            <a:r>
+              <a:rPr lang="en-US" altLang="ja-JP" u="sng" dirty="0"/>
+              <a:t>twice</a:t>
+            </a:r>
             <a:r>
               <a:rPr lang="en-US" altLang="ja-JP" dirty="0"/>
-              <a:t>The necessary functions are abundantly provided.</a:t>
-            </a:r>
-          </a:p>
-          <a:p>
-            <a:pPr marL="514350" indent="-514350">
-              <a:buFont typeface="+mj-lt"/>
-              <a:buAutoNum type="arabicPeriod"/>
-            </a:pPr>
-            <a:r>
-              <a:rPr kumimoji="1" lang="en-US" altLang="ja-JP" dirty="0"/>
-              <a:t>Online manual is provided : </a:t>
-            </a:r>
-            <a:r>
-              <a:rPr kumimoji="1" lang="en-US" altLang="ja-JP" b="1" dirty="0" err="1">
-                <a:solidFill>
-                  <a:srgbClr val="0432FF"/>
-                </a:solidFill>
-              </a:rPr>
-              <a:t>denomfind</a:t>
-            </a:r>
-            <a:r>
-              <a:rPr kumimoji="1" lang="en-US" altLang="ja-JP" b="1" dirty="0">
-                <a:solidFill>
-                  <a:srgbClr val="0432FF"/>
-                </a:solidFill>
-              </a:rPr>
-              <a:t> --help</a:t>
-            </a:r>
-          </a:p>
-          <a:p>
-            <a:pPr marL="514350" indent="-514350">
-              <a:buFont typeface="+mj-lt"/>
-              <a:buAutoNum type="arabicPeriod"/>
-            </a:pPr>
-            <a:r>
-              <a:rPr kumimoji="1" lang="en-US" altLang="ja-JP" dirty="0"/>
-              <a:t>Demo is also provided. </a:t>
-            </a:r>
-            <a:br>
-              <a:rPr kumimoji="1" lang="en-US" altLang="ja-JP" dirty="0"/>
-            </a:br>
-            <a:r>
-              <a:rPr kumimoji="1" lang="en-US" altLang="ja-JP" dirty="0"/>
-              <a:t>  You can try </a:t>
-            </a:r>
-            <a:r>
-              <a:rPr kumimoji="1" lang="en-US" altLang="ja-JP" b="1" dirty="0" err="1">
-                <a:solidFill>
-                  <a:srgbClr val="0432FF"/>
-                </a:solidFill>
-              </a:rPr>
-              <a:t>denomfind</a:t>
-            </a:r>
-            <a:r>
-              <a:rPr kumimoji="1" lang="en-US" altLang="ja-JP" b="1" dirty="0">
-                <a:solidFill>
-                  <a:srgbClr val="0432FF"/>
-                </a:solidFill>
-              </a:rPr>
-              <a:t> –T1</a:t>
-            </a:r>
-            <a:r>
-              <a:rPr kumimoji="1" lang="en-US" altLang="ja-JP" dirty="0"/>
-              <a:t> (1 is changeable.)</a:t>
-            </a:r>
+              <a:t> in a specific way, 3.45% can turn to be 4% via 3.5%. </a:t>
+            </a:r>
+          </a:p>
+          <a:p>
+            <a:pPr lvl="1"/>
+            <a:r>
+              <a:rPr lang="en-US" altLang="ja-JP" dirty="0"/>
+              <a:t>Deciphering how the numbers are rounded may conclude </a:t>
+            </a:r>
+            <a:r>
+              <a:rPr lang="en-US" altLang="ja-JP" b="1" dirty="0"/>
+              <a:t>how carefully the document is yielded</a:t>
+            </a:r>
+            <a:r>
+              <a:rPr lang="en-US" altLang="ja-JP" dirty="0"/>
+              <a:t>.</a:t>
+            </a:r>
+          </a:p>
+          <a:p>
+            <a:pPr lvl="1"/>
+            <a:endParaRPr lang="en-US" altLang="ja-JP" dirty="0"/>
+          </a:p>
+          <a:p>
+            <a:pPr lvl="1"/>
+            <a:endParaRPr kumimoji="1" lang="ja-JP" altLang="en-US"/>
           </a:p>
         </p:txBody>
       </p:sp>
@@ -7863,7 +8224,7 @@
     </p:spTree>
     <p:extLst>
       <p:ext uri="{BB962C8B-B14F-4D97-AF65-F5344CB8AC3E}">
-        <p14:creationId xmlns:p14="http://schemas.microsoft.com/office/powerpoint/2010/main" val="615064948"/>
+        <p14:creationId xmlns:p14="http://schemas.microsoft.com/office/powerpoint/2010/main" val="2044442128"/>
       </p:ext>
     </p:extLst>
   </p:cSld>
@@ -7895,7 +8256,7 @@
           <p:cNvPr id="2" name="タイトル 1">
             <a:extLst>
               <a:ext uri="{FF2B5EF4-FFF2-40B4-BE49-F238E27FC236}">
-                <a16:creationId xmlns:a16="http://schemas.microsoft.com/office/drawing/2014/main" id="{7DD7679E-9413-B634-536E-80944994D40D}"/>
+                <a16:creationId xmlns:a16="http://schemas.microsoft.com/office/drawing/2014/main" id="{A9064146-E95B-32CD-B495-9CDB43CED7BB}"/>
               </a:ext>
             </a:extLst>
           </p:cNvPr>
@@ -7909,7 +8270,7 @@
         <p:spPr>
           <a:xfrm>
             <a:off x="628650" y="365126"/>
-            <a:ext cx="7886700" cy="382297"/>
+            <a:ext cx="7886700" cy="315911"/>
           </a:xfrm>
         </p:spPr>
         <p:txBody>
@@ -7919,23 +8280,231 @@
           <a:lstStyle/>
           <a:p>
             <a:r>
-              <a:rPr kumimoji="1" lang="en-US" altLang="ja-JP" sz="3600" b="1" dirty="0"/>
-              <a:t>Example 3. </a:t>
-            </a:r>
-            <a:r>
-              <a:rPr lang="en-US" altLang="ja-JP" sz="3600" b="1" dirty="0"/>
-              <a:t>Seats summary of 2019 European Parliament Election</a:t>
-            </a:r>
-            <a:endParaRPr kumimoji="1" lang="ja-JP" altLang="en-US" sz="3600" b="1"/>
-          </a:p>
-        </p:txBody>
-      </p:sp>
-      <p:sp>
-        <p:nvSpPr>
-          <p:cNvPr id="4" name="スライド番号プレースホルダー 3">
+              <a:rPr kumimoji="1" lang="en-US" altLang="ja-JP" dirty="0"/>
+              <a:t>Feature of </a:t>
+            </a:r>
+            <a:r>
+              <a:rPr kumimoji="1" lang="en-US" altLang="ja-JP" b="1" dirty="0" err="1">
+                <a:solidFill>
+                  <a:srgbClr val="0432FF"/>
+                </a:solidFill>
+              </a:rPr>
+              <a:t>denomfind</a:t>
+            </a:r>
+            <a:endParaRPr kumimoji="1" lang="ja-JP" altLang="en-US" b="1">
+              <a:solidFill>
+                <a:srgbClr val="0432FF"/>
+              </a:solidFill>
+            </a:endParaRPr>
+          </a:p>
+        </p:txBody>
+      </p:sp>
+      <p:sp>
+        <p:nvSpPr>
+          <p:cNvPr id="3" name="コンテンツ プレースホルダー 2">
             <a:extLst>
               <a:ext uri="{FF2B5EF4-FFF2-40B4-BE49-F238E27FC236}">
-                <a16:creationId xmlns:a16="http://schemas.microsoft.com/office/drawing/2014/main" id="{D0A711D4-3AE5-D231-A71C-D7334E039118}"/>
+                <a16:creationId xmlns:a16="http://schemas.microsoft.com/office/drawing/2014/main" id="{4A9728C7-DF60-F89A-305B-2A8FB139E1F7}"/>
+              </a:ext>
+            </a:extLst>
+          </p:cNvPr>
+          <p:cNvSpPr>
+            <a:spLocks noGrp="1"/>
+          </p:cNvSpPr>
+          <p:nvPr>
+            <p:ph idx="1"/>
+          </p:nvPr>
+        </p:nvSpPr>
+        <p:spPr>
+          <a:xfrm>
+            <a:off x="628650" y="1105231"/>
+            <a:ext cx="7886700" cy="5071732"/>
+          </a:xfrm>
+        </p:spPr>
+        <p:txBody>
+          <a:bodyPr>
+            <a:normAutofit lnSpcReduction="10000"/>
+          </a:bodyPr>
+          <a:lstStyle/>
+          <a:p>
+            <a:pPr marL="0" indent="0">
+              <a:buNone/>
+            </a:pPr>
+            <a:r>
+              <a:rPr kumimoji="1" lang="en-US" altLang="ja-JP" dirty="0"/>
+              <a:t>Simple interface despite the various options.</a:t>
+            </a:r>
+          </a:p>
+          <a:p>
+            <a:pPr marL="0" indent="0">
+              <a:buNone/>
+            </a:pPr>
+            <a:r>
+              <a:rPr lang="en-US" altLang="ja-JP" sz="2000" dirty="0"/>
+              <a:t>      —</a:t>
+            </a:r>
+            <a:r>
+              <a:rPr lang="ja-JP" altLang="en-US" sz="2000"/>
+              <a:t> </a:t>
+            </a:r>
+            <a:r>
+              <a:rPr lang="en-US" altLang="ja-JP" sz="2000" dirty="0"/>
+              <a:t>How to interact with the program is</a:t>
+            </a:r>
+            <a:r>
+              <a:rPr lang="ja-JP" altLang="en-US" sz="2000"/>
+              <a:t> </a:t>
+            </a:r>
+            <a:r>
+              <a:rPr lang="en-US" altLang="ja-JP" sz="2000" dirty="0"/>
+              <a:t>intentionally designed.</a:t>
+            </a:r>
+            <a:endParaRPr kumimoji="1" lang="en-US" altLang="ja-JP" sz="2000" dirty="0"/>
+          </a:p>
+          <a:p>
+            <a:pPr marL="0" indent="0">
+              <a:buNone/>
+            </a:pPr>
+            <a:endParaRPr lang="en-US" altLang="ja-JP" dirty="0"/>
+          </a:p>
+          <a:p>
+            <a:pPr marL="514350" indent="-514350">
+              <a:buFont typeface="+mj-lt"/>
+              <a:buAutoNum type="arabicPeriod"/>
+            </a:pPr>
+            <a:r>
+              <a:rPr lang="en-US" altLang="ja-JP" dirty="0"/>
+              <a:t>Run such as </a:t>
+            </a:r>
+            <a:r>
+              <a:rPr lang="en-US" altLang="ja-JP" b="1" dirty="0" err="1">
+                <a:solidFill>
+                  <a:srgbClr val="0432FF"/>
+                </a:solidFill>
+              </a:rPr>
+              <a:t>denomfind</a:t>
+            </a:r>
+            <a:r>
+              <a:rPr lang="en-US" altLang="ja-JP" b="1" dirty="0">
+                <a:solidFill>
+                  <a:srgbClr val="0432FF"/>
+                </a:solidFill>
+              </a:rPr>
+              <a:t> 0.167 0.714</a:t>
+            </a:r>
+            <a:r>
+              <a:rPr lang="en-US" altLang="ja-JP" dirty="0"/>
+              <a:t> firstly.</a:t>
+            </a:r>
+          </a:p>
+          <a:p>
+            <a:pPr marL="514350" indent="-514350">
+              <a:buFont typeface="+mj-lt"/>
+              <a:buAutoNum type="arabicPeriod"/>
+            </a:pPr>
+            <a:r>
+              <a:rPr lang="en-US" altLang="ja-JP" dirty="0"/>
+              <a:t>The output is easily understandable.</a:t>
+            </a:r>
+          </a:p>
+          <a:p>
+            <a:pPr marL="514350" indent="-514350">
+              <a:buFont typeface="+mj-lt"/>
+              <a:buAutoNum type="arabicPeriod"/>
+            </a:pPr>
+            <a:r>
+              <a:rPr lang="en-US" altLang="ja-JP" dirty="0"/>
+              <a:t>You gradually increase functions to use </a:t>
+            </a:r>
+            <a:br>
+              <a:rPr lang="en-US" altLang="ja-JP" dirty="0"/>
+            </a:br>
+            <a:r>
+              <a:rPr lang="en-US" altLang="ja-JP" dirty="0"/>
+              <a:t>  such as options and other commands.</a:t>
+            </a:r>
+          </a:p>
+          <a:p>
+            <a:pPr marL="514350" indent="-514350">
+              <a:buFont typeface="+mj-lt"/>
+              <a:buAutoNum type="arabicPeriod"/>
+            </a:pPr>
+            <a:r>
+              <a:rPr lang="en-US" altLang="ja-JP" dirty="0"/>
+              <a:t>The necessary functions are abundantly provided.</a:t>
+            </a:r>
+          </a:p>
+          <a:p>
+            <a:pPr marL="514350" indent="-514350">
+              <a:buFont typeface="+mj-lt"/>
+              <a:buAutoNum type="arabicPeriod"/>
+            </a:pPr>
+            <a:r>
+              <a:rPr kumimoji="1" lang="en-US" altLang="ja-JP" dirty="0"/>
+              <a:t>Online manual is provided : </a:t>
+            </a:r>
+            <a:r>
+              <a:rPr kumimoji="1" lang="en-US" altLang="ja-JP" b="1" dirty="0" err="1">
+                <a:solidFill>
+                  <a:srgbClr val="0432FF"/>
+                </a:solidFill>
+              </a:rPr>
+              <a:t>denomfind</a:t>
+            </a:r>
+            <a:r>
+              <a:rPr kumimoji="1" lang="en-US" altLang="ja-JP" b="1" dirty="0">
+                <a:solidFill>
+                  <a:srgbClr val="0432FF"/>
+                </a:solidFill>
+              </a:rPr>
+              <a:t> --help</a:t>
+            </a:r>
+          </a:p>
+          <a:p>
+            <a:pPr marL="514350" indent="-514350">
+              <a:buFont typeface="+mj-lt"/>
+              <a:buAutoNum type="arabicPeriod"/>
+            </a:pPr>
+            <a:r>
+              <a:rPr kumimoji="1" lang="en-US" altLang="ja-JP" dirty="0"/>
+              <a:t>Demo is also provided. </a:t>
+            </a:r>
+            <a:br>
+              <a:rPr kumimoji="1" lang="en-US" altLang="ja-JP" dirty="0"/>
+            </a:br>
+            <a:r>
+              <a:rPr kumimoji="1" lang="en-US" altLang="ja-JP" dirty="0"/>
+              <a:t>  You can try </a:t>
+            </a:r>
+            <a:r>
+              <a:rPr kumimoji="1" lang="en-US" altLang="ja-JP" b="1" dirty="0" err="1">
+                <a:solidFill>
+                  <a:srgbClr val="0432FF"/>
+                </a:solidFill>
+              </a:rPr>
+              <a:t>denomfind</a:t>
+            </a:r>
+            <a:r>
+              <a:rPr kumimoji="1" lang="en-US" altLang="ja-JP" b="1" dirty="0">
+                <a:solidFill>
+                  <a:srgbClr val="0432FF"/>
+                </a:solidFill>
+              </a:rPr>
+              <a:t> –T1</a:t>
+            </a:r>
+            <a:r>
+              <a:rPr kumimoji="1" lang="en-US" altLang="ja-JP" dirty="0"/>
+              <a:t> (1 is changeable.)</a:t>
+            </a:r>
+          </a:p>
+        </p:txBody>
+      </p:sp>
+      <p:sp>
+        <p:nvSpPr>
+          <p:cNvPr id="5" name="スライド番号プレースホルダー 4">
+            <a:extLst>
+              <a:ext uri="{FF2B5EF4-FFF2-40B4-BE49-F238E27FC236}">
+                <a16:creationId xmlns:a16="http://schemas.microsoft.com/office/drawing/2014/main" id="{E60C0A98-DD67-A1A8-1A91-00E1F2C2207E}"/>
               </a:ext>
             </a:extLst>
           </p:cNvPr>
@@ -7959,216 +8528,10 @@
           </a:p>
         </p:txBody>
       </p:sp>
-      <p:pic>
-        <p:nvPicPr>
-          <p:cNvPr id="5" name="図 4">
-            <a:extLst>
-              <a:ext uri="{FF2B5EF4-FFF2-40B4-BE49-F238E27FC236}">
-                <a16:creationId xmlns:a16="http://schemas.microsoft.com/office/drawing/2014/main" id="{D7781E14-7EBF-D6D4-6697-B9C89DF7A10D}"/>
-              </a:ext>
-            </a:extLst>
-          </p:cNvPr>
-          <p:cNvPicPr>
-            <a:picLocks noChangeAspect="1"/>
-          </p:cNvPicPr>
-          <p:nvPr/>
-        </p:nvPicPr>
-        <p:blipFill>
-          <a:blip r:embed="rId2"/>
-          <a:stretch>
-            <a:fillRect/>
-          </a:stretch>
-        </p:blipFill>
-        <p:spPr>
-          <a:xfrm>
-            <a:off x="797614" y="934649"/>
-            <a:ext cx="5958509" cy="2491578"/>
-          </a:xfrm>
-          <a:prstGeom prst="rect">
-            <a:avLst/>
-          </a:prstGeom>
-        </p:spPr>
-      </p:pic>
-      <p:sp>
-        <p:nvSpPr>
-          <p:cNvPr id="8" name="コンテンツ プレースホルダー 7">
-            <a:extLst>
-              <a:ext uri="{FF2B5EF4-FFF2-40B4-BE49-F238E27FC236}">
-                <a16:creationId xmlns:a16="http://schemas.microsoft.com/office/drawing/2014/main" id="{4F554149-D090-3176-9132-161949CF632E}"/>
-              </a:ext>
-            </a:extLst>
-          </p:cNvPr>
-          <p:cNvSpPr>
-            <a:spLocks noGrp="1"/>
-          </p:cNvSpPr>
-          <p:nvPr>
-            <p:ph idx="1"/>
-          </p:nvPr>
-        </p:nvSpPr>
-        <p:spPr>
-          <a:xfrm>
-            <a:off x="151569" y="5550014"/>
-            <a:ext cx="8491499" cy="1300035"/>
-          </a:xfrm>
-        </p:spPr>
-        <p:txBody>
-          <a:bodyPr>
-            <a:normAutofit fontScale="92500"/>
-          </a:bodyPr>
-          <a:lstStyle/>
-          <a:p>
-            <a:pPr marL="0" indent="0">
-              <a:buNone/>
-            </a:pPr>
-            <a:r>
-              <a:rPr lang="en-US" altLang="ja-JP" sz="2400" dirty="0"/>
-              <a:t>The total seat number seems </a:t>
-            </a:r>
-            <a:r>
-              <a:rPr lang="en-US" altLang="ja-JP" sz="2400" b="1" dirty="0">
-                <a:solidFill>
-                  <a:srgbClr val="FF0000"/>
-                </a:solidFill>
-              </a:rPr>
-              <a:t>751 </a:t>
-            </a:r>
-            <a:r>
-              <a:rPr lang="en-US" altLang="ja-JP" sz="2400" dirty="0"/>
-              <a:t>(if &lt; 1000)</a:t>
-            </a:r>
-            <a:br>
-              <a:rPr lang="en-US" altLang="ja-JP" sz="2400" dirty="0"/>
-            </a:br>
-            <a:r>
-              <a:rPr lang="en-US" altLang="ja-JP" sz="2400" dirty="0"/>
-              <a:t>  from the 8 proportion percentages.  </a:t>
-            </a:r>
-            <a:br>
-              <a:rPr lang="en-US" altLang="ja-JP" sz="2400" dirty="0"/>
-            </a:br>
-            <a:r>
-              <a:rPr lang="en-US" altLang="ja-JP" sz="2400" b="1" dirty="0">
-                <a:solidFill>
-                  <a:srgbClr val="0432FF"/>
-                </a:solidFill>
-              </a:rPr>
-              <a:t>–y,</a:t>
-            </a:r>
-            <a:r>
-              <a:rPr lang="en-US" altLang="ja-JP" sz="2400" dirty="0"/>
-              <a:t> filters the </a:t>
-            </a:r>
-            <a:r>
-              <a:rPr lang="en-US" altLang="ja-JP" sz="2400" i="1" dirty="0"/>
-              <a:t>fit</a:t>
-            </a:r>
-            <a:r>
-              <a:rPr lang="en-US" altLang="ja-JP" sz="2400" dirty="0"/>
-              <a:t> number being the largest (8; the number of proportions). </a:t>
-            </a:r>
-            <a:br>
-              <a:rPr lang="en-US" altLang="ja-JP" sz="2400" dirty="0"/>
-            </a:br>
-            <a:r>
-              <a:rPr lang="en-US" altLang="ja-JP" sz="2400" b="1" dirty="0">
-                <a:solidFill>
-                  <a:srgbClr val="0432FF"/>
-                </a:solidFill>
-              </a:rPr>
-              <a:t>–g7</a:t>
-            </a:r>
-            <a:r>
-              <a:rPr lang="en-US" altLang="ja-JP" sz="2400" dirty="0"/>
-              <a:t> specifies to get 7 candidates. </a:t>
-            </a:r>
-            <a:r>
-              <a:rPr lang="en-US" altLang="ja-JP" sz="2400" b="1" dirty="0">
-                <a:solidFill>
-                  <a:srgbClr val="0432FF"/>
-                </a:solidFill>
-              </a:rPr>
-              <a:t>–%</a:t>
-            </a:r>
-            <a:r>
-              <a:rPr lang="en-US" altLang="ja-JP" sz="2400" dirty="0"/>
-              <a:t> specifies percentages are given.</a:t>
-            </a:r>
-          </a:p>
-        </p:txBody>
-      </p:sp>
-      <p:pic>
-        <p:nvPicPr>
-          <p:cNvPr id="11" name="図 10">
-            <a:extLst>
-              <a:ext uri="{FF2B5EF4-FFF2-40B4-BE49-F238E27FC236}">
-                <a16:creationId xmlns:a16="http://schemas.microsoft.com/office/drawing/2014/main" id="{D435B930-3920-53AA-F8C0-DFEFDFA1BBFE}"/>
-              </a:ext>
-            </a:extLst>
-          </p:cNvPr>
-          <p:cNvPicPr>
-            <a:picLocks noChangeAspect="1"/>
-          </p:cNvPicPr>
-          <p:nvPr/>
-        </p:nvPicPr>
-        <p:blipFill>
-          <a:blip r:embed="rId3"/>
-          <a:stretch>
-            <a:fillRect/>
-          </a:stretch>
-        </p:blipFill>
-        <p:spPr>
-          <a:xfrm>
-            <a:off x="685800" y="3461221"/>
-            <a:ext cx="7772400" cy="2018805"/>
-          </a:xfrm>
-          <a:prstGeom prst="rect">
-            <a:avLst/>
-          </a:prstGeom>
-        </p:spPr>
-      </p:pic>
-      <p:sp>
-        <p:nvSpPr>
-          <p:cNvPr id="13" name="テキスト ボックス 12">
-            <a:extLst>
-              <a:ext uri="{FF2B5EF4-FFF2-40B4-BE49-F238E27FC236}">
-                <a16:creationId xmlns:a16="http://schemas.microsoft.com/office/drawing/2014/main" id="{F8BFA3BC-4BAF-8ABD-FED2-D2ADA78FD497}"/>
-              </a:ext>
-            </a:extLst>
-          </p:cNvPr>
-          <p:cNvSpPr txBox="1"/>
-          <p:nvPr/>
-        </p:nvSpPr>
-        <p:spPr>
-          <a:xfrm>
-            <a:off x="6756123" y="1004434"/>
-            <a:ext cx="2057400" cy="738664"/>
-          </a:xfrm>
-          <a:prstGeom prst="rect">
-            <a:avLst/>
-          </a:prstGeom>
-          <a:noFill/>
-        </p:spPr>
-        <p:txBody>
-          <a:bodyPr wrap="square">
-            <a:spAutoFit/>
-          </a:bodyPr>
-          <a:lstStyle/>
-          <a:p>
-            <a:r>
-              <a:rPr lang="ja-JP" altLang="en-US" sz="1400">
-                <a:solidFill>
-                  <a:srgbClr val="0432FF"/>
-                </a:solidFill>
-              </a:rPr>
-              <a:t>https://en.wikipedia.org/wiki/2019_European_Parliament_election</a:t>
-            </a:r>
-          </a:p>
-        </p:txBody>
-      </p:sp>
     </p:spTree>
     <p:extLst>
       <p:ext uri="{BB962C8B-B14F-4D97-AF65-F5344CB8AC3E}">
-        <p14:creationId xmlns:p14="http://schemas.microsoft.com/office/powerpoint/2010/main" val="903973696"/>
+        <p14:creationId xmlns:p14="http://schemas.microsoft.com/office/powerpoint/2010/main" val="615064948"/>
       </p:ext>
     </p:extLst>
   </p:cSld>
@@ -8732,4 +9095,26 @@
     </a:ext>
   </a:extLst>
 </a:theme>
+</file>
+
+<file path=ppt/webextensions/taskpanes.xml><?xml version="1.0" encoding="utf-8"?>
+<wetp:taskpanes xmlns:wetp="http://schemas.microsoft.com/office/webextensions/taskpanes/2010/11">
+  <wetp:taskpane dockstate="right" visibility="0" width="350" row="0">
+    <wetp:webextensionref xmlns:r="http://schemas.openxmlformats.org/officeDocument/2006/relationships" r:id="rId1"/>
+  </wetp:taskpane>
+</wetp:taskpanes>
+</file>
+
+<file path=ppt/webextensions/webextension1.xml><?xml version="1.0" encoding="utf-8"?>
+<we:webextension xmlns:we="http://schemas.microsoft.com/office/webextensions/webextension/2010/11" id="{C2B3D01A-1835-ED41-ADE1-9546CCACB99B}">
+  <we:reference id="wa104381909" version="3.1.0.0" store="en-US" storeType="OMEX"/>
+  <we:alternateReferences>
+    <we:reference id="wa104381909" version="3.1.0.0" store="en-US" storeType="OMEX"/>
+  </we:alternateReferences>
+  <we:properties>
+    <we:property name="EQUATION_HISTORY" value="&quot;[{\&quot;mathml\&quot;:\&quot;&lt;math style=\\\&quot;font-family:stix;font-size:16px;\\\&quot; xmlns=\\\&quot;http://www.w3.org/1998/Math/MathML\\\&quot;&gt;&lt;mstyle mathsize=\\\&quot;16px\\\&quot;&gt;&lt;mfrac bevelled=\\\&quot;true\\\&quot;&gt;&lt;mn&gt;355&lt;/mn&gt;&lt;mn&gt;113&lt;/mn&gt;&lt;/mfrac&gt;&lt;/mstyle&gt;&lt;/math&gt;\&quot;,\&quot;base64Image\&quot;:\&quot;iVBORw0KGgoAAAANSUhEUgAAAWEAAACHCAYAAADHlej8AAAACXBIWXMAAA7EAAAOxAGVKw4bAAAABGJhU0UAAABgjZbzxgAADflJREFUeNrtnXGEVdsex3/GyJVxn5ErYySSZCQxritJLslIngwZV0ae/knyXIl0U0mGKxlXRmQkyRiSkYxEruTJc0mSjAxJRsaIbkYyrktv/d5Z8+55p73P3vucvfbea83nw8/rqbv3+Z691+9899q/9VsiANAKfzNx2v4vAAAUzFkTn038bv9MMgYAKNAF/26T8GeSMQBAOS44Kn7i6wEAKNYF17thnDAAQEku+CxfDwAALhgAABcMAAC4YAAAXDAAAOCCAQBwwQAAgAsGAMAFA0DxbDGxER24YAAonl4TcyauogMXDJAnnSb2mbhoYsrEaxMfTSyZ+MPEJxPzJu6YGDOx38SqFfT9fGPisIkFO4C3oQMXDJAHfSbGbbL9nDE0Od8wsbVCep62oCNrPEYHLhggj8fRyRwH9HUTa0rW9H0BiUvjEDpwwQDtoFMJHxwMap1j7C9R16MCEpc+xnegAxcM0CqnHA/uRRPbS9C1rSD3eB4duGCAVjlf0AB/b2J9wdomC9D1p4l16MAFA7TC0SYDctr+vTrY+ooH/fNmE0NSewH3McNA/61AbRsL+nG5jQ5cMEAr7IhJvpek9oIuLatNnJP0lRRDBekbKyh57UIHLhggK10m3kS41M1tHFPnLedTDPYnBejTutc/HD+6vzVxAh24YIBWuNxwM2pNcB5vxftSTk+4XhZ7oeF8M55ep1B04IIBGhJl/Y14Iefjn0iRhA861KfTI42ldj7WvoaiAxcM0MBU3Y045uD4qyS53njcob7GH4E34mftayg6cMEAdWyquwkfODzPjYQkPOHovJqk5hrOdczD6xSKDlwwQAOj9ibUlzEulxMPJyThSUfnPdxwnnnxs6FQKDpwwQAN7uqdvQkHHJ9rX0lOeKbhPKc8vVah6MAFA0QkxlsFnGt3QhK+WEDi1yqNrz2+Tr7rwAUDNKC1wYMmeiqQhAcdnPNxwzlGPL1OoejABQNUyM019hvuzvl8Uav/NHntNfGVR99bKDpwwQAl0+zFnIvpkOkE5z1r4qbUXnhtqfD3FooOXDBAyVxpkkjy3nFjs7TW0W3SJrOeinxnoejABQNUgJdS3CKNa9J+DwXdNkgXR/SW+J2FogMXDFAy/U0epbtyPpf2v/1T8m1oc1+K7ygWig5cMEAFmJDobXM2ODjXRXHXYezfUtyuw6HowAUDVNAFLzhKAlphkaWhfKuh/ZU7HX5noejABQOUjE41vIyYgnDVtvKkFNPsfLnXcg86cMEAVaaxvGpC8p8Drme/Pec9qS1w0EqBTw4TmPbb2IQOXDBA1dBFBHcaBvmBEj+PNrrRGlpdlTdik1teu1MsFJjAQtGBCwZwyDr7iFt/88/ZR+yuCn1ObV6kS6l1R5E0WzAlOcm16MAFA5SN7sS8KM0XEpyU6rVg7LBTAI/aSGBPpPxlxKHowAUDZET7QjzPMNBfm9hTUS3fmvi1xQR2Ex24YICi0NImXRr7rA3XNS7VbUz+d/tjkVXTQXTgggFconW/v9iphTxeCOnb/28qqlU31rwi2Xs3dKMDFwyQN+p6Z8VNidSzig94dZOLGfRcQAcuGCBvJuwA1pVcSw4S8Z2K69dObwsptSxWeJolFB24YAA7QLW2VBuMa79g3VG5lfnH5RiuuN5NGRLYMDpwwQBlofPGoxkffZd3EK56eZTudJGmu9kkOnDBAGWjm1GOSLaWjMc90JWmt8NHdOCCAaqCLrV9lTIJz3ii6UUKLRvRgQsGqAprJH1NsQ97pe1LoWM/OnDBAFVC+xKk6W9w3BM9LxN0HEIHLjgFWp6p5YBXPR/foegInt0pkvAtT7QkzamOogMX3AR9Z3JO/mrgv+jpmPZFR6d98tNda6akVsm1XHKr3Qg/WZOo5bJj9glwlQTK3YRB/8ITHUm7IY+jAxccgXYTPGPig3xZl+0Tvujos/dwK+sbNDlr6e1WCYwdCcKXPNLyLoAk7JMOn12wLh8/LfFL/n1Jwr7o0B3GJyW/BWXXpfZuKxiSFnV0eKJjKpAk7IsOH12w1r6fSPih8yEJ+6Rjf4RDzyO0N3p/KEn4WoJYX+ZixptoGPPoevigwzcXrPewvmRO22y/qknYNx2nxO2+jKpvewhJ+GAgSfhYEw0/enQ9fNDhiwvutN/ZfAuDW9DRFuelmA1ydSpmve9JeCCQ6YjhJhp+8Oh6VF2HDy64w/6YzbXhsAQdLXM05vPoit1p+/fbGwye/llfTA9J7QXcR8m2U7nX9EoYL+aaJa+96FgRLliT1hETb+oG/b/sFM8lqfXM9iEJ+6xjR0zyvWRzTVr0peM5SV9JMeRzEu4S/0vUlH800bEWHSvCBc/IX/vz/VOiNym4JtVPwr7q6Kr74ah3qZvbOOa2lNMwT3xOwqvF385d9fwsfpcb+aCj6nPB6pz6Ev7NWg+SsK86LsuX1Tx5TGf2pZye2Cie0mw64rhHOuLqEG97dj2qqiOkHhEz4neJWhV19Inb3WBOSHj7Mf6PvU1EfeeRjrgtn454dj2qqiOkHhF3AknCVdJRX9/uopRSX9wl1RuPi6fEvQia80hDj8S/jV2LDlxwk4ThcxKuio5Nded84PA8NxL0TviahG/GCBrxSMOPMRrue3YtqqojtH7BJOF8GbXneytulxMPi9+7z8QyH+O8fCqAjpsb2+XZtaiijhD7BZOE80NfvC0vnx5wfK6kntteOuHdAcyt7I/R8NCza1FVHSHumkESzj8xFtH2Nqn97kUfb8aHMReux5PP3xHjHtXJ93l0HaqqI9RdM0jC+aG1wYMF5YykJDzo240Yt1z5WA7H1trjnRJdZJ4ncevTT+V0/FB04IJJwiHQbDpC+w1353ESHfBarK/bkugkdK8jMfph30QImW7zuIfly3XuS/ZmyXvJ7c6YizGdw7FD0YELJgmHRLMXc21Ph2iXpNsxj6NTDh5JpyPOpX2F23mzOSTJxdS6wei3OXx+fWm4EHH8p/bxSNCBCyYJB5eErzTR2vaOG2cSvkxNxjrpnEdbyahaOy0t2dDmce9L+q5H59o4T2+Mi3+e07RBKDpwwSTh0JJw3Ea4uRQSzKQc9PrvWi1X0k0Ao/aUm5V8ytGyds//VbIvQNge4xwf5TUfFJAOXDBJOKQk3B+jcTavp8b3GQf+Xcm2tYc+Ykf1JL2d46B/Kq01ZD6a4tj6JY/YJ4KoX8HOHC92KDpwwSThkJLwRIS+hRye4FN/mXGhCUO3Sd8jXzZI1uoHbaLxKmb6Ie8G4e1sZTJr/3ud11nuuqT7aOnb0Mv2Zmr8b7RA/ICDix2KDlwwSTiUJNwfk4C35XmSASlmKxD94Lo762oHX1SnfZx2rUFd5KjDx/ZQdOCCScIhJGF9enwZYXactK0843DA66KMQwU87qrru+pIg95Q2p2/iOXUoejABZOEfaexkmtCHFcODbQ4Jxn15et8r9a7ltF9Sx/Hr0utgLodHdrIedJOnXSiAxdM8loxSViNUH2rzrdFT9vpdiDaP1bLye7ZeUMdyEt1of9fm+/ctQNc538HpVrd5TXh6Hyovoy6ZX9gPjTo+CS1F1u/2Zvqqk1WW9GBCyZ5rcgkvM6Oo8bWuiel/Pp5AFwwySvoJHxUol9g11ciaTJexbCFkFhJLpgkXE30SfO5pJ/i0xW+exi6gAsmCaOjdXSaT99bPZPW37eM44oBF0wSRkc2tO73F8m+SC0uHkv5S/0BcMEk4crrUNc7K25KP9VNdzOkARdM8kJHPBP2My1XeuWdiO8wpAEXTPJCRzZ0Pld3a9Y+3dovWMtyX7eRiIcZ2oALJnmho3103nhUmperRYWunfiK4Q24YJIXOvJBW/DGdR6Mi+MMccAFk7zQkS9bJLojZFzfdQBcMMkLHTmj26+lrSnewlAHXDDJCx35ow3J5pmSAFwwSRgd5bE7RRK+xXAHXDDJCx3uuJug/QXDHXDBJC90uGNHgvYlhjzggkle6HBL0qKODoY94IJJXuhwx7UE/XRXA1wwyQsdDjlIEgZcMEkYHeWRtEs90xGACyZ5ocMhvcKLOcAFk4TRURpdQoka4IJJwugojdVNtE8y/AEXTPJCR3nTESxbBlwwyQsdjtnbRPt3pADABZO80OGW4Rjdc6QAwAWTvNDhnpsxuke4xQEXTPJCh3uiWlrqDhzrucUBF0zyQodb4tpZjnN7Ay6Y5IUO9zyM0dvD7Q24YJIXOtwSt1z5GLc24IL9IKkh+CI6MrPTxM8mrkqtaqHX0Xm6TbyJ0DrNbQ24YH94GUgSroKOThO3JfoFmTr1vpzPNx1xLu0rvIbbGnDBfrDaJohmyUv/vgMdqTiT4jNclHzaSt6IOP5bExu4rQEX7A+HJd2W6d+jIxUzKT+H/rtdLZ7j65ipl1mhHA1wwV6hXbdepUwaD9CRivcpP8dyaDLtz3D8IamtgGs8jk6BdHNLAy7YH9aaeJQxYYxVcFqiajqmMn6W5Xhq4qSJPQ1TFfpnrX64EPNDo9MPP3A7Ay7YD9Qp7bNJ6GOLyUJf+pyLSBboqDHQ4ufJGgsmTkttLhwAF1xRdBv0efuIvOQoGSzZ4+t5DqDjv5wRd8lXF2UckloVBgAuuOLsLsiVLccwOv7PET/N4bNoWZ3O9x62Uy8AuGCADGw2cURq5WT3TLyzUyhLdfHROnB9Sac7YOj876CJjXx9gAsGAABcMAAALhgAAHDBAAC4YAAAwAUDAOCCAQBWIKdxwQAA5TrhsxFuGBcMAFBiMsYFAwCUlIx/wgUDZOc/xn7NJDWXz7QAAACXdEVYdE1hdGhNTAA8bWF0aCB4bWxucz0iaHR0cDovL3d3dy53My5vcmcvMTk5OC9NYXRoL01hdGhNTCI+PG1zdHlsZSBtYXRoc2l6ZT0iMTZweCI+PG1mcmFjIGJldmVsbGVkPSJ0cnVlIj48bW4+MzU1PC9tbj48bW4+MTEzPC9tbj48L21mcmFjPjwvbXN0eWxlPjwvbWF0aD4M4YoiAAAAAElFTkSuQmCC\&quot;,\&quot;slideId\&quot;:261,\&quot;accessibleText\&quot;:\&quot;bevelled 355 over 113\&quot;,\&quot;imageHeight\&quot;:14.594594594594595},{\&quot;mathml\&quot;:\&quot;&lt;math style=\\\&quot;font-family:stix;font-size:16px;\\\&quot; xmlns=\\\&quot;http://www.w3.org/1998/Math/MathML\\\&quot;&gt;&lt;mstyle mathsize=\\\&quot;16px\\\&quot;&gt;&lt;mfrac bevelled=\\\&quot;true\\\&quot;&gt;&lt;mn&gt;355&lt;/mn&gt;&lt;mn&gt;113&lt;/mn&gt;&lt;/mfrac&gt;&lt;mo&gt;&amp;#x2248;&lt;/mo&gt;&lt;mn&gt;3&lt;/mn&gt;&lt;mo&gt;.&lt;/mo&gt;&lt;mn&gt;14159&lt;/mn&gt;&lt;/mstyle&gt;&lt;/math&gt;\&quot;,\&quot;base64Image\&quot;:\&quot;iVBORw0KGgoAAAANSUhEUgAAAyIAAACHCAYAAADqdO2eAAAACXBIWXMAAA7EAAAOxAGVKw4bAAAABGJhU0UAAABgjZbzxgAAISlJREFUeNrtnQ+kVkn/wL+uXMm168pKkkiSJJG1kiSSJLkiWUlWvJJkrVi96U0SK8lKliQrySVJkkReSZJYyVpXIllrJdEvrySJ/T3ffeZuzz33/JlznjNzZs7z+TDeXlvPzHfmnDnf73z/jAgAVOHzTjtk/hcAAAAAAMAL/+m0vzrt/8yfMUgAAAAAAMApnxsD5K+ehkECAAAAAABO+U/CCOlt/2Z6AAAAAACgbtK8Ib1eETwiAAAAAABQO3nekP8wPQAAAAAAUDd4QwAAAAAAwDt4QwAAAAAAwCt4QwAAAAAAwDt4QwAAAAAAwCt4QwAAAAAAwDt4QwAAAAAAwCt4QwAAAAAAwDt4QwAAAACgFSzrtEXIEQV4QwAAAACgFczrtD867SxyRAHeEAAAAIDAmdFpmzvtRKdd7bTnnfa209532odOe9dpLzrtWqed6bSxThseoPn5otN2d9pLo8SuQI7gwRsCAAAAEDBLO+2cMTj+KtnUQLnQacsDkudRBTnKtvvIEQV4QwAAAAACRENzxmtUan/utNkNy7TOg/KubRdyBA/eEAAAAIAA0bCqNw4UW805WNmgXHc9KO8a0jSEHMGDNwQAAAAgMA46VnD/12mrGpBrhfjxIhxFjuDBGwIAAAAQGEc9KbmvO22BZ9nGPcj1sdPmI0fw4A0BAAAACIi9OUrpDfPf1ZPRWwlL/7yk07ZLNyn9bQll96FH2RZ5MrCuIEfw4A0BAAAACIjVGQbISekmrdsyq9OOiH2Fre2e5DvjSYFfixzBgzcEAAAAIBBGOu13me6tWNLHb2oewwsLhfcXD/LpvRgfxG0Y05+ddgA5ggdvCAAAAEBAnE4oZHpnSB3VkvT+EZtQrUWO5TuW6G8i0nVqixxNgjcEAAAAIBCWJpSxYzX//gELQ2SHQ/k0VCxZhjjGuzHaIkeT4A0BAAAACIirPcrYGQe/PyzF95Gccyhf0hDSELQY78ZoixxNgjcEAAAAQmKZuI8MCpbFPYrYbYf9XCgwRC456lcV9T8Sfe2LcJ3aIkeT4A0BAIBR6UZ+nG2hbP9N+b6xHmEzz+h3gyq/nDIPqiYoz3bYz84CQ2TcUb+7E/1o8vxwhOvUFjmaBG8IADTFjE7b3GknpBuF8Fy6+ZNaXVILkLwz+/o16UYmjLHH185n0q3oOZm3+r+Wybc/4/vGeoTJF0a3e2nkX+G4v2Gzr/xo9pkXZt/5YPYhnf9HRh//rtO+9DEJesr+ykzARsd9bZZmPCITiX4ORvrAtkWOpsAbAgBNoDmY58S+nH1vUwVBowmWM419oVVBD8v0EPE2Kb5LjFIZgyES23o8EvfXJdx3OH41KC5KtYqrmgJw1BhNTo2Dyx4Wcn2BsCc8GD9vjQUeG22Ro0nwhgCATzTcYrxGReVncRu10Ea0wMuhTnudMadtMUT0UPlxzrPDelRnnfi5t81F4SHNObmZ06caghrKd9usycecv/vOGCQzXVilWzttbgCGyFYHfd5P9HE80k2mLXI0Bd4QAPDJmBQXaKnSNI58JdNbiCpLWtzlVcF8tsUQOV4gJ+tRnbsejJCXUn/hIQ2tSvOAPDZGz0jKv5kM3cozXp512lexvih5oVk6WaM195d2S7y+rJtcWHQOaYscTYI3BAB8cdCx0qLK2iqmOZVho4C9KDGXsbPKQk7WoxorxI835GjNRt+VjH72l3yunkr2xde7Y3xZ8pLVXYSG3ShYeJ3gi2YylwU8b22RoynwhgCAL456Ulw0jGIB0/0PWgjg2xIKb1sMET3Vfh6gIdKW9Rj38C6rUj+/xufhXkY/Wyr8njoI8jxCh2N7YX7KEabuRLwlFTf2caPQzw1kztoiR5PgDQEAH+zNUTRumP+up4y9lbCGzT6/XbpJ6W9L7PUPmfK/w1m0jP0fUt27FDPnLeVkPcqzyNOhwpWaxjucYzT043FR4+bXnPF/F9ML80T8XWR4voaHQ6skaEzjvAg2mdDlaAq8IQDgg9UZBsjJknuvJvNqOVPbClvbB9gA2SPdij6Tc33P6BM65/cHwBAZK6EHsB7lOePJEFlb03iz7upTj9mMGoyydzkybIvhhVkp2WFFIzX3NV/yM/+ruM1u1fiwDJocTYI3BABcM9KjgPV6K5b08Zsam24T1vLLgM75RI/8GveeVlrU5iAvVkNE5X0l4RgibVsPHX+VUrdl9DG9u+9ATePdndNXXRdfHyxYt+Bvhb8k6VUCFjro64TDh+eBuL9wpm1yNAXeEADwwWmZ7uWvowKO3j9iE6q1aADn/IiZnzzmtNgQSeaOFhklrEc5jiXGNRHws6B6dJa34oPUd9g/XHA4EnSo6MoMI8SFIjwq5WJsqzZ1Nc5wOGdtkaNJ8IYAgGuWJvaWYzX//gGLfXwHy5DJRAsNkT0JGc5LcVEb1sMeDY9Mlt7eFfDzkLf2V2ru63DB+gWZL6KWWDI35KnDE5zvxU9M36T1Nxc5ggRvCAD44GrP3nLGwe8PS/F9JOdYhkyutcwQScbqPzN6ViyGSAzrkTT+NexyKNDnYU3BfNZdYld1xbyUAd2rgrt0NflyXJL6c0J6GTN96mUsmhz1WvITbPptGuO3GDmCA28IALhmcc++ctthPxcK9u9LLIWVoRi7IaLK8EOZmmewKkPXCtUQCX09dI6TFb/2BfxMFF226OLQ/05Bn8dCmZyZCctXFd0ms+r1VEnv2NDb248bBb+uRKSXHpX4tsjhErwhAOCDUz3fN5engDsL9u5xlmIgDJEjOQofhkg9JJO+X8jUctshUXS9w1tH/X5r0e9I05MzP2G1/2UszO9DGFzC8l0v3UTDspfupHkU5iBHEOANAQAf++5kgvBGx31tFjwig26IfCnTq6UNYYjUTjKH5WDAz8QPBXN51VG/yyx0yf1NTsxe8yDlXbb3fYAWpr7QGg51V6or8boxzESORsEbAgA+mDQOLnvoa33Bnn2C5Wi1IaLJ009l6olzMnoBQ6R+g1/n+bOAn4un0lzuWFGqwKOmFvDXEsquXrCyIeCTh/9WVOIvIkej4A0BAB+od19DZH0U+igyRLayHK02RM4mxrwn5e9giPRP8tLF4wE/Ewst9LidDvu/adG/l1B/Lfuq8XSPpfrpu1psocbfbTEGU1mZdiBHI+ANAYA2kheapTmCo0xRaw2RTYnx3sz4exgi/bE6ZSzHzfyHGCHytYUON+bROPZeylfvBflRumFWdSRJqxX6RaCbgLpEfyopz+sAPwxtkSMPvCEA0EbyktUvMz2tNURUL3opUwvKzMEQcULR/GkYlEaK6OH7sgDm8YyFDrexoT1pst1w0fFuKY5Jq9oeB670bpH83Jdgy5e1VI4keEMA2sEVIQk7Sd4h0nKmp7WGSPLOjbE+FGnWI5ui6lNZB7XjRi+eG+A8alvvsP/NFv2/Fwf3r1wyD8lb00Hdxsi1wDe05YnTiaKXaRg5vIE3BCCdL82BgoZ0vDF79wfzZ/2Y6U25SwMab6+n/SzL9zdPhIsMB80Q+Uam354uGCJOOF+D/qrJ2XoR4jxPY7bJyXZpiNgab14OSlRJ1YQUjaNTV41evPS8j8XcGfimtriEEr8TObyANwRgOuvNx7HMh3SXNHuDcLIs5C6W8e9Q6KxQkRGmp5WGyEKZGrnw3GKtMUSqoddNfJT6DtT1t2512lrH437bsCEybDkf25vePE9JuTCgyctjQi8du9rywR1HDi/gDQH4hCosl/r4kD6TbiJkExxIjGUTy5m6li+NsgrtNESS1ZtWWfwbDJFqnBA36QbaHnTaCkfjtolKcn2/kY3+eDSEh05rMB8vaXF+F8Hm9r2FHG+Rwzl4QwA+oYms/VQx7G33xH/I1i8y9WRxeMDXc2WGEbKCR721hshBqZaniSFSnlGx8yz0205Kt8psndj0u8Xx/NnM3YWQXi51uT+znLyJSDa43yxkWYQcTsEbAtBFK+w8qfkDqsaAnhjO8jD+RYm+Hw74eo6krOfTSL4pGCLVWCFTD201XNI2VBJDpDw2B7F1Nd3P6kxq/2DRp2vPtk3l3OByv2eL/Wndsgg2OJuqAWPI4Qy8IQCfqHp5qe0FtJsdj/+kxFmxzxVJxfKSkBPSZkNkOGF46s3Vi/t4XjBEihkz86aFPO4bxbroxvB+2p9S3yV/NuN0vYf+aTGG2yFuCho68ELaEZ4lUnwCuQs5nNEmb8io2TRirxLUFjli46j4OdUbl+x7DPo9pEq6+VcO6FpqjuS1hPKyjUe89YbIj4lx7evTcMUQ6c8o1MPwrdJNLVBDxcYDYdNe1mSM/C7N5/fetpQ3SNZbDD6WS5qKXHunkMMJbfGGaA7VkR4l7H8SJ7HIoXG6erJ/wnwQn8uncuQfzCnTC6MI6oVRYxJ+noJ+MD8WnEhp5TsN6RnqUfy3mzkoWzFGTw3/VbMMpxJ9/DagSrNW8HmYmIs/zP6MN6S9im9SJ7pV4TcwRNwyZNbptNgdphd5Rvo90Llu0c+vARgir0LeHIomMZYPUVEt5XPI4YTYvSGqVOj9DW8knsu1YpZjqXmGq9x/pAaKJtyFenHcvZw91CapeYGZm7Lzckfqqdz0ZcpvfzuACvNeya8y+doYJIOewN82xXc0odi+qqikYoj4NUr0kOpuH8aIFubop0Lsz2KX4zfD4TzctBjDm5AXcrUU38gYC69aYIjEJEfM3hBN+j0k2UlesRgiscihl0uNS32hSbr5zw5oHbLyu25W+MipsXa/5HyoN2l/H+PXBPvfUz5cg3T6r2v4q5TL19mAfdEaxfey1JOPiSHSDHqQUjU/72If/e6w7MNlfu8NidwjIlJ88eFQJA/i1ZYYIrHIEaM3RJXCAwXGXgybcExyjMl0T00dTUNlQslf+CVlfHpK18+p+X4pX9LygZQv9ZtVavjwACjHekq5W/ortXxO8I7ErvjuSDnocKUUsh5u2SLVLvPeUbG/JSX2iSYNkZehL9z5AgFi2WTzwhrORPQixSBHbN4QfYa18IJtTGmom3BschwUt0nbKt+qhmX8KmPTryOZXMO1bleYl/Pm3xaxwRh0aRfattkbogasJiW/ruk5VA/WF9gaUSq+8xMHJc/7fPYxRJpHIwV+kvI5d6MV+3tm+fuuDvVtDJG7oS9akWspFkNkX44MMcU6xyBHLN6QGWbOyia1hbYJxyiHrwpSry2Vbp8HBztq7uObCkqzxiVrDuDXPUbRkDnB09+7l/Nvv2mpMqzej6eOnsPHfSgyGCLN7VV3pPzt6RgicbBF8vO96iqze9zy913tq7cs+r4e+mJtlHaEZu2U5i6UGSQ5YvCGDBmD7g+pftIuyFGZvTnK8Q3z31clDjmGjZKsVaQ0Kb1MWNLDBtcnGXb2wFFfakzUmWeTl/zeVi6Zd2KyQlvdc3dNICbF90BNiiiGSLhocZOXJb6XVQ7eF1j+/hNHMtocUF4KfaHmSTuS1fMU+E3IURshe0NUMdwjnxJvVfHVk189tdaL2u5LHIZIzHKszjBATpq9xhZ1rx8poTBub0DWNSnjWOPh4KhKDLStd2n+gCnIqngsNnvrTmME9zO/O7E5olB8tdx2750Uj6WeQ1cMkfBYXMIYqfr+XrL8/b01y2abo/Jj6Is0IvGX71W+yZFjDnLUQujekAn5VJJPk33T4rbPS/iGSKxyjMj06ksPzWZZlRWWJz6/NLBOyRyYB5761WIFx6T83SNF5ZHXoS//g+aRnJJyoR2T+TUzmb6gFV81PnsrpL2X+m7axhAJk9WW+2XVywcXWh6aqTd2UY1yXW7LAcksB4vSBD+05IUKWY7Qc0P0BL2oatCcCAyRWOU4LdMrhdRxyrhU7EK1FnmW90qi/92e+9d5uVeTETImkIZeEnq8pNH3HdMWtOJ7Uvq7PR1DJE6+FztDoSqHLPcHPeAf9STPZAu+1Pi8lmyoWfHTVyJ7WUKVoy23qCsTLdmEQ5JjqdQfb93LAXFXgrEqzxPKfFMn4RqWZlO5JesEf41AEctKzPEE0xWs4rtW+r89HUMkXn5zfKBle5eJes+rVtrTO7QulNzngy86tSln8F9F9IBlVUPZE9mLEqocsd+i3su1lmzCIcnR+2FzUWZaN9Ki+0h83rOjnp7eU/LLDT8LOp5d0g2Fs62qpXHDVHoqpwDY3jmyjOkKTvHVZ703dFRzouoOd8YQCZvNFu/uWJ97xBPLPUKL0Gwp8dsa/qXevHcytVR8UT9PY1iYnTmTFAtzcz62c5Cjb9rkDWnTJhyKHIt7+rztsJ+iUyCflUGSuXUhlbxV75SGCVw3xpvuH+qxeWWeGS0Fzb0X1dB92CZnifCs8PaqZELxVgd9YIiET5GhsKsGPW5C7L0Vj6SbxL5cPoUyD5m9Rg0nvVz2fsa/22bx+xdiWJSLGYM/HtGD9W2GDLcie0FClaNN3hAMkfo5Zfr705wI+T40aSKnbZGZ/8m2QGBQWG/x8b/MNAW1V23zpJxhiIRPUW7FqRr6UO/bTXFXZl1ziTVK4IjF343i+oq0052PkX1Ys6zPtZG9ICHK0TZvCIZIvejJzSvT30bHfRW51S8JgB+uS3FCKoSxV+kJde+FoJrb9RmGyMAaIkUlb+sM8d0j5S+jzWv6fPUWsvnF4t/MDn1B1kvzsdb9MibtuJgrVDna5g3BEHFjHPg4AS46iT6Bvlcb38knbw9hRtNZXfAsvmeKgtmrkgnEqx32hSESB6/EX66hekfUc1H1YmJ1Fvwo0ytpzrf4t/djWIw7GQ/g3EgeJj2NTfMifJTi8qfIUUwbvSEYIvWiuRJbPe0ZRYbI1oDXSu9DOWYUlTdGUf1g/qzreDiwPeupxHkw5ZOiiw+HmKLG96r9Mj2kxSUYIvE/jy73u1Vmr9f+NVflnfkOfDR/Vu+JhuJryoTmjazM+S2b8r3BHyJtzBh4HTW19W4SLQnpOiHyaIYMB2v6/bbIUZU2ekMwROIlLzTrg4RZAUovCbwv5RIXdzWsxCaLZnyLHp1K0aWiw0xR43vVDXEXp++ybeLb4ZRzObKfiUSGX6W4MmKlIkdrjMV+VrqJmfMcCZAsY9cbf9YPeqFX0v303jz0db9YayQ7hk6Qo2/a6g3BEImXvGT10JKDZ1ooqnlN76xoKsnwX4mxbEaPTmUHhgiGCIZIlOzLkT2Gg5dVYpdPUooZMv2W3kmLRh+YpR5eTnUz95PUst1iYrQG+5c1jF8T6dPqJ+tp4kifv90WOfqlrd4QDJF4+SlH1uUBjVP30Qc1KST3xH/I1m2JLNmxITYKoVkYIhgibTvUiqHK1CWLZ6h0kaPDUuxiOVHTCUtaLX4tu7mwz9+9VeIlO9JHP+olSvPmqJuqjhCqtsjRD232hmCIxEtW/feQchi0Gs8vUq9SMrn/z/Iw/rky9aLGZ+jQuXs4yeoYIhgi7TJENgU+9gWJPTrrsLw0tpefTEj1Uq76gUwrOfhU6inV+6bki6aVLMrGr6k7Ks2DcFfqiw9vixz90GZvCIZInKyU7FtjRwIa53Vxp5yo19p1mFSyLv1pdOhMRoTyvRgiGCIx8k2O7KFfgv2TxfNTqXBL2TrD1yU/mz6JhhullQ67UqPi+6jCy6Zy77Xc8I9nWIF6GjqjxkVuixxVabs3BEMkTtJc0WrMLwxojN96UlLGHX0sZ6UckKxDh86drxAu12SvwhDh21GOHyKVe7EUe0Meunoo8iqsaAmvDTI1bEv/rPGrWi7ymaSHYtUdB3ewj5fuqfn3vVfczzSnf6fNw5H8N1oHepuDhW6LHFVpuzcEQyQ+VmYYISsCGqMaRO9y1kK9nbvNh2Ryb5htDomuWnxc0g4//lWzDElvyB/oz7nkhWZx98pg7lWU742D8Qy5rwQ+bhuPe+X85Y3ix8rWj/chcRNrPMN8bF3LoB/sU+IuhKktclRhELwhGCJxoV7EJykG/6JIPhA6dpsL1DQ89lyFfeSO1OMV0oT494nfPoz+nMumnHX5iunBEMEQCZanGXLvCXjMmy2+Bz/128lhcaf06sdql7gP/dHT/7OOZNAX46TUk88yKHKUZRC8IRgicX/YL0lYOSHKqpx9t+xY1SC4X3JPeSvdi9uqMppi7Om9LF8I5JGV8IonCUMEQyRc5krN9254YESKb2bX4kef1dGZekaq5CikPUTqYtrd0MRqaNLP5mPWjxz6gVUX2tfSTP5EW+SwYVC8IRgicaCHAddkajjptkDHelvqL8G93+wbZfaZB1K+1G9WqeFT6M6FXMxYh+NMDYYIhkiwZOXy3Qp4zEXletWIWl13p0uk6yLSUrs3pZtHoB+l9z1N//8L6YYEqJKr+SCaKR9SyIIq3ZvNxnzZfJzfJOSYvNb+oXk5zhqFfTlyeGVQvCEYIuEz37xHyVPm7yU8b8iSjIOHOsKlFmQYOUXtvNh5XNdKegnxN8LdITa8yFAIFjA1GCIYIsGSVaV2baDj/cZiz9/PFgOxM0jeEAyRsNkr6UUdepO01SAJ5dbqtOor+xx8iMpWVlSF+Lo5DJn0ig8ZJVlDivLy4A6wJRayXsK/04a9CkMEQ2QqY5IdRhsimnj+TooPngCiZ5C8IRgiYaIex1+l3J0aGwIYd9KjMOGoHzUmxsV9EY1HbIdW3Ml43+YyNRgiGCJBMiTp3hA9tFka4Hg1MuCFFF/lARA9g+YNwRAJBw151Dy2x30oznoC3ZR3ZKnUdJFUCTYaI8yFEaIhZYvZEq3WIG3+9nkcg5YOPmMMYQ0N1vBtDQdeyF6FIRLZemgV1zXivjjG0QxZDwb4HOlcPCtYoxsSbs4xQCkGzRuCIdI8ei/Ij1I+3Cir3ZdmKjztlellhX2gifyaE/hR4rpEzSWqyPxglPGdRlF3waik59Xc8Cjr6px3R9/59QGuz3XBEPmL9ZiCHkIlK0G9N9+1TQ72h78afm9tUe/3k4L10UIZQ6iv0AYG0RuCIdIcuyW7fnu/7bH4v5MnWcnE9yV26pG5V9P8fR3pu6wnglckPdziqtQfcpGmaKqHyldy/1wLA17f+9A8I08EQ+Qv1uMftlvu6V/W0Jfmxb2U+isbumChFHu8j6K6QpsYRG8IhkhzXDJjmqwAWLcxcs2zPI8ljBr0+lF/VnHO9AO9LuJ3uej+LV2XE1JP+N6FlN//07PSf8ZyXS8EtEazpNh7p/+9DSe8MRgiIazHrRJ71JE++lHPaJoHU/MRQ7snSffhVznzoEnr2wSgRQyqNwRDJCxUQdS8BHXF7zQKVD85EDs9jr3XmLrb8Dyq0qCX1j4U+6paZyX+SwsnLOXVv1e1PKdeEpYWyqLePd+lev+0lPddQGu023LM6yR+YjBEQliPNyX39f9WOOhZJemeEN2rRwN7bg4UGIfqwVoqAC1jUL0hGCJxoHkkpyS/lG9a0yojMz2Mb6aEW/JWP1iHjPL8xnzg9FLWV+aZ0RCytlR3KptndN08W7aotyntRuMrDSkzZS7XDaHEtYa+2HrrbmOIDMx6VLm4W9/1vZYyHs9Q7LW4SUgJ3uqxuSPFBVlmobJC2xhkbwiGSFx8lvNRyWo+cjVU2e+90PRLtpUg34G8MsV6H82GhMKuf9aqWMcyFDb1SDSZT2NreIUQ6qQn2HdLrssZiTtEK2RDJKT1OCjVvd5Pzb9f3jM2PRjSEvCnMw6v9BAmpLCmIbP/vM2RU/ef9QLQUgbZG4IhEifLxP4kb4JXfGDYKO7vVpnMpVEvU9Mnkz9L2N6FUaMQnilQsoruCDqSYiRiiLRnPWZUMIqqNDXIT0lYoVg7Cr5lb818x/bsA1gz6N4QDJF40cpEtneOLONVHxgOiztFRsMmdkk44RyLpPimZVW+Vngaj5YS1nBI9dS8d7QG783vaz+hJ+s2bYjEtB7qxTjraIz67Tsp/nO48mTVsLKnBfOqRhOXokLrGXRvCIZI3MyR4ttmmyilC82inpEqcedp74zmf+yW5qqg2ciadbqtRspWj2NZL348Uk0Uo4jREIlxPTTESj19H/oci74T49INnQzh4GDIrMf5gsOD36SbYzgqAAMA3hAMkTZg87G9zOs+kCzptD3Srb52U7qx4ZPloifbW2PMXjeKyzGjvC+KSE4tGaynyS+NTPq/5yKTAaAXNR40jOy42b/1YOFN4t1VhV69MQ/N9++sMTyWByLDUnOIMS75oXCPzL6zgmWHQQNvCIZIWyi6Gfg3XncAAPDABskOhftovkfq9dEqfIRewcCCNwRDpE2sluI4ZgAAANd81fPd0SR89cjukzgLLgA4A28IhkjbKLr4cIjXHgAAHKNhZeR4AOSANwRDpI2cl/AvdAMAAAAYaPCGYIi0kR0YIgAAAADhgjcEQ6StFF1mR2gWAAAAQIPgDcEQaSvzhGR1AAAAgCDBG4Ih0mZGhPK9AAAAAEGCNwRDpM3MypF9nNcfAAAAoBnwhmCIDHJo1ndsAQAAAADNgDcEQ6TthsimHNm/YgsAAAAA8A/eEAyRQTBEdmbI/QdbAAAAAEAz4A3BEBkEQ+RihtzHecQBAAAA/IM3BENkUAyRFykyf+y0BTziAAAAAP7BG4IhMgiGyPoMmc/xeAMAAAD4B28IhsigGCJ3MuSdy+MNAAAA4B+8IRgig2CIbMyQdx+PNgAAAIB/8IbYc70lCnxIcqzptB867ax0q1nNc9TPaKf9niLrDR5rAAAAgGbAG2LPk5YYIiHIMaPTrkh60rh6bJbW3N+NlL6ed9psHmsAAAAA/+ANsWeWUZLzFHj970PIYcVhizGc6LThGvq6kPL7f3baQh5rAAAAgGbAG2LP7gLFebKtQw4rJizHoX9vbcU+PpP0MLSnQqleAAAAgMbAG2LPSKc9s1ScbyOHFa8txzHZ1KBYWeL3t0v3pvTk72g42CiPNAAAAEBz4A2xY06n3S2pNJ+R8EK0QpPjasmxTLZHnfZ9p22QqWFb+metinUsw9jSUKyveZwBAAAAmgVvSD56Yr7ZKOJvKyrMmgh9JEVhRo4uGyuOp2x72WmHpJsbAwAAAAANgzdkKqs77YV0w4XeO1KI35vf1362IcffHBZ3BoheXLhLutW5AAAAACAA8IZMZ734OZ2fbDuR4x/UM/KohrFoyWHN/9Bk/Dm85gAAAADhgTcEQmRJp+2Rbqndm532SrrhZO97mv5/9cRo4vq4dPNBtnbaIqYPAAAAIGzwhgAAAAAAgHfwhgAAAAAAgFfwhgAAAAAAgHfwhgAAAAAAgFfwhgAAAAAAgHfwhgAAAAAAgFfwhgAAAAAAgHcOCd4QAAAAAADwzOfG4Eh6RfCGAAAAAACAd4MEbwgAAAAAAHg1SP4teEMAAAAAwJL/B57R76JDWuuqAAAAynRFWHRNYXRoTUwAPG1hdGggeG1sbnM9Imh0dHA6Ly93d3cudzMub3JnLzE5OTgvTWF0aC9NYXRoTUwiPjxtc3R5bGUgbWF0aHNpemU9IjE2cHgiPjxtZnJhYyBiZXZlbGxlZD0idHJ1ZSI+PG1uPjM1NTwvbW4+PG1uPjExMzwvbW4+PC9tZnJhYz48bW8+JiN4MjI0ODs8L21vPjxtbj4zPC9tbj48bW8+LjwvbW8+PG1uPjE0MTU5PC9tbj48L21zdHlsZT48L21hdGg+o11d0gAAAABJRU5ErkJggg==\&quot;,\&quot;slideId\&quot;:261,\&quot;accessibleText\&quot;:\&quot;bevelled 355 over 113 almost equal to 3.14159\&quot;,\&quot;imageHeight\&quot;:14.594594594594595}]&quot;"/>
+  </we:properties>
+  <we:bindings/>
+  <we:snapshot xmlns:r="http://schemas.openxmlformats.org/officeDocument/2006/relationships"/>
+</we:webextension>
 </file>
--- a/docs2/manipulation221022sat.pptx
+++ b/docs2/manipulation221022sat.pptx
@@ -210,7 +210,7 @@
           <a:p>
             <a:fld id="{0A693C87-55B6-E547-B1A2-F87AD222B059}" type="datetimeFigureOut">
               <a:rPr kumimoji="1" lang="ja-JP" altLang="en-US" smtClean="0"/>
-              <a:t>2022/10/23</a:t>
+              <a:t>2022/10/27</a:t>
             </a:fld>
             <a:endParaRPr kumimoji="1" lang="ja-JP" altLang="en-US"/>
           </a:p>
@@ -724,7 +724,7 @@
           <a:p>
             <a:fld id="{54523C7D-926C-5842-A907-F9DF9CC9C74B}" type="datetime1">
               <a:rPr kumimoji="1" lang="ja-JP" altLang="en-US" smtClean="0"/>
-              <a:t>2022/10/23</a:t>
+              <a:t>2022/10/27</a:t>
             </a:fld>
             <a:endParaRPr kumimoji="1" lang="ja-JP" altLang="en-US"/>
           </a:p>
@@ -926,7 +926,7 @@
           <a:p>
             <a:fld id="{F660F69B-E2BC-8A44-9892-3841B7B35636}" type="datetime1">
               <a:rPr kumimoji="1" lang="ja-JP" altLang="en-US" smtClean="0"/>
-              <a:t>2022/10/23</a:t>
+              <a:t>2022/10/27</a:t>
             </a:fld>
             <a:endParaRPr kumimoji="1" lang="ja-JP" altLang="en-US"/>
           </a:p>
@@ -1138,7 +1138,7 @@
           <a:p>
             <a:fld id="{F9CC5C56-91C2-1345-A478-D7EE41FFB54B}" type="datetime1">
               <a:rPr kumimoji="1" lang="ja-JP" altLang="en-US" smtClean="0"/>
-              <a:t>2022/10/23</a:t>
+              <a:t>2022/10/27</a:t>
             </a:fld>
             <a:endParaRPr kumimoji="1" lang="ja-JP" altLang="en-US"/>
           </a:p>
@@ -1340,7 +1340,7 @@
           <a:p>
             <a:fld id="{8E24D78D-8290-D247-A0A8-AB2DA575E945}" type="datetime1">
               <a:rPr kumimoji="1" lang="ja-JP" altLang="en-US" smtClean="0"/>
-              <a:t>2022/10/23</a:t>
+              <a:t>2022/10/27</a:t>
             </a:fld>
             <a:endParaRPr kumimoji="1" lang="ja-JP" altLang="en-US"/>
           </a:p>
@@ -1584,7 +1584,7 @@
           <a:p>
             <a:fld id="{9391F087-57F1-164D-AC1B-8A8818B3EC34}" type="datetime1">
               <a:rPr kumimoji="1" lang="ja-JP" altLang="en-US" smtClean="0"/>
-              <a:t>2022/10/23</a:t>
+              <a:t>2022/10/27</a:t>
             </a:fld>
             <a:endParaRPr kumimoji="1" lang="ja-JP" altLang="en-US"/>
           </a:p>
@@ -1880,7 +1880,7 @@
           <a:p>
             <a:fld id="{ACA830FA-FA95-684B-BFD0-107F58ACF2A3}" type="datetime1">
               <a:rPr kumimoji="1" lang="ja-JP" altLang="en-US" smtClean="0"/>
-              <a:t>2022/10/23</a:t>
+              <a:t>2022/10/27</a:t>
             </a:fld>
             <a:endParaRPr kumimoji="1" lang="ja-JP" altLang="en-US"/>
           </a:p>
@@ -2311,7 +2311,7 @@
           <a:p>
             <a:fld id="{1255F6B1-9E43-2F48-9DAD-47AE909CC5CD}" type="datetime1">
               <a:rPr kumimoji="1" lang="ja-JP" altLang="en-US" smtClean="0"/>
-              <a:t>2022/10/23</a:t>
+              <a:t>2022/10/27</a:t>
             </a:fld>
             <a:endParaRPr kumimoji="1" lang="ja-JP" altLang="en-US"/>
           </a:p>
@@ -2429,7 +2429,7 @@
           <a:p>
             <a:fld id="{5AF4E35F-B3AF-0B4F-A118-6848492D4CD2}" type="datetime1">
               <a:rPr kumimoji="1" lang="ja-JP" altLang="en-US" smtClean="0"/>
-              <a:t>2022/10/23</a:t>
+              <a:t>2022/10/27</a:t>
             </a:fld>
             <a:endParaRPr kumimoji="1" lang="ja-JP" altLang="en-US"/>
           </a:p>
@@ -2524,7 +2524,7 @@
           <a:p>
             <a:fld id="{9011BBC8-07FC-B848-9C4E-81DE00225A26}" type="datetime1">
               <a:rPr kumimoji="1" lang="ja-JP" altLang="en-US" smtClean="0"/>
-              <a:t>2022/10/23</a:t>
+              <a:t>2022/10/27</a:t>
             </a:fld>
             <a:endParaRPr kumimoji="1" lang="ja-JP" altLang="en-US"/>
           </a:p>
@@ -2833,7 +2833,7 @@
           <a:p>
             <a:fld id="{8AB5527A-2295-D342-A1FA-B269C39CA8E3}" type="datetime1">
               <a:rPr kumimoji="1" lang="ja-JP" altLang="en-US" smtClean="0"/>
-              <a:t>2022/10/23</a:t>
+              <a:t>2022/10/27</a:t>
             </a:fld>
             <a:endParaRPr kumimoji="1" lang="ja-JP" altLang="en-US"/>
           </a:p>
@@ -3090,7 +3090,7 @@
           <a:p>
             <a:fld id="{134EAD79-88D9-5649-BA8D-12C9185BCD5A}" type="datetime1">
               <a:rPr kumimoji="1" lang="ja-JP" altLang="en-US" smtClean="0"/>
-              <a:t>2022/10/23</a:t>
+              <a:t>2022/10/27</a:t>
             </a:fld>
             <a:endParaRPr kumimoji="1" lang="ja-JP" altLang="en-US"/>
           </a:p>
@@ -3335,7 +3335,7 @@
           <a:p>
             <a:fld id="{4F2ACFE4-3DDC-1748-A357-EB2D7D7357CB}" type="datetime1">
               <a:rPr kumimoji="1" lang="ja-JP" altLang="en-US" smtClean="0"/>
-              <a:t>2022/10/23</a:t>
+              <a:t>2022/10/27</a:t>
             </a:fld>
             <a:endParaRPr kumimoji="1" lang="ja-JP" altLang="en-US"/>
           </a:p>
@@ -4309,7 +4309,19 @@
             </a:r>
             <a:r>
               <a:rPr lang="en-US" altLang="ja-JP" dirty="0"/>
-              <a:t>seems to be 471. </a:t>
+              <a:t>seems to be </a:t>
+            </a:r>
+            <a:r>
+              <a:rPr lang="en-US" altLang="ja-JP" b="1" dirty="0">
+                <a:solidFill>
+                  <a:srgbClr val="0432FF"/>
+                </a:solidFill>
+              </a:rPr>
+              <a:t>471</a:t>
+            </a:r>
+            <a:r>
+              <a:rPr lang="en-US" altLang="ja-JP" dirty="0"/>
+              <a:t>. </a:t>
             </a:r>
             <a:br>
               <a:rPr lang="en-US" altLang="ja-JP" dirty="0"/>
@@ -4322,7 +4334,47 @@
                 <a:effectLst/>
                 <a:latin typeface="PT Serif" panose="020A0603040505020204" pitchFamily="18" charset="0"/>
               </a:rPr>
-              <a:t>”The response was overwhelming, as 750 of you weighed in — including 545 growers — providing valuable insight in an online survey. ”</a:t>
+              <a:t>”The response was overwhelming, as </a:t>
+            </a:r>
+            <a:r>
+              <a:rPr lang="en-US" altLang="ja-JP" sz="2600" b="1" i="0" dirty="0">
+                <a:solidFill>
+                  <a:srgbClr val="606060"/>
+                </a:solidFill>
+                <a:effectLst/>
+                <a:latin typeface="PT Serif" panose="020A0603040505020204" pitchFamily="18" charset="0"/>
+              </a:rPr>
+              <a:t>750</a:t>
+            </a:r>
+            <a:r>
+              <a:rPr lang="en-US" altLang="ja-JP" sz="2600" b="0" i="0" dirty="0">
+                <a:solidFill>
+                  <a:srgbClr val="606060"/>
+                </a:solidFill>
+                <a:effectLst/>
+                <a:latin typeface="PT Serif" panose="020A0603040505020204" pitchFamily="18" charset="0"/>
+              </a:rPr>
+              <a:t> of you weighed in — including </a:t>
+            </a:r>
+            <a:r>
+              <a:rPr lang="en-US" altLang="ja-JP" sz="2600" b="1" i="0" dirty="0">
+                <a:solidFill>
+                  <a:srgbClr val="606060"/>
+                </a:solidFill>
+                <a:effectLst/>
+                <a:latin typeface="PT Serif" panose="020A0603040505020204" pitchFamily="18" charset="0"/>
+              </a:rPr>
+              <a:t>545</a:t>
+            </a:r>
+            <a:r>
+              <a:rPr lang="en-US" altLang="ja-JP" sz="2600" b="0" i="0" dirty="0">
+                <a:solidFill>
+                  <a:srgbClr val="606060"/>
+                </a:solidFill>
+                <a:effectLst/>
+                <a:latin typeface="PT Serif" panose="020A0603040505020204" pitchFamily="18" charset="0"/>
+              </a:rPr>
+              <a:t> growers — providing valuable insight in an online survey. ”</a:t>
             </a:r>
             <a:endParaRPr kumimoji="1" lang="ja-JP" altLang="en-US" sz="2600"/>
           </a:p>
@@ -6761,12 +6813,20 @@
               <a:t>Not only from </a:t>
             </a:r>
             <a:r>
-              <a:rPr lang="en-US" altLang="ja-JP" dirty="0" err="1"/>
+              <a:rPr lang="en-US" altLang="ja-JP" b="1" dirty="0" err="1"/>
               <a:t>metacpan.org</a:t>
             </a:r>
             <a:r>
               <a:rPr lang="en-US" altLang="ja-JP" dirty="0"/>
-              <a:t> but also from GitHub.</a:t>
+              <a:t> but also from </a:t>
+            </a:r>
+            <a:r>
+              <a:rPr lang="en-US" altLang="ja-JP" b="1" dirty="0"/>
+              <a:t>GitHub</a:t>
+            </a:r>
+            <a:r>
+              <a:rPr lang="en-US" altLang="ja-JP" dirty="0"/>
+              <a:t>.</a:t>
             </a:r>
             <a:endParaRPr kumimoji="1" lang="ja-JP" altLang="en-US"/>
           </a:p>

--- a/docs2/manipulation221022sat.pptx
+++ b/docs2/manipulation221022sat.pptx
@@ -5,7 +5,7 @@
     <p:sldMasterId id="2147483660" r:id="rId1"/>
   </p:sldMasterIdLst>
   <p:notesMasterIdLst>
-    <p:notesMasterId r:id="rId16"/>
+    <p:notesMasterId r:id="rId17"/>
   </p:notesMasterIdLst>
   <p:sldIdLst>
     <p:sldId id="256" r:id="rId2"/>
@@ -19,9 +19,10 @@
     <p:sldId id="268" r:id="rId10"/>
     <p:sldId id="263" r:id="rId11"/>
     <p:sldId id="264" r:id="rId12"/>
-    <p:sldId id="265" r:id="rId13"/>
-    <p:sldId id="266" r:id="rId14"/>
-    <p:sldId id="267" r:id="rId15"/>
+    <p:sldId id="270" r:id="rId13"/>
+    <p:sldId id="265" r:id="rId14"/>
+    <p:sldId id="266" r:id="rId15"/>
+    <p:sldId id="267" r:id="rId16"/>
   </p:sldIdLst>
   <p:sldSz cx="9144000" cy="6858000" type="screen4x3"/>
   <p:notesSz cx="6858000" cy="9144000"/>
@@ -210,7 +211,7 @@
           <a:p>
             <a:fld id="{0A693C87-55B6-E547-B1A2-F87AD222B059}" type="datetimeFigureOut">
               <a:rPr kumimoji="1" lang="ja-JP" altLang="en-US" smtClean="0"/>
-              <a:t>2022/10/27</a:t>
+              <a:t>2022/11/1</a:t>
             </a:fld>
             <a:endParaRPr kumimoji="1" lang="ja-JP" altLang="en-US"/>
           </a:p>
@@ -724,7 +725,7 @@
           <a:p>
             <a:fld id="{54523C7D-926C-5842-A907-F9DF9CC9C74B}" type="datetime1">
               <a:rPr kumimoji="1" lang="ja-JP" altLang="en-US" smtClean="0"/>
-              <a:t>2022/10/27</a:t>
+              <a:t>2022/11/1</a:t>
             </a:fld>
             <a:endParaRPr kumimoji="1" lang="ja-JP" altLang="en-US"/>
           </a:p>
@@ -926,7 +927,7 @@
           <a:p>
             <a:fld id="{F660F69B-E2BC-8A44-9892-3841B7B35636}" type="datetime1">
               <a:rPr kumimoji="1" lang="ja-JP" altLang="en-US" smtClean="0"/>
-              <a:t>2022/10/27</a:t>
+              <a:t>2022/11/1</a:t>
             </a:fld>
             <a:endParaRPr kumimoji="1" lang="ja-JP" altLang="en-US"/>
           </a:p>
@@ -1138,7 +1139,7 @@
           <a:p>
             <a:fld id="{F9CC5C56-91C2-1345-A478-D7EE41FFB54B}" type="datetime1">
               <a:rPr kumimoji="1" lang="ja-JP" altLang="en-US" smtClean="0"/>
-              <a:t>2022/10/27</a:t>
+              <a:t>2022/11/1</a:t>
             </a:fld>
             <a:endParaRPr kumimoji="1" lang="ja-JP" altLang="en-US"/>
           </a:p>
@@ -1340,7 +1341,7 @@
           <a:p>
             <a:fld id="{8E24D78D-8290-D247-A0A8-AB2DA575E945}" type="datetime1">
               <a:rPr kumimoji="1" lang="ja-JP" altLang="en-US" smtClean="0"/>
-              <a:t>2022/10/27</a:t>
+              <a:t>2022/11/1</a:t>
             </a:fld>
             <a:endParaRPr kumimoji="1" lang="ja-JP" altLang="en-US"/>
           </a:p>
@@ -1584,7 +1585,7 @@
           <a:p>
             <a:fld id="{9391F087-57F1-164D-AC1B-8A8818B3EC34}" type="datetime1">
               <a:rPr kumimoji="1" lang="ja-JP" altLang="en-US" smtClean="0"/>
-              <a:t>2022/10/27</a:t>
+              <a:t>2022/11/1</a:t>
             </a:fld>
             <a:endParaRPr kumimoji="1" lang="ja-JP" altLang="en-US"/>
           </a:p>
@@ -1880,7 +1881,7 @@
           <a:p>
             <a:fld id="{ACA830FA-FA95-684B-BFD0-107F58ACF2A3}" type="datetime1">
               <a:rPr kumimoji="1" lang="ja-JP" altLang="en-US" smtClean="0"/>
-              <a:t>2022/10/27</a:t>
+              <a:t>2022/11/1</a:t>
             </a:fld>
             <a:endParaRPr kumimoji="1" lang="ja-JP" altLang="en-US"/>
           </a:p>
@@ -2311,7 +2312,7 @@
           <a:p>
             <a:fld id="{1255F6B1-9E43-2F48-9DAD-47AE909CC5CD}" type="datetime1">
               <a:rPr kumimoji="1" lang="ja-JP" altLang="en-US" smtClean="0"/>
-              <a:t>2022/10/27</a:t>
+              <a:t>2022/11/1</a:t>
             </a:fld>
             <a:endParaRPr kumimoji="1" lang="ja-JP" altLang="en-US"/>
           </a:p>
@@ -2429,7 +2430,7 @@
           <a:p>
             <a:fld id="{5AF4E35F-B3AF-0B4F-A118-6848492D4CD2}" type="datetime1">
               <a:rPr kumimoji="1" lang="ja-JP" altLang="en-US" smtClean="0"/>
-              <a:t>2022/10/27</a:t>
+              <a:t>2022/11/1</a:t>
             </a:fld>
             <a:endParaRPr kumimoji="1" lang="ja-JP" altLang="en-US"/>
           </a:p>
@@ -2524,7 +2525,7 @@
           <a:p>
             <a:fld id="{9011BBC8-07FC-B848-9C4E-81DE00225A26}" type="datetime1">
               <a:rPr kumimoji="1" lang="ja-JP" altLang="en-US" smtClean="0"/>
-              <a:t>2022/10/27</a:t>
+              <a:t>2022/11/1</a:t>
             </a:fld>
             <a:endParaRPr kumimoji="1" lang="ja-JP" altLang="en-US"/>
           </a:p>
@@ -2833,7 +2834,7 @@
           <a:p>
             <a:fld id="{8AB5527A-2295-D342-A1FA-B269C39CA8E3}" type="datetime1">
               <a:rPr kumimoji="1" lang="ja-JP" altLang="en-US" smtClean="0"/>
-              <a:t>2022/10/27</a:t>
+              <a:t>2022/11/1</a:t>
             </a:fld>
             <a:endParaRPr kumimoji="1" lang="ja-JP" altLang="en-US"/>
           </a:p>
@@ -3090,7 +3091,7 @@
           <a:p>
             <a:fld id="{134EAD79-88D9-5649-BA8D-12C9185BCD5A}" type="datetime1">
               <a:rPr kumimoji="1" lang="ja-JP" altLang="en-US" smtClean="0"/>
-              <a:t>2022/10/27</a:t>
+              <a:t>2022/11/1</a:t>
             </a:fld>
             <a:endParaRPr kumimoji="1" lang="ja-JP" altLang="en-US"/>
           </a:p>
@@ -3335,7 +3336,7 @@
           <a:p>
             <a:fld id="{4F2ACFE4-3DDC-1748-A357-EB2D7D7357CB}" type="datetime1">
               <a:rPr kumimoji="1" lang="ja-JP" altLang="en-US" smtClean="0"/>
-              <a:t>2022/10/27</a:t>
+              <a:t>2022/11/1</a:t>
             </a:fld>
             <a:endParaRPr kumimoji="1" lang="ja-JP" altLang="en-US"/>
           </a:p>
@@ -4255,20 +4256,28 @@
         <p:spPr>
           <a:xfrm>
             <a:off x="628650" y="440032"/>
-            <a:ext cx="7139774" cy="275697"/>
+            <a:ext cx="8066314" cy="275697"/>
           </a:xfrm>
         </p:spPr>
         <p:txBody>
           <a:bodyPr>
-            <a:normAutofit fontScale="90000"/>
+            <a:noAutofit/>
           </a:bodyPr>
           <a:lstStyle/>
           <a:p>
             <a:r>
-              <a:rPr kumimoji="1" lang="en-US" altLang="ja-JP" dirty="0"/>
-              <a:t>Example4.  From a pie chart.</a:t>
-            </a:r>
-            <a:endParaRPr kumimoji="1" lang="ja-JP" altLang="en-US"/>
+              <a:rPr kumimoji="1" lang="en-US" altLang="ja-JP" sz="3600" dirty="0"/>
+              <a:t>Example4.  </a:t>
+            </a:r>
+            <a:r>
+              <a:rPr lang="en-US" altLang="ja-JP" sz="3600" dirty="0"/>
+              <a:t>A</a:t>
+            </a:r>
+            <a:r>
+              <a:rPr kumimoji="1" lang="en-US" altLang="ja-JP" sz="3600" dirty="0"/>
+              <a:t> pie chart (7 divisions)</a:t>
+            </a:r>
+            <a:endParaRPr kumimoji="1" lang="ja-JP" altLang="en-US" sz="3600"/>
           </a:p>
         </p:txBody>
       </p:sp>
@@ -4560,7 +4569,7 @@
           <p:cNvPr id="2" name="タイトル 1">
             <a:extLst>
               <a:ext uri="{FF2B5EF4-FFF2-40B4-BE49-F238E27FC236}">
-                <a16:creationId xmlns:a16="http://schemas.microsoft.com/office/drawing/2014/main" id="{13DB1389-1338-4CB4-559B-886C43B95EA2}"/>
+                <a16:creationId xmlns:a16="http://schemas.microsoft.com/office/drawing/2014/main" id="{B5FB2D0B-43B6-EDB2-ACD3-95B522DBE069}"/>
               </a:ext>
             </a:extLst>
           </p:cNvPr>
@@ -4574,7 +4583,7 @@
         <p:spPr>
           <a:xfrm>
             <a:off x="628650" y="365127"/>
-            <a:ext cx="7886700" cy="684446"/>
+            <a:ext cx="7886700" cy="365126"/>
           </a:xfrm>
         </p:spPr>
         <p:txBody>
@@ -4585,305 +4594,9 @@
           <a:p>
             <a:r>
               <a:rPr kumimoji="1" lang="en-US" altLang="ja-JP" dirty="0"/>
-              <a:t>Various options in rounding </a:t>
+              <a:t>Example 5. A pie chart (8 divisions) </a:t>
             </a:r>
             <a:endParaRPr kumimoji="1" lang="ja-JP" altLang="en-US"/>
-          </a:p>
-        </p:txBody>
-      </p:sp>
-      <p:sp>
-        <p:nvSpPr>
-          <p:cNvPr id="3" name="コンテンツ プレースホルダー 2">
-            <a:extLst>
-              <a:ext uri="{FF2B5EF4-FFF2-40B4-BE49-F238E27FC236}">
-                <a16:creationId xmlns:a16="http://schemas.microsoft.com/office/drawing/2014/main" id="{21155940-76B4-8DC5-C6B6-DBF942B6C899}"/>
-              </a:ext>
-            </a:extLst>
-          </p:cNvPr>
-          <p:cNvSpPr>
-            <a:spLocks noGrp="1"/>
-          </p:cNvSpPr>
-          <p:nvPr>
-            <p:ph idx="1"/>
-          </p:nvPr>
-        </p:nvSpPr>
-        <p:spPr>
-          <a:xfrm>
-            <a:off x="628650" y="1280160"/>
-            <a:ext cx="7886700" cy="4896803"/>
-          </a:xfrm>
-        </p:spPr>
-        <p:txBody>
-          <a:bodyPr>
-            <a:normAutofit/>
-          </a:bodyPr>
-          <a:lstStyle/>
-          <a:p>
-            <a:pPr marL="0" indent="0">
-              <a:buNone/>
-            </a:pPr>
-            <a:r>
-              <a:rPr kumimoji="1" lang="en-US" altLang="ja-JP" sz="3200" dirty="0"/>
-              <a:t>Assuming the rounding</a:t>
-            </a:r>
-          </a:p>
-          <a:p>
-            <a:r>
-              <a:rPr kumimoji="1" lang="en-US" altLang="ja-JP" sz="2400" dirty="0"/>
-              <a:t>“round down” </a:t>
-            </a:r>
-            <a:r>
-              <a:rPr kumimoji="1" lang="en-US" altLang="ja-JP" sz="2000" dirty="0"/>
-              <a:t>(floor ; e.g. 0.345 </a:t>
-            </a:r>
-            <a:r>
-              <a:rPr kumimoji="1" lang="ja-JP" altLang="en-US" sz="2000"/>
-              <a:t>→</a:t>
-            </a:r>
-            <a:r>
-              <a:rPr kumimoji="1" lang="en-US" altLang="ja-JP" sz="2000" dirty="0"/>
-              <a:t> 0.34)</a:t>
-            </a:r>
-            <a:r>
-              <a:rPr kumimoji="1" lang="en-US" altLang="ja-JP" sz="2400" dirty="0"/>
-              <a:t> : </a:t>
-            </a:r>
-            <a:r>
-              <a:rPr kumimoji="1" lang="en-US" altLang="ja-JP" sz="2400" b="1" dirty="0">
-                <a:solidFill>
-                  <a:srgbClr val="0432FF"/>
-                </a:solidFill>
-              </a:rPr>
-              <a:t>–f</a:t>
-            </a:r>
-            <a:r>
-              <a:rPr kumimoji="1" lang="en-US" altLang="ja-JP" sz="2400" dirty="0"/>
-              <a:t> </a:t>
-            </a:r>
-          </a:p>
-          <a:p>
-            <a:r>
-              <a:rPr lang="en-US" altLang="ja-JP" sz="2400" dirty="0"/>
-              <a:t>“round up” </a:t>
-            </a:r>
-            <a:r>
-              <a:rPr lang="en-US" altLang="ja-JP" sz="2000" dirty="0"/>
-              <a:t>(ceil</a:t>
-            </a:r>
-            <a:r>
-              <a:rPr kumimoji="1" lang="en-US" altLang="ja-JP" sz="2000" dirty="0"/>
-              <a:t> ; e.g. 0.345 </a:t>
-            </a:r>
-            <a:r>
-              <a:rPr kumimoji="1" lang="ja-JP" altLang="en-US" sz="2000"/>
-              <a:t>→</a:t>
-            </a:r>
-            <a:r>
-              <a:rPr kumimoji="1" lang="en-US" altLang="ja-JP" sz="2000" dirty="0"/>
-              <a:t> 0.35</a:t>
-            </a:r>
-            <a:r>
-              <a:rPr lang="en-US" altLang="ja-JP" sz="2000" dirty="0"/>
-              <a:t>)</a:t>
-            </a:r>
-            <a:r>
-              <a:rPr lang="en-US" altLang="ja-JP" sz="2400" dirty="0"/>
-              <a:t> : </a:t>
-            </a:r>
-            <a:r>
-              <a:rPr lang="en-US" altLang="ja-JP" sz="2400" b="1" dirty="0">
-                <a:solidFill>
-                  <a:srgbClr val="0432FF"/>
-                </a:solidFill>
-              </a:rPr>
-              <a:t>–c</a:t>
-            </a:r>
-            <a:r>
-              <a:rPr lang="en-US" altLang="ja-JP" sz="2400" dirty="0"/>
-              <a:t> </a:t>
-            </a:r>
-          </a:p>
-          <a:p>
-            <a:r>
-              <a:rPr lang="en-US" altLang="ja-JP" sz="2400" dirty="0"/>
-              <a:t>“round half up” is done twice </a:t>
-            </a:r>
-            <a:r>
-              <a:rPr lang="en-US" altLang="ja-JP" sz="2000" dirty="0"/>
-              <a:t>( </a:t>
-            </a:r>
-            <a:r>
-              <a:rPr lang="en-US" altLang="ja-JP" sz="2000" i="1" dirty="0"/>
-              <a:t>e.g.</a:t>
-            </a:r>
-            <a:r>
-              <a:rPr lang="en-US" altLang="ja-JP" sz="2000" dirty="0"/>
-              <a:t> 0.345</a:t>
-            </a:r>
-            <a:r>
-              <a:rPr lang="ja-JP" altLang="en-US" sz="2000"/>
-              <a:t>→</a:t>
-            </a:r>
-            <a:r>
-              <a:rPr lang="en-US" altLang="ja-JP" sz="2000" dirty="0"/>
-              <a:t>0.35</a:t>
-            </a:r>
-            <a:r>
-              <a:rPr lang="ja-JP" altLang="en-US" sz="2000"/>
-              <a:t>→</a:t>
-            </a:r>
-            <a:r>
-              <a:rPr lang="en-US" altLang="ja-JP" sz="2000" dirty="0"/>
-              <a:t>0.4 ) </a:t>
-            </a:r>
-            <a:r>
-              <a:rPr lang="en-US" altLang="ja-JP" sz="2400" dirty="0"/>
-              <a:t>:  </a:t>
-            </a:r>
-            <a:r>
-              <a:rPr kumimoji="1" lang="en-US" altLang="ja-JP" sz="2400" b="1" dirty="0">
-                <a:solidFill>
-                  <a:srgbClr val="0432FF"/>
-                </a:solidFill>
-              </a:rPr>
-              <a:t>-5 2</a:t>
-            </a:r>
-          </a:p>
-          <a:p>
-            <a:r>
-              <a:rPr lang="en-US" altLang="ja-JP" sz="2400" dirty="0"/>
-              <a:t>“round half to even” </a:t>
-            </a:r>
-            <a:r>
-              <a:rPr lang="en-US" altLang="ja-JP" sz="1800" dirty="0"/>
-              <a:t>(</a:t>
-            </a:r>
-            <a:r>
-              <a:rPr kumimoji="1" lang="en-US" altLang="ja-JP" sz="1800" dirty="0"/>
-              <a:t>e.g. 0.335 and 0.345 </a:t>
-            </a:r>
-            <a:r>
-              <a:rPr kumimoji="1" lang="ja-JP" altLang="en-US" sz="1800"/>
-              <a:t>→</a:t>
-            </a:r>
-            <a:r>
-              <a:rPr kumimoji="1" lang="en-US" altLang="ja-JP" sz="1800" dirty="0"/>
-              <a:t> 0.34) </a:t>
-            </a:r>
-            <a:r>
-              <a:rPr lang="en-US" altLang="ja-JP" sz="2400" dirty="0"/>
-              <a:t>:  </a:t>
-            </a:r>
-            <a:r>
-              <a:rPr kumimoji="1" lang="en-US" altLang="ja-JP" sz="2400" b="1" dirty="0">
-                <a:solidFill>
-                  <a:srgbClr val="0432FF"/>
-                </a:solidFill>
-              </a:rPr>
-              <a:t>-5 e</a:t>
-            </a:r>
-            <a:endParaRPr lang="en-US" altLang="ja-JP" sz="2400" dirty="0"/>
-          </a:p>
-          <a:p>
-            <a:r>
-              <a:rPr kumimoji="1" lang="en-US" altLang="ja-JP" sz="2400" dirty="0"/>
-              <a:t>“round ha</a:t>
-            </a:r>
-            <a:r>
-              <a:rPr lang="en-US" altLang="ja-JP" sz="2400" dirty="0"/>
-              <a:t>lf to odd” </a:t>
-            </a:r>
-            <a:r>
-              <a:rPr lang="en-US" altLang="ja-JP" sz="1800" dirty="0"/>
-              <a:t>(</a:t>
-            </a:r>
-            <a:r>
-              <a:rPr kumimoji="1" lang="en-US" altLang="ja-JP" sz="1800" dirty="0"/>
-              <a:t>e.g. 0.345 and 0.355 </a:t>
-            </a:r>
-            <a:r>
-              <a:rPr kumimoji="1" lang="ja-JP" altLang="en-US" sz="1800"/>
-              <a:t>→</a:t>
-            </a:r>
-            <a:r>
-              <a:rPr kumimoji="1" lang="en-US" altLang="ja-JP" sz="1800" dirty="0"/>
-              <a:t> 0.35) </a:t>
-            </a:r>
-            <a:r>
-              <a:rPr lang="en-US" altLang="ja-JP" sz="2400" dirty="0"/>
-              <a:t>:  </a:t>
-            </a:r>
-            <a:r>
-              <a:rPr kumimoji="1" lang="en-US" altLang="ja-JP" sz="2400" b="1" dirty="0">
-                <a:solidFill>
-                  <a:srgbClr val="0432FF"/>
-                </a:solidFill>
-              </a:rPr>
-              <a:t>-5 o</a:t>
-            </a:r>
-          </a:p>
-          <a:p>
-            <a:endParaRPr lang="en-US" altLang="ja-JP" sz="2400" dirty="0">
-              <a:solidFill>
-                <a:srgbClr val="0432FF"/>
-              </a:solidFill>
-            </a:endParaRPr>
-          </a:p>
-          <a:p>
-            <a:r>
-              <a:rPr kumimoji="1" lang="en-US" altLang="ja-JP" sz="2400" dirty="0"/>
-              <a:t>Allowing the error within ±</a:t>
-            </a:r>
-            <a:r>
-              <a:rPr kumimoji="1" lang="en-US" altLang="ja-JP" sz="2400" i="1" dirty="0"/>
-              <a:t>1%</a:t>
-            </a:r>
-            <a:r>
-              <a:rPr kumimoji="1" lang="en-US" altLang="ja-JP" sz="2400" dirty="0"/>
-              <a:t> : </a:t>
-            </a:r>
-            <a:r>
-              <a:rPr kumimoji="1" lang="en-US" altLang="ja-JP" sz="2400" b="1" dirty="0">
-                <a:solidFill>
-                  <a:srgbClr val="0432FF"/>
-                </a:solidFill>
-              </a:rPr>
-              <a:t>-a 0.01</a:t>
-            </a:r>
-            <a:r>
-              <a:rPr kumimoji="1" lang="en-US" altLang="ja-JP" sz="2400" dirty="0"/>
-              <a:t>  or  </a:t>
-            </a:r>
-            <a:r>
-              <a:rPr kumimoji="1" lang="en-US" altLang="ja-JP" sz="2400" b="1" dirty="0">
-                <a:solidFill>
-                  <a:srgbClr val="0432FF"/>
-                </a:solidFill>
-              </a:rPr>
-              <a:t>-a</a:t>
-            </a:r>
-            <a:r>
-              <a:rPr kumimoji="1" lang="en-US" altLang="ja-JP" sz="2400" dirty="0"/>
-              <a:t> </a:t>
-            </a:r>
-            <a:r>
-              <a:rPr kumimoji="1" lang="en-US" altLang="ja-JP" sz="2400" b="1" dirty="0">
-                <a:solidFill>
-                  <a:srgbClr val="0432FF"/>
-                </a:solidFill>
-              </a:rPr>
-              <a:t>1%</a:t>
-            </a:r>
-          </a:p>
-          <a:p>
-            <a:pPr marL="0" indent="0">
-              <a:buNone/>
-            </a:pPr>
-            <a:endParaRPr kumimoji="1" lang="ja-JP" altLang="en-US" sz="2400" b="1">
-              <a:solidFill>
-                <a:srgbClr val="0432FF"/>
-              </a:solidFill>
-            </a:endParaRPr>
           </a:p>
         </p:txBody>
       </p:sp>
@@ -4892,7 +4605,7 @@
           <p:cNvPr id="4" name="スライド番号プレースホルダー 3">
             <a:extLst>
               <a:ext uri="{FF2B5EF4-FFF2-40B4-BE49-F238E27FC236}">
-                <a16:creationId xmlns:a16="http://schemas.microsoft.com/office/drawing/2014/main" id="{20A62B19-A55F-E98F-CFA8-1CFB4738A2E9}"/>
+                <a16:creationId xmlns:a16="http://schemas.microsoft.com/office/drawing/2014/main" id="{680E6BB9-233D-0FB7-9E1A-8F20F7513E1C}"/>
               </a:ext>
             </a:extLst>
           </p:cNvPr>
@@ -4916,10 +4629,277 @@
           </a:p>
         </p:txBody>
       </p:sp>
+      <p:pic>
+        <p:nvPicPr>
+          <p:cNvPr id="5" name="図 4">
+            <a:extLst>
+              <a:ext uri="{FF2B5EF4-FFF2-40B4-BE49-F238E27FC236}">
+                <a16:creationId xmlns:a16="http://schemas.microsoft.com/office/drawing/2014/main" id="{AFC9A411-2E36-BADA-E51F-E48A1F01BD86}"/>
+              </a:ext>
+            </a:extLst>
+          </p:cNvPr>
+          <p:cNvPicPr>
+            <a:picLocks noChangeAspect="1"/>
+          </p:cNvPicPr>
+          <p:nvPr/>
+        </p:nvPicPr>
+        <p:blipFill>
+          <a:blip r:embed="rId2"/>
+          <a:stretch>
+            <a:fillRect/>
+          </a:stretch>
+        </p:blipFill>
+        <p:spPr>
+          <a:xfrm>
+            <a:off x="628650" y="1298121"/>
+            <a:ext cx="4891171" cy="4261757"/>
+          </a:xfrm>
+          <a:prstGeom prst="rect">
+            <a:avLst/>
+          </a:prstGeom>
+        </p:spPr>
+      </p:pic>
+      <p:sp>
+        <p:nvSpPr>
+          <p:cNvPr id="7" name="テキスト ボックス 6">
+            <a:extLst>
+              <a:ext uri="{FF2B5EF4-FFF2-40B4-BE49-F238E27FC236}">
+                <a16:creationId xmlns:a16="http://schemas.microsoft.com/office/drawing/2014/main" id="{1B0393E5-0B27-B128-64FF-9469787E4F4B}"/>
+              </a:ext>
+            </a:extLst>
+          </p:cNvPr>
+          <p:cNvSpPr txBox="1"/>
+          <p:nvPr/>
+        </p:nvSpPr>
+        <p:spPr>
+          <a:xfrm>
+            <a:off x="628650" y="921212"/>
+            <a:ext cx="4572000" cy="307777"/>
+          </a:xfrm>
+          <a:prstGeom prst="rect">
+            <a:avLst/>
+          </a:prstGeom>
+          <a:noFill/>
+        </p:spPr>
+        <p:txBody>
+          <a:bodyPr wrap="square">
+            <a:spAutoFit/>
+          </a:bodyPr>
+          <a:lstStyle/>
+          <a:p>
+            <a:r>
+              <a:rPr lang="en-US" altLang="ja-JP" sz="1400" b="1" dirty="0">
+                <a:solidFill>
+                  <a:srgbClr val="0432FF"/>
+                </a:solidFill>
+              </a:rPr>
+              <a:t>https://</a:t>
+            </a:r>
+            <a:r>
+              <a:rPr lang="en-US" altLang="ja-JP" sz="1400" b="1" dirty="0" err="1">
+                <a:solidFill>
+                  <a:srgbClr val="0432FF"/>
+                </a:solidFill>
+              </a:rPr>
+              <a:t>www.helpisherede.com</a:t>
+            </a:r>
+            <a:r>
+              <a:rPr lang="en-US" altLang="ja-JP" sz="1400" b="1" dirty="0">
+                <a:solidFill>
+                  <a:srgbClr val="0432FF"/>
+                </a:solidFill>
+              </a:rPr>
+              <a:t>/health-care-providers</a:t>
+            </a:r>
+            <a:endParaRPr lang="ja-JP" altLang="en-US" sz="1400" b="1">
+              <a:solidFill>
+                <a:srgbClr val="0432FF"/>
+              </a:solidFill>
+            </a:endParaRPr>
+          </a:p>
+        </p:txBody>
+      </p:sp>
+      <p:sp>
+        <p:nvSpPr>
+          <p:cNvPr id="8" name="テキスト ボックス 7">
+            <a:extLst>
+              <a:ext uri="{FF2B5EF4-FFF2-40B4-BE49-F238E27FC236}">
+                <a16:creationId xmlns:a16="http://schemas.microsoft.com/office/drawing/2014/main" id="{052C5597-A933-F594-1E10-50688188A1EE}"/>
+              </a:ext>
+            </a:extLst>
+          </p:cNvPr>
+          <p:cNvSpPr txBox="1"/>
+          <p:nvPr/>
+        </p:nvSpPr>
+        <p:spPr>
+          <a:xfrm>
+            <a:off x="5608864" y="996043"/>
+            <a:ext cx="3314700" cy="2862322"/>
+          </a:xfrm>
+          <a:prstGeom prst="rect">
+            <a:avLst/>
+          </a:prstGeom>
+          <a:noFill/>
+        </p:spPr>
+        <p:txBody>
+          <a:bodyPr wrap="square" rtlCol="0">
+            <a:spAutoFit/>
+          </a:bodyPr>
+          <a:lstStyle/>
+          <a:p>
+            <a:r>
+              <a:rPr kumimoji="1" lang="en-US" altLang="ja-JP" dirty="0"/>
+              <a:t>From the 8 numbers, 46.4% 11.7% 12.2% 8.5% 7.6% 6.1% 4.4% 3.2%, also with the assumption that the rounding was done by </a:t>
+            </a:r>
+            <a:r>
+              <a:rPr kumimoji="1" lang="en-US" altLang="ja-JP" b="1" dirty="0"/>
+              <a:t>rounding half up</a:t>
+            </a:r>
+            <a:r>
+              <a:rPr kumimoji="1" lang="en-US" altLang="ja-JP" dirty="0"/>
+              <a:t>,</a:t>
+            </a:r>
+          </a:p>
+          <a:p>
+            <a:r>
+              <a:rPr kumimoji="1" lang="en-US" altLang="ja-JP" dirty="0"/>
+              <a:t>the possible denominator value is either of </a:t>
+            </a:r>
+          </a:p>
+          <a:p>
+            <a:r>
+              <a:rPr kumimoji="1" lang="en-US" altLang="ja-JP" b="1" dirty="0"/>
+              <a:t>343</a:t>
+            </a:r>
+            <a:r>
+              <a:rPr kumimoji="1" lang="en-US" altLang="ja-JP" dirty="0"/>
+              <a:t>, 590, 591, 657, 658, 683, </a:t>
+            </a:r>
+            <a:br>
+              <a:rPr kumimoji="1" lang="en-US" altLang="ja-JP" dirty="0"/>
+            </a:br>
+            <a:r>
+              <a:rPr kumimoji="1" lang="en-US" altLang="ja-JP" dirty="0"/>
+              <a:t>686, 720, 727, 752, 754, 772,</a:t>
+            </a:r>
+          </a:p>
+          <a:p>
+            <a:r>
+              <a:rPr kumimoji="1" lang="en-US" altLang="ja-JP" dirty="0"/>
+              <a:t>and more in the ascending order.</a:t>
+            </a:r>
+          </a:p>
+        </p:txBody>
+      </p:sp>
+      <p:sp>
+        <p:nvSpPr>
+          <p:cNvPr id="10" name="テキスト ボックス 9">
+            <a:extLst>
+              <a:ext uri="{FF2B5EF4-FFF2-40B4-BE49-F238E27FC236}">
+                <a16:creationId xmlns:a16="http://schemas.microsoft.com/office/drawing/2014/main" id="{A80DF4E2-0CD8-479A-78BB-C2C7CCD8BAE9}"/>
+              </a:ext>
+            </a:extLst>
+          </p:cNvPr>
+          <p:cNvSpPr txBox="1"/>
+          <p:nvPr/>
+        </p:nvSpPr>
+        <p:spPr>
+          <a:xfrm>
+            <a:off x="4351564" y="4137861"/>
+            <a:ext cx="4572000" cy="1200329"/>
+          </a:xfrm>
+          <a:prstGeom prst="rect">
+            <a:avLst/>
+          </a:prstGeom>
+          <a:noFill/>
+        </p:spPr>
+        <p:txBody>
+          <a:bodyPr wrap="square">
+            <a:spAutoFit/>
+          </a:bodyPr>
+          <a:lstStyle/>
+          <a:p>
+            <a:r>
+              <a:rPr lang="en-US" altLang="ja-JP" dirty="0"/>
+              <a:t>This graph is cited from : </a:t>
+            </a:r>
+          </a:p>
+          <a:p>
+            <a:r>
+              <a:rPr lang="ja-JP" altLang="en-US">
+                <a:solidFill>
+                  <a:srgbClr val="0432FF"/>
+                </a:solidFill>
+              </a:rPr>
+              <a:t>https://www.dhss.delaware.gov/dhss/dph/files/dedrugoverdosemortsurvrpt2017.pdf</a:t>
+            </a:r>
+            <a:endParaRPr lang="en-US" altLang="ja-JP" dirty="0">
+              <a:solidFill>
+                <a:srgbClr val="0432FF"/>
+              </a:solidFill>
+            </a:endParaRPr>
+          </a:p>
+          <a:p>
+            <a:r>
+              <a:rPr lang="en-US" altLang="ja-JP" dirty="0"/>
+              <a:t>and this article says the original number is </a:t>
+            </a:r>
+            <a:r>
+              <a:rPr lang="en-US" altLang="ja-JP" b="1" dirty="0">
+                <a:solidFill>
+                  <a:srgbClr val="0432FF"/>
+                </a:solidFill>
+              </a:rPr>
+              <a:t>343</a:t>
+            </a:r>
+            <a:r>
+              <a:rPr lang="en-US" altLang="ja-JP" dirty="0"/>
+              <a:t>.</a:t>
+            </a:r>
+            <a:endParaRPr lang="ja-JP" altLang="en-US"/>
+          </a:p>
+        </p:txBody>
+      </p:sp>
+      <p:sp>
+        <p:nvSpPr>
+          <p:cNvPr id="11" name="テキスト ボックス 10">
+            <a:extLst>
+              <a:ext uri="{FF2B5EF4-FFF2-40B4-BE49-F238E27FC236}">
+                <a16:creationId xmlns:a16="http://schemas.microsoft.com/office/drawing/2014/main" id="{51283026-07A5-E0CF-8483-1836097E146F}"/>
+              </a:ext>
+            </a:extLst>
+          </p:cNvPr>
+          <p:cNvSpPr txBox="1"/>
+          <p:nvPr/>
+        </p:nvSpPr>
+        <p:spPr>
+          <a:xfrm>
+            <a:off x="767443" y="5633357"/>
+            <a:ext cx="7543800" cy="923330"/>
+          </a:xfrm>
+          <a:prstGeom prst="rect">
+            <a:avLst/>
+          </a:prstGeom>
+          <a:noFill/>
+        </p:spPr>
+        <p:txBody>
+          <a:bodyPr wrap="square" rtlCol="0">
+            <a:spAutoFit/>
+          </a:bodyPr>
+          <a:lstStyle/>
+          <a:p>
+            <a:r>
+              <a:rPr kumimoji="1" lang="en-US" altLang="ja-JP" dirty="0"/>
+              <a:t>A derivative question :  when the candidates of possible integer denominators are calculated, the minimum value among them is quite often the real value. Why? </a:t>
+            </a:r>
+            <a:endParaRPr kumimoji="1" lang="ja-JP" altLang="en-US"/>
+          </a:p>
+        </p:txBody>
+      </p:sp>
     </p:spTree>
     <p:extLst>
       <p:ext uri="{BB962C8B-B14F-4D97-AF65-F5344CB8AC3E}">
-        <p14:creationId xmlns:p14="http://schemas.microsoft.com/office/powerpoint/2010/main" val="3859435334"/>
+        <p14:creationId xmlns:p14="http://schemas.microsoft.com/office/powerpoint/2010/main" val="2476187221"/>
       </p:ext>
     </p:extLst>
   </p:cSld>
@@ -4951,7 +4931,7 @@
           <p:cNvPr id="2" name="タイトル 1">
             <a:extLst>
               <a:ext uri="{FF2B5EF4-FFF2-40B4-BE49-F238E27FC236}">
-                <a16:creationId xmlns:a16="http://schemas.microsoft.com/office/drawing/2014/main" id="{D6C10A47-1CBC-AF40-F2E8-ABF5F56F77D2}"/>
+                <a16:creationId xmlns:a16="http://schemas.microsoft.com/office/drawing/2014/main" id="{13DB1389-1338-4CB4-559B-886C43B95EA2}"/>
               </a:ext>
             </a:extLst>
           </p:cNvPr>
@@ -4964,8 +4944,8 @@
         </p:nvSpPr>
         <p:spPr>
           <a:xfrm>
-            <a:off x="628650" y="365126"/>
-            <a:ext cx="7886700" cy="315911"/>
+            <a:off x="628650" y="365127"/>
+            <a:ext cx="7886700" cy="684446"/>
           </a:xfrm>
         </p:spPr>
         <p:txBody>
@@ -4976,7 +4956,7 @@
           <a:p>
             <a:r>
               <a:rPr kumimoji="1" lang="en-US" altLang="ja-JP" dirty="0"/>
-              <a:t>Options in the denominator filtering</a:t>
+              <a:t>Various options in rounding </a:t>
             </a:r>
             <a:endParaRPr kumimoji="1" lang="ja-JP" altLang="en-US"/>
           </a:p>
@@ -4987,7 +4967,7 @@
           <p:cNvPr id="3" name="コンテンツ プレースホルダー 2">
             <a:extLst>
               <a:ext uri="{FF2B5EF4-FFF2-40B4-BE49-F238E27FC236}">
-                <a16:creationId xmlns:a16="http://schemas.microsoft.com/office/drawing/2014/main" id="{C81BD508-E147-CF3C-1307-85ED77A84112}"/>
+                <a16:creationId xmlns:a16="http://schemas.microsoft.com/office/drawing/2014/main" id="{21155940-76B4-8DC5-C6B6-DBF942B6C899}"/>
               </a:ext>
             </a:extLst>
           </p:cNvPr>
@@ -5000,8 +4980,8 @@
         </p:nvSpPr>
         <p:spPr>
           <a:xfrm>
-            <a:off x="628650" y="1026092"/>
-            <a:ext cx="7886700" cy="5270514"/>
+            <a:off x="628650" y="1280160"/>
+            <a:ext cx="7886700" cy="4896803"/>
           </a:xfrm>
         </p:spPr>
         <p:txBody>
@@ -5010,49 +4990,211 @@
           </a:bodyPr>
           <a:lstStyle/>
           <a:p>
-            <a:r>
-              <a:rPr kumimoji="1" lang="en-US" altLang="ja-JP" sz="2000" dirty="0">
+            <a:pPr marL="0" indent="0">
+              <a:buNone/>
+            </a:pPr>
+            <a:r>
+              <a:rPr kumimoji="1" lang="en-US" altLang="ja-JP" sz="3200" dirty="0"/>
+              <a:t>Assuming the rounding</a:t>
+            </a:r>
+          </a:p>
+          <a:p>
+            <a:r>
+              <a:rPr kumimoji="1" lang="en-US" altLang="ja-JP" sz="2400" dirty="0"/>
+              <a:t>“round down” </a:t>
+            </a:r>
+            <a:r>
+              <a:rPr kumimoji="1" lang="en-US" altLang="ja-JP" sz="2000" dirty="0"/>
+              <a:t>(floor ; e.g. 0.345 </a:t>
+            </a:r>
+            <a:r>
+              <a:rPr kumimoji="1" lang="ja-JP" altLang="en-US" sz="2000"/>
+              <a:t>→</a:t>
+            </a:r>
+            <a:r>
+              <a:rPr kumimoji="1" lang="en-US" altLang="ja-JP" sz="2000" dirty="0"/>
+              <a:t> 0.34)</a:t>
+            </a:r>
+            <a:r>
+              <a:rPr kumimoji="1" lang="en-US" altLang="ja-JP" sz="2400" dirty="0"/>
+              <a:t> : </a:t>
+            </a:r>
+            <a:r>
+              <a:rPr kumimoji="1" lang="en-US" altLang="ja-JP" sz="2400" b="1" dirty="0">
                 <a:solidFill>
                   <a:srgbClr val="0432FF"/>
                 </a:solidFill>
               </a:rPr>
-              <a:t>-g 100</a:t>
+              <a:t>–f</a:t>
+            </a:r>
+            <a:r>
+              <a:rPr kumimoji="1" lang="en-US" altLang="ja-JP" sz="2400" dirty="0"/>
+              <a:t> </a:t>
+            </a:r>
+          </a:p>
+          <a:p>
+            <a:r>
+              <a:rPr lang="en-US" altLang="ja-JP" sz="2400" dirty="0"/>
+              <a:t>“round up” </a:t>
+            </a:r>
+            <a:r>
+              <a:rPr lang="en-US" altLang="ja-JP" sz="2000" dirty="0"/>
+              <a:t>(ceil</a:t>
             </a:r>
             <a:r>
               <a:rPr kumimoji="1" lang="en-US" altLang="ja-JP" sz="2000" dirty="0"/>
-              <a:t> : getting 100 candidates in denominators from the smallest (1). </a:t>
-            </a:r>
-          </a:p>
-          <a:p>
-            <a:r>
-              <a:rPr kumimoji="1" lang="en-US" altLang="ja-JP" sz="2000" dirty="0">
+              <a:t> ; e.g. 0.345 </a:t>
+            </a:r>
+            <a:r>
+              <a:rPr kumimoji="1" lang="ja-JP" altLang="en-US" sz="2000"/>
+              <a:t>→</a:t>
+            </a:r>
+            <a:r>
+              <a:rPr kumimoji="1" lang="en-US" altLang="ja-JP" sz="2000" dirty="0"/>
+              <a:t> 0.35</a:t>
+            </a:r>
+            <a:r>
+              <a:rPr lang="en-US" altLang="ja-JP" sz="2000" dirty="0"/>
+              <a:t>)</a:t>
+            </a:r>
+            <a:r>
+              <a:rPr lang="en-US" altLang="ja-JP" sz="2400" dirty="0"/>
+              <a:t> : </a:t>
+            </a:r>
+            <a:r>
+              <a:rPr lang="en-US" altLang="ja-JP" sz="2400" b="1" dirty="0">
                 <a:solidFill>
                   <a:srgbClr val="0432FF"/>
                 </a:solidFill>
               </a:rPr>
-              <a:t>-g 123,100</a:t>
-            </a:r>
-            <a:r>
-              <a:rPr kumimoji="1" lang="en-US" altLang="ja-JP" sz="2000" dirty="0"/>
-              <a:t> : getting 100 candidates in denominators from the 123.</a:t>
-            </a:r>
-          </a:p>
-          <a:p>
-            <a:r>
-              <a:rPr kumimoji="1" lang="en-US" altLang="ja-JP" sz="2000" dirty="0">
+              <a:t>–c</a:t>
+            </a:r>
+            <a:r>
+              <a:rPr lang="en-US" altLang="ja-JP" sz="2400" dirty="0"/>
+              <a:t> </a:t>
+            </a:r>
+          </a:p>
+          <a:p>
+            <a:r>
+              <a:rPr lang="en-US" altLang="ja-JP" sz="2400" dirty="0"/>
+              <a:t>“round half up” is done twice </a:t>
+            </a:r>
+            <a:r>
+              <a:rPr lang="en-US" altLang="ja-JP" sz="2000" dirty="0"/>
+              <a:t>( </a:t>
+            </a:r>
+            <a:r>
+              <a:rPr lang="en-US" altLang="ja-JP" sz="2000" i="1" dirty="0"/>
+              <a:t>e.g.</a:t>
+            </a:r>
+            <a:r>
+              <a:rPr lang="en-US" altLang="ja-JP" sz="2000" dirty="0"/>
+              <a:t> 0.345</a:t>
+            </a:r>
+            <a:r>
+              <a:rPr lang="ja-JP" altLang="en-US" sz="2000"/>
+              <a:t>→</a:t>
+            </a:r>
+            <a:r>
+              <a:rPr lang="en-US" altLang="ja-JP" sz="2000" dirty="0"/>
+              <a:t>0.35</a:t>
+            </a:r>
+            <a:r>
+              <a:rPr lang="ja-JP" altLang="en-US" sz="2000"/>
+              <a:t>→</a:t>
+            </a:r>
+            <a:r>
+              <a:rPr lang="en-US" altLang="ja-JP" sz="2000" dirty="0"/>
+              <a:t>0.4 ) </a:t>
+            </a:r>
+            <a:r>
+              <a:rPr lang="en-US" altLang="ja-JP" sz="2400" dirty="0"/>
+              <a:t>:  </a:t>
+            </a:r>
+            <a:r>
+              <a:rPr kumimoji="1" lang="en-US" altLang="ja-JP" sz="2400" b="1" dirty="0">
                 <a:solidFill>
                   <a:srgbClr val="0432FF"/>
                 </a:solidFill>
               </a:rPr>
-              <a:t>-g 123,-10</a:t>
-            </a:r>
-            <a:r>
-              <a:rPr kumimoji="1" lang="en-US" altLang="ja-JP" sz="2000" dirty="0"/>
-              <a:t> : getting 10 candidates from the 123 in descending order.</a:t>
-            </a:r>
-          </a:p>
-          <a:p>
-            <a:endParaRPr kumimoji="1" lang="en-US" altLang="ja-JP" sz="2000" dirty="0">
+              <a:t>-5 2</a:t>
+            </a:r>
+          </a:p>
+          <a:p>
+            <a:r>
+              <a:rPr lang="en-US" altLang="ja-JP" sz="2400" dirty="0"/>
+              <a:t>“round half to even” </a:t>
+            </a:r>
+            <a:r>
+              <a:rPr lang="en-US" altLang="ja-JP" sz="1800" dirty="0"/>
+              <a:t>(</a:t>
+            </a:r>
+            <a:r>
+              <a:rPr kumimoji="1" lang="en-US" altLang="ja-JP" sz="1800" dirty="0"/>
+              <a:t>e.g. 0.335 and 0.345 </a:t>
+            </a:r>
+            <a:r>
+              <a:rPr kumimoji="1" lang="ja-JP" altLang="en-US" sz="1800"/>
+              <a:t>→</a:t>
+            </a:r>
+            <a:r>
+              <a:rPr kumimoji="1" lang="en-US" altLang="ja-JP" sz="1800" dirty="0"/>
+              <a:t> 0.34) </a:t>
+            </a:r>
+            <a:r>
+              <a:rPr lang="en-US" altLang="ja-JP" sz="2400" dirty="0"/>
+              <a:t>:  </a:t>
+            </a:r>
+            <a:r>
+              <a:rPr kumimoji="1" lang="en-US" altLang="ja-JP" sz="2400" b="1" dirty="0">
+                <a:solidFill>
+                  <a:srgbClr val="0432FF"/>
+                </a:solidFill>
+              </a:rPr>
+              <a:t>-5 e</a:t>
+            </a:r>
+            <a:endParaRPr lang="en-US" altLang="ja-JP" sz="2400" dirty="0"/>
+          </a:p>
+          <a:p>
+            <a:r>
+              <a:rPr kumimoji="1" lang="en-US" altLang="ja-JP" sz="2400" dirty="0"/>
+              <a:t>“round ha</a:t>
+            </a:r>
+            <a:r>
+              <a:rPr lang="en-US" altLang="ja-JP" sz="2400" dirty="0"/>
+              <a:t>lf to odd” </a:t>
+            </a:r>
+            <a:r>
+              <a:rPr lang="en-US" altLang="ja-JP" sz="1800" dirty="0"/>
+              <a:t>(</a:t>
+            </a:r>
+            <a:r>
+              <a:rPr kumimoji="1" lang="en-US" altLang="ja-JP" sz="1800" dirty="0"/>
+              <a:t>e.g. 0.345 and 0.355 </a:t>
+            </a:r>
+            <a:r>
+              <a:rPr kumimoji="1" lang="ja-JP" altLang="en-US" sz="1800"/>
+              <a:t>→</a:t>
+            </a:r>
+            <a:r>
+              <a:rPr kumimoji="1" lang="en-US" altLang="ja-JP" sz="1800" dirty="0"/>
+              <a:t> 0.35) </a:t>
+            </a:r>
+            <a:r>
+              <a:rPr lang="en-US" altLang="ja-JP" sz="2400" dirty="0"/>
+              <a:t>:  </a:t>
+            </a:r>
+            <a:r>
+              <a:rPr kumimoji="1" lang="en-US" altLang="ja-JP" sz="2400" b="1" dirty="0">
+                <a:solidFill>
+                  <a:srgbClr val="0432FF"/>
+                </a:solidFill>
+              </a:rPr>
+              <a:t>-5 o</a:t>
+            </a:r>
+          </a:p>
+          <a:p>
+            <a:endParaRPr lang="en-US" altLang="ja-JP" sz="2400" dirty="0">
               <a:solidFill>
                 <a:srgbClr val="0432FF"/>
               </a:solidFill>
@@ -5060,180 +5202,59 @@
           </a:p>
           <a:p>
             <a:r>
-              <a:rPr kumimoji="1" lang="en-US" altLang="ja-JP" sz="2000" dirty="0">
+              <a:rPr kumimoji="1" lang="en-US" altLang="ja-JP" sz="2400" dirty="0"/>
+              <a:t>Allowing the error within ±</a:t>
+            </a:r>
+            <a:r>
+              <a:rPr kumimoji="1" lang="en-US" altLang="ja-JP" sz="2400" i="1" dirty="0"/>
+              <a:t>1%</a:t>
+            </a:r>
+            <a:r>
+              <a:rPr kumimoji="1" lang="en-US" altLang="ja-JP" sz="2400" dirty="0"/>
+              <a:t> : </a:t>
+            </a:r>
+            <a:r>
+              <a:rPr kumimoji="1" lang="en-US" altLang="ja-JP" sz="2400" b="1" dirty="0">
                 <a:solidFill>
                   <a:srgbClr val="0432FF"/>
                 </a:solidFill>
               </a:rPr>
-              <a:t>-y .. </a:t>
-            </a:r>
-            <a:r>
-              <a:rPr kumimoji="1" lang="en-US" altLang="ja-JP" sz="2000" dirty="0"/>
-              <a:t>: showing </a:t>
-            </a:r>
-            <a:r>
-              <a:rPr kumimoji="1" lang="en-US" altLang="ja-JP" sz="2000" b="1" dirty="0"/>
-              <a:t>every denominator</a:t>
-            </a:r>
-            <a:r>
-              <a:rPr kumimoji="1" lang="en-US" altLang="ja-JP" sz="2000" dirty="0"/>
-              <a:t> as long as specified by </a:t>
-            </a:r>
-            <a:r>
-              <a:rPr kumimoji="1" lang="en-US" altLang="ja-JP" sz="2000" b="1" dirty="0">
+              <a:t>-a 0.01</a:t>
+            </a:r>
+            <a:r>
+              <a:rPr kumimoji="1" lang="en-US" altLang="ja-JP" sz="2400" dirty="0"/>
+              <a:t>  or  </a:t>
+            </a:r>
+            <a:r>
+              <a:rPr kumimoji="1" lang="en-US" altLang="ja-JP" sz="2400" b="1" dirty="0">
                 <a:solidFill>
                   <a:srgbClr val="0432FF"/>
                 </a:solidFill>
               </a:rPr>
-              <a:t>–g </a:t>
-            </a:r>
-            <a:r>
-              <a:rPr kumimoji="1" lang="en-US" altLang="ja-JP" sz="2000" dirty="0"/>
-              <a:t>option.</a:t>
-            </a:r>
-          </a:p>
-          <a:p>
-            <a:r>
-              <a:rPr kumimoji="1" lang="en-US" altLang="ja-JP" sz="2000" dirty="0">
+              <a:t>-a</a:t>
+            </a:r>
+            <a:r>
+              <a:rPr kumimoji="1" lang="en-US" altLang="ja-JP" sz="2400" dirty="0"/>
+              <a:t> </a:t>
+            </a:r>
+            <a:r>
+              <a:rPr kumimoji="1" lang="en-US" altLang="ja-JP" sz="2400" b="1" dirty="0">
                 <a:solidFill>
                   <a:srgbClr val="0432FF"/>
                 </a:solidFill>
               </a:rPr>
-              <a:t>-y ,</a:t>
-            </a:r>
-            <a:r>
-              <a:rPr kumimoji="1" lang="en-US" altLang="ja-JP" sz="2000" dirty="0"/>
-              <a:t>  : only showing the denominators when </a:t>
-            </a:r>
-            <a:r>
-              <a:rPr kumimoji="1" lang="en-US" altLang="ja-JP" sz="2000" b="1" dirty="0"/>
-              <a:t>every given proportion</a:t>
-            </a:r>
-            <a:br>
-              <a:rPr kumimoji="1" lang="en-US" altLang="ja-JP" sz="2000" dirty="0"/>
-            </a:br>
-            <a:r>
-              <a:rPr kumimoji="1" lang="en-US" altLang="ja-JP" sz="2000" dirty="0"/>
-              <a:t>           </a:t>
-            </a:r>
-            <a:r>
-              <a:rPr kumimoji="1" lang="en-US" altLang="ja-JP" sz="2000" u="sng" dirty="0"/>
-              <a:t>has at least one corresponding integer numerator</a:t>
-            </a:r>
-            <a:r>
-              <a:rPr kumimoji="1" lang="en-US" altLang="ja-JP" sz="2000" dirty="0"/>
-              <a:t>.</a:t>
-            </a:r>
-          </a:p>
-          <a:p>
-            <a:r>
-              <a:rPr kumimoji="1" lang="en-US" altLang="ja-JP" sz="2000" dirty="0">
-                <a:solidFill>
-                  <a:srgbClr val="0432FF"/>
-                </a:solidFill>
-              </a:rPr>
-              <a:t>-y 1..</a:t>
-            </a:r>
-            <a:r>
-              <a:rPr kumimoji="1" lang="en-US" altLang="ja-JP" sz="2000" dirty="0"/>
-              <a:t>  : showing the denominators when at least one of given proportion</a:t>
-            </a:r>
-            <a:br>
-              <a:rPr kumimoji="1" lang="en-US" altLang="ja-JP" sz="2000" dirty="0"/>
-            </a:br>
-            <a:r>
-              <a:rPr kumimoji="1" lang="en-US" altLang="ja-JP" sz="2000" dirty="0"/>
-              <a:t>                 has the corresponding integer numerator. (</a:t>
-            </a:r>
-            <a:r>
-              <a:rPr kumimoji="1" lang="en-US" altLang="ja-JP" sz="2000" b="1" dirty="0"/>
-              <a:t>Default</a:t>
-            </a:r>
-            <a:r>
-              <a:rPr kumimoji="1" lang="en-US" altLang="ja-JP" sz="2000" dirty="0"/>
-              <a:t>)</a:t>
-            </a:r>
-          </a:p>
-          <a:p>
-            <a:r>
-              <a:rPr kumimoji="1" lang="en-US" altLang="ja-JP" sz="2000" dirty="0">
-                <a:solidFill>
-                  <a:srgbClr val="0432FF"/>
-                </a:solidFill>
-              </a:rPr>
-              <a:t>-y -2..</a:t>
-            </a:r>
-            <a:r>
-              <a:rPr kumimoji="1" lang="en-US" altLang="ja-JP" sz="2000" dirty="0"/>
-              <a:t>  : showing the denominators when every given proportion</a:t>
-            </a:r>
-            <a:br>
-              <a:rPr kumimoji="1" lang="en-US" altLang="ja-JP" sz="2000" dirty="0"/>
-            </a:br>
-            <a:r>
-              <a:rPr kumimoji="1" lang="en-US" altLang="ja-JP" sz="2000" dirty="0"/>
-              <a:t>                 has the corresponding integer numerator </a:t>
-            </a:r>
-            <a:br>
-              <a:rPr kumimoji="1" lang="en-US" altLang="ja-JP" sz="2000" dirty="0"/>
-            </a:br>
-            <a:r>
-              <a:rPr kumimoji="1" lang="en-US" altLang="ja-JP" sz="2000" dirty="0"/>
-              <a:t>                   allowing the </a:t>
-            </a:r>
-            <a:r>
-              <a:rPr kumimoji="1" lang="en-US" altLang="ja-JP" sz="2000" b="1" dirty="0"/>
-              <a:t>exceptions</a:t>
-            </a:r>
-            <a:r>
-              <a:rPr kumimoji="1" lang="en-US" altLang="ja-JP" sz="2000" dirty="0"/>
-              <a:t> within 2 of the proportions.</a:t>
+              <a:t>1%</a:t>
             </a:r>
           </a:p>
           <a:p>
             <a:pPr marL="0" indent="0">
               <a:buNone/>
             </a:pPr>
-            <a:r>
-              <a:rPr lang="en-US" altLang="ja-JP" sz="2000" dirty="0">
-                <a:solidFill>
-                  <a:srgbClr val="0432FF"/>
-                </a:solidFill>
-              </a:rPr>
-              <a:t>N..M</a:t>
-            </a:r>
-            <a:r>
-              <a:rPr lang="en-US" altLang="ja-JP" sz="2000" dirty="0"/>
-              <a:t> means the numerical range. </a:t>
-            </a:r>
-            <a:r>
-              <a:rPr lang="en-US" altLang="ja-JP" sz="2000" dirty="0">
-                <a:solidFill>
-                  <a:srgbClr val="0432FF"/>
-                </a:solidFill>
-              </a:rPr>
-              <a:t>N..</a:t>
-            </a:r>
-            <a:r>
-              <a:rPr lang="en-US" altLang="ja-JP" sz="2000" dirty="0"/>
-              <a:t> means n to the maximum. </a:t>
-            </a:r>
-            <a:r>
-              <a:rPr lang="en-US" altLang="ja-JP" sz="2000" dirty="0">
-                <a:solidFill>
-                  <a:srgbClr val="0432FF"/>
-                </a:solidFill>
-              </a:rPr>
-              <a:t>..M</a:t>
-            </a:r>
-            <a:r>
-              <a:rPr lang="en-US" altLang="ja-JP" sz="2000" dirty="0"/>
-              <a:t> means zero to M. When N or M is negative, it means (the maximum)-abs(N or M). Those types of range or a single number can be combined by comma(,).</a:t>
-            </a:r>
-            <a:endParaRPr kumimoji="1" lang="en-US" altLang="ja-JP" sz="2000" dirty="0"/>
-          </a:p>
-          <a:p>
-            <a:endParaRPr kumimoji="1" lang="ja-JP" altLang="en-US" sz="2000"/>
+            <a:endParaRPr kumimoji="1" lang="ja-JP" altLang="en-US" sz="2400" b="1">
+              <a:solidFill>
+                <a:srgbClr val="0432FF"/>
+              </a:solidFill>
+            </a:endParaRPr>
           </a:p>
         </p:txBody>
       </p:sp>
@@ -5242,7 +5263,7 @@
           <p:cNvPr id="4" name="スライド番号プレースホルダー 3">
             <a:extLst>
               <a:ext uri="{FF2B5EF4-FFF2-40B4-BE49-F238E27FC236}">
-                <a16:creationId xmlns:a16="http://schemas.microsoft.com/office/drawing/2014/main" id="{649F05BB-B3FB-4529-3B29-6C258BEAC413}"/>
+                <a16:creationId xmlns:a16="http://schemas.microsoft.com/office/drawing/2014/main" id="{20A62B19-A55F-E98F-CFA8-1CFB4738A2E9}"/>
               </a:ext>
             </a:extLst>
           </p:cNvPr>
@@ -5269,7 +5290,7 @@
     </p:spTree>
     <p:extLst>
       <p:ext uri="{BB962C8B-B14F-4D97-AF65-F5344CB8AC3E}">
-        <p14:creationId xmlns:p14="http://schemas.microsoft.com/office/powerpoint/2010/main" val="2125685854"/>
+        <p14:creationId xmlns:p14="http://schemas.microsoft.com/office/powerpoint/2010/main" val="3859435334"/>
       </p:ext>
     </p:extLst>
   </p:cSld>
@@ -5326,7 +5347,7 @@
           <a:p>
             <a:r>
               <a:rPr kumimoji="1" lang="en-US" altLang="ja-JP" dirty="0"/>
-              <a:t>Options in output</a:t>
+              <a:t>Options in the denominator filtering</a:t>
             </a:r>
             <a:endParaRPr kumimoji="1" lang="ja-JP" altLang="en-US"/>
           </a:p>
@@ -5350,13 +5371,13 @@
         </p:nvSpPr>
         <p:spPr>
           <a:xfrm>
-            <a:off x="628650" y="906449"/>
+            <a:off x="628650" y="1026092"/>
             <a:ext cx="7886700" cy="5270514"/>
           </a:xfrm>
         </p:spPr>
         <p:txBody>
           <a:bodyPr>
-            <a:normAutofit fontScale="92500" lnSpcReduction="10000"/>
+            <a:normAutofit/>
           </a:bodyPr>
           <a:lstStyle/>
           <a:p>
@@ -5366,196 +5387,42 @@
                   <a:srgbClr val="0432FF"/>
                 </a:solidFill>
               </a:rPr>
-              <a:t>-D0 </a:t>
+              <a:t>-g 100</a:t>
             </a:r>
             <a:r>
               <a:rPr kumimoji="1" lang="en-US" altLang="ja-JP" sz="2000" dirty="0"/>
-              <a:t>: showing the fraction form such as </a:t>
-            </a:r>
-            <a:r>
-              <a:rPr kumimoji="1" lang="en-US" altLang="ja-JP" sz="2000" b="1" dirty="0">
-                <a:solidFill>
-                  <a:schemeClr val="accent5">
-                    <a:lumMod val="75000"/>
-                  </a:schemeClr>
-                </a:solidFill>
-              </a:rPr>
-              <a:t>10/33</a:t>
+              <a:t> : getting 100 candidates in denominators from the smallest (1). </a:t>
+            </a:r>
+          </a:p>
+          <a:p>
+            <a:r>
+              <a:rPr kumimoji="1" lang="en-US" altLang="ja-JP" sz="2000" dirty="0">
+                <a:solidFill>
+                  <a:srgbClr val="0432FF"/>
+                </a:solidFill>
+              </a:rPr>
+              <a:t>-g 123,100</a:t>
             </a:r>
             <a:r>
               <a:rPr kumimoji="1" lang="en-US" altLang="ja-JP" sz="2000" dirty="0"/>
-              <a:t>. (</a:t>
-            </a:r>
-            <a:r>
-              <a:rPr kumimoji="1" lang="en-US" altLang="ja-JP" sz="2000" b="1" dirty="0"/>
-              <a:t>Default</a:t>
+              <a:t> : getting 100 candidates in denominators from the 123.</a:t>
+            </a:r>
+          </a:p>
+          <a:p>
+            <a:r>
+              <a:rPr kumimoji="1" lang="en-US" altLang="ja-JP" sz="2000" dirty="0">
+                <a:solidFill>
+                  <a:srgbClr val="0432FF"/>
+                </a:solidFill>
+              </a:rPr>
+              <a:t>-g 123,-10</a:t>
             </a:r>
             <a:r>
               <a:rPr kumimoji="1" lang="en-US" altLang="ja-JP" sz="2000" dirty="0"/>
-              <a:t> </a:t>
-            </a:r>
-            <a:r>
-              <a:rPr lang="en-US" altLang="ja-JP" sz="1800" dirty="0"/>
-              <a:t>※</a:t>
-            </a:r>
-            <a:r>
-              <a:rPr kumimoji="1" lang="en-US" altLang="ja-JP" sz="2000" dirty="0"/>
-              <a:t>)</a:t>
-            </a:r>
-          </a:p>
-          <a:p>
-            <a:r>
-              <a:rPr kumimoji="1" lang="en-US" altLang="ja-JP" sz="2000" dirty="0">
-                <a:solidFill>
-                  <a:srgbClr val="0432FF"/>
-                </a:solidFill>
-              </a:rPr>
-              <a:t>-D3</a:t>
-            </a:r>
-            <a:r>
-              <a:rPr kumimoji="1" lang="en-US" altLang="ja-JP" sz="2000" dirty="0"/>
-              <a:t> : showing also with 3 decimal places such as </a:t>
-            </a:r>
-            <a:r>
-              <a:rPr kumimoji="1" lang="en-US" altLang="ja-JP" sz="2000" b="1" dirty="0">
-                <a:solidFill>
-                  <a:schemeClr val="accent5">
-                    <a:lumMod val="75000"/>
-                  </a:schemeClr>
-                </a:solidFill>
-              </a:rPr>
-              <a:t>10/33=.303</a:t>
-            </a:r>
-          </a:p>
-          <a:p>
-            <a:r>
-              <a:rPr kumimoji="1" lang="en-US" altLang="ja-JP" sz="2000" dirty="0">
-                <a:solidFill>
-                  <a:srgbClr val="0432FF"/>
-                </a:solidFill>
-              </a:rPr>
-              <a:t>-D4%</a:t>
-            </a:r>
-            <a:r>
-              <a:rPr kumimoji="1" lang="en-US" altLang="ja-JP" sz="2000" dirty="0"/>
-              <a:t> : in 4 decimal places in percentage such as </a:t>
-            </a:r>
-            <a:r>
-              <a:rPr kumimoji="1" lang="en-US" altLang="ja-JP" sz="2000" b="1" dirty="0">
-                <a:solidFill>
-                  <a:schemeClr val="accent5">
-                    <a:lumMod val="75000"/>
-                  </a:schemeClr>
-                </a:solidFill>
-              </a:rPr>
-              <a:t>10/33=30.3030%</a:t>
-            </a:r>
-          </a:p>
-          <a:p>
-            <a:r>
-              <a:rPr kumimoji="1" lang="en-US" altLang="ja-JP" sz="2000" dirty="0">
-                <a:solidFill>
-                  <a:srgbClr val="0432FF"/>
-                </a:solidFill>
-              </a:rPr>
-              <a:t>-D-5</a:t>
-            </a:r>
-            <a:r>
-              <a:rPr kumimoji="1" lang="en-US" altLang="ja-JP" sz="2000" dirty="0"/>
-              <a:t> : showing the difference to realize the given proportion with 5 decimal places </a:t>
-            </a:r>
-            <a:r>
-              <a:rPr kumimoji="1" lang="en-US" altLang="ja-JP" sz="2000" b="1" dirty="0">
-                <a:solidFill>
-                  <a:schemeClr val="accent5">
-                    <a:lumMod val="75000"/>
-                  </a:schemeClr>
-                </a:solidFill>
-              </a:rPr>
-              <a:t>10/33-.00003</a:t>
-            </a:r>
-            <a:r>
-              <a:rPr kumimoji="1" lang="en-US" altLang="ja-JP" sz="2000" dirty="0">
-                <a:solidFill>
-                  <a:schemeClr val="accent5">
-                    <a:lumMod val="75000"/>
-                  </a:schemeClr>
-                </a:solidFill>
-              </a:rPr>
-              <a:t> </a:t>
-            </a:r>
-            <a:r>
-              <a:rPr kumimoji="1" lang="en-US" altLang="ja-JP" sz="2000" dirty="0"/>
-              <a:t>for a given proportion</a:t>
-            </a:r>
-            <a:r>
-              <a:rPr kumimoji="1" lang="en-US" altLang="ja-JP" sz="2000" dirty="0">
-                <a:solidFill>
-                  <a:srgbClr val="0432FF"/>
-                </a:solidFill>
-              </a:rPr>
-              <a:t> 0.303</a:t>
-            </a:r>
-          </a:p>
-          <a:p>
-            <a:r>
-              <a:rPr kumimoji="1" lang="en-US" altLang="ja-JP" sz="2000" dirty="0">
-                <a:solidFill>
-                  <a:srgbClr val="0432FF"/>
-                </a:solidFill>
-              </a:rPr>
-              <a:t>-D-6%</a:t>
-            </a:r>
-            <a:r>
-              <a:rPr kumimoji="1" lang="en-US" altLang="ja-JP" sz="2000" dirty="0"/>
-              <a:t> : showing the difference to realize the given proportion </a:t>
-            </a:r>
-            <a:br>
-              <a:rPr kumimoji="1" lang="en-US" altLang="ja-JP" sz="2000" dirty="0"/>
-            </a:br>
-            <a:r>
-              <a:rPr kumimoji="1" lang="en-US" altLang="ja-JP" sz="2000" dirty="0"/>
-              <a:t>  with 6 decimal places such as </a:t>
-            </a:r>
-            <a:r>
-              <a:rPr kumimoji="1" lang="en-US" altLang="ja-JP" sz="2000" b="1" dirty="0">
-                <a:solidFill>
-                  <a:schemeClr val="accent5">
-                    <a:lumMod val="75000"/>
-                  </a:schemeClr>
-                </a:solidFill>
-              </a:rPr>
-              <a:t>10/33-. 00303%</a:t>
-            </a:r>
-            <a:r>
-              <a:rPr kumimoji="1" lang="en-US" altLang="ja-JP" sz="2000" dirty="0">
-                <a:solidFill>
-                  <a:schemeClr val="accent5">
-                    <a:lumMod val="75000"/>
-                  </a:schemeClr>
-                </a:solidFill>
-              </a:rPr>
-              <a:t> </a:t>
-            </a:r>
-            <a:r>
-              <a:rPr kumimoji="1" lang="en-US" altLang="ja-JP" sz="2000" dirty="0"/>
-              <a:t>for a proportion</a:t>
-            </a:r>
-            <a:r>
-              <a:rPr kumimoji="1" lang="en-US" altLang="ja-JP" sz="2000" dirty="0">
-                <a:solidFill>
-                  <a:srgbClr val="0432FF"/>
-                </a:solidFill>
-              </a:rPr>
-              <a:t> 0.303</a:t>
-            </a:r>
-            <a:br>
-              <a:rPr kumimoji="1" lang="en-US" altLang="ja-JP" sz="2000" dirty="0">
-                <a:solidFill>
-                  <a:srgbClr val="0432FF"/>
-                </a:solidFill>
-              </a:rPr>
-            </a:br>
+              <a:t> : getting 10 candidates from the 123 in descending order.</a:t>
+            </a:r>
+          </a:p>
+          <a:p>
             <a:endParaRPr kumimoji="1" lang="en-US" altLang="ja-JP" sz="2000" dirty="0">
               <a:solidFill>
                 <a:srgbClr val="0432FF"/>
@@ -5564,223 +5431,180 @@
           </a:p>
           <a:p>
             <a:r>
-              <a:rPr lang="en-US" altLang="ja-JP" sz="2000" b="1" dirty="0">
+              <a:rPr kumimoji="1" lang="en-US" altLang="ja-JP" sz="2000" dirty="0">
                 <a:solidFill>
                   <a:srgbClr val="0432FF"/>
                 </a:solidFill>
               </a:rPr>
-              <a:t>-I</a:t>
-            </a:r>
-            <a:r>
-              <a:rPr lang="en-US" altLang="ja-JP" sz="2000" dirty="0"/>
-              <a:t> : showing the interval of possible numerators on </a:t>
-            </a:r>
-            <a:r>
-              <a:rPr lang="en-US" altLang="ja-JP" sz="1800" b="0" i="0" dirty="0" err="1">
-                <a:solidFill>
-                  <a:srgbClr val="202122"/>
-                </a:solidFill>
-                <a:effectLst/>
-                <a:latin typeface="TITUS Cyberbit Basic"/>
-              </a:rPr>
-              <a:t>ℝ</a:t>
-            </a:r>
-            <a:r>
-              <a:rPr lang="en-US" altLang="ja-JP" sz="2000" b="0" i="0" dirty="0">
-                <a:solidFill>
-                  <a:srgbClr val="202122"/>
-                </a:solidFill>
-                <a:effectLst/>
-                <a:latin typeface="TITUS Cyberbit Basic"/>
-              </a:rPr>
-              <a:t>, </a:t>
-            </a:r>
-            <a:r>
-              <a:rPr lang="en-US" altLang="ja-JP" sz="2000" dirty="0"/>
-              <a:t> not only </a:t>
-            </a:r>
-            <a:r>
-              <a:rPr lang="en-US" altLang="ja-JP" sz="2000" b="0" i="0" dirty="0" err="1">
-                <a:solidFill>
-                  <a:srgbClr val="202122"/>
-                </a:solidFill>
-                <a:effectLst/>
-                <a:latin typeface="TITUS Cyberbit Basic"/>
-              </a:rPr>
-              <a:t>ℤ</a:t>
-            </a:r>
-            <a:r>
-              <a:rPr lang="en-US" altLang="ja-JP" sz="1400" b="0" i="0" dirty="0">
-                <a:solidFill>
-                  <a:srgbClr val="202122"/>
-                </a:solidFill>
-                <a:effectLst/>
-                <a:latin typeface="TITUS Cyberbit Basic"/>
-              </a:rPr>
-              <a:t>.</a:t>
-            </a:r>
-            <a:br>
-              <a:rPr lang="en-US" altLang="ja-JP" sz="1400" b="0" i="0" dirty="0">
-                <a:solidFill>
-                  <a:srgbClr val="202122"/>
-                </a:solidFill>
-                <a:effectLst/>
-                <a:latin typeface="TITUS Cyberbit Basic"/>
-              </a:rPr>
-            </a:br>
-            <a:r>
-              <a:rPr lang="en-US" altLang="ja-JP" sz="1400" b="0" i="0" dirty="0">
-                <a:solidFill>
-                  <a:srgbClr val="202122"/>
-                </a:solidFill>
-                <a:effectLst/>
-                <a:latin typeface="TITUS Cyberbit Basic"/>
-              </a:rPr>
-              <a:t>          </a:t>
-            </a:r>
-            <a:r>
-              <a:rPr lang="en-US" altLang="ja-JP" sz="2000" dirty="0">
-                <a:solidFill>
-                  <a:srgbClr val="202122"/>
-                </a:solidFill>
-                <a:latin typeface="TITUS Cyberbit Basic"/>
-              </a:rPr>
-              <a:t>If the interval contains any integer it is shown in green color.</a:t>
-            </a:r>
-          </a:p>
-          <a:p>
+              <a:t>-y .. </a:t>
+            </a:r>
+            <a:r>
+              <a:rPr kumimoji="1" lang="en-US" altLang="ja-JP" sz="2000" dirty="0"/>
+              <a:t>: showing </a:t>
+            </a:r>
+            <a:r>
+              <a:rPr kumimoji="1" lang="en-US" altLang="ja-JP" sz="2000" b="1" dirty="0"/>
+              <a:t>every denominator</a:t>
+            </a:r>
+            <a:r>
+              <a:rPr kumimoji="1" lang="en-US" altLang="ja-JP" sz="2000" dirty="0"/>
+              <a:t> as long as specified by </a:t>
+            </a:r>
             <a:r>
               <a:rPr kumimoji="1" lang="en-US" altLang="ja-JP" sz="2000" b="1" dirty="0">
                 <a:solidFill>
                   <a:srgbClr val="0432FF"/>
                 </a:solidFill>
               </a:rPr>
-              <a:t>-Q</a:t>
+              <a:t>–g </a:t>
             </a:r>
             <a:r>
               <a:rPr kumimoji="1" lang="en-US" altLang="ja-JP" sz="2000" dirty="0"/>
-              <a:t> : showing the numerators in a simplest way.  </a:t>
+              <a:t>option.</a:t>
+            </a:r>
+          </a:p>
+          <a:p>
+            <a:r>
+              <a:rPr kumimoji="1" lang="en-US" altLang="ja-JP" sz="2000" dirty="0">
+                <a:solidFill>
+                  <a:srgbClr val="0432FF"/>
+                </a:solidFill>
+              </a:rPr>
+              <a:t>-y ,</a:t>
+            </a:r>
+            <a:r>
+              <a:rPr kumimoji="1" lang="en-US" altLang="ja-JP" sz="2000" dirty="0"/>
+              <a:t>  : only showing the denominators when </a:t>
+            </a:r>
+            <a:r>
+              <a:rPr kumimoji="1" lang="en-US" altLang="ja-JP" sz="2000" b="1" dirty="0"/>
+              <a:t>every given proportion</a:t>
             </a:r>
             <a:br>
               <a:rPr kumimoji="1" lang="en-US" altLang="ja-JP" sz="2000" dirty="0"/>
             </a:br>
             <a:r>
               <a:rPr kumimoji="1" lang="en-US" altLang="ja-JP" sz="2000" dirty="0"/>
-              <a:t>         Extra1. </a:t>
-            </a:r>
-            <a:r>
-              <a:rPr lang="en-US" altLang="ja-JP" sz="2000" dirty="0"/>
-              <a:t>When only one proportion is given, </a:t>
-            </a:r>
-            <a:br>
-              <a:rPr lang="en-US" altLang="ja-JP" sz="2000" dirty="0"/>
-            </a:br>
-            <a:r>
-              <a:rPr lang="en-US" altLang="ja-JP" sz="2000" dirty="0"/>
-              <a:t>                    the denominator is shown with its prime factorization as well.</a:t>
-            </a:r>
-            <a:br>
-              <a:rPr lang="en-US" altLang="ja-JP" sz="2000" dirty="0"/>
-            </a:br>
-            <a:r>
-              <a:rPr lang="en-US" altLang="ja-JP" sz="2000" dirty="0"/>
-              <a:t>        </a:t>
+              <a:t>           </a:t>
+            </a:r>
+            <a:r>
+              <a:rPr kumimoji="1" lang="en-US" altLang="ja-JP" sz="2000" u="sng" dirty="0"/>
+              <a:t>has at least one corresponding integer numerator</a:t>
             </a:r>
             <a:r>
               <a:rPr kumimoji="1" lang="en-US" altLang="ja-JP" sz="2000" dirty="0"/>
-              <a:t> Extra2. To see all the numerators are odd (2q+1) or even (2q),</a:t>
+              <a:t>.</a:t>
+            </a:r>
+          </a:p>
+          <a:p>
+            <a:r>
+              <a:rPr kumimoji="1" lang="en-US" altLang="ja-JP" sz="2000" dirty="0">
+                <a:solidFill>
+                  <a:srgbClr val="0432FF"/>
+                </a:solidFill>
+              </a:rPr>
+              <a:t>-y 1..</a:t>
+            </a:r>
+            <a:r>
+              <a:rPr kumimoji="1" lang="en-US" altLang="ja-JP" sz="2000" dirty="0"/>
+              <a:t>  : showing the denominators when at least one of given proportion</a:t>
             </a:r>
             <a:br>
               <a:rPr kumimoji="1" lang="en-US" altLang="ja-JP" sz="2000" dirty="0"/>
             </a:br>
             <a:r>
               <a:rPr kumimoji="1" lang="en-US" altLang="ja-JP" sz="2000" dirty="0"/>
-              <a:t>                     if they have a common reminder R against a devisor D,</a:t>
+              <a:t>                 has the corresponding integer numerator. (</a:t>
+            </a:r>
+            <a:r>
+              <a:rPr kumimoji="1" lang="en-US" altLang="ja-JP" sz="2000" b="1" dirty="0"/>
+              <a:t>Default</a:t>
+            </a:r>
+            <a:r>
+              <a:rPr kumimoji="1" lang="en-US" altLang="ja-JP" sz="2000" dirty="0"/>
+              <a:t>)</a:t>
+            </a:r>
+          </a:p>
+          <a:p>
+            <a:r>
+              <a:rPr kumimoji="1" lang="en-US" altLang="ja-JP" sz="2000" dirty="0">
+                <a:solidFill>
+                  <a:srgbClr val="0432FF"/>
+                </a:solidFill>
+              </a:rPr>
+              <a:t>-y -2..</a:t>
+            </a:r>
+            <a:r>
+              <a:rPr kumimoji="1" lang="en-US" altLang="ja-JP" sz="2000" dirty="0"/>
+              <a:t>  : showing the denominators when every given proportion</a:t>
             </a:r>
             <a:br>
               <a:rPr kumimoji="1" lang="en-US" altLang="ja-JP" sz="2000" dirty="0"/>
             </a:br>
             <a:r>
               <a:rPr kumimoji="1" lang="en-US" altLang="ja-JP" sz="2000" dirty="0"/>
-              <a:t>                      they are shown with a form “(</a:t>
-            </a:r>
-            <a:r>
-              <a:rPr kumimoji="1" lang="en-US" altLang="ja-JP" sz="2000" dirty="0" err="1"/>
-              <a:t>Dq+R</a:t>
-            </a:r>
-            <a:r>
+              <a:t>                 has the corresponding integer numerator </a:t>
+            </a:r>
+            <a:br>
               <a:rPr kumimoji="1" lang="en-US" altLang="ja-JP" sz="2000" dirty="0"/>
-              <a:t>)” as well.</a:t>
-            </a:r>
-            <a:br>
-              <a:rPr lang="en-US" altLang="ja-JP" sz="2000" dirty="0"/>
             </a:br>
-            <a:endParaRPr kumimoji="1" lang="en-US" altLang="ja-JP" sz="2000" dirty="0"/>
+            <a:r>
+              <a:rPr kumimoji="1" lang="en-US" altLang="ja-JP" sz="2000" dirty="0"/>
+              <a:t>                   allowing the </a:t>
+            </a:r>
+            <a:r>
+              <a:rPr kumimoji="1" lang="en-US" altLang="ja-JP" sz="2000" b="1" dirty="0"/>
+              <a:t>exceptions</a:t>
+            </a:r>
+            <a:r>
+              <a:rPr kumimoji="1" lang="en-US" altLang="ja-JP" sz="2000" dirty="0"/>
+              <a:t> within 2 of the proportions.</a:t>
+            </a:r>
           </a:p>
           <a:p>
             <a:pPr marL="0" indent="0">
               <a:buNone/>
             </a:pPr>
             <a:r>
-              <a:rPr lang="en-US" altLang="ja-JP" sz="1900" dirty="0"/>
-              <a:t>※</a:t>
-            </a:r>
-            <a:r>
-              <a:rPr lang="ja-JP" altLang="en-US" sz="1900"/>
-              <a:t> </a:t>
-            </a:r>
-            <a:r>
-              <a:rPr kumimoji="1" lang="en-US" altLang="ja-JP" sz="2000" dirty="0"/>
-              <a:t>If </a:t>
-            </a:r>
-            <a:r>
-              <a:rPr kumimoji="1" lang="en-US" altLang="ja-JP" sz="2000" b="1" dirty="0">
+              <a:rPr lang="en-US" altLang="ja-JP" sz="2000" dirty="0">
                 <a:solidFill>
                   <a:srgbClr val="0432FF"/>
                 </a:solidFill>
               </a:rPr>
-              <a:t>–D</a:t>
-            </a:r>
-            <a:r>
-              <a:rPr kumimoji="1" lang="en-US" altLang="ja-JP" sz="2000" dirty="0"/>
-              <a:t> , </a:t>
-            </a:r>
-            <a:r>
-              <a:rPr kumimoji="1" lang="en-US" altLang="ja-JP" sz="2000" b="1" dirty="0">
+              <a:t>N..M</a:t>
+            </a:r>
+            <a:r>
+              <a:rPr lang="en-US" altLang="ja-JP" sz="2000" dirty="0"/>
+              <a:t> means the numerical range. </a:t>
+            </a:r>
+            <a:r>
+              <a:rPr lang="en-US" altLang="ja-JP" sz="2000" dirty="0">
                 <a:solidFill>
                   <a:srgbClr val="0432FF"/>
                 </a:solidFill>
               </a:rPr>
-              <a:t>–I</a:t>
-            </a:r>
-            <a:r>
-              <a:rPr kumimoji="1" lang="en-US" altLang="ja-JP" sz="2000" dirty="0"/>
-              <a:t> and </a:t>
-            </a:r>
-            <a:r>
-              <a:rPr kumimoji="1" lang="en-US" altLang="ja-JP" sz="2000" b="1" dirty="0">
+              <a:t>N..</a:t>
+            </a:r>
+            <a:r>
+              <a:rPr lang="en-US" altLang="ja-JP" sz="2000" dirty="0"/>
+              <a:t> means n to the maximum. </a:t>
+            </a:r>
+            <a:r>
+              <a:rPr lang="en-US" altLang="ja-JP" sz="2000" dirty="0">
                 <a:solidFill>
                   <a:srgbClr val="0432FF"/>
                 </a:solidFill>
               </a:rPr>
-              <a:t>–Q</a:t>
-            </a:r>
-            <a:r>
-              <a:rPr kumimoji="1" lang="en-US" altLang="ja-JP" sz="2000" dirty="0"/>
-              <a:t> are not given, </a:t>
-            </a:r>
-            <a:r>
-              <a:rPr kumimoji="1" lang="en-US" altLang="ja-JP" sz="2000" b="1" dirty="0">
-                <a:solidFill>
-                  <a:srgbClr val="0432FF"/>
-                </a:solidFill>
-              </a:rPr>
-              <a:t>-D0</a:t>
-            </a:r>
-            <a:r>
-              <a:rPr kumimoji="1" lang="en-US" altLang="ja-JP" sz="2000" dirty="0"/>
-              <a:t> is regarded to be specified internally.</a:t>
-            </a:r>
+              <a:t>..M</a:t>
+            </a:r>
+            <a:r>
+              <a:rPr lang="en-US" altLang="ja-JP" sz="2000" dirty="0"/>
+              <a:t> means zero to M. When N or M is negative, it means (the maximum)-abs(N or M). Those types of range or a single number can be combined by comma(,).</a:t>
+            </a:r>
+            <a:endParaRPr kumimoji="1" lang="en-US" altLang="ja-JP" sz="2000" dirty="0"/>
+          </a:p>
+          <a:p>
+            <a:endParaRPr kumimoji="1" lang="ja-JP" altLang="en-US" sz="2000"/>
           </a:p>
         </p:txBody>
       </p:sp>
@@ -5808,6 +5632,553 @@
             <a:fld id="{63C814F0-333B-8D45-B387-98F69425B688}" type="slidenum">
               <a:rPr kumimoji="1" lang="ja-JP" altLang="en-US" smtClean="0"/>
               <a:t>14</a:t>
+            </a:fld>
+            <a:endParaRPr kumimoji="1" lang="ja-JP" altLang="en-US"/>
+          </a:p>
+        </p:txBody>
+      </p:sp>
+    </p:spTree>
+    <p:extLst>
+      <p:ext uri="{BB962C8B-B14F-4D97-AF65-F5344CB8AC3E}">
+        <p14:creationId xmlns:p14="http://schemas.microsoft.com/office/powerpoint/2010/main" val="2125685854"/>
+      </p:ext>
+    </p:extLst>
+  </p:cSld>
+  <p:clrMapOvr>
+    <a:masterClrMapping/>
+  </p:clrMapOvr>
+</p:sld>
+</file>
+
+<file path=ppt/slides/slide15.xml><?xml version="1.0" encoding="utf-8"?>
+<p:sld xmlns:a="http://schemas.openxmlformats.org/drawingml/2006/main" xmlns:r="http://schemas.openxmlformats.org/officeDocument/2006/relationships" xmlns:p="http://schemas.openxmlformats.org/presentationml/2006/main">
+  <p:cSld>
+    <p:spTree>
+      <p:nvGrpSpPr>
+        <p:cNvPr id="1" name=""/>
+        <p:cNvGrpSpPr/>
+        <p:nvPr/>
+      </p:nvGrpSpPr>
+      <p:grpSpPr>
+        <a:xfrm>
+          <a:off x="0" y="0"/>
+          <a:ext cx="0" cy="0"/>
+          <a:chOff x="0" y="0"/>
+          <a:chExt cx="0" cy="0"/>
+        </a:xfrm>
+      </p:grpSpPr>
+      <p:sp>
+        <p:nvSpPr>
+          <p:cNvPr id="2" name="タイトル 1">
+            <a:extLst>
+              <a:ext uri="{FF2B5EF4-FFF2-40B4-BE49-F238E27FC236}">
+                <a16:creationId xmlns:a16="http://schemas.microsoft.com/office/drawing/2014/main" id="{D6C10A47-1CBC-AF40-F2E8-ABF5F56F77D2}"/>
+              </a:ext>
+            </a:extLst>
+          </p:cNvPr>
+          <p:cNvSpPr>
+            <a:spLocks noGrp="1"/>
+          </p:cNvSpPr>
+          <p:nvPr>
+            <p:ph type="title"/>
+          </p:nvPr>
+        </p:nvSpPr>
+        <p:spPr>
+          <a:xfrm>
+            <a:off x="628650" y="365126"/>
+            <a:ext cx="7886700" cy="315911"/>
+          </a:xfrm>
+        </p:spPr>
+        <p:txBody>
+          <a:bodyPr>
+            <a:normAutofit fontScale="90000"/>
+          </a:bodyPr>
+          <a:lstStyle/>
+          <a:p>
+            <a:r>
+              <a:rPr kumimoji="1" lang="en-US" altLang="ja-JP" dirty="0"/>
+              <a:t>Options in output</a:t>
+            </a:r>
+            <a:endParaRPr kumimoji="1" lang="ja-JP" altLang="en-US"/>
+          </a:p>
+        </p:txBody>
+      </p:sp>
+      <p:sp>
+        <p:nvSpPr>
+          <p:cNvPr id="3" name="コンテンツ プレースホルダー 2">
+            <a:extLst>
+              <a:ext uri="{FF2B5EF4-FFF2-40B4-BE49-F238E27FC236}">
+                <a16:creationId xmlns:a16="http://schemas.microsoft.com/office/drawing/2014/main" id="{C81BD508-E147-CF3C-1307-85ED77A84112}"/>
+              </a:ext>
+            </a:extLst>
+          </p:cNvPr>
+          <p:cNvSpPr>
+            <a:spLocks noGrp="1"/>
+          </p:cNvSpPr>
+          <p:nvPr>
+            <p:ph idx="1"/>
+          </p:nvPr>
+        </p:nvSpPr>
+        <p:spPr>
+          <a:xfrm>
+            <a:off x="628650" y="906449"/>
+            <a:ext cx="7886700" cy="5270514"/>
+          </a:xfrm>
+        </p:spPr>
+        <p:txBody>
+          <a:bodyPr>
+            <a:normAutofit fontScale="92500" lnSpcReduction="10000"/>
+          </a:bodyPr>
+          <a:lstStyle/>
+          <a:p>
+            <a:r>
+              <a:rPr kumimoji="1" lang="en-US" altLang="ja-JP" sz="2000" dirty="0">
+                <a:solidFill>
+                  <a:srgbClr val="0432FF"/>
+                </a:solidFill>
+              </a:rPr>
+              <a:t>-D0 </a:t>
+            </a:r>
+            <a:r>
+              <a:rPr kumimoji="1" lang="en-US" altLang="ja-JP" sz="2000" dirty="0"/>
+              <a:t>: showing the fraction form such as </a:t>
+            </a:r>
+            <a:r>
+              <a:rPr kumimoji="1" lang="en-US" altLang="ja-JP" sz="2000" b="1" dirty="0">
+                <a:solidFill>
+                  <a:schemeClr val="accent5">
+                    <a:lumMod val="75000"/>
+                  </a:schemeClr>
+                </a:solidFill>
+              </a:rPr>
+              <a:t>10/33</a:t>
+            </a:r>
+            <a:r>
+              <a:rPr kumimoji="1" lang="en-US" altLang="ja-JP" sz="2000" dirty="0"/>
+              <a:t>. (</a:t>
+            </a:r>
+            <a:r>
+              <a:rPr kumimoji="1" lang="en-US" altLang="ja-JP" sz="2000" b="1" dirty="0"/>
+              <a:t>Default</a:t>
+            </a:r>
+            <a:r>
+              <a:rPr kumimoji="1" lang="en-US" altLang="ja-JP" sz="2000" dirty="0"/>
+              <a:t> </a:t>
+            </a:r>
+            <a:r>
+              <a:rPr lang="en-US" altLang="ja-JP" sz="1800" dirty="0"/>
+              <a:t>※</a:t>
+            </a:r>
+            <a:r>
+              <a:rPr kumimoji="1" lang="en-US" altLang="ja-JP" sz="2000" dirty="0"/>
+              <a:t>)</a:t>
+            </a:r>
+          </a:p>
+          <a:p>
+            <a:r>
+              <a:rPr kumimoji="1" lang="en-US" altLang="ja-JP" sz="2000" dirty="0">
+                <a:solidFill>
+                  <a:srgbClr val="0432FF"/>
+                </a:solidFill>
+              </a:rPr>
+              <a:t>-D3</a:t>
+            </a:r>
+            <a:r>
+              <a:rPr kumimoji="1" lang="en-US" altLang="ja-JP" sz="2000" dirty="0"/>
+              <a:t> : showing also with 3 decimal places such as </a:t>
+            </a:r>
+            <a:r>
+              <a:rPr kumimoji="1" lang="en-US" altLang="ja-JP" sz="2000" b="1" dirty="0">
+                <a:solidFill>
+                  <a:schemeClr val="accent5">
+                    <a:lumMod val="75000"/>
+                  </a:schemeClr>
+                </a:solidFill>
+              </a:rPr>
+              <a:t>10/33=.303</a:t>
+            </a:r>
+          </a:p>
+          <a:p>
+            <a:r>
+              <a:rPr kumimoji="1" lang="en-US" altLang="ja-JP" sz="2000" dirty="0">
+                <a:solidFill>
+                  <a:srgbClr val="0432FF"/>
+                </a:solidFill>
+              </a:rPr>
+              <a:t>-D4%</a:t>
+            </a:r>
+            <a:r>
+              <a:rPr kumimoji="1" lang="en-US" altLang="ja-JP" sz="2000" dirty="0"/>
+              <a:t> : in 4 decimal places in percentage such as </a:t>
+            </a:r>
+            <a:r>
+              <a:rPr kumimoji="1" lang="en-US" altLang="ja-JP" sz="2000" b="1" dirty="0">
+                <a:solidFill>
+                  <a:schemeClr val="accent5">
+                    <a:lumMod val="75000"/>
+                  </a:schemeClr>
+                </a:solidFill>
+              </a:rPr>
+              <a:t>10/33=30.3030%</a:t>
+            </a:r>
+          </a:p>
+          <a:p>
+            <a:r>
+              <a:rPr kumimoji="1" lang="en-US" altLang="ja-JP" sz="2000" dirty="0">
+                <a:solidFill>
+                  <a:srgbClr val="0432FF"/>
+                </a:solidFill>
+              </a:rPr>
+              <a:t>-D-5</a:t>
+            </a:r>
+            <a:r>
+              <a:rPr kumimoji="1" lang="en-US" altLang="ja-JP" sz="2000" dirty="0"/>
+              <a:t> : showing the difference to realize the given proportion with 5 decimal places </a:t>
+            </a:r>
+            <a:r>
+              <a:rPr kumimoji="1" lang="en-US" altLang="ja-JP" sz="2000" b="1" dirty="0">
+                <a:solidFill>
+                  <a:schemeClr val="accent5">
+                    <a:lumMod val="75000"/>
+                  </a:schemeClr>
+                </a:solidFill>
+              </a:rPr>
+              <a:t>10/33-.00003</a:t>
+            </a:r>
+            <a:r>
+              <a:rPr kumimoji="1" lang="en-US" altLang="ja-JP" sz="2000" dirty="0">
+                <a:solidFill>
+                  <a:schemeClr val="accent5">
+                    <a:lumMod val="75000"/>
+                  </a:schemeClr>
+                </a:solidFill>
+              </a:rPr>
+              <a:t> </a:t>
+            </a:r>
+            <a:r>
+              <a:rPr kumimoji="1" lang="en-US" altLang="ja-JP" sz="2000" dirty="0"/>
+              <a:t>for a given proportion</a:t>
+            </a:r>
+            <a:r>
+              <a:rPr kumimoji="1" lang="en-US" altLang="ja-JP" sz="2000" dirty="0">
+                <a:solidFill>
+                  <a:srgbClr val="0432FF"/>
+                </a:solidFill>
+              </a:rPr>
+              <a:t> 0.303</a:t>
+            </a:r>
+          </a:p>
+          <a:p>
+            <a:r>
+              <a:rPr kumimoji="1" lang="en-US" altLang="ja-JP" sz="2000" dirty="0">
+                <a:solidFill>
+                  <a:srgbClr val="0432FF"/>
+                </a:solidFill>
+              </a:rPr>
+              <a:t>-D-6%</a:t>
+            </a:r>
+            <a:r>
+              <a:rPr kumimoji="1" lang="en-US" altLang="ja-JP" sz="2000" dirty="0"/>
+              <a:t> : showing the difference to realize the given proportion </a:t>
+            </a:r>
+            <a:br>
+              <a:rPr kumimoji="1" lang="en-US" altLang="ja-JP" sz="2000" dirty="0"/>
+            </a:br>
+            <a:r>
+              <a:rPr kumimoji="1" lang="en-US" altLang="ja-JP" sz="2000" dirty="0"/>
+              <a:t>  with 6 decimal places such as </a:t>
+            </a:r>
+            <a:r>
+              <a:rPr kumimoji="1" lang="en-US" altLang="ja-JP" sz="2000" b="1" dirty="0">
+                <a:solidFill>
+                  <a:schemeClr val="accent5">
+                    <a:lumMod val="75000"/>
+                  </a:schemeClr>
+                </a:solidFill>
+              </a:rPr>
+              <a:t>10/33-. 00303%</a:t>
+            </a:r>
+            <a:r>
+              <a:rPr kumimoji="1" lang="en-US" altLang="ja-JP" sz="2000" dirty="0">
+                <a:solidFill>
+                  <a:schemeClr val="accent5">
+                    <a:lumMod val="75000"/>
+                  </a:schemeClr>
+                </a:solidFill>
+              </a:rPr>
+              <a:t> </a:t>
+            </a:r>
+            <a:r>
+              <a:rPr kumimoji="1" lang="en-US" altLang="ja-JP" sz="2000" dirty="0"/>
+              <a:t>for a proportion</a:t>
+            </a:r>
+            <a:r>
+              <a:rPr kumimoji="1" lang="en-US" altLang="ja-JP" sz="2000" dirty="0">
+                <a:solidFill>
+                  <a:srgbClr val="0432FF"/>
+                </a:solidFill>
+              </a:rPr>
+              <a:t> 0.303</a:t>
+            </a:r>
+            <a:br>
+              <a:rPr kumimoji="1" lang="en-US" altLang="ja-JP" sz="2000" dirty="0">
+                <a:solidFill>
+                  <a:srgbClr val="0432FF"/>
+                </a:solidFill>
+              </a:rPr>
+            </a:br>
+            <a:endParaRPr kumimoji="1" lang="en-US" altLang="ja-JP" sz="2000" dirty="0">
+              <a:solidFill>
+                <a:srgbClr val="0432FF"/>
+              </a:solidFill>
+            </a:endParaRPr>
+          </a:p>
+          <a:p>
+            <a:r>
+              <a:rPr lang="en-US" altLang="ja-JP" sz="2000" b="1" dirty="0">
+                <a:solidFill>
+                  <a:srgbClr val="0432FF"/>
+                </a:solidFill>
+              </a:rPr>
+              <a:t>-I</a:t>
+            </a:r>
+            <a:r>
+              <a:rPr lang="en-US" altLang="ja-JP" sz="2000" dirty="0"/>
+              <a:t> : showing the interval of possible numerators on </a:t>
+            </a:r>
+            <a:r>
+              <a:rPr lang="en-US" altLang="ja-JP" sz="1800" b="0" i="0" dirty="0" err="1">
+                <a:solidFill>
+                  <a:srgbClr val="202122"/>
+                </a:solidFill>
+                <a:effectLst/>
+                <a:latin typeface="TITUS Cyberbit Basic"/>
+              </a:rPr>
+              <a:t>ℝ</a:t>
+            </a:r>
+            <a:r>
+              <a:rPr lang="en-US" altLang="ja-JP" sz="2000" b="0" i="0" dirty="0">
+                <a:solidFill>
+                  <a:srgbClr val="202122"/>
+                </a:solidFill>
+                <a:effectLst/>
+                <a:latin typeface="TITUS Cyberbit Basic"/>
+              </a:rPr>
+              <a:t>, </a:t>
+            </a:r>
+            <a:r>
+              <a:rPr lang="en-US" altLang="ja-JP" sz="2000" dirty="0"/>
+              <a:t> not only </a:t>
+            </a:r>
+            <a:r>
+              <a:rPr lang="en-US" altLang="ja-JP" sz="2000" b="0" i="0" dirty="0" err="1">
+                <a:solidFill>
+                  <a:srgbClr val="202122"/>
+                </a:solidFill>
+                <a:effectLst/>
+                <a:latin typeface="TITUS Cyberbit Basic"/>
+              </a:rPr>
+              <a:t>ℤ</a:t>
+            </a:r>
+            <a:r>
+              <a:rPr lang="en-US" altLang="ja-JP" sz="1400" b="0" i="0" dirty="0">
+                <a:solidFill>
+                  <a:srgbClr val="202122"/>
+                </a:solidFill>
+                <a:effectLst/>
+                <a:latin typeface="TITUS Cyberbit Basic"/>
+              </a:rPr>
+              <a:t>.</a:t>
+            </a:r>
+            <a:br>
+              <a:rPr lang="en-US" altLang="ja-JP" sz="1400" b="0" i="0" dirty="0">
+                <a:solidFill>
+                  <a:srgbClr val="202122"/>
+                </a:solidFill>
+                <a:effectLst/>
+                <a:latin typeface="TITUS Cyberbit Basic"/>
+              </a:rPr>
+            </a:br>
+            <a:r>
+              <a:rPr lang="en-US" altLang="ja-JP" sz="1400" b="0" i="0" dirty="0">
+                <a:solidFill>
+                  <a:srgbClr val="202122"/>
+                </a:solidFill>
+                <a:effectLst/>
+                <a:latin typeface="TITUS Cyberbit Basic"/>
+              </a:rPr>
+              <a:t>          </a:t>
+            </a:r>
+            <a:r>
+              <a:rPr lang="en-US" altLang="ja-JP" sz="2000" dirty="0">
+                <a:solidFill>
+                  <a:srgbClr val="202122"/>
+                </a:solidFill>
+                <a:latin typeface="TITUS Cyberbit Basic"/>
+              </a:rPr>
+              <a:t>If the interval contains any integer it is shown in green color.</a:t>
+            </a:r>
+          </a:p>
+          <a:p>
+            <a:r>
+              <a:rPr kumimoji="1" lang="en-US" altLang="ja-JP" sz="2000" b="1" dirty="0">
+                <a:solidFill>
+                  <a:srgbClr val="0432FF"/>
+                </a:solidFill>
+              </a:rPr>
+              <a:t>-Q</a:t>
+            </a:r>
+            <a:r>
+              <a:rPr kumimoji="1" lang="en-US" altLang="ja-JP" sz="2000" dirty="0"/>
+              <a:t> : showing the numerators in a simplest way.  </a:t>
+            </a:r>
+            <a:br>
+              <a:rPr kumimoji="1" lang="en-US" altLang="ja-JP" sz="2000" dirty="0"/>
+            </a:br>
+            <a:r>
+              <a:rPr kumimoji="1" lang="en-US" altLang="ja-JP" sz="2000" dirty="0"/>
+              <a:t>         Extra1. </a:t>
+            </a:r>
+            <a:r>
+              <a:rPr lang="en-US" altLang="ja-JP" sz="2000" dirty="0"/>
+              <a:t>When only one proportion is given, </a:t>
+            </a:r>
+            <a:br>
+              <a:rPr lang="en-US" altLang="ja-JP" sz="2000" dirty="0"/>
+            </a:br>
+            <a:r>
+              <a:rPr lang="en-US" altLang="ja-JP" sz="2000" dirty="0"/>
+              <a:t>                    the denominator is shown with its prime factorization as well.</a:t>
+            </a:r>
+            <a:br>
+              <a:rPr lang="en-US" altLang="ja-JP" sz="2000" dirty="0"/>
+            </a:br>
+            <a:r>
+              <a:rPr lang="en-US" altLang="ja-JP" sz="2000" dirty="0"/>
+              <a:t>        </a:t>
+            </a:r>
+            <a:r>
+              <a:rPr kumimoji="1" lang="en-US" altLang="ja-JP" sz="2000" dirty="0"/>
+              <a:t> Extra2. To see all the numerators are odd (2q+1) or even (2q),</a:t>
+            </a:r>
+            <a:br>
+              <a:rPr kumimoji="1" lang="en-US" altLang="ja-JP" sz="2000" dirty="0"/>
+            </a:br>
+            <a:r>
+              <a:rPr kumimoji="1" lang="en-US" altLang="ja-JP" sz="2000" dirty="0"/>
+              <a:t>                     if they have a common reminder R against a devisor D,</a:t>
+            </a:r>
+            <a:br>
+              <a:rPr kumimoji="1" lang="en-US" altLang="ja-JP" sz="2000" dirty="0"/>
+            </a:br>
+            <a:r>
+              <a:rPr kumimoji="1" lang="en-US" altLang="ja-JP" sz="2000" dirty="0"/>
+              <a:t>                      they are shown with a form “(</a:t>
+            </a:r>
+            <a:r>
+              <a:rPr kumimoji="1" lang="en-US" altLang="ja-JP" sz="2000" dirty="0" err="1"/>
+              <a:t>Dq+R</a:t>
+            </a:r>
+            <a:r>
+              <a:rPr kumimoji="1" lang="en-US" altLang="ja-JP" sz="2000" dirty="0"/>
+              <a:t>)” as well.</a:t>
+            </a:r>
+            <a:br>
+              <a:rPr lang="en-US" altLang="ja-JP" sz="2000" dirty="0"/>
+            </a:br>
+            <a:endParaRPr kumimoji="1" lang="en-US" altLang="ja-JP" sz="2000" dirty="0"/>
+          </a:p>
+          <a:p>
+            <a:pPr marL="0" indent="0">
+              <a:buNone/>
+            </a:pPr>
+            <a:r>
+              <a:rPr lang="en-US" altLang="ja-JP" sz="1900" dirty="0"/>
+              <a:t>※</a:t>
+            </a:r>
+            <a:r>
+              <a:rPr lang="ja-JP" altLang="en-US" sz="1900"/>
+              <a:t> </a:t>
+            </a:r>
+            <a:r>
+              <a:rPr kumimoji="1" lang="en-US" altLang="ja-JP" sz="2000" dirty="0"/>
+              <a:t>If </a:t>
+            </a:r>
+            <a:r>
+              <a:rPr kumimoji="1" lang="en-US" altLang="ja-JP" sz="2000" b="1" dirty="0">
+                <a:solidFill>
+                  <a:srgbClr val="0432FF"/>
+                </a:solidFill>
+              </a:rPr>
+              <a:t>–D</a:t>
+            </a:r>
+            <a:r>
+              <a:rPr kumimoji="1" lang="en-US" altLang="ja-JP" sz="2000" dirty="0"/>
+              <a:t> , </a:t>
+            </a:r>
+            <a:r>
+              <a:rPr kumimoji="1" lang="en-US" altLang="ja-JP" sz="2000" b="1" dirty="0">
+                <a:solidFill>
+                  <a:srgbClr val="0432FF"/>
+                </a:solidFill>
+              </a:rPr>
+              <a:t>–I</a:t>
+            </a:r>
+            <a:r>
+              <a:rPr kumimoji="1" lang="en-US" altLang="ja-JP" sz="2000" dirty="0"/>
+              <a:t> and </a:t>
+            </a:r>
+            <a:r>
+              <a:rPr kumimoji="1" lang="en-US" altLang="ja-JP" sz="2000" b="1" dirty="0">
+                <a:solidFill>
+                  <a:srgbClr val="0432FF"/>
+                </a:solidFill>
+              </a:rPr>
+              <a:t>–Q</a:t>
+            </a:r>
+            <a:r>
+              <a:rPr kumimoji="1" lang="en-US" altLang="ja-JP" sz="2000" dirty="0"/>
+              <a:t> are not given, </a:t>
+            </a:r>
+            <a:r>
+              <a:rPr kumimoji="1" lang="en-US" altLang="ja-JP" sz="2000" b="1" dirty="0">
+                <a:solidFill>
+                  <a:srgbClr val="0432FF"/>
+                </a:solidFill>
+              </a:rPr>
+              <a:t>-D0</a:t>
+            </a:r>
+            <a:r>
+              <a:rPr kumimoji="1" lang="en-US" altLang="ja-JP" sz="2000" dirty="0"/>
+              <a:t> is regarded to be specified internally.</a:t>
+            </a:r>
+          </a:p>
+        </p:txBody>
+      </p:sp>
+      <p:sp>
+        <p:nvSpPr>
+          <p:cNvPr id="4" name="スライド番号プレースホルダー 3">
+            <a:extLst>
+              <a:ext uri="{FF2B5EF4-FFF2-40B4-BE49-F238E27FC236}">
+                <a16:creationId xmlns:a16="http://schemas.microsoft.com/office/drawing/2014/main" id="{649F05BB-B3FB-4529-3B29-6C258BEAC413}"/>
+              </a:ext>
+            </a:extLst>
+          </p:cNvPr>
+          <p:cNvSpPr>
+            <a:spLocks noGrp="1"/>
+          </p:cNvSpPr>
+          <p:nvPr>
+            <p:ph type="sldNum" sz="quarter" idx="12"/>
+          </p:nvPr>
+        </p:nvSpPr>
+        <p:spPr/>
+        <p:txBody>
+          <a:bodyPr/>
+          <a:lstStyle/>
+          <a:p>
+            <a:fld id="{63C814F0-333B-8D45-B387-98F69425B688}" type="slidenum">
+              <a:rPr kumimoji="1" lang="ja-JP" altLang="en-US" smtClean="0"/>
+              <a:t>15</a:t>
             </a:fld>
             <a:endParaRPr kumimoji="1" lang="ja-JP" altLang="en-US"/>
           </a:p>

--- a/docs2/manipulation221022sat.pptx
+++ b/docs2/manipulation221022sat.pptx
@@ -4890,7 +4890,23 @@
           <a:p>
             <a:r>
               <a:rPr kumimoji="1" lang="en-US" altLang="ja-JP" dirty="0"/>
-              <a:t>A derivative question :  when the candidates of possible integer denominators are calculated, the minimum value among them is quite often the real value. Why? </a:t>
+              <a:t>A byproduct question :  when the candidates of possible integer denominators are calculated, the </a:t>
+            </a:r>
+            <a:r>
+              <a:rPr kumimoji="1" lang="en-US" altLang="ja-JP" u="sng" dirty="0"/>
+              <a:t>minimum value</a:t>
+            </a:r>
+            <a:r>
+              <a:rPr kumimoji="1" lang="en-US" altLang="ja-JP" dirty="0"/>
+              <a:t> among them is quite often </a:t>
+            </a:r>
+            <a:r>
+              <a:rPr kumimoji="1" lang="en-US" altLang="ja-JP"/>
+              <a:t>the true </a:t>
+            </a:r>
+            <a:r>
+              <a:rPr kumimoji="1" lang="en-US" altLang="ja-JP" dirty="0"/>
+              <a:t>value. Why? </a:t>
             </a:r>
             <a:endParaRPr kumimoji="1" lang="ja-JP" altLang="en-US"/>
           </a:p>

--- a/docs2/manipulation221022sat.pptx
+++ b/docs2/manipulation221022sat.pptx
@@ -4845,7 +4845,7 @@
               <a:t>and this article says the original number is </a:t>
             </a:r>
             <a:r>
-              <a:rPr lang="en-US" altLang="ja-JP" b="1" dirty="0">
+              <a:rPr lang="en-US" altLang="ja-JP" b="1" u="sng" dirty="0">
                 <a:solidFill>
                   <a:srgbClr val="0432FF"/>
                 </a:solidFill>
@@ -4874,23 +4874,50 @@
         </p:nvSpPr>
         <p:spPr>
           <a:xfrm>
-            <a:off x="767443" y="5633357"/>
-            <a:ext cx="7543800" cy="923330"/>
+            <a:off x="767443" y="5543553"/>
+            <a:ext cx="7543800" cy="1194512"/>
           </a:xfrm>
           <a:prstGeom prst="rect">
             <a:avLst/>
           </a:prstGeom>
-          <a:noFill/>
+          <a:solidFill>
+            <a:srgbClr val="F7CDF0"/>
+          </a:solidFill>
+          <a:effectLst>
+            <a:softEdge rad="87357"/>
+          </a:effectLst>
         </p:spPr>
         <p:txBody>
-          <a:bodyPr wrap="square" rtlCol="0">
+          <a:bodyPr wrap="square" lIns="180000" tIns="180000" rIns="180000" bIns="180000" rtlCol="0">
             <a:spAutoFit/>
           </a:bodyPr>
           <a:lstStyle/>
           <a:p>
             <a:r>
               <a:rPr kumimoji="1" lang="en-US" altLang="ja-JP" dirty="0"/>
-              <a:t>A derivative question :  when the candidates of possible integer denominators are calculated, the minimum value among them is quite often the real value. Why? </a:t>
+              <a:t>A byproduct question :  when the candidates of possible integer</a:t>
+            </a:r>
+            <a:br>
+              <a:rPr kumimoji="1" lang="en-US" altLang="ja-JP" dirty="0"/>
+            </a:br>
+            <a:r>
+              <a:rPr kumimoji="1" lang="en-US" altLang="ja-JP" dirty="0"/>
+              <a:t>       denominators are calculated, the </a:t>
+            </a:r>
+            <a:r>
+              <a:rPr kumimoji="1" lang="en-US" altLang="ja-JP" u="sng" dirty="0"/>
+              <a:t>minimum value</a:t>
+            </a:r>
+            <a:r>
+              <a:rPr kumimoji="1" lang="en-US" altLang="ja-JP" dirty="0"/>
+              <a:t> among them is</a:t>
+            </a:r>
+            <a:br>
+              <a:rPr kumimoji="1" lang="en-US" altLang="ja-JP" dirty="0"/>
+            </a:br>
+            <a:r>
+              <a:rPr kumimoji="1" lang="en-US" altLang="ja-JP" dirty="0"/>
+              <a:t>       quite often the true value.  Why? </a:t>
             </a:r>
             <a:endParaRPr kumimoji="1" lang="ja-JP" altLang="en-US"/>
           </a:p>
